--- a/documentacao/Especificacao_Sistema_Informacao/android/IPL-TeSP-AMSI-SARAMAGO.pptx
+++ b/documentacao/Especificacao_Sistema_Informacao/android/IPL-TeSP-AMSI-SARAMAGO.pptx
@@ -236,7 +236,7 @@
           <a:p>
             <a:fld id="{5AA774DA-5E7A-4E8E-9D7E-8A8FDC2213D4}" type="datetimeFigureOut">
               <a:rPr lang="pt-PT" smtClean="0"/>
-              <a:t>06/11/20</a:t>
+              <a:t>06/11/2020</a:t>
             </a:fld>
             <a:endParaRPr lang="pt-PT"/>
           </a:p>
@@ -401,7 +401,7 @@
           <a:p>
             <a:fld id="{943A8C7F-B61F-4F96-990B-EDC6C319C29A}" type="datetimeFigureOut">
               <a:rPr lang="pt-PT" smtClean="0"/>
-              <a:t>06/11/20</a:t>
+              <a:t>06/11/2020</a:t>
             </a:fld>
             <a:endParaRPr lang="pt-PT"/>
           </a:p>
@@ -2169,7 +2169,7 @@
           <a:p>
             <a:fld id="{072B68A2-DF16-4934-A34C-AA80396E6A53}" type="datetime1">
               <a:rPr lang="pt-PT" smtClean="0"/>
-              <a:t>06/11/20</a:t>
+              <a:t>06/11/2020</a:t>
             </a:fld>
             <a:endParaRPr lang="pt-PT"/>
           </a:p>
@@ -2350,7 +2350,7 @@
           <a:p>
             <a:fld id="{BF0AC927-E5F3-4086-A648-4C4C56843793}" type="datetime1">
               <a:rPr lang="pt-PT" smtClean="0"/>
-              <a:t>06/11/20</a:t>
+              <a:t>06/11/2020</a:t>
             </a:fld>
             <a:endParaRPr lang="pt-PT"/>
           </a:p>
@@ -2593,7 +2593,7 @@
           <a:p>
             <a:fld id="{C9BD1F6B-DEBF-4E8C-A34C-A26C9DE8A19D}" type="datetimeFigureOut">
               <a:rPr lang="pt-PT" smtClean="0"/>
-              <a:t>06/11/20</a:t>
+              <a:t>06/11/2020</a:t>
             </a:fld>
             <a:endParaRPr lang="pt-PT"/>
           </a:p>
@@ -2761,7 +2761,7 @@
           <a:p>
             <a:fld id="{C9BD1F6B-DEBF-4E8C-A34C-A26C9DE8A19D}" type="datetimeFigureOut">
               <a:rPr lang="pt-PT" smtClean="0"/>
-              <a:t>06/11/20</a:t>
+              <a:t>06/11/2020</a:t>
             </a:fld>
             <a:endParaRPr lang="pt-PT"/>
           </a:p>
@@ -3006,7 +3006,7 @@
           <a:p>
             <a:fld id="{C9BD1F6B-DEBF-4E8C-A34C-A26C9DE8A19D}" type="datetimeFigureOut">
               <a:rPr lang="pt-PT" smtClean="0"/>
-              <a:t>06/11/20</a:t>
+              <a:t>06/11/2020</a:t>
             </a:fld>
             <a:endParaRPr lang="pt-PT"/>
           </a:p>
@@ -3291,7 +3291,7 @@
           <a:p>
             <a:fld id="{C9BD1F6B-DEBF-4E8C-A34C-A26C9DE8A19D}" type="datetimeFigureOut">
               <a:rPr lang="pt-PT" smtClean="0"/>
-              <a:t>06/11/20</a:t>
+              <a:t>06/11/2020</a:t>
             </a:fld>
             <a:endParaRPr lang="pt-PT"/>
           </a:p>
@@ -3710,7 +3710,7 @@
           <a:p>
             <a:fld id="{C9BD1F6B-DEBF-4E8C-A34C-A26C9DE8A19D}" type="datetimeFigureOut">
               <a:rPr lang="pt-PT" smtClean="0"/>
-              <a:t>06/11/20</a:t>
+              <a:t>06/11/2020</a:t>
             </a:fld>
             <a:endParaRPr lang="pt-PT"/>
           </a:p>
@@ -3827,7 +3827,7 @@
           <a:p>
             <a:fld id="{C9BD1F6B-DEBF-4E8C-A34C-A26C9DE8A19D}" type="datetimeFigureOut">
               <a:rPr lang="pt-PT" smtClean="0"/>
-              <a:t>06/11/20</a:t>
+              <a:t>06/11/2020</a:t>
             </a:fld>
             <a:endParaRPr lang="pt-PT"/>
           </a:p>
@@ -3922,7 +3922,7 @@
           <a:p>
             <a:fld id="{C9BD1F6B-DEBF-4E8C-A34C-A26C9DE8A19D}" type="datetimeFigureOut">
               <a:rPr lang="pt-PT" smtClean="0"/>
-              <a:t>06/11/20</a:t>
+              <a:t>06/11/2020</a:t>
             </a:fld>
             <a:endParaRPr lang="pt-PT"/>
           </a:p>
@@ -4197,7 +4197,7 @@
           <a:p>
             <a:fld id="{C9BD1F6B-DEBF-4E8C-A34C-A26C9DE8A19D}" type="datetimeFigureOut">
               <a:rPr lang="pt-PT" smtClean="0"/>
-              <a:t>06/11/20</a:t>
+              <a:t>06/11/2020</a:t>
             </a:fld>
             <a:endParaRPr lang="pt-PT"/>
           </a:p>
@@ -4479,7 +4479,7 @@
           <a:p>
             <a:fld id="{C9BD1F6B-DEBF-4E8C-A34C-A26C9DE8A19D}" type="datetimeFigureOut">
               <a:rPr lang="pt-PT" smtClean="0"/>
-              <a:t>06/11/20</a:t>
+              <a:t>06/11/2020</a:t>
             </a:fld>
             <a:endParaRPr lang="pt-PT"/>
           </a:p>
@@ -4647,7 +4647,7 @@
           <a:p>
             <a:fld id="{C9BD1F6B-DEBF-4E8C-A34C-A26C9DE8A19D}" type="datetimeFigureOut">
               <a:rPr lang="pt-PT" smtClean="0"/>
-              <a:t>06/11/20</a:t>
+              <a:t>06/11/2020</a:t>
             </a:fld>
             <a:endParaRPr lang="pt-PT"/>
           </a:p>
@@ -4825,7 +4825,7 @@
           <a:p>
             <a:fld id="{C9BD1F6B-DEBF-4E8C-A34C-A26C9DE8A19D}" type="datetimeFigureOut">
               <a:rPr lang="pt-PT" smtClean="0"/>
-              <a:t>06/11/20</a:t>
+              <a:t>06/11/2020</a:t>
             </a:fld>
             <a:endParaRPr lang="pt-PT"/>
           </a:p>
@@ -5070,7 +5070,7 @@
           <a:p>
             <a:fld id="{82F8E6BE-7169-4F30-B02D-127E17EFE7BD}" type="datetime1">
               <a:rPr lang="pt-PT" smtClean="0"/>
-              <a:t>06/11/20</a:t>
+              <a:t>06/11/2020</a:t>
             </a:fld>
             <a:endParaRPr lang="pt-PT"/>
           </a:p>
@@ -5358,7 +5358,7 @@
           <a:p>
             <a:fld id="{44A775F6-5FDA-4ECF-8E58-4C28CD304AB8}" type="datetime1">
               <a:rPr lang="pt-PT" smtClean="0"/>
-              <a:t>06/11/20</a:t>
+              <a:t>06/11/2020</a:t>
             </a:fld>
             <a:endParaRPr lang="pt-PT"/>
           </a:p>
@@ -5780,7 +5780,7 @@
           <a:p>
             <a:fld id="{36C954FD-F9EA-41F0-B432-C6B1E12C5B73}" type="datetime1">
               <a:rPr lang="pt-PT" smtClean="0"/>
-              <a:t>06/11/20</a:t>
+              <a:t>06/11/2020</a:t>
             </a:fld>
             <a:endParaRPr lang="pt-PT"/>
           </a:p>
@@ -5900,7 +5900,7 @@
           <a:p>
             <a:fld id="{750D741E-6575-4855-A7C9-3E36F1663D6A}" type="datetime1">
               <a:rPr lang="pt-PT" smtClean="0"/>
-              <a:t>06/11/20</a:t>
+              <a:t>06/11/2020</a:t>
             </a:fld>
             <a:endParaRPr lang="pt-PT"/>
           </a:p>
@@ -5998,7 +5998,7 @@
           <a:p>
             <a:fld id="{3E8A02DA-691F-499F-BD19-21E24581B95D}" type="datetime1">
               <a:rPr lang="pt-PT" smtClean="0"/>
-              <a:t>06/11/20</a:t>
+              <a:t>06/11/2020</a:t>
             </a:fld>
             <a:endParaRPr lang="pt-PT"/>
           </a:p>
@@ -6276,7 +6276,7 @@
           <a:p>
             <a:fld id="{F8983301-41D7-48A1-82E3-854CFFE1DCBD}" type="datetime1">
               <a:rPr lang="pt-PT" smtClean="0"/>
-              <a:t>06/11/20</a:t>
+              <a:t>06/11/2020</a:t>
             </a:fld>
             <a:endParaRPr lang="pt-PT"/>
           </a:p>
@@ -6531,7 +6531,7 @@
           <a:p>
             <a:fld id="{F7E7A2E2-E3D6-44B5-90B2-C5C9BC1DB37F}" type="datetime1">
               <a:rPr lang="pt-PT" smtClean="0"/>
-              <a:t>06/11/20</a:t>
+              <a:t>06/11/2020</a:t>
             </a:fld>
             <a:endParaRPr lang="pt-PT"/>
           </a:p>
@@ -6745,7 +6745,7 @@
           <a:p>
             <a:fld id="{5AD6DE56-D669-499F-9E2A-D55F52CC8B5D}" type="datetime1">
               <a:rPr lang="pt-PT" smtClean="0"/>
-              <a:t>06/11/20</a:t>
+              <a:t>06/11/2020</a:t>
             </a:fld>
             <a:endParaRPr lang="pt-PT"/>
           </a:p>
@@ -7257,7 +7257,7 @@
           <a:p>
             <a:fld id="{C9BD1F6B-DEBF-4E8C-A34C-A26C9DE8A19D}" type="datetimeFigureOut">
               <a:rPr lang="pt-PT" smtClean="0"/>
-              <a:t>06/11/20</a:t>
+              <a:t>06/11/2020</a:t>
             </a:fld>
             <a:endParaRPr lang="pt-PT"/>
           </a:p>
@@ -7647,7 +7647,7 @@
           <p:nvPr/>
         </p:nvPicPr>
         <p:blipFill>
-          <a:blip r:embed="rId2">
+          <a:blip r:embed="rId2" cstate="print">
             <a:extLst>
               <a:ext uri="{28A0092B-C50C-407E-A947-70E740481C1C}">
                 <a14:useLocalDpi xmlns:a14="http://schemas.microsoft.com/office/drawing/2010/main" val="0"/>
@@ -7981,7 +7981,7 @@
             <a:fld id="{C2DE1785-620F-4DE8-A7D0-6CC8413DFAC9}" type="datetime1">
               <a:rPr lang="pt-PT" sz="800" b="1" smtClean="0"/>
               <a:pPr/>
-              <a:t>06/11/20</a:t>
+              <a:t>06/11/2020</a:t>
             </a:fld>
             <a:endParaRPr lang="pt-PT" sz="800" b="1" dirty="0"/>
           </a:p>
@@ -8002,7 +8002,7 @@
           <p:nvPr/>
         </p:nvPicPr>
         <p:blipFill>
-          <a:blip r:embed="rId2">
+          <a:blip r:embed="rId4" cstate="print">
             <a:extLst>
               <a:ext uri="{28A0092B-C50C-407E-A947-70E740481C1C}">
                 <a14:useLocalDpi xmlns:a14="http://schemas.microsoft.com/office/drawing/2010/main" val="0"/>
@@ -8387,7 +8387,7 @@
             <a:fld id="{C2DE1785-620F-4DE8-A7D0-6CC8413DFAC9}" type="datetime1">
               <a:rPr lang="pt-PT" sz="800" b="1" smtClean="0"/>
               <a:pPr/>
-              <a:t>06/11/20</a:t>
+              <a:t>06/11/2020</a:t>
             </a:fld>
             <a:endParaRPr lang="pt-PT" sz="800" b="1" dirty="0"/>
           </a:p>
@@ -8563,14 +8563,14 @@
           <p:nvPr>
             <p:extLst>
               <p:ext uri="{D42A27DB-BD31-4B8C-83A1-F6EECF244321}">
-                <p14:modId xmlns:p14="http://schemas.microsoft.com/office/powerpoint/2010/main" val="2914879925"/>
+                <p14:modId xmlns:p14="http://schemas.microsoft.com/office/powerpoint/2010/main" val="724632016"/>
               </p:ext>
             </p:extLst>
           </p:nvPr>
         </p:nvGraphicFramePr>
         <p:xfrm>
-          <a:off x="6323248" y="859884"/>
-          <a:ext cx="1175792" cy="4079240"/>
+          <a:off x="6306272" y="686966"/>
+          <a:ext cx="1175792" cy="4023360"/>
         </p:xfrm>
         <a:graphic>
           <a:graphicData uri="http://schemas.openxmlformats.org/drawingml/2006/table">
@@ -8587,7 +8587,7 @@
                   </a:extLst>
                 </a:gridCol>
               </a:tblGrid>
-              <a:tr h="370840">
+              <a:tr h="293297">
                 <a:tc>
                   <a:txBody>
                     <a:bodyPr/>
@@ -8607,13 +8607,16 @@
                   </a:ext>
                 </a:extLst>
               </a:tr>
-              <a:tr h="370840">
+              <a:tr h="293297">
                 <a:tc>
                   <a:txBody>
                     <a:bodyPr/>
                     <a:lstStyle/>
                     <a:p>
-                      <a:endParaRPr lang="pt-PT"/>
+                      <a:r>
+                        <a:rPr lang="pt-PT" sz="1400" dirty="0"/>
+                        <a:t>06/11</a:t>
+                      </a:r>
                     </a:p>
                   </a:txBody>
                   <a:tcPr/>
@@ -8624,13 +8627,30 @@
                   </a:ext>
                 </a:extLst>
               </a:tr>
-              <a:tr h="370840">
+              <a:tr h="293297">
                 <a:tc>
                   <a:txBody>
                     <a:bodyPr/>
                     <a:lstStyle/>
                     <a:p>
-                      <a:endParaRPr lang="pt-PT"/>
+                      <a:r>
+                        <a:rPr kumimoji="0" lang="pt-PT" sz="1400" b="0" i="0" u="none" strike="noStrike" kern="1200" cap="none" spc="0" normalizeH="0" baseline="0" noProof="0" dirty="0">
+                          <a:ln>
+                            <a:noFill/>
+                          </a:ln>
+                          <a:solidFill>
+                            <a:prstClr val="black"/>
+                          </a:solidFill>
+                          <a:effectLst/>
+                          <a:uLnTx/>
+                          <a:uFillTx/>
+                          <a:latin typeface="+mn-lt"/>
+                          <a:ea typeface="+mn-ea"/>
+                          <a:cs typeface="+mn-cs"/>
+                        </a:rPr>
+                        <a:t>13/11</a:t>
+                      </a:r>
+                      <a:endParaRPr lang="pt-PT" dirty="0"/>
                     </a:p>
                   </a:txBody>
                   <a:tcPr/>
@@ -8641,13 +8661,16 @@
                   </a:ext>
                 </a:extLst>
               </a:tr>
-              <a:tr h="370840">
+              <a:tr h="293297">
                 <a:tc>
                   <a:txBody>
                     <a:bodyPr/>
                     <a:lstStyle/>
                     <a:p>
-                      <a:endParaRPr lang="pt-PT"/>
+                      <a:r>
+                        <a:rPr lang="pt-PT" sz="1400" dirty="0"/>
+                        <a:t>18/11</a:t>
+                      </a:r>
                     </a:p>
                   </a:txBody>
                   <a:tcPr/>
@@ -8658,13 +8681,16 @@
                   </a:ext>
                 </a:extLst>
               </a:tr>
-              <a:tr h="370840">
+              <a:tr h="293297">
                 <a:tc>
                   <a:txBody>
                     <a:bodyPr/>
                     <a:lstStyle/>
                     <a:p>
-                      <a:endParaRPr lang="pt-PT"/>
+                      <a:r>
+                        <a:rPr lang="pt-PT" sz="1400" dirty="0"/>
+                        <a:t>18/11</a:t>
+                      </a:r>
                     </a:p>
                   </a:txBody>
                   <a:tcPr/>
@@ -8675,13 +8701,16 @@
                   </a:ext>
                 </a:extLst>
               </a:tr>
-              <a:tr h="370840">
+              <a:tr h="293297">
                 <a:tc>
                   <a:txBody>
                     <a:bodyPr/>
                     <a:lstStyle/>
                     <a:p>
-                      <a:endParaRPr lang="pt-PT"/>
+                      <a:r>
+                        <a:rPr lang="pt-PT" sz="1400" dirty="0"/>
+                        <a:t>18/11</a:t>
+                      </a:r>
                     </a:p>
                   </a:txBody>
                   <a:tcPr/>
@@ -8692,13 +8721,16 @@
                   </a:ext>
                 </a:extLst>
               </a:tr>
-              <a:tr h="370840">
+              <a:tr h="293297">
                 <a:tc>
                   <a:txBody>
                     <a:bodyPr/>
                     <a:lstStyle/>
                     <a:p>
-                      <a:endParaRPr lang="pt-PT"/>
+                      <a:r>
+                        <a:rPr lang="pt-PT" sz="1400" dirty="0"/>
+                        <a:t>23/11</a:t>
+                      </a:r>
                     </a:p>
                   </a:txBody>
                   <a:tcPr/>
@@ -8709,13 +8741,16 @@
                   </a:ext>
                 </a:extLst>
               </a:tr>
-              <a:tr h="370840">
+              <a:tr h="293297">
                 <a:tc>
                   <a:txBody>
                     <a:bodyPr/>
                     <a:lstStyle/>
                     <a:p>
-                      <a:endParaRPr lang="pt-PT"/>
+                      <a:r>
+                        <a:rPr lang="pt-PT" sz="1400" dirty="0"/>
+                        <a:t>28/11</a:t>
+                      </a:r>
                     </a:p>
                   </a:txBody>
                   <a:tcPr/>
@@ -8726,13 +8761,16 @@
                   </a:ext>
                 </a:extLst>
               </a:tr>
-              <a:tr h="370840">
+              <a:tr h="293297">
                 <a:tc>
                   <a:txBody>
                     <a:bodyPr/>
                     <a:lstStyle/>
                     <a:p>
-                      <a:endParaRPr lang="pt-PT"/>
+                      <a:r>
+                        <a:rPr lang="pt-PT" sz="1400" dirty="0"/>
+                        <a:t>30/11</a:t>
+                      </a:r>
                     </a:p>
                   </a:txBody>
                   <a:tcPr/>
@@ -8743,13 +8781,16 @@
                   </a:ext>
                 </a:extLst>
               </a:tr>
-              <a:tr h="370840">
+              <a:tr h="293297">
                 <a:tc>
                   <a:txBody>
                     <a:bodyPr/>
                     <a:lstStyle/>
                     <a:p>
-                      <a:endParaRPr lang="pt-PT"/>
+                      <a:r>
+                        <a:rPr lang="pt-PT" sz="1400" dirty="0"/>
+                        <a:t>01/12</a:t>
+                      </a:r>
                     </a:p>
                   </a:txBody>
                   <a:tcPr/>
@@ -8760,13 +8801,36 @@
                   </a:ext>
                 </a:extLst>
               </a:tr>
-              <a:tr h="370840">
+              <a:tr h="293297">
                 <a:tc>
                   <a:txBody>
                     <a:bodyPr/>
                     <a:lstStyle/>
                     <a:p>
-                      <a:endParaRPr lang="pt-PT" dirty="0"/>
+                      <a:r>
+                        <a:rPr lang="pt-PT" sz="1400" dirty="0"/>
+                        <a:t>05/12</a:t>
+                      </a:r>
+                    </a:p>
+                  </a:txBody>
+                  <a:tcPr/>
+                </a:tc>
+                <a:extLst>
+                  <a:ext uri="{0D108BD9-81ED-4DB2-BD59-A6C34878D82A}">
+                    <a16:rowId xmlns:a16="http://schemas.microsoft.com/office/drawing/2014/main" val="14536281"/>
+                  </a:ext>
+                </a:extLst>
+              </a:tr>
+              <a:tr h="293297">
+                <a:tc>
+                  <a:txBody>
+                    <a:bodyPr/>
+                    <a:lstStyle/>
+                    <a:p>
+                      <a:r>
+                        <a:rPr lang="pt-PT" sz="1400" dirty="0"/>
+                        <a:t>06/12</a:t>
+                      </a:r>
                     </a:p>
                   </a:txBody>
                   <a:tcPr/>
@@ -8774,6 +8838,26 @@
                 <a:extLst>
                   <a:ext uri="{0D108BD9-81ED-4DB2-BD59-A6C34878D82A}">
                     <a16:rowId xmlns:a16="http://schemas.microsoft.com/office/drawing/2014/main" val="1469502172"/>
+                  </a:ext>
+                </a:extLst>
+              </a:tr>
+              <a:tr h="293297">
+                <a:tc>
+                  <a:txBody>
+                    <a:bodyPr/>
+                    <a:lstStyle/>
+                    <a:p>
+                      <a:r>
+                        <a:rPr lang="pt-PT" sz="1400" dirty="0"/>
+                        <a:t>08/12</a:t>
+                      </a:r>
+                    </a:p>
+                  </a:txBody>
+                  <a:tcPr/>
+                </a:tc>
+                <a:extLst>
+                  <a:ext uri="{0D108BD9-81ED-4DB2-BD59-A6C34878D82A}">
+                    <a16:rowId xmlns:a16="http://schemas.microsoft.com/office/drawing/2014/main" val="2293800409"/>
                   </a:ext>
                 </a:extLst>
               </a:tr>
@@ -9145,7 +9229,7 @@
             <a:fld id="{C2DE1785-620F-4DE8-A7D0-6CC8413DFAC9}" type="datetime1">
               <a:rPr lang="pt-PT" sz="800" b="1" smtClean="0"/>
               <a:pPr/>
-              <a:t>06/11/20</a:t>
+              <a:t>06/11/2020</a:t>
             </a:fld>
             <a:endParaRPr lang="pt-PT" sz="800" b="1" dirty="0"/>
           </a:p>
@@ -9288,11 +9372,17 @@
           <p:cNvGraphicFramePr>
             <a:graphicFrameLocks noGrp="1"/>
           </p:cNvGraphicFramePr>
-          <p:nvPr/>
+          <p:nvPr>
+            <p:extLst>
+              <p:ext uri="{D42A27DB-BD31-4B8C-83A1-F6EECF244321}">
+                <p14:modId xmlns:p14="http://schemas.microsoft.com/office/powerpoint/2010/main" val="1048655853"/>
+              </p:ext>
+            </p:extLst>
+          </p:nvPr>
         </p:nvGraphicFramePr>
         <p:xfrm>
-          <a:off x="6323248" y="859884"/>
-          <a:ext cx="1175792" cy="4079240"/>
+          <a:off x="6323248" y="511842"/>
+          <a:ext cx="1175792" cy="4328160"/>
         </p:xfrm>
         <a:graphic>
           <a:graphicData uri="http://schemas.openxmlformats.org/drawingml/2006/table">
@@ -9309,7 +9399,7 @@
                   </a:extLst>
                 </a:gridCol>
               </a:tblGrid>
-              <a:tr h="370840">
+              <a:tr h="350662">
                 <a:tc>
                   <a:txBody>
                     <a:bodyPr/>
@@ -9329,13 +9419,16 @@
                   </a:ext>
                 </a:extLst>
               </a:tr>
-              <a:tr h="370840">
+              <a:tr h="292219">
                 <a:tc>
                   <a:txBody>
                     <a:bodyPr/>
                     <a:lstStyle/>
                     <a:p>
-                      <a:endParaRPr lang="pt-PT"/>
+                      <a:r>
+                        <a:rPr lang="pt-PT" sz="1400" dirty="0"/>
+                        <a:t>20/12</a:t>
+                      </a:r>
                     </a:p>
                   </a:txBody>
                   <a:tcPr/>
@@ -9346,13 +9439,16 @@
                   </a:ext>
                 </a:extLst>
               </a:tr>
-              <a:tr h="370840">
+              <a:tr h="292219">
                 <a:tc>
                   <a:txBody>
                     <a:bodyPr/>
                     <a:lstStyle/>
                     <a:p>
-                      <a:endParaRPr lang="pt-PT"/>
+                      <a:r>
+                        <a:rPr lang="pt-PT" sz="1400" dirty="0"/>
+                        <a:t>20/12</a:t>
+                      </a:r>
                     </a:p>
                   </a:txBody>
                   <a:tcPr/>
@@ -9363,13 +9459,16 @@
                   </a:ext>
                 </a:extLst>
               </a:tr>
-              <a:tr h="370840">
+              <a:tr h="292219">
                 <a:tc>
                   <a:txBody>
                     <a:bodyPr/>
                     <a:lstStyle/>
                     <a:p>
-                      <a:endParaRPr lang="pt-PT"/>
+                      <a:r>
+                        <a:rPr lang="pt-PT" sz="1400" dirty="0"/>
+                        <a:t>21/12</a:t>
+                      </a:r>
                     </a:p>
                   </a:txBody>
                   <a:tcPr/>
@@ -9380,13 +9479,16 @@
                   </a:ext>
                 </a:extLst>
               </a:tr>
-              <a:tr h="370840">
+              <a:tr h="292219">
                 <a:tc>
                   <a:txBody>
                     <a:bodyPr/>
                     <a:lstStyle/>
                     <a:p>
-                      <a:endParaRPr lang="pt-PT"/>
+                      <a:r>
+                        <a:rPr lang="pt-PT" sz="1400" dirty="0"/>
+                        <a:t>22/12</a:t>
+                      </a:r>
                     </a:p>
                   </a:txBody>
                   <a:tcPr/>
@@ -9397,13 +9499,16 @@
                   </a:ext>
                 </a:extLst>
               </a:tr>
-              <a:tr h="370840">
+              <a:tr h="292219">
                 <a:tc>
                   <a:txBody>
                     <a:bodyPr/>
                     <a:lstStyle/>
                     <a:p>
-                      <a:endParaRPr lang="pt-PT"/>
+                      <a:r>
+                        <a:rPr lang="pt-PT" sz="1400" dirty="0"/>
+                        <a:t>23/12</a:t>
+                      </a:r>
                     </a:p>
                   </a:txBody>
                   <a:tcPr/>
@@ -9414,13 +9519,16 @@
                   </a:ext>
                 </a:extLst>
               </a:tr>
-              <a:tr h="370840">
+              <a:tr h="292219">
                 <a:tc>
                   <a:txBody>
                     <a:bodyPr/>
                     <a:lstStyle/>
                     <a:p>
-                      <a:endParaRPr lang="pt-PT"/>
+                      <a:r>
+                        <a:rPr lang="pt-PT" sz="1400" dirty="0"/>
+                        <a:t>30/12</a:t>
+                      </a:r>
                     </a:p>
                   </a:txBody>
                   <a:tcPr/>
@@ -9431,13 +9539,16 @@
                   </a:ext>
                 </a:extLst>
               </a:tr>
-              <a:tr h="370840">
+              <a:tr h="292219">
                 <a:tc>
                   <a:txBody>
                     <a:bodyPr/>
                     <a:lstStyle/>
                     <a:p>
-                      <a:endParaRPr lang="pt-PT"/>
+                      <a:r>
+                        <a:rPr lang="pt-PT" sz="1400" dirty="0"/>
+                        <a:t>03/01</a:t>
+                      </a:r>
                     </a:p>
                   </a:txBody>
                   <a:tcPr/>
@@ -9448,13 +9559,16 @@
                   </a:ext>
                 </a:extLst>
               </a:tr>
-              <a:tr h="370840">
+              <a:tr h="292219">
                 <a:tc>
                   <a:txBody>
                     <a:bodyPr/>
                     <a:lstStyle/>
                     <a:p>
-                      <a:endParaRPr lang="pt-PT"/>
+                      <a:r>
+                        <a:rPr lang="pt-PT" sz="1400" dirty="0"/>
+                        <a:t>03/01</a:t>
+                      </a:r>
                     </a:p>
                   </a:txBody>
                   <a:tcPr/>
@@ -9465,13 +9579,16 @@
                   </a:ext>
                 </a:extLst>
               </a:tr>
-              <a:tr h="370840">
+              <a:tr h="292219">
                 <a:tc>
                   <a:txBody>
                     <a:bodyPr/>
                     <a:lstStyle/>
                     <a:p>
-                      <a:endParaRPr lang="pt-PT"/>
+                      <a:r>
+                        <a:rPr lang="pt-PT" sz="1400" dirty="0"/>
+                        <a:t>03/01</a:t>
+                      </a:r>
                     </a:p>
                   </a:txBody>
                   <a:tcPr/>
@@ -9482,13 +9599,16 @@
                   </a:ext>
                 </a:extLst>
               </a:tr>
-              <a:tr h="370840">
+              <a:tr h="292219">
                 <a:tc>
                   <a:txBody>
                     <a:bodyPr/>
                     <a:lstStyle/>
                     <a:p>
-                      <a:endParaRPr lang="pt-PT" dirty="0"/>
+                      <a:r>
+                        <a:rPr lang="pt-PT" sz="1400" dirty="0"/>
+                        <a:t>04/01</a:t>
+                      </a:r>
                     </a:p>
                   </a:txBody>
                   <a:tcPr/>
@@ -9496,6 +9616,66 @@
                 <a:extLst>
                   <a:ext uri="{0D108BD9-81ED-4DB2-BD59-A6C34878D82A}">
                     <a16:rowId xmlns:a16="http://schemas.microsoft.com/office/drawing/2014/main" val="1469502172"/>
+                  </a:ext>
+                </a:extLst>
+              </a:tr>
+              <a:tr h="292219">
+                <a:tc>
+                  <a:txBody>
+                    <a:bodyPr/>
+                    <a:lstStyle/>
+                    <a:p>
+                      <a:r>
+                        <a:rPr lang="pt-PT" sz="1400" dirty="0"/>
+                        <a:t>04/01</a:t>
+                      </a:r>
+                    </a:p>
+                  </a:txBody>
+                  <a:tcPr/>
+                </a:tc>
+                <a:extLst>
+                  <a:ext uri="{0D108BD9-81ED-4DB2-BD59-A6C34878D82A}">
+                    <a16:rowId xmlns:a16="http://schemas.microsoft.com/office/drawing/2014/main" val="3520037152"/>
+                  </a:ext>
+                </a:extLst>
+              </a:tr>
+              <a:tr h="292219">
+                <a:tc>
+                  <a:txBody>
+                    <a:bodyPr/>
+                    <a:lstStyle/>
+                    <a:p>
+                      <a:r>
+                        <a:rPr lang="pt-PT" sz="1400" dirty="0"/>
+                        <a:t>09/01</a:t>
+                      </a:r>
+                    </a:p>
+                  </a:txBody>
+                  <a:tcPr/>
+                </a:tc>
+                <a:extLst>
+                  <a:ext uri="{0D108BD9-81ED-4DB2-BD59-A6C34878D82A}">
+                    <a16:rowId xmlns:a16="http://schemas.microsoft.com/office/drawing/2014/main" val="2053608461"/>
+                  </a:ext>
+                </a:extLst>
+              </a:tr>
+              <a:tr h="292219">
+                <a:tc>
+                  <a:txBody>
+                    <a:bodyPr/>
+                    <a:lstStyle/>
+                    <a:p>
+                      <a:r>
+                        <a:rPr lang="pt-PT" sz="1400" dirty="0"/>
+                        <a:t>14/01</a:t>
+                      </a:r>
+                    </a:p>
+                  </a:txBody>
+                  <a:tcPr/>
+                </a:tc>
+                <a:extLst>
+                  <a:ext uri="{0D108BD9-81ED-4DB2-BD59-A6C34878D82A}">
+                    <a16:rowId xmlns:a16="http://schemas.microsoft.com/office/drawing/2014/main" val="316557193"/>
                   </a:ext>
                 </a:extLst>
               </a:tr>
@@ -10128,7 +10308,7 @@
             <a:fld id="{C2DE1785-620F-4DE8-A7D0-6CC8413DFAC9}" type="datetime1">
               <a:rPr lang="pt-PT" sz="800" b="1" smtClean="0"/>
               <a:pPr/>
-              <a:t>06/11/20</a:t>
+              <a:t>06/11/2020</a:t>
             </a:fld>
             <a:endParaRPr lang="pt-PT" sz="800" b="1" dirty="0"/>
           </a:p>
@@ -10701,7 +10881,7 @@
             <a:fld id="{C2DE1785-620F-4DE8-A7D0-6CC8413DFAC9}" type="datetime1">
               <a:rPr lang="pt-PT" sz="800" b="1" smtClean="0"/>
               <a:pPr/>
-              <a:t>06/11/20</a:t>
+              <a:t>06/11/2020</a:t>
             </a:fld>
             <a:endParaRPr lang="pt-PT" sz="800" b="1" dirty="0"/>
           </a:p>
@@ -11311,7 +11491,7 @@
             <a:fld id="{C2DE1785-620F-4DE8-A7D0-6CC8413DFAC9}" type="datetime1">
               <a:rPr lang="pt-PT" sz="800" b="1" smtClean="0"/>
               <a:pPr/>
-              <a:t>06/11/20</a:t>
+              <a:t>06/11/2020</a:t>
             </a:fld>
             <a:endParaRPr lang="pt-PT" sz="800" b="1" dirty="0"/>
           </a:p>
@@ -11806,7 +11986,7 @@
             <a:fld id="{C2DE1785-620F-4DE8-A7D0-6CC8413DFAC9}" type="datetime1">
               <a:rPr lang="pt-PT" sz="800" b="1" smtClean="0"/>
               <a:pPr/>
-              <a:t>06/11/20</a:t>
+              <a:t>06/11/2020</a:t>
             </a:fld>
             <a:endParaRPr lang="pt-PT" sz="800" b="1" dirty="0"/>
           </a:p>
@@ -12394,7 +12574,7 @@
             <a:fld id="{C2DE1785-620F-4DE8-A7D0-6CC8413DFAC9}" type="datetime1">
               <a:rPr lang="pt-PT" sz="800" b="1" smtClean="0"/>
               <a:pPr/>
-              <a:t>06/11/20</a:t>
+              <a:t>06/11/2020</a:t>
             </a:fld>
             <a:endParaRPr lang="pt-PT" sz="800" b="1" dirty="0"/>
           </a:p>
@@ -12982,7 +13162,7 @@
             <a:fld id="{C2DE1785-620F-4DE8-A7D0-6CC8413DFAC9}" type="datetime1">
               <a:rPr lang="pt-PT" sz="800" b="1" smtClean="0"/>
               <a:pPr/>
-              <a:t>06/11/20</a:t>
+              <a:t>06/11/2020</a:t>
             </a:fld>
             <a:endParaRPr lang="pt-PT" sz="800" b="1" dirty="0"/>
           </a:p>
@@ -13570,7 +13750,7 @@
             <a:fld id="{C2DE1785-620F-4DE8-A7D0-6CC8413DFAC9}" type="datetime1">
               <a:rPr lang="pt-PT" sz="800" b="1" smtClean="0"/>
               <a:pPr/>
-              <a:t>06/11/20</a:t>
+              <a:t>06/11/2020</a:t>
             </a:fld>
             <a:endParaRPr lang="pt-PT" sz="800" b="1" dirty="0"/>
           </a:p>
@@ -14074,7 +14254,7 @@
             <a:fld id="{C2DE1785-620F-4DE8-A7D0-6CC8413DFAC9}" type="datetime1">
               <a:rPr lang="pt-PT" sz="800" b="1" smtClean="0"/>
               <a:pPr/>
-              <a:t>06/11/20</a:t>
+              <a:t>06/11/2020</a:t>
             </a:fld>
             <a:endParaRPr lang="pt-PT" sz="800" b="1" dirty="0"/>
           </a:p>

--- a/documentacao/Especificacao_Sistema_Informacao/android/IPL-TeSP-AMSI-SARAMAGO.pptx
+++ b/documentacao/Especificacao_Sistema_Informacao/android/IPL-TeSP-AMSI-SARAMAGO.pptx
@@ -6,23 +6,31 @@
     <p:sldMasterId id="2147483684" r:id="rId2"/>
   </p:sldMasterIdLst>
   <p:notesMasterIdLst>
-    <p:notesMasterId r:id="rId14"/>
+    <p:notesMasterId r:id="rId22"/>
   </p:notesMasterIdLst>
   <p:handoutMasterIdLst>
-    <p:handoutMasterId r:id="rId15"/>
+    <p:handoutMasterId r:id="rId23"/>
   </p:handoutMasterIdLst>
   <p:sldIdLst>
     <p:sldId id="256" r:id="rId3"/>
     <p:sldId id="258" r:id="rId4"/>
     <p:sldId id="259" r:id="rId5"/>
-    <p:sldId id="260" r:id="rId6"/>
-    <p:sldId id="262" r:id="rId7"/>
-    <p:sldId id="263" r:id="rId8"/>
-    <p:sldId id="264" r:id="rId9"/>
-    <p:sldId id="266" r:id="rId10"/>
-    <p:sldId id="265" r:id="rId11"/>
-    <p:sldId id="267" r:id="rId12"/>
-    <p:sldId id="268" r:id="rId13"/>
+    <p:sldId id="269" r:id="rId6"/>
+    <p:sldId id="270" r:id="rId7"/>
+    <p:sldId id="262" r:id="rId8"/>
+    <p:sldId id="263" r:id="rId9"/>
+    <p:sldId id="264" r:id="rId10"/>
+    <p:sldId id="266" r:id="rId11"/>
+    <p:sldId id="265" r:id="rId12"/>
+    <p:sldId id="272" r:id="rId13"/>
+    <p:sldId id="273" r:id="rId14"/>
+    <p:sldId id="274" r:id="rId15"/>
+    <p:sldId id="277" r:id="rId16"/>
+    <p:sldId id="276" r:id="rId17"/>
+    <p:sldId id="275" r:id="rId18"/>
+    <p:sldId id="267" r:id="rId19"/>
+    <p:sldId id="268" r:id="rId20"/>
+    <p:sldId id="271" r:id="rId21"/>
   </p:sldIdLst>
   <p:sldSz cx="9144000" cy="5143500" type="screen16x9"/>
   <p:notesSz cx="6858000" cy="9144000"/>
@@ -236,7 +244,7 @@
           <a:p>
             <a:fld id="{5AA774DA-5E7A-4E8E-9D7E-8A8FDC2213D4}" type="datetimeFigureOut">
               <a:rPr lang="pt-PT" smtClean="0"/>
-              <a:t>06/11/2020</a:t>
+              <a:t>06/11/20</a:t>
             </a:fld>
             <a:endParaRPr lang="pt-PT"/>
           </a:p>
@@ -401,7 +409,7 @@
           <a:p>
             <a:fld id="{943A8C7F-B61F-4F96-990B-EDC6C319C29A}" type="datetimeFigureOut">
               <a:rPr lang="pt-PT" smtClean="0"/>
-              <a:t>06/11/2020</a:t>
+              <a:t>06/11/20</a:t>
             </a:fld>
             <a:endParaRPr lang="pt-PT"/>
           </a:p>
@@ -1158,7 +1166,1155 @@
     </p:spTree>
     <p:extLst>
       <p:ext uri="{BB962C8B-B14F-4D97-AF65-F5344CB8AC3E}">
+        <p14:creationId xmlns:p14="http://schemas.microsoft.com/office/powerpoint/2010/main" val="654225548"/>
+      </p:ext>
+    </p:extLst>
+  </p:cSld>
+  <p:clrMapOvr>
+    <a:masterClrMapping/>
+  </p:clrMapOvr>
+</p:notes>
+</file>
+
+<file path=ppt/notesSlides/notesSlide11.xml><?xml version="1.0" encoding="utf-8"?>
+<p:notes xmlns:a="http://schemas.openxmlformats.org/drawingml/2006/main" xmlns:r="http://schemas.openxmlformats.org/officeDocument/2006/relationships" xmlns:p="http://schemas.openxmlformats.org/presentationml/2006/main">
+  <p:cSld>
+    <p:spTree>
+      <p:nvGrpSpPr>
+        <p:cNvPr id="1" name=""/>
+        <p:cNvGrpSpPr/>
+        <p:nvPr/>
+      </p:nvGrpSpPr>
+      <p:grpSpPr>
+        <a:xfrm>
+          <a:off x="0" y="0"/>
+          <a:ext cx="0" cy="0"/>
+          <a:chOff x="0" y="0"/>
+          <a:chExt cx="0" cy="0"/>
+        </a:xfrm>
+      </p:grpSpPr>
+      <p:sp>
+        <p:nvSpPr>
+          <p:cNvPr id="2" name="Marcador de Posição da Imagem do Diapositivo 1"/>
+          <p:cNvSpPr>
+            <a:spLocks noGrp="1" noRot="1" noChangeAspect="1"/>
+          </p:cNvSpPr>
+          <p:nvPr>
+            <p:ph type="sldImg"/>
+          </p:nvPr>
+        </p:nvSpPr>
+        <p:spPr/>
+      </p:sp>
+      <p:sp>
+        <p:nvSpPr>
+          <p:cNvPr id="3" name="Marcador de Posição de Notas 2"/>
+          <p:cNvSpPr>
+            <a:spLocks noGrp="1"/>
+          </p:cNvSpPr>
+          <p:nvPr>
+            <p:ph type="body" idx="1"/>
+          </p:nvPr>
+        </p:nvSpPr>
+        <p:spPr/>
+        <p:txBody>
+          <a:bodyPr/>
+          <a:lstStyle/>
+          <a:p>
+            <a:pPr marL="0" marR="0" lvl="0" indent="0" algn="l" defTabSz="914400" rtl="0" eaLnBrk="1" fontAlgn="auto" latinLnBrk="0" hangingPunct="1">
+              <a:lnSpc>
+                <a:spcPct val="100000"/>
+              </a:lnSpc>
+              <a:spcBef>
+                <a:spcPts val="0"/>
+              </a:spcBef>
+              <a:spcAft>
+                <a:spcPts val="0"/>
+              </a:spcAft>
+              <a:buClrTx/>
+              <a:buSzTx/>
+              <a:buFontTx/>
+              <a:buNone/>
+              <a:tabLst/>
+              <a:defRPr/>
+            </a:pPr>
+            <a:endParaRPr lang="pt-PT" dirty="0">
+              <a:solidFill>
+                <a:schemeClr val="tx1">
+                  <a:lumMod val="95000"/>
+                  <a:lumOff val="5000"/>
+                </a:schemeClr>
+              </a:solidFill>
+            </a:endParaRPr>
+          </a:p>
+        </p:txBody>
+      </p:sp>
+      <p:sp>
+        <p:nvSpPr>
+          <p:cNvPr id="4" name="Marcador de Posição do Número do Diapositivo 3"/>
+          <p:cNvSpPr>
+            <a:spLocks noGrp="1"/>
+          </p:cNvSpPr>
+          <p:nvPr>
+            <p:ph type="sldNum" sz="quarter" idx="5"/>
+          </p:nvPr>
+        </p:nvSpPr>
+        <p:spPr/>
+        <p:txBody>
+          <a:bodyPr/>
+          <a:lstStyle/>
+          <a:p>
+            <a:fld id="{7AE4DC13-8086-457A-8A9F-EEE18A3C9FD6}" type="slidenum">
+              <a:rPr lang="pt-PT" smtClean="0"/>
+              <a:t>12</a:t>
+            </a:fld>
+            <a:endParaRPr lang="pt-PT"/>
+          </a:p>
+        </p:txBody>
+      </p:sp>
+    </p:spTree>
+    <p:extLst>
+      <p:ext uri="{BB962C8B-B14F-4D97-AF65-F5344CB8AC3E}">
+        <p14:creationId xmlns:p14="http://schemas.microsoft.com/office/powerpoint/2010/main" val="2251228011"/>
+      </p:ext>
+    </p:extLst>
+  </p:cSld>
+  <p:clrMapOvr>
+    <a:masterClrMapping/>
+  </p:clrMapOvr>
+</p:notes>
+</file>
+
+<file path=ppt/notesSlides/notesSlide12.xml><?xml version="1.0" encoding="utf-8"?>
+<p:notes xmlns:a="http://schemas.openxmlformats.org/drawingml/2006/main" xmlns:r="http://schemas.openxmlformats.org/officeDocument/2006/relationships" xmlns:p="http://schemas.openxmlformats.org/presentationml/2006/main">
+  <p:cSld>
+    <p:spTree>
+      <p:nvGrpSpPr>
+        <p:cNvPr id="1" name=""/>
+        <p:cNvGrpSpPr/>
+        <p:nvPr/>
+      </p:nvGrpSpPr>
+      <p:grpSpPr>
+        <a:xfrm>
+          <a:off x="0" y="0"/>
+          <a:ext cx="0" cy="0"/>
+          <a:chOff x="0" y="0"/>
+          <a:chExt cx="0" cy="0"/>
+        </a:xfrm>
+      </p:grpSpPr>
+      <p:sp>
+        <p:nvSpPr>
+          <p:cNvPr id="2" name="Marcador de Posição da Imagem do Diapositivo 1"/>
+          <p:cNvSpPr>
+            <a:spLocks noGrp="1" noRot="1" noChangeAspect="1"/>
+          </p:cNvSpPr>
+          <p:nvPr>
+            <p:ph type="sldImg"/>
+          </p:nvPr>
+        </p:nvSpPr>
+        <p:spPr/>
+      </p:sp>
+      <p:sp>
+        <p:nvSpPr>
+          <p:cNvPr id="3" name="Marcador de Posição de Notas 2"/>
+          <p:cNvSpPr>
+            <a:spLocks noGrp="1"/>
+          </p:cNvSpPr>
+          <p:nvPr>
+            <p:ph type="body" idx="1"/>
+          </p:nvPr>
+        </p:nvSpPr>
+        <p:spPr/>
+        <p:txBody>
+          <a:bodyPr/>
+          <a:lstStyle/>
+          <a:p>
+            <a:pPr marL="0" marR="0" lvl="0" indent="0" algn="l" defTabSz="914400" rtl="0" eaLnBrk="1" fontAlgn="auto" latinLnBrk="0" hangingPunct="1">
+              <a:lnSpc>
+                <a:spcPct val="100000"/>
+              </a:lnSpc>
+              <a:spcBef>
+                <a:spcPts val="0"/>
+              </a:spcBef>
+              <a:spcAft>
+                <a:spcPts val="0"/>
+              </a:spcAft>
+              <a:buClrTx/>
+              <a:buSzTx/>
+              <a:buFontTx/>
+              <a:buNone/>
+              <a:tabLst/>
+              <a:defRPr/>
+            </a:pPr>
+            <a:endParaRPr lang="pt-PT" dirty="0">
+              <a:solidFill>
+                <a:schemeClr val="tx1">
+                  <a:lumMod val="95000"/>
+                  <a:lumOff val="5000"/>
+                </a:schemeClr>
+              </a:solidFill>
+            </a:endParaRPr>
+          </a:p>
+        </p:txBody>
+      </p:sp>
+      <p:sp>
+        <p:nvSpPr>
+          <p:cNvPr id="4" name="Marcador de Posição do Número do Diapositivo 3"/>
+          <p:cNvSpPr>
+            <a:spLocks noGrp="1"/>
+          </p:cNvSpPr>
+          <p:nvPr>
+            <p:ph type="sldNum" sz="quarter" idx="5"/>
+          </p:nvPr>
+        </p:nvSpPr>
+        <p:spPr/>
+        <p:txBody>
+          <a:bodyPr/>
+          <a:lstStyle/>
+          <a:p>
+            <a:fld id="{7AE4DC13-8086-457A-8A9F-EEE18A3C9FD6}" type="slidenum">
+              <a:rPr lang="pt-PT" smtClean="0"/>
+              <a:t>13</a:t>
+            </a:fld>
+            <a:endParaRPr lang="pt-PT"/>
+          </a:p>
+        </p:txBody>
+      </p:sp>
+    </p:spTree>
+    <p:extLst>
+      <p:ext uri="{BB962C8B-B14F-4D97-AF65-F5344CB8AC3E}">
+        <p14:creationId xmlns:p14="http://schemas.microsoft.com/office/powerpoint/2010/main" val="3130614211"/>
+      </p:ext>
+    </p:extLst>
+  </p:cSld>
+  <p:clrMapOvr>
+    <a:masterClrMapping/>
+  </p:clrMapOvr>
+</p:notes>
+</file>
+
+<file path=ppt/notesSlides/notesSlide13.xml><?xml version="1.0" encoding="utf-8"?>
+<p:notes xmlns:a="http://schemas.openxmlformats.org/drawingml/2006/main" xmlns:r="http://schemas.openxmlformats.org/officeDocument/2006/relationships" xmlns:p="http://schemas.openxmlformats.org/presentationml/2006/main">
+  <p:cSld>
+    <p:spTree>
+      <p:nvGrpSpPr>
+        <p:cNvPr id="1" name=""/>
+        <p:cNvGrpSpPr/>
+        <p:nvPr/>
+      </p:nvGrpSpPr>
+      <p:grpSpPr>
+        <a:xfrm>
+          <a:off x="0" y="0"/>
+          <a:ext cx="0" cy="0"/>
+          <a:chOff x="0" y="0"/>
+          <a:chExt cx="0" cy="0"/>
+        </a:xfrm>
+      </p:grpSpPr>
+      <p:sp>
+        <p:nvSpPr>
+          <p:cNvPr id="2" name="Marcador de Posição da Imagem do Diapositivo 1"/>
+          <p:cNvSpPr>
+            <a:spLocks noGrp="1" noRot="1" noChangeAspect="1"/>
+          </p:cNvSpPr>
+          <p:nvPr>
+            <p:ph type="sldImg"/>
+          </p:nvPr>
+        </p:nvSpPr>
+        <p:spPr/>
+      </p:sp>
+      <p:sp>
+        <p:nvSpPr>
+          <p:cNvPr id="3" name="Marcador de Posição de Notas 2"/>
+          <p:cNvSpPr>
+            <a:spLocks noGrp="1"/>
+          </p:cNvSpPr>
+          <p:nvPr>
+            <p:ph type="body" idx="1"/>
+          </p:nvPr>
+        </p:nvSpPr>
+        <p:spPr/>
+        <p:txBody>
+          <a:bodyPr/>
+          <a:lstStyle/>
+          <a:p>
+            <a:pPr marL="0" marR="0" lvl="0" indent="0" algn="l" defTabSz="914400" rtl="0" eaLnBrk="1" fontAlgn="auto" latinLnBrk="0" hangingPunct="1">
+              <a:lnSpc>
+                <a:spcPct val="100000"/>
+              </a:lnSpc>
+              <a:spcBef>
+                <a:spcPts val="0"/>
+              </a:spcBef>
+              <a:spcAft>
+                <a:spcPts val="0"/>
+              </a:spcAft>
+              <a:buClrTx/>
+              <a:buSzTx/>
+              <a:buFontTx/>
+              <a:buNone/>
+              <a:tabLst/>
+              <a:defRPr/>
+            </a:pPr>
+            <a:endParaRPr lang="pt-PT" dirty="0">
+              <a:solidFill>
+                <a:schemeClr val="tx1">
+                  <a:lumMod val="95000"/>
+                  <a:lumOff val="5000"/>
+                </a:schemeClr>
+              </a:solidFill>
+            </a:endParaRPr>
+          </a:p>
+        </p:txBody>
+      </p:sp>
+      <p:sp>
+        <p:nvSpPr>
+          <p:cNvPr id="4" name="Marcador de Posição do Número do Diapositivo 3"/>
+          <p:cNvSpPr>
+            <a:spLocks noGrp="1"/>
+          </p:cNvSpPr>
+          <p:nvPr>
+            <p:ph type="sldNum" sz="quarter" idx="5"/>
+          </p:nvPr>
+        </p:nvSpPr>
+        <p:spPr/>
+        <p:txBody>
+          <a:bodyPr/>
+          <a:lstStyle/>
+          <a:p>
+            <a:fld id="{7AE4DC13-8086-457A-8A9F-EEE18A3C9FD6}" type="slidenum">
+              <a:rPr lang="pt-PT" smtClean="0"/>
+              <a:t>14</a:t>
+            </a:fld>
+            <a:endParaRPr lang="pt-PT"/>
+          </a:p>
+        </p:txBody>
+      </p:sp>
+    </p:spTree>
+    <p:extLst>
+      <p:ext uri="{BB962C8B-B14F-4D97-AF65-F5344CB8AC3E}">
+        <p14:creationId xmlns:p14="http://schemas.microsoft.com/office/powerpoint/2010/main" val="1024266870"/>
+      </p:ext>
+    </p:extLst>
+  </p:cSld>
+  <p:clrMapOvr>
+    <a:masterClrMapping/>
+  </p:clrMapOvr>
+</p:notes>
+</file>
+
+<file path=ppt/notesSlides/notesSlide14.xml><?xml version="1.0" encoding="utf-8"?>
+<p:notes xmlns:a="http://schemas.openxmlformats.org/drawingml/2006/main" xmlns:r="http://schemas.openxmlformats.org/officeDocument/2006/relationships" xmlns:p="http://schemas.openxmlformats.org/presentationml/2006/main">
+  <p:cSld>
+    <p:spTree>
+      <p:nvGrpSpPr>
+        <p:cNvPr id="1" name=""/>
+        <p:cNvGrpSpPr/>
+        <p:nvPr/>
+      </p:nvGrpSpPr>
+      <p:grpSpPr>
+        <a:xfrm>
+          <a:off x="0" y="0"/>
+          <a:ext cx="0" cy="0"/>
+          <a:chOff x="0" y="0"/>
+          <a:chExt cx="0" cy="0"/>
+        </a:xfrm>
+      </p:grpSpPr>
+      <p:sp>
+        <p:nvSpPr>
+          <p:cNvPr id="2" name="Marcador de Posição da Imagem do Diapositivo 1"/>
+          <p:cNvSpPr>
+            <a:spLocks noGrp="1" noRot="1" noChangeAspect="1"/>
+          </p:cNvSpPr>
+          <p:nvPr>
+            <p:ph type="sldImg"/>
+          </p:nvPr>
+        </p:nvSpPr>
+        <p:spPr/>
+      </p:sp>
+      <p:sp>
+        <p:nvSpPr>
+          <p:cNvPr id="3" name="Marcador de Posição de Notas 2"/>
+          <p:cNvSpPr>
+            <a:spLocks noGrp="1"/>
+          </p:cNvSpPr>
+          <p:nvPr>
+            <p:ph type="body" idx="1"/>
+          </p:nvPr>
+        </p:nvSpPr>
+        <p:spPr/>
+        <p:txBody>
+          <a:bodyPr/>
+          <a:lstStyle/>
+          <a:p>
+            <a:pPr marL="0" marR="0" lvl="0" indent="0" algn="l" defTabSz="914400" rtl="0" eaLnBrk="1" fontAlgn="auto" latinLnBrk="0" hangingPunct="1">
+              <a:lnSpc>
+                <a:spcPct val="100000"/>
+              </a:lnSpc>
+              <a:spcBef>
+                <a:spcPts val="0"/>
+              </a:spcBef>
+              <a:spcAft>
+                <a:spcPts val="0"/>
+              </a:spcAft>
+              <a:buClrTx/>
+              <a:buSzTx/>
+              <a:buFontTx/>
+              <a:buNone/>
+              <a:tabLst/>
+              <a:defRPr/>
+            </a:pPr>
+            <a:endParaRPr lang="pt-PT" dirty="0">
+              <a:solidFill>
+                <a:schemeClr val="tx1">
+                  <a:lumMod val="95000"/>
+                  <a:lumOff val="5000"/>
+                </a:schemeClr>
+              </a:solidFill>
+            </a:endParaRPr>
+          </a:p>
+        </p:txBody>
+      </p:sp>
+      <p:sp>
+        <p:nvSpPr>
+          <p:cNvPr id="4" name="Marcador de Posição do Número do Diapositivo 3"/>
+          <p:cNvSpPr>
+            <a:spLocks noGrp="1"/>
+          </p:cNvSpPr>
+          <p:nvPr>
+            <p:ph type="sldNum" sz="quarter" idx="5"/>
+          </p:nvPr>
+        </p:nvSpPr>
+        <p:spPr/>
+        <p:txBody>
+          <a:bodyPr/>
+          <a:lstStyle/>
+          <a:p>
+            <a:fld id="{7AE4DC13-8086-457A-8A9F-EEE18A3C9FD6}" type="slidenum">
+              <a:rPr lang="pt-PT" smtClean="0"/>
+              <a:t>15</a:t>
+            </a:fld>
+            <a:endParaRPr lang="pt-PT"/>
+          </a:p>
+        </p:txBody>
+      </p:sp>
+    </p:spTree>
+    <p:extLst>
+      <p:ext uri="{BB962C8B-B14F-4D97-AF65-F5344CB8AC3E}">
+        <p14:creationId xmlns:p14="http://schemas.microsoft.com/office/powerpoint/2010/main" val="1949209594"/>
+      </p:ext>
+    </p:extLst>
+  </p:cSld>
+  <p:clrMapOvr>
+    <a:masterClrMapping/>
+  </p:clrMapOvr>
+</p:notes>
+</file>
+
+<file path=ppt/notesSlides/notesSlide15.xml><?xml version="1.0" encoding="utf-8"?>
+<p:notes xmlns:a="http://schemas.openxmlformats.org/drawingml/2006/main" xmlns:r="http://schemas.openxmlformats.org/officeDocument/2006/relationships" xmlns:p="http://schemas.openxmlformats.org/presentationml/2006/main">
+  <p:cSld>
+    <p:spTree>
+      <p:nvGrpSpPr>
+        <p:cNvPr id="1" name=""/>
+        <p:cNvGrpSpPr/>
+        <p:nvPr/>
+      </p:nvGrpSpPr>
+      <p:grpSpPr>
+        <a:xfrm>
+          <a:off x="0" y="0"/>
+          <a:ext cx="0" cy="0"/>
+          <a:chOff x="0" y="0"/>
+          <a:chExt cx="0" cy="0"/>
+        </a:xfrm>
+      </p:grpSpPr>
+      <p:sp>
+        <p:nvSpPr>
+          <p:cNvPr id="2" name="Marcador de Posição da Imagem do Diapositivo 1"/>
+          <p:cNvSpPr>
+            <a:spLocks noGrp="1" noRot="1" noChangeAspect="1"/>
+          </p:cNvSpPr>
+          <p:nvPr>
+            <p:ph type="sldImg"/>
+          </p:nvPr>
+        </p:nvSpPr>
+        <p:spPr/>
+      </p:sp>
+      <p:sp>
+        <p:nvSpPr>
+          <p:cNvPr id="3" name="Marcador de Posição de Notas 2"/>
+          <p:cNvSpPr>
+            <a:spLocks noGrp="1"/>
+          </p:cNvSpPr>
+          <p:nvPr>
+            <p:ph type="body" idx="1"/>
+          </p:nvPr>
+        </p:nvSpPr>
+        <p:spPr/>
+        <p:txBody>
+          <a:bodyPr/>
+          <a:lstStyle/>
+          <a:p>
+            <a:pPr marL="0" marR="0" lvl="0" indent="0" algn="l" defTabSz="914400" rtl="0" eaLnBrk="1" fontAlgn="auto" latinLnBrk="0" hangingPunct="1">
+              <a:lnSpc>
+                <a:spcPct val="100000"/>
+              </a:lnSpc>
+              <a:spcBef>
+                <a:spcPts val="0"/>
+              </a:spcBef>
+              <a:spcAft>
+                <a:spcPts val="0"/>
+              </a:spcAft>
+              <a:buClrTx/>
+              <a:buSzTx/>
+              <a:buFontTx/>
+              <a:buNone/>
+              <a:tabLst/>
+              <a:defRPr/>
+            </a:pPr>
+            <a:endParaRPr lang="pt-PT" dirty="0">
+              <a:solidFill>
+                <a:schemeClr val="tx1">
+                  <a:lumMod val="95000"/>
+                  <a:lumOff val="5000"/>
+                </a:schemeClr>
+              </a:solidFill>
+            </a:endParaRPr>
+          </a:p>
+        </p:txBody>
+      </p:sp>
+      <p:sp>
+        <p:nvSpPr>
+          <p:cNvPr id="4" name="Marcador de Posição do Número do Diapositivo 3"/>
+          <p:cNvSpPr>
+            <a:spLocks noGrp="1"/>
+          </p:cNvSpPr>
+          <p:nvPr>
+            <p:ph type="sldNum" sz="quarter" idx="5"/>
+          </p:nvPr>
+        </p:nvSpPr>
+        <p:spPr/>
+        <p:txBody>
+          <a:bodyPr/>
+          <a:lstStyle/>
+          <a:p>
+            <a:fld id="{7AE4DC13-8086-457A-8A9F-EEE18A3C9FD6}" type="slidenum">
+              <a:rPr lang="pt-PT" smtClean="0"/>
+              <a:t>16</a:t>
+            </a:fld>
+            <a:endParaRPr lang="pt-PT"/>
+          </a:p>
+        </p:txBody>
+      </p:sp>
+    </p:spTree>
+    <p:extLst>
+      <p:ext uri="{BB962C8B-B14F-4D97-AF65-F5344CB8AC3E}">
+        <p14:creationId xmlns:p14="http://schemas.microsoft.com/office/powerpoint/2010/main" val="1844957651"/>
+      </p:ext>
+    </p:extLst>
+  </p:cSld>
+  <p:clrMapOvr>
+    <a:masterClrMapping/>
+  </p:clrMapOvr>
+</p:notes>
+</file>
+
+<file path=ppt/notesSlides/notesSlide16.xml><?xml version="1.0" encoding="utf-8"?>
+<p:notes xmlns:a="http://schemas.openxmlformats.org/drawingml/2006/main" xmlns:r="http://schemas.openxmlformats.org/officeDocument/2006/relationships" xmlns:p="http://schemas.openxmlformats.org/presentationml/2006/main">
+  <p:cSld>
+    <p:spTree>
+      <p:nvGrpSpPr>
+        <p:cNvPr id="1" name=""/>
+        <p:cNvGrpSpPr/>
+        <p:nvPr/>
+      </p:nvGrpSpPr>
+      <p:grpSpPr>
+        <a:xfrm>
+          <a:off x="0" y="0"/>
+          <a:ext cx="0" cy="0"/>
+          <a:chOff x="0" y="0"/>
+          <a:chExt cx="0" cy="0"/>
+        </a:xfrm>
+      </p:grpSpPr>
+      <p:sp>
+        <p:nvSpPr>
+          <p:cNvPr id="2" name="Marcador de Posição da Imagem do Diapositivo 1"/>
+          <p:cNvSpPr>
+            <a:spLocks noGrp="1" noRot="1" noChangeAspect="1"/>
+          </p:cNvSpPr>
+          <p:nvPr>
+            <p:ph type="sldImg"/>
+          </p:nvPr>
+        </p:nvSpPr>
+        <p:spPr/>
+      </p:sp>
+      <p:sp>
+        <p:nvSpPr>
+          <p:cNvPr id="3" name="Marcador de Posição de Notas 2"/>
+          <p:cNvSpPr>
+            <a:spLocks noGrp="1"/>
+          </p:cNvSpPr>
+          <p:nvPr>
+            <p:ph type="body" idx="1"/>
+          </p:nvPr>
+        </p:nvSpPr>
+        <p:spPr/>
+        <p:txBody>
+          <a:bodyPr/>
+          <a:lstStyle/>
+          <a:p>
+            <a:pPr marL="0" marR="0" lvl="0" indent="0" algn="l" defTabSz="914400" rtl="0" eaLnBrk="1" fontAlgn="auto" latinLnBrk="0" hangingPunct="1">
+              <a:lnSpc>
+                <a:spcPct val="100000"/>
+              </a:lnSpc>
+              <a:spcBef>
+                <a:spcPts val="0"/>
+              </a:spcBef>
+              <a:spcAft>
+                <a:spcPts val="0"/>
+              </a:spcAft>
+              <a:buClrTx/>
+              <a:buSzTx/>
+              <a:buFontTx/>
+              <a:buNone/>
+              <a:tabLst/>
+              <a:defRPr/>
+            </a:pPr>
+            <a:endParaRPr lang="pt-PT" dirty="0">
+              <a:solidFill>
+                <a:schemeClr val="tx1">
+                  <a:lumMod val="95000"/>
+                  <a:lumOff val="5000"/>
+                </a:schemeClr>
+              </a:solidFill>
+            </a:endParaRPr>
+          </a:p>
+        </p:txBody>
+      </p:sp>
+      <p:sp>
+        <p:nvSpPr>
+          <p:cNvPr id="4" name="Marcador de Posição do Número do Diapositivo 3"/>
+          <p:cNvSpPr>
+            <a:spLocks noGrp="1"/>
+          </p:cNvSpPr>
+          <p:nvPr>
+            <p:ph type="sldNum" sz="quarter" idx="5"/>
+          </p:nvPr>
+        </p:nvSpPr>
+        <p:spPr/>
+        <p:txBody>
+          <a:bodyPr/>
+          <a:lstStyle/>
+          <a:p>
+            <a:fld id="{7AE4DC13-8086-457A-8A9F-EEE18A3C9FD6}" type="slidenum">
+              <a:rPr lang="pt-PT" smtClean="0"/>
+              <a:t>17</a:t>
+            </a:fld>
+            <a:endParaRPr lang="pt-PT"/>
+          </a:p>
+        </p:txBody>
+      </p:sp>
+    </p:spTree>
+    <p:extLst>
+      <p:ext uri="{BB962C8B-B14F-4D97-AF65-F5344CB8AC3E}">
+        <p14:creationId xmlns:p14="http://schemas.microsoft.com/office/powerpoint/2010/main" val="2617245615"/>
+      </p:ext>
+    </p:extLst>
+  </p:cSld>
+  <p:clrMapOvr>
+    <a:masterClrMapping/>
+  </p:clrMapOvr>
+</p:notes>
+</file>
+
+<file path=ppt/notesSlides/notesSlide17.xml><?xml version="1.0" encoding="utf-8"?>
+<p:notes xmlns:a="http://schemas.openxmlformats.org/drawingml/2006/main" xmlns:r="http://schemas.openxmlformats.org/officeDocument/2006/relationships" xmlns:p="http://schemas.openxmlformats.org/presentationml/2006/main">
+  <p:cSld>
+    <p:spTree>
+      <p:nvGrpSpPr>
+        <p:cNvPr id="1" name=""/>
+        <p:cNvGrpSpPr/>
+        <p:nvPr/>
+      </p:nvGrpSpPr>
+      <p:grpSpPr>
+        <a:xfrm>
+          <a:off x="0" y="0"/>
+          <a:ext cx="0" cy="0"/>
+          <a:chOff x="0" y="0"/>
+          <a:chExt cx="0" cy="0"/>
+        </a:xfrm>
+      </p:grpSpPr>
+      <p:sp>
+        <p:nvSpPr>
+          <p:cNvPr id="2" name="Marcador de Posição da Imagem do Diapositivo 1"/>
+          <p:cNvSpPr>
+            <a:spLocks noGrp="1" noRot="1" noChangeAspect="1"/>
+          </p:cNvSpPr>
+          <p:nvPr>
+            <p:ph type="sldImg"/>
+          </p:nvPr>
+        </p:nvSpPr>
+        <p:spPr/>
+      </p:sp>
+      <p:sp>
+        <p:nvSpPr>
+          <p:cNvPr id="3" name="Marcador de Posição de Notas 2"/>
+          <p:cNvSpPr>
+            <a:spLocks noGrp="1"/>
+          </p:cNvSpPr>
+          <p:nvPr>
+            <p:ph type="body" idx="1"/>
+          </p:nvPr>
+        </p:nvSpPr>
+        <p:spPr/>
+        <p:txBody>
+          <a:bodyPr/>
+          <a:lstStyle/>
+          <a:p>
+            <a:pPr marL="0" marR="0" lvl="0" indent="0" algn="l" defTabSz="914400" rtl="0" eaLnBrk="1" fontAlgn="auto" latinLnBrk="0" hangingPunct="1">
+              <a:lnSpc>
+                <a:spcPct val="100000"/>
+              </a:lnSpc>
+              <a:spcBef>
+                <a:spcPts val="0"/>
+              </a:spcBef>
+              <a:spcAft>
+                <a:spcPts val="0"/>
+              </a:spcAft>
+              <a:buClrTx/>
+              <a:buSzTx/>
+              <a:buFontTx/>
+              <a:buNone/>
+              <a:tabLst/>
+              <a:defRPr/>
+            </a:pPr>
+            <a:endParaRPr lang="pt-PT" dirty="0">
+              <a:solidFill>
+                <a:schemeClr val="tx1">
+                  <a:lumMod val="95000"/>
+                  <a:lumOff val="5000"/>
+                </a:schemeClr>
+              </a:solidFill>
+            </a:endParaRPr>
+          </a:p>
+        </p:txBody>
+      </p:sp>
+      <p:sp>
+        <p:nvSpPr>
+          <p:cNvPr id="4" name="Marcador de Posição do Número do Diapositivo 3"/>
+          <p:cNvSpPr>
+            <a:spLocks noGrp="1"/>
+          </p:cNvSpPr>
+          <p:nvPr>
+            <p:ph type="sldNum" sz="quarter" idx="5"/>
+          </p:nvPr>
+        </p:nvSpPr>
+        <p:spPr/>
+        <p:txBody>
+          <a:bodyPr/>
+          <a:lstStyle/>
+          <a:p>
+            <a:fld id="{7AE4DC13-8086-457A-8A9F-EEE18A3C9FD6}" type="slidenum">
+              <a:rPr lang="pt-PT" smtClean="0"/>
+              <a:t>18</a:t>
+            </a:fld>
+            <a:endParaRPr lang="pt-PT"/>
+          </a:p>
+        </p:txBody>
+      </p:sp>
+    </p:spTree>
+    <p:extLst>
+      <p:ext uri="{BB962C8B-B14F-4D97-AF65-F5344CB8AC3E}">
         <p14:creationId xmlns:p14="http://schemas.microsoft.com/office/powerpoint/2010/main" val="3698848976"/>
+      </p:ext>
+    </p:extLst>
+  </p:cSld>
+  <p:clrMapOvr>
+    <a:masterClrMapping/>
+  </p:clrMapOvr>
+</p:notes>
+</file>
+
+<file path=ppt/notesSlides/notesSlide18.xml><?xml version="1.0" encoding="utf-8"?>
+<p:notes xmlns:a="http://schemas.openxmlformats.org/drawingml/2006/main" xmlns:r="http://schemas.openxmlformats.org/officeDocument/2006/relationships" xmlns:p="http://schemas.openxmlformats.org/presentationml/2006/main">
+  <p:cSld>
+    <p:spTree>
+      <p:nvGrpSpPr>
+        <p:cNvPr id="1" name=""/>
+        <p:cNvGrpSpPr/>
+        <p:nvPr/>
+      </p:nvGrpSpPr>
+      <p:grpSpPr>
+        <a:xfrm>
+          <a:off x="0" y="0"/>
+          <a:ext cx="0" cy="0"/>
+          <a:chOff x="0" y="0"/>
+          <a:chExt cx="0" cy="0"/>
+        </a:xfrm>
+      </p:grpSpPr>
+      <p:sp>
+        <p:nvSpPr>
+          <p:cNvPr id="2" name="Marcador de Posição da Imagem do Diapositivo 1"/>
+          <p:cNvSpPr>
+            <a:spLocks noGrp="1" noRot="1" noChangeAspect="1"/>
+          </p:cNvSpPr>
+          <p:nvPr>
+            <p:ph type="sldImg"/>
+          </p:nvPr>
+        </p:nvSpPr>
+        <p:spPr/>
+      </p:sp>
+      <p:sp>
+        <p:nvSpPr>
+          <p:cNvPr id="3" name="Marcador de Posição de Notas 2"/>
+          <p:cNvSpPr>
+            <a:spLocks noGrp="1"/>
+          </p:cNvSpPr>
+          <p:nvPr>
+            <p:ph type="body" idx="1"/>
+          </p:nvPr>
+        </p:nvSpPr>
+        <p:spPr/>
+        <p:txBody>
+          <a:bodyPr/>
+          <a:lstStyle/>
+          <a:p>
+            <a:pPr marL="0" marR="0" lvl="0" indent="0" algn="l" defTabSz="914400" rtl="0" eaLnBrk="1" fontAlgn="auto" latinLnBrk="0" hangingPunct="1">
+              <a:lnSpc>
+                <a:spcPct val="100000"/>
+              </a:lnSpc>
+              <a:spcBef>
+                <a:spcPts val="0"/>
+              </a:spcBef>
+              <a:spcAft>
+                <a:spcPts val="0"/>
+              </a:spcAft>
+              <a:buClrTx/>
+              <a:buSzTx/>
+              <a:buFontTx/>
+              <a:buNone/>
+              <a:tabLst/>
+              <a:defRPr/>
+            </a:pPr>
+            <a:r>
+              <a:rPr lang="pt-PT" dirty="0">
+                <a:solidFill>
+                  <a:schemeClr val="tx1">
+                    <a:lumMod val="95000"/>
+                    <a:lumOff val="5000"/>
+                  </a:schemeClr>
+                </a:solidFill>
+              </a:rPr>
+              <a:t>As bibliotecas académicas têm por objetivo divulgar e permitir o livre acesso à </a:t>
+            </a:r>
+            <a:r>
+              <a:rPr lang="pt-PT" dirty="0" err="1">
+                <a:solidFill>
+                  <a:schemeClr val="tx1">
+                    <a:lumMod val="95000"/>
+                    <a:lumOff val="5000"/>
+                  </a:schemeClr>
+                </a:solidFill>
+              </a:rPr>
+              <a:t>produção</a:t>
+            </a:r>
+            <a:r>
+              <a:rPr lang="pt-PT" dirty="0">
+                <a:solidFill>
+                  <a:schemeClr val="tx1">
+                    <a:lumMod val="95000"/>
+                    <a:lumOff val="5000"/>
+                  </a:schemeClr>
+                </a:solidFill>
+              </a:rPr>
+              <a:t> </a:t>
+            </a:r>
+            <a:r>
+              <a:rPr lang="pt-PT" dirty="0" err="1">
+                <a:solidFill>
+                  <a:schemeClr val="tx1">
+                    <a:lumMod val="95000"/>
+                    <a:lumOff val="5000"/>
+                  </a:schemeClr>
+                </a:solidFill>
+              </a:rPr>
+              <a:t>científica</a:t>
+            </a:r>
+            <a:r>
+              <a:rPr lang="pt-PT" dirty="0">
+                <a:solidFill>
+                  <a:schemeClr val="tx1">
+                    <a:lumMod val="95000"/>
+                    <a:lumOff val="5000"/>
+                  </a:schemeClr>
+                </a:solidFill>
+              </a:rPr>
+              <a:t> criada pela comunidade </a:t>
+            </a:r>
+            <a:r>
+              <a:rPr lang="pt-PT" dirty="0" err="1">
+                <a:solidFill>
+                  <a:schemeClr val="tx1">
+                    <a:lumMod val="95000"/>
+                    <a:lumOff val="5000"/>
+                  </a:schemeClr>
+                </a:solidFill>
+              </a:rPr>
+              <a:t>académica</a:t>
+            </a:r>
+            <a:r>
+              <a:rPr lang="pt-PT" dirty="0">
+                <a:solidFill>
+                  <a:schemeClr val="tx1">
+                    <a:lumMod val="95000"/>
+                    <a:lumOff val="5000"/>
+                  </a:schemeClr>
+                </a:solidFill>
+              </a:rPr>
+              <a:t>, promovendo a </a:t>
+            </a:r>
+            <a:r>
+              <a:rPr lang="pt-PT" dirty="0" err="1">
+                <a:solidFill>
+                  <a:schemeClr val="tx1">
+                    <a:lumMod val="95000"/>
+                    <a:lumOff val="5000"/>
+                  </a:schemeClr>
+                </a:solidFill>
+              </a:rPr>
+              <a:t>integração</a:t>
+            </a:r>
+            <a:r>
+              <a:rPr lang="pt-PT" dirty="0">
+                <a:solidFill>
+                  <a:schemeClr val="tx1">
+                    <a:lumMod val="95000"/>
+                    <a:lumOff val="5000"/>
+                  </a:schemeClr>
+                </a:solidFill>
+              </a:rPr>
+              <a:t>, partilha e a visibilidade da </a:t>
+            </a:r>
+            <a:r>
+              <a:rPr lang="pt-PT" dirty="0" err="1">
+                <a:solidFill>
+                  <a:schemeClr val="tx1">
+                    <a:lumMod val="95000"/>
+                    <a:lumOff val="5000"/>
+                  </a:schemeClr>
+                </a:solidFill>
+              </a:rPr>
+              <a:t>informação</a:t>
+            </a:r>
+            <a:r>
+              <a:rPr lang="pt-PT" dirty="0">
+                <a:solidFill>
+                  <a:schemeClr val="tx1">
+                    <a:lumMod val="95000"/>
+                    <a:lumOff val="5000"/>
+                  </a:schemeClr>
+                </a:solidFill>
+              </a:rPr>
+              <a:t> e garantindo a </a:t>
+            </a:r>
+            <a:r>
+              <a:rPr lang="pt-PT" dirty="0" err="1">
+                <a:solidFill>
+                  <a:schemeClr val="tx1">
+                    <a:lumMod val="95000"/>
+                    <a:lumOff val="5000"/>
+                  </a:schemeClr>
+                </a:solidFill>
+              </a:rPr>
+              <a:t>preservação</a:t>
+            </a:r>
+            <a:r>
+              <a:rPr lang="pt-PT" dirty="0">
+                <a:solidFill>
+                  <a:schemeClr val="tx1">
+                    <a:lumMod val="95000"/>
+                    <a:lumOff val="5000"/>
+                  </a:schemeClr>
+                </a:solidFill>
+              </a:rPr>
+              <a:t> da sua </a:t>
+            </a:r>
+            <a:r>
+              <a:rPr lang="pt-PT" dirty="0" err="1">
+                <a:solidFill>
+                  <a:schemeClr val="tx1">
+                    <a:lumMod val="95000"/>
+                    <a:lumOff val="5000"/>
+                  </a:schemeClr>
+                </a:solidFill>
+              </a:rPr>
+              <a:t>memória</a:t>
+            </a:r>
+            <a:r>
+              <a:rPr lang="pt-PT" dirty="0">
+                <a:solidFill>
+                  <a:schemeClr val="tx1">
+                    <a:lumMod val="95000"/>
+                    <a:lumOff val="5000"/>
+                  </a:schemeClr>
+                </a:solidFill>
+              </a:rPr>
+              <a:t> intelectual.</a:t>
+            </a:r>
+            <a:r>
+              <a:rPr lang="pt-PT" sz="1200" kern="1200" dirty="0">
+                <a:solidFill>
+                  <a:schemeClr val="tx1">
+                    <a:lumMod val="95000"/>
+                    <a:lumOff val="5000"/>
+                  </a:schemeClr>
+                </a:solidFill>
+                <a:effectLst/>
+                <a:latin typeface="+mn-lt"/>
+                <a:ea typeface="+mn-ea"/>
+                <a:cs typeface="+mn-cs"/>
+              </a:rPr>
+              <a:t> </a:t>
+            </a:r>
+            <a:r>
+              <a:rPr lang="pt-PT" sz="1200" kern="1200" dirty="0">
+                <a:solidFill>
+                  <a:schemeClr val="tx1"/>
+                </a:solidFill>
+                <a:effectLst/>
+                <a:latin typeface="+mn-lt"/>
+                <a:ea typeface="+mn-ea"/>
+                <a:cs typeface="+mn-cs"/>
+              </a:rPr>
+              <a:t>Organizado de forma transparente, é armazenado num sistema de base de dados todo o fundo documental, independentemente da sua forma ou suporte, assim permitindo aos seus leitores a </a:t>
+            </a:r>
+            <a:r>
+              <a:rPr lang="pt-PT" sz="1200" kern="1200" dirty="0" err="1">
+                <a:solidFill>
+                  <a:schemeClr val="tx1"/>
+                </a:solidFill>
+                <a:effectLst/>
+                <a:latin typeface="+mn-lt"/>
+                <a:ea typeface="+mn-ea"/>
+                <a:cs typeface="+mn-cs"/>
+              </a:rPr>
+              <a:t>rápida</a:t>
+            </a:r>
+            <a:r>
+              <a:rPr lang="pt-PT" sz="1200" kern="1200" dirty="0">
+                <a:solidFill>
+                  <a:schemeClr val="tx1"/>
+                </a:solidFill>
+                <a:effectLst/>
+                <a:latin typeface="+mn-lt"/>
+                <a:ea typeface="+mn-ea"/>
+                <a:cs typeface="+mn-cs"/>
+              </a:rPr>
+              <a:t> consulta e </a:t>
+            </a:r>
+            <a:r>
+              <a:rPr lang="pt-PT" sz="1200" kern="1200" dirty="0" err="1">
+                <a:solidFill>
+                  <a:schemeClr val="tx1"/>
+                </a:solidFill>
+                <a:effectLst/>
+                <a:latin typeface="+mn-lt"/>
+                <a:ea typeface="+mn-ea"/>
+                <a:cs typeface="+mn-cs"/>
+              </a:rPr>
+              <a:t>requisição</a:t>
+            </a:r>
+            <a:r>
+              <a:rPr lang="pt-PT" sz="1200" kern="1200" dirty="0">
+                <a:solidFill>
+                  <a:schemeClr val="tx1"/>
+                </a:solidFill>
+                <a:effectLst/>
+                <a:latin typeface="+mn-lt"/>
+                <a:ea typeface="+mn-ea"/>
+                <a:cs typeface="+mn-cs"/>
+              </a:rPr>
+              <a:t> por meio de </a:t>
+            </a:r>
+            <a:r>
+              <a:rPr lang="pt-PT" sz="1200" kern="1200" dirty="0" err="1">
+                <a:solidFill>
+                  <a:schemeClr val="tx1"/>
+                </a:solidFill>
+                <a:effectLst/>
+                <a:latin typeface="+mn-lt"/>
+                <a:ea typeface="+mn-ea"/>
+                <a:cs typeface="+mn-cs"/>
+              </a:rPr>
+              <a:t>empréstimo</a:t>
+            </a:r>
+            <a:r>
+              <a:rPr lang="pt-PT" sz="1200" kern="1200" dirty="0">
+                <a:solidFill>
+                  <a:schemeClr val="tx1"/>
+                </a:solidFill>
+                <a:effectLst/>
+                <a:latin typeface="+mn-lt"/>
+                <a:ea typeface="+mn-ea"/>
+                <a:cs typeface="+mn-cs"/>
+              </a:rPr>
+              <a:t>. </a:t>
+            </a:r>
+            <a:endParaRPr lang="pt-PT" dirty="0"/>
+          </a:p>
+          <a:p>
+            <a:pPr marL="0" marR="0" lvl="0" indent="0" algn="l" defTabSz="914400" rtl="0" eaLnBrk="1" fontAlgn="auto" latinLnBrk="0" hangingPunct="1">
+              <a:lnSpc>
+                <a:spcPct val="100000"/>
+              </a:lnSpc>
+              <a:spcBef>
+                <a:spcPts val="0"/>
+              </a:spcBef>
+              <a:spcAft>
+                <a:spcPts val="0"/>
+              </a:spcAft>
+              <a:buClrTx/>
+              <a:buSzTx/>
+              <a:buFontTx/>
+              <a:buNone/>
+              <a:tabLst/>
+              <a:defRPr/>
+            </a:pPr>
+            <a:endParaRPr lang="pt-PT" dirty="0">
+              <a:solidFill>
+                <a:schemeClr val="tx1">
+                  <a:lumMod val="95000"/>
+                  <a:lumOff val="5000"/>
+                </a:schemeClr>
+              </a:solidFill>
+            </a:endParaRPr>
+          </a:p>
+        </p:txBody>
+      </p:sp>
+      <p:sp>
+        <p:nvSpPr>
+          <p:cNvPr id="4" name="Marcador de Posição do Número do Diapositivo 3"/>
+          <p:cNvSpPr>
+            <a:spLocks noGrp="1"/>
+          </p:cNvSpPr>
+          <p:nvPr>
+            <p:ph type="sldNum" sz="quarter" idx="5"/>
+          </p:nvPr>
+        </p:nvSpPr>
+        <p:spPr/>
+        <p:txBody>
+          <a:bodyPr/>
+          <a:lstStyle/>
+          <a:p>
+            <a:fld id="{7AE4DC13-8086-457A-8A9F-EEE18A3C9FD6}" type="slidenum">
+              <a:rPr lang="pt-PT" smtClean="0"/>
+              <a:t>19</a:t>
+            </a:fld>
+            <a:endParaRPr lang="pt-PT"/>
+          </a:p>
+        </p:txBody>
+      </p:sp>
+    </p:spTree>
+    <p:extLst>
+      <p:ext uri="{BB962C8B-B14F-4D97-AF65-F5344CB8AC3E}">
+        <p14:creationId xmlns:p14="http://schemas.microsoft.com/office/powerpoint/2010/main" val="1995567159"/>
       </p:ext>
     </p:extLst>
   </p:cSld>
@@ -1337,6 +2493,37 @@
               <a:tabLst/>
               <a:defRPr/>
             </a:pPr>
+            <a:r>
+              <a:rPr lang="pt-PT" sz="1200" kern="1200" dirty="0">
+                <a:solidFill>
+                  <a:schemeClr val="tx1"/>
+                </a:solidFill>
+                <a:effectLst/>
+                <a:latin typeface="+mn-lt"/>
+                <a:ea typeface="+mn-ea"/>
+                <a:cs typeface="+mn-cs"/>
+              </a:rPr>
+              <a:t>As bibliotecas atuais enfrentam desafios colocados por um universo de informação diversificado e em rápida expansão. O aumento das expectativas dos utilizadores, quer dos funcionários quer dos leitores, para um acesso mais rápido e fácil à informação relevante vai de mãos dadas com as exigências institucionais para uma maior eficiência operacional.</a:t>
+            </a:r>
+          </a:p>
+          <a:p>
+            <a:pPr marL="0" marR="0" lvl="0" indent="0" algn="l" defTabSz="914400" rtl="0" eaLnBrk="1" fontAlgn="auto" latinLnBrk="0" hangingPunct="1">
+              <a:lnSpc>
+                <a:spcPct val="100000"/>
+              </a:lnSpc>
+              <a:spcBef>
+                <a:spcPts val="0"/>
+              </a:spcBef>
+              <a:spcAft>
+                <a:spcPts val="0"/>
+              </a:spcAft>
+              <a:buClrTx/>
+              <a:buSzTx/>
+              <a:buFontTx/>
+              <a:buNone/>
+              <a:tabLst/>
+              <a:defRPr/>
+            </a:pPr>
             <a:endParaRPr lang="pt-PT" dirty="0">
               <a:solidFill>
                 <a:schemeClr val="tx1">
@@ -1374,7 +2561,7 @@
     </p:spTree>
     <p:extLst>
       <p:ext uri="{BB962C8B-B14F-4D97-AF65-F5344CB8AC3E}">
-        <p14:creationId xmlns:p14="http://schemas.microsoft.com/office/powerpoint/2010/main" val="1440524087"/>
+        <p14:creationId xmlns:p14="http://schemas.microsoft.com/office/powerpoint/2010/main" val="410864003"/>
       </p:ext>
     </p:extLst>
   </p:cSld>
@@ -1428,31 +2615,120 @@
           <a:bodyPr/>
           <a:lstStyle/>
           <a:p>
-            <a:pPr marL="0" marR="0" lvl="0" indent="0" algn="l" defTabSz="914400" rtl="0" eaLnBrk="1" fontAlgn="auto" latinLnBrk="0" hangingPunct="1">
-              <a:lnSpc>
-                <a:spcPct val="100000"/>
-              </a:lnSpc>
-              <a:spcBef>
-                <a:spcPts val="0"/>
-              </a:spcBef>
-              <a:spcAft>
-                <a:spcPts val="0"/>
-              </a:spcAft>
-              <a:buClrTx/>
-              <a:buSzTx/>
-              <a:buFontTx/>
-              <a:buNone/>
-              <a:tabLst/>
-              <a:defRPr/>
-            </a:pPr>
-            <a:endParaRPr lang="pt-PT" dirty="0">
-              <a:solidFill>
-                <a:schemeClr val="tx1">
-                  <a:lumMod val="95000"/>
-                  <a:lumOff val="5000"/>
-                </a:schemeClr>
-              </a:solidFill>
-            </a:endParaRPr>
+            <a:r>
+              <a:rPr lang="pt-PT" sz="1200" kern="1200" dirty="0">
+                <a:solidFill>
+                  <a:schemeClr val="tx1"/>
+                </a:solidFill>
+                <a:effectLst/>
+                <a:latin typeface="+mn-lt"/>
+                <a:ea typeface="+mn-ea"/>
+                <a:cs typeface="+mn-cs"/>
+              </a:rPr>
+              <a:t>As bibliotecas atuais enfrentam desafios colocados por um universo de informação diversificado e em rápida expansão. O aumento das expectativas dos utilizadores, quer dos funcionários quer dos leitores, para um acesso mais rápido e fácil à informação relevante vai de mãos dadas com as exigências institucionais para uma maior eficiência operacional.</a:t>
+            </a:r>
+          </a:p>
+          <a:p>
+            <a:r>
+              <a:rPr lang="pt-PT" sz="1200" kern="1200" dirty="0">
+                <a:solidFill>
+                  <a:schemeClr val="tx1"/>
+                </a:solidFill>
+                <a:effectLst/>
+                <a:latin typeface="+mn-lt"/>
+                <a:ea typeface="+mn-ea"/>
+                <a:cs typeface="+mn-cs"/>
+              </a:rPr>
+              <a:t>O nosso sistema apresenta diversas características únicas direcionadas ao apoio das bibliotecas e por sequentemente, ao apoio dos funcionários.</a:t>
+            </a:r>
+          </a:p>
+          <a:p>
+            <a:r>
+              <a:rPr lang="pt-PT" sz="1200" kern="1200" dirty="0">
+                <a:solidFill>
+                  <a:schemeClr val="tx1"/>
+                </a:solidFill>
+                <a:effectLst/>
+                <a:latin typeface="+mn-lt"/>
+                <a:ea typeface="+mn-ea"/>
+                <a:cs typeface="+mn-cs"/>
+              </a:rPr>
+              <a:t>A utilização da aplicação móvel irá facilitar consideravelmente o trabalho de cada um e a ajuda mútua entre ambos, dando enfase ao método “fora do balcão”. O auxílio prestado será possível com informações e notificações referentes ao sistema, sem que esteja com um computador </a:t>
+            </a:r>
+            <a:r>
+              <a:rPr lang="pt-PT" sz="1200" kern="1200" dirty="0" err="1">
+                <a:solidFill>
+                  <a:schemeClr val="tx1"/>
+                </a:solidFill>
+                <a:effectLst/>
+                <a:latin typeface="+mn-lt"/>
+                <a:ea typeface="+mn-ea"/>
+                <a:cs typeface="+mn-cs"/>
+              </a:rPr>
+              <a:t>á</a:t>
+            </a:r>
+            <a:r>
+              <a:rPr lang="pt-PT" sz="1200" kern="1200" dirty="0">
+                <a:solidFill>
+                  <a:schemeClr val="tx1"/>
+                </a:solidFill>
+                <a:effectLst/>
+                <a:latin typeface="+mn-lt"/>
+                <a:ea typeface="+mn-ea"/>
+                <a:cs typeface="+mn-cs"/>
+              </a:rPr>
+              <a:t> mão.</a:t>
+            </a:r>
+          </a:p>
+          <a:p>
+            <a:r>
+              <a:rPr lang="pt-PT" sz="1200" kern="1200" dirty="0">
+                <a:solidFill>
+                  <a:schemeClr val="tx1"/>
+                </a:solidFill>
+                <a:effectLst/>
+                <a:latin typeface="+mn-lt"/>
+                <a:ea typeface="+mn-ea"/>
+                <a:cs typeface="+mn-cs"/>
+              </a:rPr>
+              <a:t>A aplicação </a:t>
+            </a:r>
+            <a:r>
+              <a:rPr lang="pt-PT" sz="1200" i="1" kern="1200" dirty="0" err="1">
+                <a:solidFill>
+                  <a:schemeClr val="tx1"/>
+                </a:solidFill>
+                <a:effectLst/>
+                <a:latin typeface="+mn-lt"/>
+                <a:ea typeface="+mn-ea"/>
+                <a:cs typeface="+mn-cs"/>
+              </a:rPr>
+              <a:t>android</a:t>
+            </a:r>
+            <a:r>
+              <a:rPr lang="pt-PT" sz="1200" i="1" kern="1200" dirty="0">
+                <a:solidFill>
+                  <a:schemeClr val="tx1"/>
+                </a:solidFill>
+                <a:effectLst/>
+                <a:latin typeface="+mn-lt"/>
+                <a:ea typeface="+mn-ea"/>
+                <a:cs typeface="+mn-cs"/>
+              </a:rPr>
+              <a:t> </a:t>
+            </a:r>
+            <a:r>
+              <a:rPr lang="pt-PT" sz="1200" kern="1200" dirty="0">
+                <a:solidFill>
+                  <a:schemeClr val="tx1"/>
+                </a:solidFill>
+                <a:effectLst/>
+                <a:latin typeface="+mn-lt"/>
+                <a:ea typeface="+mn-ea"/>
+                <a:cs typeface="+mn-cs"/>
+              </a:rPr>
+              <a:t>é apenas destinada aos funcionários, pelo que o leitor comum só precisa de ter um dispositivo com um navegador de Internet.</a:t>
+            </a:r>
           </a:p>
         </p:txBody>
       </p:sp>
@@ -1482,7 +2758,7 @@
     </p:spTree>
     <p:extLst>
       <p:ext uri="{BB962C8B-B14F-4D97-AF65-F5344CB8AC3E}">
-        <p14:creationId xmlns:p14="http://schemas.microsoft.com/office/powerpoint/2010/main" val="1143554112"/>
+        <p14:creationId xmlns:p14="http://schemas.microsoft.com/office/powerpoint/2010/main" val="3645912155"/>
       </p:ext>
     </p:extLst>
   </p:cSld>
@@ -1590,7 +2866,7 @@
     </p:spTree>
     <p:extLst>
       <p:ext uri="{BB962C8B-B14F-4D97-AF65-F5344CB8AC3E}">
-        <p14:creationId xmlns:p14="http://schemas.microsoft.com/office/powerpoint/2010/main" val="1271833857"/>
+        <p14:creationId xmlns:p14="http://schemas.microsoft.com/office/powerpoint/2010/main" val="1143554112"/>
       </p:ext>
     </p:extLst>
   </p:cSld>
@@ -1698,7 +2974,7 @@
     </p:spTree>
     <p:extLst>
       <p:ext uri="{BB962C8B-B14F-4D97-AF65-F5344CB8AC3E}">
-        <p14:creationId xmlns:p14="http://schemas.microsoft.com/office/powerpoint/2010/main" val="809918634"/>
+        <p14:creationId xmlns:p14="http://schemas.microsoft.com/office/powerpoint/2010/main" val="1271833857"/>
       </p:ext>
     </p:extLst>
   </p:cSld>
@@ -1806,7 +3082,7 @@
     </p:spTree>
     <p:extLst>
       <p:ext uri="{BB962C8B-B14F-4D97-AF65-F5344CB8AC3E}">
-        <p14:creationId xmlns:p14="http://schemas.microsoft.com/office/powerpoint/2010/main" val="3148929079"/>
+        <p14:creationId xmlns:p14="http://schemas.microsoft.com/office/powerpoint/2010/main" val="809918634"/>
       </p:ext>
     </p:extLst>
   </p:cSld>
@@ -1914,7 +3190,7 @@
     </p:spTree>
     <p:extLst>
       <p:ext uri="{BB962C8B-B14F-4D97-AF65-F5344CB8AC3E}">
-        <p14:creationId xmlns:p14="http://schemas.microsoft.com/office/powerpoint/2010/main" val="1103134128"/>
+        <p14:creationId xmlns:p14="http://schemas.microsoft.com/office/powerpoint/2010/main" val="3148929079"/>
       </p:ext>
     </p:extLst>
   </p:cSld>
@@ -2022,7 +3298,7 @@
     </p:spTree>
     <p:extLst>
       <p:ext uri="{BB962C8B-B14F-4D97-AF65-F5344CB8AC3E}">
-        <p14:creationId xmlns:p14="http://schemas.microsoft.com/office/powerpoint/2010/main" val="2617245615"/>
+        <p14:creationId xmlns:p14="http://schemas.microsoft.com/office/powerpoint/2010/main" val="1103134128"/>
       </p:ext>
     </p:extLst>
   </p:cSld>
@@ -2169,7 +3445,7 @@
           <a:p>
             <a:fld id="{072B68A2-DF16-4934-A34C-AA80396E6A53}" type="datetime1">
               <a:rPr lang="pt-PT" smtClean="0"/>
-              <a:t>06/11/2020</a:t>
+              <a:t>06/11/20</a:t>
             </a:fld>
             <a:endParaRPr lang="pt-PT"/>
           </a:p>
@@ -2350,7 +3626,7 @@
           <a:p>
             <a:fld id="{BF0AC927-E5F3-4086-A648-4C4C56843793}" type="datetime1">
               <a:rPr lang="pt-PT" smtClean="0"/>
-              <a:t>06/11/2020</a:t>
+              <a:t>06/11/20</a:t>
             </a:fld>
             <a:endParaRPr lang="pt-PT"/>
           </a:p>
@@ -2593,7 +3869,7 @@
           <a:p>
             <a:fld id="{C9BD1F6B-DEBF-4E8C-A34C-A26C9DE8A19D}" type="datetimeFigureOut">
               <a:rPr lang="pt-PT" smtClean="0"/>
-              <a:t>06/11/2020</a:t>
+              <a:t>06/11/20</a:t>
             </a:fld>
             <a:endParaRPr lang="pt-PT"/>
           </a:p>
@@ -2761,7 +4037,7 @@
           <a:p>
             <a:fld id="{C9BD1F6B-DEBF-4E8C-A34C-A26C9DE8A19D}" type="datetimeFigureOut">
               <a:rPr lang="pt-PT" smtClean="0"/>
-              <a:t>06/11/2020</a:t>
+              <a:t>06/11/20</a:t>
             </a:fld>
             <a:endParaRPr lang="pt-PT"/>
           </a:p>
@@ -3006,7 +4282,7 @@
           <a:p>
             <a:fld id="{C9BD1F6B-DEBF-4E8C-A34C-A26C9DE8A19D}" type="datetimeFigureOut">
               <a:rPr lang="pt-PT" smtClean="0"/>
-              <a:t>06/11/2020</a:t>
+              <a:t>06/11/20</a:t>
             </a:fld>
             <a:endParaRPr lang="pt-PT"/>
           </a:p>
@@ -3291,7 +4567,7 @@
           <a:p>
             <a:fld id="{C9BD1F6B-DEBF-4E8C-A34C-A26C9DE8A19D}" type="datetimeFigureOut">
               <a:rPr lang="pt-PT" smtClean="0"/>
-              <a:t>06/11/2020</a:t>
+              <a:t>06/11/20</a:t>
             </a:fld>
             <a:endParaRPr lang="pt-PT"/>
           </a:p>
@@ -3710,7 +4986,7 @@
           <a:p>
             <a:fld id="{C9BD1F6B-DEBF-4E8C-A34C-A26C9DE8A19D}" type="datetimeFigureOut">
               <a:rPr lang="pt-PT" smtClean="0"/>
-              <a:t>06/11/2020</a:t>
+              <a:t>06/11/20</a:t>
             </a:fld>
             <a:endParaRPr lang="pt-PT"/>
           </a:p>
@@ -3827,7 +5103,7 @@
           <a:p>
             <a:fld id="{C9BD1F6B-DEBF-4E8C-A34C-A26C9DE8A19D}" type="datetimeFigureOut">
               <a:rPr lang="pt-PT" smtClean="0"/>
-              <a:t>06/11/2020</a:t>
+              <a:t>06/11/20</a:t>
             </a:fld>
             <a:endParaRPr lang="pt-PT"/>
           </a:p>
@@ -3922,7 +5198,7 @@
           <a:p>
             <a:fld id="{C9BD1F6B-DEBF-4E8C-A34C-A26C9DE8A19D}" type="datetimeFigureOut">
               <a:rPr lang="pt-PT" smtClean="0"/>
-              <a:t>06/11/2020</a:t>
+              <a:t>06/11/20</a:t>
             </a:fld>
             <a:endParaRPr lang="pt-PT"/>
           </a:p>
@@ -4197,7 +5473,7 @@
           <a:p>
             <a:fld id="{C9BD1F6B-DEBF-4E8C-A34C-A26C9DE8A19D}" type="datetimeFigureOut">
               <a:rPr lang="pt-PT" smtClean="0"/>
-              <a:t>06/11/2020</a:t>
+              <a:t>06/11/20</a:t>
             </a:fld>
             <a:endParaRPr lang="pt-PT"/>
           </a:p>
@@ -4479,7 +5755,7 @@
           <a:p>
             <a:fld id="{C9BD1F6B-DEBF-4E8C-A34C-A26C9DE8A19D}" type="datetimeFigureOut">
               <a:rPr lang="pt-PT" smtClean="0"/>
-              <a:t>06/11/2020</a:t>
+              <a:t>06/11/20</a:t>
             </a:fld>
             <a:endParaRPr lang="pt-PT"/>
           </a:p>
@@ -4647,7 +5923,7 @@
           <a:p>
             <a:fld id="{C9BD1F6B-DEBF-4E8C-A34C-A26C9DE8A19D}" type="datetimeFigureOut">
               <a:rPr lang="pt-PT" smtClean="0"/>
-              <a:t>06/11/2020</a:t>
+              <a:t>06/11/20</a:t>
             </a:fld>
             <a:endParaRPr lang="pt-PT"/>
           </a:p>
@@ -4825,7 +6101,7 @@
           <a:p>
             <a:fld id="{C9BD1F6B-DEBF-4E8C-A34C-A26C9DE8A19D}" type="datetimeFigureOut">
               <a:rPr lang="pt-PT" smtClean="0"/>
-              <a:t>06/11/2020</a:t>
+              <a:t>06/11/20</a:t>
             </a:fld>
             <a:endParaRPr lang="pt-PT"/>
           </a:p>
@@ -5070,7 +6346,7 @@
           <a:p>
             <a:fld id="{82F8E6BE-7169-4F30-B02D-127E17EFE7BD}" type="datetime1">
               <a:rPr lang="pt-PT" smtClean="0"/>
-              <a:t>06/11/2020</a:t>
+              <a:t>06/11/20</a:t>
             </a:fld>
             <a:endParaRPr lang="pt-PT"/>
           </a:p>
@@ -5358,7 +6634,7 @@
           <a:p>
             <a:fld id="{44A775F6-5FDA-4ECF-8E58-4C28CD304AB8}" type="datetime1">
               <a:rPr lang="pt-PT" smtClean="0"/>
-              <a:t>06/11/2020</a:t>
+              <a:t>06/11/20</a:t>
             </a:fld>
             <a:endParaRPr lang="pt-PT"/>
           </a:p>
@@ -5780,7 +7056,7 @@
           <a:p>
             <a:fld id="{36C954FD-F9EA-41F0-B432-C6B1E12C5B73}" type="datetime1">
               <a:rPr lang="pt-PT" smtClean="0"/>
-              <a:t>06/11/2020</a:t>
+              <a:t>06/11/20</a:t>
             </a:fld>
             <a:endParaRPr lang="pt-PT"/>
           </a:p>
@@ -5900,7 +7176,7 @@
           <a:p>
             <a:fld id="{750D741E-6575-4855-A7C9-3E36F1663D6A}" type="datetime1">
               <a:rPr lang="pt-PT" smtClean="0"/>
-              <a:t>06/11/2020</a:t>
+              <a:t>06/11/20</a:t>
             </a:fld>
             <a:endParaRPr lang="pt-PT"/>
           </a:p>
@@ -5998,7 +7274,7 @@
           <a:p>
             <a:fld id="{3E8A02DA-691F-499F-BD19-21E24581B95D}" type="datetime1">
               <a:rPr lang="pt-PT" smtClean="0"/>
-              <a:t>06/11/2020</a:t>
+              <a:t>06/11/20</a:t>
             </a:fld>
             <a:endParaRPr lang="pt-PT"/>
           </a:p>
@@ -6276,7 +7552,7 @@
           <a:p>
             <a:fld id="{F8983301-41D7-48A1-82E3-854CFFE1DCBD}" type="datetime1">
               <a:rPr lang="pt-PT" smtClean="0"/>
-              <a:t>06/11/2020</a:t>
+              <a:t>06/11/20</a:t>
             </a:fld>
             <a:endParaRPr lang="pt-PT"/>
           </a:p>
@@ -6531,7 +7807,7 @@
           <a:p>
             <a:fld id="{F7E7A2E2-E3D6-44B5-90B2-C5C9BC1DB37F}" type="datetime1">
               <a:rPr lang="pt-PT" smtClean="0"/>
-              <a:t>06/11/2020</a:t>
+              <a:t>06/11/20</a:t>
             </a:fld>
             <a:endParaRPr lang="pt-PT"/>
           </a:p>
@@ -6745,7 +8021,7 @@
           <a:p>
             <a:fld id="{5AD6DE56-D669-499F-9E2A-D55F52CC8B5D}" type="datetime1">
               <a:rPr lang="pt-PT" smtClean="0"/>
-              <a:t>06/11/2020</a:t>
+              <a:t>06/11/20</a:t>
             </a:fld>
             <a:endParaRPr lang="pt-PT"/>
           </a:p>
@@ -7257,7 +8533,7 @@
           <a:p>
             <a:fld id="{C9BD1F6B-DEBF-4E8C-A34C-A26C9DE8A19D}" type="datetimeFigureOut">
               <a:rPr lang="pt-PT" smtClean="0"/>
-              <a:t>06/11/2020</a:t>
+              <a:t>06/11/20</a:t>
             </a:fld>
             <a:endParaRPr lang="pt-PT"/>
           </a:p>
@@ -7981,7 +9257,7 @@
             <a:fld id="{C2DE1785-620F-4DE8-A7D0-6CC8413DFAC9}" type="datetime1">
               <a:rPr lang="pt-PT" sz="800" b="1" smtClean="0"/>
               <a:pPr/>
-              <a:t>06/11/2020</a:t>
+              <a:t>06/11/20</a:t>
             </a:fld>
             <a:endParaRPr lang="pt-PT" sz="800" b="1" dirty="0"/>
           </a:p>
@@ -8033,6 +9309,18 @@
   <p:clrMapOvr>
     <a:masterClrMapping/>
   </p:clrMapOvr>
+  <mc:AlternateContent xmlns:mc="http://schemas.openxmlformats.org/markup-compatibility/2006">
+    <mc:Choice xmlns:p159="http://schemas.microsoft.com/office/powerpoint/2015/09/main" Requires="p159">
+      <p:transition xmlns:p14="http://schemas.microsoft.com/office/powerpoint/2010/main" spd="slow" p14:dur="2000">
+        <p159:morph option="byObject"/>
+      </p:transition>
+    </mc:Choice>
+    <mc:Fallback>
+      <p:transition spd="slow">
+        <p:fade/>
+      </p:transition>
+    </mc:Fallback>
+  </mc:AlternateContent>
 </p:sld>
 </file>
 
@@ -8097,7 +9385,7 @@
           <a:lstStyle/>
           <a:p>
             <a:pPr algn="ctr"/>
-            <a:endParaRPr lang="pt-PT"/>
+            <a:endParaRPr lang="pt-PT" dirty="0"/>
           </a:p>
         </p:txBody>
       </p:sp>
@@ -8150,7 +9438,7 @@
                 </a:solidFill>
                 <a:latin typeface="+mn-lt"/>
               </a:rPr>
-              <a:t>Distribuição de tarefas</a:t>
+              <a:t>Página Inicial</a:t>
             </a:r>
           </a:p>
         </p:txBody>
@@ -8242,7 +9530,19 @@
                 </a:solidFill>
                 <a:latin typeface="+mn-lt"/>
               </a:rPr>
-              <a:t>SARAMAGO</a:t>
+              <a:t>SARAMAGO . </a:t>
+            </a:r>
+            <a:r>
+              <a:rPr lang="pt-PT" sz="1000" dirty="0" err="1">
+                <a:solidFill>
+                  <a:schemeClr val="tx1">
+                    <a:lumMod val="95000"/>
+                    <a:lumOff val="5000"/>
+                  </a:schemeClr>
+                </a:solidFill>
+                <a:latin typeface="+mn-lt"/>
+              </a:rPr>
+              <a:t>Mockups</a:t>
             </a:r>
             <a:endParaRPr lang="pt-PT" sz="1000" dirty="0">
               <a:solidFill>
@@ -8387,7 +9687,4786 @@
             <a:fld id="{C2DE1785-620F-4DE8-A7D0-6CC8413DFAC9}" type="datetime1">
               <a:rPr lang="pt-PT" sz="800" b="1" smtClean="0"/>
               <a:pPr/>
-              <a:t>06/11/2020</a:t>
+              <a:t>06/11/20</a:t>
+            </a:fld>
+            <a:endParaRPr lang="pt-PT" sz="800" b="1" dirty="0"/>
+          </a:p>
+        </p:txBody>
+      </p:sp>
+      <p:sp>
+        <p:nvSpPr>
+          <p:cNvPr id="18" name="Marcador de Posição do Rodapé 6"/>
+          <p:cNvSpPr txBox="1">
+            <a:spLocks/>
+          </p:cNvSpPr>
+          <p:nvPr/>
+        </p:nvSpPr>
+        <p:spPr>
+          <a:xfrm>
+            <a:off x="3124200" y="4840002"/>
+            <a:ext cx="2895600" cy="273844"/>
+          </a:xfrm>
+          <a:prstGeom prst="rect">
+            <a:avLst/>
+          </a:prstGeom>
+        </p:spPr>
+        <p:txBody>
+          <a:bodyPr vert="horz" lIns="91440" tIns="45720" rIns="91440" bIns="45720" rtlCol="0" anchor="ctr"/>
+          <a:lstStyle>
+            <a:defPPr>
+              <a:defRPr lang="pt-PT"/>
+            </a:defPPr>
+            <a:lvl1pPr marL="0" algn="ctr" defTabSz="914400" rtl="0" eaLnBrk="1" latinLnBrk="0" hangingPunct="1">
+              <a:defRPr sz="1200" kern="1200">
+                <a:solidFill>
+                  <a:schemeClr val="tx1">
+                    <a:tint val="75000"/>
+                  </a:schemeClr>
+                </a:solidFill>
+                <a:latin typeface="+mn-lt"/>
+                <a:ea typeface="+mn-ea"/>
+                <a:cs typeface="+mn-cs"/>
+              </a:defRPr>
+            </a:lvl1pPr>
+            <a:lvl2pPr marL="457200" algn="l" defTabSz="914400" rtl="0" eaLnBrk="1" latinLnBrk="0" hangingPunct="1">
+              <a:defRPr sz="1800" kern="1200">
+                <a:solidFill>
+                  <a:schemeClr val="tx1"/>
+                </a:solidFill>
+                <a:latin typeface="+mn-lt"/>
+                <a:ea typeface="+mn-ea"/>
+                <a:cs typeface="+mn-cs"/>
+              </a:defRPr>
+            </a:lvl2pPr>
+            <a:lvl3pPr marL="914400" algn="l" defTabSz="914400" rtl="0" eaLnBrk="1" latinLnBrk="0" hangingPunct="1">
+              <a:defRPr sz="1800" kern="1200">
+                <a:solidFill>
+                  <a:schemeClr val="tx1"/>
+                </a:solidFill>
+                <a:latin typeface="+mn-lt"/>
+                <a:ea typeface="+mn-ea"/>
+                <a:cs typeface="+mn-cs"/>
+              </a:defRPr>
+            </a:lvl3pPr>
+            <a:lvl4pPr marL="1371600" algn="l" defTabSz="914400" rtl="0" eaLnBrk="1" latinLnBrk="0" hangingPunct="1">
+              <a:defRPr sz="1800" kern="1200">
+                <a:solidFill>
+                  <a:schemeClr val="tx1"/>
+                </a:solidFill>
+                <a:latin typeface="+mn-lt"/>
+                <a:ea typeface="+mn-ea"/>
+                <a:cs typeface="+mn-cs"/>
+              </a:defRPr>
+            </a:lvl4pPr>
+            <a:lvl5pPr marL="1828800" algn="l" defTabSz="914400" rtl="0" eaLnBrk="1" latinLnBrk="0" hangingPunct="1">
+              <a:defRPr sz="1800" kern="1200">
+                <a:solidFill>
+                  <a:schemeClr val="tx1"/>
+                </a:solidFill>
+                <a:latin typeface="+mn-lt"/>
+                <a:ea typeface="+mn-ea"/>
+                <a:cs typeface="+mn-cs"/>
+              </a:defRPr>
+            </a:lvl5pPr>
+            <a:lvl6pPr marL="2286000" algn="l" defTabSz="914400" rtl="0" eaLnBrk="1" latinLnBrk="0" hangingPunct="1">
+              <a:defRPr sz="1800" kern="1200">
+                <a:solidFill>
+                  <a:schemeClr val="tx1"/>
+                </a:solidFill>
+                <a:latin typeface="+mn-lt"/>
+                <a:ea typeface="+mn-ea"/>
+                <a:cs typeface="+mn-cs"/>
+              </a:defRPr>
+            </a:lvl6pPr>
+            <a:lvl7pPr marL="2743200" algn="l" defTabSz="914400" rtl="0" eaLnBrk="1" latinLnBrk="0" hangingPunct="1">
+              <a:defRPr sz="1800" kern="1200">
+                <a:solidFill>
+                  <a:schemeClr val="tx1"/>
+                </a:solidFill>
+                <a:latin typeface="+mn-lt"/>
+                <a:ea typeface="+mn-ea"/>
+                <a:cs typeface="+mn-cs"/>
+              </a:defRPr>
+            </a:lvl7pPr>
+            <a:lvl8pPr marL="3200400" algn="l" defTabSz="914400" rtl="0" eaLnBrk="1" latinLnBrk="0" hangingPunct="1">
+              <a:defRPr sz="1800" kern="1200">
+                <a:solidFill>
+                  <a:schemeClr val="tx1"/>
+                </a:solidFill>
+                <a:latin typeface="+mn-lt"/>
+                <a:ea typeface="+mn-ea"/>
+                <a:cs typeface="+mn-cs"/>
+              </a:defRPr>
+            </a:lvl8pPr>
+            <a:lvl9pPr marL="3657600" algn="l" defTabSz="914400" rtl="0" eaLnBrk="1" latinLnBrk="0" hangingPunct="1">
+              <a:defRPr sz="1800" kern="1200">
+                <a:solidFill>
+                  <a:schemeClr val="tx1"/>
+                </a:solidFill>
+                <a:latin typeface="+mn-lt"/>
+                <a:ea typeface="+mn-ea"/>
+                <a:cs typeface="+mn-cs"/>
+              </a:defRPr>
+            </a:lvl9pPr>
+          </a:lstStyle>
+          <a:p>
+            <a:r>
+              <a:rPr lang="pt-PT" sz="800" b="1"/>
+              <a:t>POLITÉCNICO DE LEIRIA</a:t>
+            </a:r>
+            <a:endParaRPr lang="pt-PT" sz="800" b="1" dirty="0"/>
+          </a:p>
+        </p:txBody>
+      </p:sp>
+      <p:pic>
+        <p:nvPicPr>
+          <p:cNvPr id="13" name="Marcador de Posição de Conteúdo 3">
+            <a:extLst>
+              <a:ext uri="{FF2B5EF4-FFF2-40B4-BE49-F238E27FC236}">
+                <a16:creationId xmlns:a16="http://schemas.microsoft.com/office/drawing/2014/main" id="{3106675C-FDED-144B-A505-79B56EA41422}"/>
+              </a:ext>
+            </a:extLst>
+          </p:cNvPr>
+          <p:cNvPicPr>
+            <a:picLocks noChangeAspect="1"/>
+          </p:cNvPicPr>
+          <p:nvPr/>
+        </p:nvPicPr>
+        <p:blipFill>
+          <a:blip r:embed="rId3"/>
+          <a:stretch>
+            <a:fillRect/>
+          </a:stretch>
+        </p:blipFill>
+        <p:spPr>
+          <a:xfrm>
+            <a:off x="3602428" y="1038266"/>
+            <a:ext cx="1925646" cy="3424934"/>
+          </a:xfrm>
+          <a:prstGeom prst="rect">
+            <a:avLst/>
+          </a:prstGeom>
+          <a:ln w="6350">
+            <a:solidFill>
+              <a:schemeClr val="tx1">
+                <a:alpha val="99000"/>
+              </a:schemeClr>
+            </a:solidFill>
+          </a:ln>
+          <a:effectLst>
+            <a:softEdge rad="0"/>
+          </a:effectLst>
+        </p:spPr>
+      </p:pic>
+      <p:sp>
+        <p:nvSpPr>
+          <p:cNvPr id="14" name="CaixaDeTexto 13">
+            <a:extLst>
+              <a:ext uri="{FF2B5EF4-FFF2-40B4-BE49-F238E27FC236}">
+                <a16:creationId xmlns:a16="http://schemas.microsoft.com/office/drawing/2014/main" id="{B38ADA4E-5C57-CD4F-A6C0-7302E880BC13}"/>
+              </a:ext>
+            </a:extLst>
+          </p:cNvPr>
+          <p:cNvSpPr txBox="1"/>
+          <p:nvPr/>
+        </p:nvSpPr>
+        <p:spPr>
+          <a:xfrm>
+            <a:off x="4038232" y="4493608"/>
+            <a:ext cx="1067536" cy="292388"/>
+          </a:xfrm>
+          <a:prstGeom prst="rect">
+            <a:avLst/>
+          </a:prstGeom>
+          <a:noFill/>
+        </p:spPr>
+        <p:txBody>
+          <a:bodyPr wrap="none" rtlCol="0">
+            <a:spAutoFit/>
+          </a:bodyPr>
+          <a:lstStyle/>
+          <a:p>
+            <a:r>
+              <a:rPr lang="pt-PT" sz="1300" dirty="0"/>
+              <a:t>Página Inicial</a:t>
+            </a:r>
+          </a:p>
+        </p:txBody>
+      </p:sp>
+    </p:spTree>
+    <p:extLst>
+      <p:ext uri="{BB962C8B-B14F-4D97-AF65-F5344CB8AC3E}">
+        <p14:creationId xmlns:p14="http://schemas.microsoft.com/office/powerpoint/2010/main" val="865288022"/>
+      </p:ext>
+    </p:extLst>
+  </p:cSld>
+  <p:clrMapOvr>
+    <a:masterClrMapping/>
+  </p:clrMapOvr>
+  <mc:AlternateContent xmlns:mc="http://schemas.openxmlformats.org/markup-compatibility/2006">
+    <mc:Choice xmlns:p159="http://schemas.microsoft.com/office/powerpoint/2015/09/main" Requires="p159">
+      <p:transition xmlns:p14="http://schemas.microsoft.com/office/powerpoint/2010/main" spd="slow" p14:dur="2000">
+        <p159:morph option="byObject"/>
+      </p:transition>
+    </mc:Choice>
+    <mc:Fallback>
+      <p:transition spd="slow">
+        <p:fade/>
+      </p:transition>
+    </mc:Fallback>
+  </mc:AlternateContent>
+</p:sld>
+</file>
+
+<file path=ppt/slides/slide11.xml><?xml version="1.0" encoding="utf-8"?>
+<p:sld xmlns:a="http://schemas.openxmlformats.org/drawingml/2006/main" xmlns:r="http://schemas.openxmlformats.org/officeDocument/2006/relationships" xmlns:p="http://schemas.openxmlformats.org/presentationml/2006/main">
+  <p:cSld>
+    <p:spTree>
+      <p:nvGrpSpPr>
+        <p:cNvPr id="1" name=""/>
+        <p:cNvGrpSpPr/>
+        <p:nvPr/>
+      </p:nvGrpSpPr>
+      <p:grpSpPr>
+        <a:xfrm>
+          <a:off x="0" y="0"/>
+          <a:ext cx="0" cy="0"/>
+          <a:chOff x="0" y="0"/>
+          <a:chExt cx="0" cy="0"/>
+        </a:xfrm>
+      </p:grpSpPr>
+      <p:sp>
+        <p:nvSpPr>
+          <p:cNvPr id="17" name="Rectângulo 16"/>
+          <p:cNvSpPr/>
+          <p:nvPr/>
+        </p:nvSpPr>
+        <p:spPr>
+          <a:xfrm>
+            <a:off x="-6749" y="-23598"/>
+            <a:ext cx="9144000" cy="4840002"/>
+          </a:xfrm>
+          <a:prstGeom prst="rect">
+            <a:avLst/>
+          </a:prstGeom>
+          <a:solidFill>
+            <a:schemeClr val="bg1">
+              <a:lumMod val="95000"/>
+            </a:schemeClr>
+          </a:solidFill>
+          <a:ln>
+            <a:noFill/>
+          </a:ln>
+        </p:spPr>
+        <p:style>
+          <a:lnRef idx="2">
+            <a:schemeClr val="accent1">
+              <a:shade val="50000"/>
+            </a:schemeClr>
+          </a:lnRef>
+          <a:fillRef idx="1">
+            <a:schemeClr val="accent1"/>
+          </a:fillRef>
+          <a:effectRef idx="0">
+            <a:schemeClr val="accent1"/>
+          </a:effectRef>
+          <a:fontRef idx="minor">
+            <a:schemeClr val="lt1"/>
+          </a:fontRef>
+        </p:style>
+        <p:txBody>
+          <a:bodyPr rtlCol="0" anchor="ctr"/>
+          <a:lstStyle/>
+          <a:p>
+            <a:pPr algn="ctr"/>
+            <a:endParaRPr lang="pt-PT" dirty="0"/>
+          </a:p>
+        </p:txBody>
+      </p:sp>
+      <p:sp>
+        <p:nvSpPr>
+          <p:cNvPr id="9" name="Título 1"/>
+          <p:cNvSpPr txBox="1">
+            <a:spLocks/>
+          </p:cNvSpPr>
+          <p:nvPr/>
+        </p:nvSpPr>
+        <p:spPr>
+          <a:xfrm>
+            <a:off x="323528" y="357504"/>
+            <a:ext cx="6838528" cy="433871"/>
+          </a:xfrm>
+          <a:prstGeom prst="rect">
+            <a:avLst/>
+          </a:prstGeom>
+        </p:spPr>
+        <p:txBody>
+          <a:bodyPr vert="horz" lIns="91440" tIns="45720" rIns="91440" bIns="45720" rtlCol="0" anchor="ctr">
+            <a:normAutofit fontScale="85000" lnSpcReduction="20000"/>
+          </a:bodyPr>
+          <a:lstStyle>
+            <a:lvl1pPr algn="ctr" defTabSz="914400" rtl="0" eaLnBrk="1" latinLnBrk="0" hangingPunct="1">
+              <a:spcBef>
+                <a:spcPct val="0"/>
+              </a:spcBef>
+              <a:buNone/>
+              <a:defRPr sz="4400" kern="1200">
+                <a:solidFill>
+                  <a:schemeClr val="tx1"/>
+                </a:solidFill>
+                <a:latin typeface="+mj-lt"/>
+                <a:ea typeface="+mj-ea"/>
+                <a:cs typeface="+mj-cs"/>
+              </a:defRPr>
+            </a:lvl1pPr>
+          </a:lstStyle>
+          <a:p>
+            <a:pPr algn="l"/>
+            <a:r>
+              <a:rPr lang="pt-PT" sz="3200" b="1" dirty="0" err="1">
+                <a:solidFill>
+                  <a:schemeClr val="tx1">
+                    <a:lumMod val="95000"/>
+                    <a:lumOff val="5000"/>
+                  </a:schemeClr>
+                </a:solidFill>
+                <a:latin typeface="+mn-lt"/>
+              </a:rPr>
+              <a:t>Dashboard</a:t>
+            </a:r>
+            <a:endParaRPr lang="pt-PT" sz="3200" b="1" dirty="0">
+              <a:solidFill>
+                <a:schemeClr val="tx1">
+                  <a:lumMod val="95000"/>
+                  <a:lumOff val="5000"/>
+                </a:schemeClr>
+              </a:solidFill>
+              <a:latin typeface="+mn-lt"/>
+            </a:endParaRPr>
+          </a:p>
+        </p:txBody>
+      </p:sp>
+      <p:cxnSp>
+        <p:nvCxnSpPr>
+          <p:cNvPr id="11" name="Conexão recta 10"/>
+          <p:cNvCxnSpPr/>
+          <p:nvPr/>
+        </p:nvCxnSpPr>
+        <p:spPr>
+          <a:xfrm>
+            <a:off x="428130" y="789552"/>
+            <a:ext cx="5512022" cy="0"/>
+          </a:xfrm>
+          <a:prstGeom prst="line">
+            <a:avLst/>
+          </a:prstGeom>
+          <a:ln w="28575">
+            <a:solidFill>
+              <a:schemeClr val="tx1">
+                <a:lumMod val="95000"/>
+                <a:lumOff val="5000"/>
+              </a:schemeClr>
+            </a:solidFill>
+          </a:ln>
+        </p:spPr>
+        <p:style>
+          <a:lnRef idx="1">
+            <a:schemeClr val="accent1"/>
+          </a:lnRef>
+          <a:fillRef idx="0">
+            <a:schemeClr val="accent1"/>
+          </a:fillRef>
+          <a:effectRef idx="0">
+            <a:schemeClr val="accent1"/>
+          </a:effectRef>
+          <a:fontRef idx="minor">
+            <a:schemeClr val="tx1"/>
+          </a:fontRef>
+        </p:style>
+      </p:cxnSp>
+      <p:sp>
+        <p:nvSpPr>
+          <p:cNvPr id="16" name="Título 1"/>
+          <p:cNvSpPr txBox="1">
+            <a:spLocks/>
+          </p:cNvSpPr>
+          <p:nvPr/>
+        </p:nvSpPr>
+        <p:spPr>
+          <a:xfrm>
+            <a:off x="323528" y="195487"/>
+            <a:ext cx="6587616" cy="252329"/>
+          </a:xfrm>
+          <a:prstGeom prst="rect">
+            <a:avLst/>
+          </a:prstGeom>
+        </p:spPr>
+        <p:txBody>
+          <a:bodyPr vert="horz" lIns="91440" tIns="45720" rIns="91440" bIns="45720" rtlCol="0" anchor="ctr">
+            <a:normAutofit/>
+          </a:bodyPr>
+          <a:lstStyle>
+            <a:lvl1pPr algn="ctr" defTabSz="914400" rtl="0" eaLnBrk="1" latinLnBrk="0" hangingPunct="1">
+              <a:spcBef>
+                <a:spcPct val="0"/>
+              </a:spcBef>
+              <a:buNone/>
+              <a:defRPr sz="4400" kern="1200">
+                <a:solidFill>
+                  <a:schemeClr val="tx1"/>
+                </a:solidFill>
+                <a:latin typeface="+mj-lt"/>
+                <a:ea typeface="+mj-ea"/>
+                <a:cs typeface="+mj-cs"/>
+              </a:defRPr>
+            </a:lvl1pPr>
+          </a:lstStyle>
+          <a:p>
+            <a:pPr algn="l"/>
+            <a:r>
+              <a:rPr lang="pt-PT" sz="1000" b="1" dirty="0">
+                <a:solidFill>
+                  <a:schemeClr val="tx1">
+                    <a:lumMod val="95000"/>
+                    <a:lumOff val="5000"/>
+                  </a:schemeClr>
+                </a:solidFill>
+                <a:latin typeface="+mn-lt"/>
+              </a:rPr>
+              <a:t>SARAMAGO . </a:t>
+            </a:r>
+            <a:r>
+              <a:rPr lang="pt-PT" sz="1000" dirty="0" err="1">
+                <a:solidFill>
+                  <a:schemeClr val="tx1">
+                    <a:lumMod val="95000"/>
+                    <a:lumOff val="5000"/>
+                  </a:schemeClr>
+                </a:solidFill>
+                <a:latin typeface="+mn-lt"/>
+              </a:rPr>
+              <a:t>Mockups</a:t>
+            </a:r>
+            <a:endParaRPr lang="pt-PT" sz="1000" dirty="0">
+              <a:solidFill>
+                <a:schemeClr val="tx1">
+                  <a:lumMod val="95000"/>
+                  <a:lumOff val="5000"/>
+                </a:schemeClr>
+              </a:solidFill>
+              <a:latin typeface="+mn-lt"/>
+            </a:endParaRPr>
+          </a:p>
+          <a:p>
+            <a:pPr algn="l"/>
+            <a:endParaRPr lang="pt-PT" sz="1000" b="1" dirty="0">
+              <a:solidFill>
+                <a:schemeClr val="tx1">
+                  <a:lumMod val="95000"/>
+                  <a:lumOff val="5000"/>
+                </a:schemeClr>
+              </a:solidFill>
+            </a:endParaRPr>
+          </a:p>
+        </p:txBody>
+      </p:sp>
+      <p:sp>
+        <p:nvSpPr>
+          <p:cNvPr id="12" name="Marcador de Posição da Data 4"/>
+          <p:cNvSpPr txBox="1">
+            <a:spLocks/>
+          </p:cNvSpPr>
+          <p:nvPr/>
+        </p:nvSpPr>
+        <p:spPr>
+          <a:xfrm>
+            <a:off x="350168" y="4840002"/>
+            <a:ext cx="2133600" cy="273844"/>
+          </a:xfrm>
+          <a:prstGeom prst="rect">
+            <a:avLst/>
+          </a:prstGeom>
+        </p:spPr>
+        <p:txBody>
+          <a:bodyPr vert="horz" lIns="91440" tIns="45720" rIns="91440" bIns="45720" rtlCol="0" anchor="ctr"/>
+          <a:lstStyle>
+            <a:defPPr>
+              <a:defRPr lang="pt-PT"/>
+            </a:defPPr>
+            <a:lvl1pPr marL="0" algn="l" defTabSz="914400" rtl="0" eaLnBrk="1" latinLnBrk="0" hangingPunct="1">
+              <a:defRPr sz="1200" kern="1200">
+                <a:solidFill>
+                  <a:schemeClr val="tx1">
+                    <a:tint val="75000"/>
+                  </a:schemeClr>
+                </a:solidFill>
+                <a:latin typeface="+mn-lt"/>
+                <a:ea typeface="+mn-ea"/>
+                <a:cs typeface="+mn-cs"/>
+              </a:defRPr>
+            </a:lvl1pPr>
+            <a:lvl2pPr marL="457200" algn="l" defTabSz="914400" rtl="0" eaLnBrk="1" latinLnBrk="0" hangingPunct="1">
+              <a:defRPr sz="1800" kern="1200">
+                <a:solidFill>
+                  <a:schemeClr val="tx1"/>
+                </a:solidFill>
+                <a:latin typeface="+mn-lt"/>
+                <a:ea typeface="+mn-ea"/>
+                <a:cs typeface="+mn-cs"/>
+              </a:defRPr>
+            </a:lvl2pPr>
+            <a:lvl3pPr marL="914400" algn="l" defTabSz="914400" rtl="0" eaLnBrk="1" latinLnBrk="0" hangingPunct="1">
+              <a:defRPr sz="1800" kern="1200">
+                <a:solidFill>
+                  <a:schemeClr val="tx1"/>
+                </a:solidFill>
+                <a:latin typeface="+mn-lt"/>
+                <a:ea typeface="+mn-ea"/>
+                <a:cs typeface="+mn-cs"/>
+              </a:defRPr>
+            </a:lvl3pPr>
+            <a:lvl4pPr marL="1371600" algn="l" defTabSz="914400" rtl="0" eaLnBrk="1" latinLnBrk="0" hangingPunct="1">
+              <a:defRPr sz="1800" kern="1200">
+                <a:solidFill>
+                  <a:schemeClr val="tx1"/>
+                </a:solidFill>
+                <a:latin typeface="+mn-lt"/>
+                <a:ea typeface="+mn-ea"/>
+                <a:cs typeface="+mn-cs"/>
+              </a:defRPr>
+            </a:lvl4pPr>
+            <a:lvl5pPr marL="1828800" algn="l" defTabSz="914400" rtl="0" eaLnBrk="1" latinLnBrk="0" hangingPunct="1">
+              <a:defRPr sz="1800" kern="1200">
+                <a:solidFill>
+                  <a:schemeClr val="tx1"/>
+                </a:solidFill>
+                <a:latin typeface="+mn-lt"/>
+                <a:ea typeface="+mn-ea"/>
+                <a:cs typeface="+mn-cs"/>
+              </a:defRPr>
+            </a:lvl5pPr>
+            <a:lvl6pPr marL="2286000" algn="l" defTabSz="914400" rtl="0" eaLnBrk="1" latinLnBrk="0" hangingPunct="1">
+              <a:defRPr sz="1800" kern="1200">
+                <a:solidFill>
+                  <a:schemeClr val="tx1"/>
+                </a:solidFill>
+                <a:latin typeface="+mn-lt"/>
+                <a:ea typeface="+mn-ea"/>
+                <a:cs typeface="+mn-cs"/>
+              </a:defRPr>
+            </a:lvl6pPr>
+            <a:lvl7pPr marL="2743200" algn="l" defTabSz="914400" rtl="0" eaLnBrk="1" latinLnBrk="0" hangingPunct="1">
+              <a:defRPr sz="1800" kern="1200">
+                <a:solidFill>
+                  <a:schemeClr val="tx1"/>
+                </a:solidFill>
+                <a:latin typeface="+mn-lt"/>
+                <a:ea typeface="+mn-ea"/>
+                <a:cs typeface="+mn-cs"/>
+              </a:defRPr>
+            </a:lvl7pPr>
+            <a:lvl8pPr marL="3200400" algn="l" defTabSz="914400" rtl="0" eaLnBrk="1" latinLnBrk="0" hangingPunct="1">
+              <a:defRPr sz="1800" kern="1200">
+                <a:solidFill>
+                  <a:schemeClr val="tx1"/>
+                </a:solidFill>
+                <a:latin typeface="+mn-lt"/>
+                <a:ea typeface="+mn-ea"/>
+                <a:cs typeface="+mn-cs"/>
+              </a:defRPr>
+            </a:lvl8pPr>
+            <a:lvl9pPr marL="3657600" algn="l" defTabSz="914400" rtl="0" eaLnBrk="1" latinLnBrk="0" hangingPunct="1">
+              <a:defRPr sz="1800" kern="1200">
+                <a:solidFill>
+                  <a:schemeClr val="tx1"/>
+                </a:solidFill>
+                <a:latin typeface="+mn-lt"/>
+                <a:ea typeface="+mn-ea"/>
+                <a:cs typeface="+mn-cs"/>
+              </a:defRPr>
+            </a:lvl9pPr>
+          </a:lstStyle>
+          <a:p>
+            <a:fld id="{C2DE1785-620F-4DE8-A7D0-6CC8413DFAC9}" type="datetime1">
+              <a:rPr lang="pt-PT" sz="800" b="1" smtClean="0"/>
+              <a:pPr/>
+              <a:t>06/11/20</a:t>
+            </a:fld>
+            <a:endParaRPr lang="pt-PT" sz="800" b="1" dirty="0"/>
+          </a:p>
+        </p:txBody>
+      </p:sp>
+      <p:sp>
+        <p:nvSpPr>
+          <p:cNvPr id="18" name="Marcador de Posição do Rodapé 6"/>
+          <p:cNvSpPr txBox="1">
+            <a:spLocks/>
+          </p:cNvSpPr>
+          <p:nvPr/>
+        </p:nvSpPr>
+        <p:spPr>
+          <a:xfrm>
+            <a:off x="3124200" y="4840002"/>
+            <a:ext cx="2895600" cy="273844"/>
+          </a:xfrm>
+          <a:prstGeom prst="rect">
+            <a:avLst/>
+          </a:prstGeom>
+        </p:spPr>
+        <p:txBody>
+          <a:bodyPr vert="horz" lIns="91440" tIns="45720" rIns="91440" bIns="45720" rtlCol="0" anchor="ctr"/>
+          <a:lstStyle>
+            <a:defPPr>
+              <a:defRPr lang="pt-PT"/>
+            </a:defPPr>
+            <a:lvl1pPr marL="0" algn="ctr" defTabSz="914400" rtl="0" eaLnBrk="1" latinLnBrk="0" hangingPunct="1">
+              <a:defRPr sz="1200" kern="1200">
+                <a:solidFill>
+                  <a:schemeClr val="tx1">
+                    <a:tint val="75000"/>
+                  </a:schemeClr>
+                </a:solidFill>
+                <a:latin typeface="+mn-lt"/>
+                <a:ea typeface="+mn-ea"/>
+                <a:cs typeface="+mn-cs"/>
+              </a:defRPr>
+            </a:lvl1pPr>
+            <a:lvl2pPr marL="457200" algn="l" defTabSz="914400" rtl="0" eaLnBrk="1" latinLnBrk="0" hangingPunct="1">
+              <a:defRPr sz="1800" kern="1200">
+                <a:solidFill>
+                  <a:schemeClr val="tx1"/>
+                </a:solidFill>
+                <a:latin typeface="+mn-lt"/>
+                <a:ea typeface="+mn-ea"/>
+                <a:cs typeface="+mn-cs"/>
+              </a:defRPr>
+            </a:lvl2pPr>
+            <a:lvl3pPr marL="914400" algn="l" defTabSz="914400" rtl="0" eaLnBrk="1" latinLnBrk="0" hangingPunct="1">
+              <a:defRPr sz="1800" kern="1200">
+                <a:solidFill>
+                  <a:schemeClr val="tx1"/>
+                </a:solidFill>
+                <a:latin typeface="+mn-lt"/>
+                <a:ea typeface="+mn-ea"/>
+                <a:cs typeface="+mn-cs"/>
+              </a:defRPr>
+            </a:lvl3pPr>
+            <a:lvl4pPr marL="1371600" algn="l" defTabSz="914400" rtl="0" eaLnBrk="1" latinLnBrk="0" hangingPunct="1">
+              <a:defRPr sz="1800" kern="1200">
+                <a:solidFill>
+                  <a:schemeClr val="tx1"/>
+                </a:solidFill>
+                <a:latin typeface="+mn-lt"/>
+                <a:ea typeface="+mn-ea"/>
+                <a:cs typeface="+mn-cs"/>
+              </a:defRPr>
+            </a:lvl4pPr>
+            <a:lvl5pPr marL="1828800" algn="l" defTabSz="914400" rtl="0" eaLnBrk="1" latinLnBrk="0" hangingPunct="1">
+              <a:defRPr sz="1800" kern="1200">
+                <a:solidFill>
+                  <a:schemeClr val="tx1"/>
+                </a:solidFill>
+                <a:latin typeface="+mn-lt"/>
+                <a:ea typeface="+mn-ea"/>
+                <a:cs typeface="+mn-cs"/>
+              </a:defRPr>
+            </a:lvl5pPr>
+            <a:lvl6pPr marL="2286000" algn="l" defTabSz="914400" rtl="0" eaLnBrk="1" latinLnBrk="0" hangingPunct="1">
+              <a:defRPr sz="1800" kern="1200">
+                <a:solidFill>
+                  <a:schemeClr val="tx1"/>
+                </a:solidFill>
+                <a:latin typeface="+mn-lt"/>
+                <a:ea typeface="+mn-ea"/>
+                <a:cs typeface="+mn-cs"/>
+              </a:defRPr>
+            </a:lvl6pPr>
+            <a:lvl7pPr marL="2743200" algn="l" defTabSz="914400" rtl="0" eaLnBrk="1" latinLnBrk="0" hangingPunct="1">
+              <a:defRPr sz="1800" kern="1200">
+                <a:solidFill>
+                  <a:schemeClr val="tx1"/>
+                </a:solidFill>
+                <a:latin typeface="+mn-lt"/>
+                <a:ea typeface="+mn-ea"/>
+                <a:cs typeface="+mn-cs"/>
+              </a:defRPr>
+            </a:lvl7pPr>
+            <a:lvl8pPr marL="3200400" algn="l" defTabSz="914400" rtl="0" eaLnBrk="1" latinLnBrk="0" hangingPunct="1">
+              <a:defRPr sz="1800" kern="1200">
+                <a:solidFill>
+                  <a:schemeClr val="tx1"/>
+                </a:solidFill>
+                <a:latin typeface="+mn-lt"/>
+                <a:ea typeface="+mn-ea"/>
+                <a:cs typeface="+mn-cs"/>
+              </a:defRPr>
+            </a:lvl8pPr>
+            <a:lvl9pPr marL="3657600" algn="l" defTabSz="914400" rtl="0" eaLnBrk="1" latinLnBrk="0" hangingPunct="1">
+              <a:defRPr sz="1800" kern="1200">
+                <a:solidFill>
+                  <a:schemeClr val="tx1"/>
+                </a:solidFill>
+                <a:latin typeface="+mn-lt"/>
+                <a:ea typeface="+mn-ea"/>
+                <a:cs typeface="+mn-cs"/>
+              </a:defRPr>
+            </a:lvl9pPr>
+          </a:lstStyle>
+          <a:p>
+            <a:r>
+              <a:rPr lang="pt-PT" sz="800" b="1"/>
+              <a:t>POLITÉCNICO DE LEIRIA</a:t>
+            </a:r>
+            <a:endParaRPr lang="pt-PT" sz="800" b="1" dirty="0"/>
+          </a:p>
+        </p:txBody>
+      </p:sp>
+      <p:grpSp>
+        <p:nvGrpSpPr>
+          <p:cNvPr id="2" name="Agrupar 1">
+            <a:extLst>
+              <a:ext uri="{FF2B5EF4-FFF2-40B4-BE49-F238E27FC236}">
+                <a16:creationId xmlns:a16="http://schemas.microsoft.com/office/drawing/2014/main" id="{C7AC661E-2677-1645-9E16-D217A91ACC2A}"/>
+              </a:ext>
+            </a:extLst>
+          </p:cNvPr>
+          <p:cNvGrpSpPr/>
+          <p:nvPr/>
+        </p:nvGrpSpPr>
+        <p:grpSpPr>
+          <a:xfrm>
+            <a:off x="2655157" y="1206932"/>
+            <a:ext cx="3833686" cy="3234007"/>
+            <a:chOff x="3549863" y="1275744"/>
+            <a:chExt cx="4066972" cy="3430802"/>
+          </a:xfrm>
+        </p:grpSpPr>
+        <p:pic>
+          <p:nvPicPr>
+            <p:cNvPr id="14" name="Imagem 13">
+              <a:extLst>
+                <a:ext uri="{FF2B5EF4-FFF2-40B4-BE49-F238E27FC236}">
+                  <a16:creationId xmlns:a16="http://schemas.microsoft.com/office/drawing/2014/main" id="{39A0127A-FA65-7B4B-9A20-6361454381FD}"/>
+                </a:ext>
+              </a:extLst>
+            </p:cNvPr>
+            <p:cNvPicPr>
+              <a:picLocks noChangeAspect="1"/>
+            </p:cNvPicPr>
+            <p:nvPr/>
+          </p:nvPicPr>
+          <p:blipFill>
+            <a:blip r:embed="rId3"/>
+            <a:stretch>
+              <a:fillRect/>
+            </a:stretch>
+          </p:blipFill>
+          <p:spPr>
+            <a:xfrm>
+              <a:off x="3549863" y="1275744"/>
+              <a:ext cx="1928945" cy="3430800"/>
+            </a:xfrm>
+            <a:prstGeom prst="rect">
+              <a:avLst/>
+            </a:prstGeom>
+            <a:ln w="6350">
+              <a:solidFill>
+                <a:schemeClr val="tx1"/>
+              </a:solidFill>
+            </a:ln>
+          </p:spPr>
+        </p:pic>
+        <p:pic>
+          <p:nvPicPr>
+            <p:cNvPr id="15" name="Marcador de Posição de Conteúdo 5">
+              <a:extLst>
+                <a:ext uri="{FF2B5EF4-FFF2-40B4-BE49-F238E27FC236}">
+                  <a16:creationId xmlns:a16="http://schemas.microsoft.com/office/drawing/2014/main" id="{A8936B41-9B72-4C4E-B4DE-88C7B52C0EC3}"/>
+                </a:ext>
+              </a:extLst>
+            </p:cNvPr>
+            <p:cNvPicPr>
+              <a:picLocks noChangeAspect="1"/>
+            </p:cNvPicPr>
+            <p:nvPr/>
+          </p:nvPicPr>
+          <p:blipFill>
+            <a:blip r:embed="rId4"/>
+            <a:stretch>
+              <a:fillRect/>
+            </a:stretch>
+          </p:blipFill>
+          <p:spPr>
+            <a:xfrm>
+              <a:off x="5687889" y="1275744"/>
+              <a:ext cx="1928946" cy="3430802"/>
+            </a:xfrm>
+            <a:prstGeom prst="rect">
+              <a:avLst/>
+            </a:prstGeom>
+            <a:ln w="6350">
+              <a:solidFill>
+                <a:schemeClr val="tx1"/>
+              </a:solidFill>
+            </a:ln>
+          </p:spPr>
+        </p:pic>
+      </p:grpSp>
+      <p:sp>
+        <p:nvSpPr>
+          <p:cNvPr id="3" name="CaixaDeTexto 2">
+            <a:extLst>
+              <a:ext uri="{FF2B5EF4-FFF2-40B4-BE49-F238E27FC236}">
+                <a16:creationId xmlns:a16="http://schemas.microsoft.com/office/drawing/2014/main" id="{E60556B8-138D-7C49-B567-755A811A44C1}"/>
+              </a:ext>
+            </a:extLst>
+          </p:cNvPr>
+          <p:cNvSpPr txBox="1"/>
+          <p:nvPr/>
+        </p:nvSpPr>
+        <p:spPr>
+          <a:xfrm>
+            <a:off x="3090911" y="4464535"/>
+            <a:ext cx="921342" cy="292388"/>
+          </a:xfrm>
+          <a:prstGeom prst="rect">
+            <a:avLst/>
+          </a:prstGeom>
+          <a:noFill/>
+        </p:spPr>
+        <p:txBody>
+          <a:bodyPr wrap="none" rtlCol="0">
+            <a:spAutoFit/>
+          </a:bodyPr>
+          <a:lstStyle/>
+          <a:p>
+            <a:r>
+              <a:rPr lang="pt-PT" sz="1300" dirty="0" err="1"/>
+              <a:t>Dashboard</a:t>
+            </a:r>
+            <a:endParaRPr lang="pt-PT" sz="1300" dirty="0"/>
+          </a:p>
+        </p:txBody>
+      </p:sp>
+      <p:sp>
+        <p:nvSpPr>
+          <p:cNvPr id="19" name="CaixaDeTexto 18">
+            <a:extLst>
+              <a:ext uri="{FF2B5EF4-FFF2-40B4-BE49-F238E27FC236}">
+                <a16:creationId xmlns:a16="http://schemas.microsoft.com/office/drawing/2014/main" id="{6D31A7FF-820A-3D40-84BA-49F7DFF43B2D}"/>
+              </a:ext>
+            </a:extLst>
+          </p:cNvPr>
+          <p:cNvSpPr txBox="1"/>
+          <p:nvPr/>
+        </p:nvSpPr>
+        <p:spPr>
+          <a:xfrm>
+            <a:off x="4810091" y="4456840"/>
+            <a:ext cx="1539204" cy="307777"/>
+          </a:xfrm>
+          <a:prstGeom prst="rect">
+            <a:avLst/>
+          </a:prstGeom>
+          <a:noFill/>
+        </p:spPr>
+        <p:txBody>
+          <a:bodyPr wrap="none" rtlCol="0">
+            <a:spAutoFit/>
+          </a:bodyPr>
+          <a:lstStyle/>
+          <a:p>
+            <a:r>
+              <a:rPr lang="pt-PT" sz="1400" dirty="0" err="1"/>
+              <a:t>Navigation</a:t>
+            </a:r>
+            <a:r>
+              <a:rPr lang="pt-PT" sz="1400" dirty="0"/>
+              <a:t> </a:t>
+            </a:r>
+            <a:r>
+              <a:rPr lang="pt-PT" sz="1400" dirty="0" err="1"/>
+              <a:t>Drawer</a:t>
+            </a:r>
+            <a:endParaRPr lang="pt-PT" sz="1300" dirty="0"/>
+          </a:p>
+        </p:txBody>
+      </p:sp>
+    </p:spTree>
+    <p:extLst>
+      <p:ext uri="{BB962C8B-B14F-4D97-AF65-F5344CB8AC3E}">
+        <p14:creationId xmlns:p14="http://schemas.microsoft.com/office/powerpoint/2010/main" val="3717815589"/>
+      </p:ext>
+    </p:extLst>
+  </p:cSld>
+  <p:clrMapOvr>
+    <a:masterClrMapping/>
+  </p:clrMapOvr>
+  <mc:AlternateContent xmlns:mc="http://schemas.openxmlformats.org/markup-compatibility/2006">
+    <mc:Choice xmlns:p159="http://schemas.microsoft.com/office/powerpoint/2015/09/main" Requires="p159">
+      <p:transition xmlns:p14="http://schemas.microsoft.com/office/powerpoint/2010/main" spd="slow" p14:dur="2000">
+        <p159:morph option="byObject"/>
+      </p:transition>
+    </mc:Choice>
+    <mc:Fallback>
+      <p:transition spd="slow">
+        <p:fade/>
+      </p:transition>
+    </mc:Fallback>
+  </mc:AlternateContent>
+</p:sld>
+</file>
+
+<file path=ppt/slides/slide12.xml><?xml version="1.0" encoding="utf-8"?>
+<p:sld xmlns:a="http://schemas.openxmlformats.org/drawingml/2006/main" xmlns:r="http://schemas.openxmlformats.org/officeDocument/2006/relationships" xmlns:p="http://schemas.openxmlformats.org/presentationml/2006/main">
+  <p:cSld>
+    <p:spTree>
+      <p:nvGrpSpPr>
+        <p:cNvPr id="1" name=""/>
+        <p:cNvGrpSpPr/>
+        <p:nvPr/>
+      </p:nvGrpSpPr>
+      <p:grpSpPr>
+        <a:xfrm>
+          <a:off x="0" y="0"/>
+          <a:ext cx="0" cy="0"/>
+          <a:chOff x="0" y="0"/>
+          <a:chExt cx="0" cy="0"/>
+        </a:xfrm>
+      </p:grpSpPr>
+      <p:sp>
+        <p:nvSpPr>
+          <p:cNvPr id="17" name="Rectângulo 16"/>
+          <p:cNvSpPr/>
+          <p:nvPr/>
+        </p:nvSpPr>
+        <p:spPr>
+          <a:xfrm>
+            <a:off x="-6749" y="-23598"/>
+            <a:ext cx="9144000" cy="4840002"/>
+          </a:xfrm>
+          <a:prstGeom prst="rect">
+            <a:avLst/>
+          </a:prstGeom>
+          <a:solidFill>
+            <a:schemeClr val="bg1">
+              <a:lumMod val="95000"/>
+            </a:schemeClr>
+          </a:solidFill>
+          <a:ln>
+            <a:noFill/>
+          </a:ln>
+        </p:spPr>
+        <p:style>
+          <a:lnRef idx="2">
+            <a:schemeClr val="accent1">
+              <a:shade val="50000"/>
+            </a:schemeClr>
+          </a:lnRef>
+          <a:fillRef idx="1">
+            <a:schemeClr val="accent1"/>
+          </a:fillRef>
+          <a:effectRef idx="0">
+            <a:schemeClr val="accent1"/>
+          </a:effectRef>
+          <a:fontRef idx="minor">
+            <a:schemeClr val="lt1"/>
+          </a:fontRef>
+        </p:style>
+        <p:txBody>
+          <a:bodyPr rtlCol="0" anchor="ctr"/>
+          <a:lstStyle/>
+          <a:p>
+            <a:pPr algn="ctr"/>
+            <a:endParaRPr lang="pt-PT" dirty="0"/>
+          </a:p>
+        </p:txBody>
+      </p:sp>
+      <p:sp>
+        <p:nvSpPr>
+          <p:cNvPr id="9" name="Título 1"/>
+          <p:cNvSpPr txBox="1">
+            <a:spLocks/>
+          </p:cNvSpPr>
+          <p:nvPr/>
+        </p:nvSpPr>
+        <p:spPr>
+          <a:xfrm>
+            <a:off x="323528" y="357504"/>
+            <a:ext cx="6838528" cy="433871"/>
+          </a:xfrm>
+          <a:prstGeom prst="rect">
+            <a:avLst/>
+          </a:prstGeom>
+        </p:spPr>
+        <p:txBody>
+          <a:bodyPr vert="horz" lIns="91440" tIns="45720" rIns="91440" bIns="45720" rtlCol="0" anchor="ctr">
+            <a:normAutofit fontScale="85000" lnSpcReduction="20000"/>
+          </a:bodyPr>
+          <a:lstStyle>
+            <a:lvl1pPr algn="ctr" defTabSz="914400" rtl="0" eaLnBrk="1" latinLnBrk="0" hangingPunct="1">
+              <a:spcBef>
+                <a:spcPct val="0"/>
+              </a:spcBef>
+              <a:buNone/>
+              <a:defRPr sz="4400" kern="1200">
+                <a:solidFill>
+                  <a:schemeClr val="tx1"/>
+                </a:solidFill>
+                <a:latin typeface="+mj-lt"/>
+                <a:ea typeface="+mj-ea"/>
+                <a:cs typeface="+mj-cs"/>
+              </a:defRPr>
+            </a:lvl1pPr>
+          </a:lstStyle>
+          <a:p>
+            <a:pPr algn="l"/>
+            <a:r>
+              <a:rPr lang="pt-PT" sz="3200" b="1" dirty="0">
+                <a:solidFill>
+                  <a:schemeClr val="tx1">
+                    <a:lumMod val="95000"/>
+                    <a:lumOff val="5000"/>
+                  </a:schemeClr>
+                </a:solidFill>
+                <a:latin typeface="+mn-lt"/>
+              </a:rPr>
+              <a:t>Leitores</a:t>
+            </a:r>
+          </a:p>
+        </p:txBody>
+      </p:sp>
+      <p:cxnSp>
+        <p:nvCxnSpPr>
+          <p:cNvPr id="11" name="Conexão recta 10"/>
+          <p:cNvCxnSpPr/>
+          <p:nvPr/>
+        </p:nvCxnSpPr>
+        <p:spPr>
+          <a:xfrm>
+            <a:off x="428130" y="789552"/>
+            <a:ext cx="5512022" cy="0"/>
+          </a:xfrm>
+          <a:prstGeom prst="line">
+            <a:avLst/>
+          </a:prstGeom>
+          <a:ln w="28575">
+            <a:solidFill>
+              <a:schemeClr val="tx1">
+                <a:lumMod val="95000"/>
+                <a:lumOff val="5000"/>
+              </a:schemeClr>
+            </a:solidFill>
+          </a:ln>
+        </p:spPr>
+        <p:style>
+          <a:lnRef idx="1">
+            <a:schemeClr val="accent1"/>
+          </a:lnRef>
+          <a:fillRef idx="0">
+            <a:schemeClr val="accent1"/>
+          </a:fillRef>
+          <a:effectRef idx="0">
+            <a:schemeClr val="accent1"/>
+          </a:effectRef>
+          <a:fontRef idx="minor">
+            <a:schemeClr val="tx1"/>
+          </a:fontRef>
+        </p:style>
+      </p:cxnSp>
+      <p:sp>
+        <p:nvSpPr>
+          <p:cNvPr id="16" name="Título 1"/>
+          <p:cNvSpPr txBox="1">
+            <a:spLocks/>
+          </p:cNvSpPr>
+          <p:nvPr/>
+        </p:nvSpPr>
+        <p:spPr>
+          <a:xfrm>
+            <a:off x="323528" y="195487"/>
+            <a:ext cx="6587616" cy="252329"/>
+          </a:xfrm>
+          <a:prstGeom prst="rect">
+            <a:avLst/>
+          </a:prstGeom>
+        </p:spPr>
+        <p:txBody>
+          <a:bodyPr vert="horz" lIns="91440" tIns="45720" rIns="91440" bIns="45720" rtlCol="0" anchor="ctr">
+            <a:normAutofit/>
+          </a:bodyPr>
+          <a:lstStyle>
+            <a:lvl1pPr algn="ctr" defTabSz="914400" rtl="0" eaLnBrk="1" latinLnBrk="0" hangingPunct="1">
+              <a:spcBef>
+                <a:spcPct val="0"/>
+              </a:spcBef>
+              <a:buNone/>
+              <a:defRPr sz="4400" kern="1200">
+                <a:solidFill>
+                  <a:schemeClr val="tx1"/>
+                </a:solidFill>
+                <a:latin typeface="+mj-lt"/>
+                <a:ea typeface="+mj-ea"/>
+                <a:cs typeface="+mj-cs"/>
+              </a:defRPr>
+            </a:lvl1pPr>
+          </a:lstStyle>
+          <a:p>
+            <a:pPr algn="l"/>
+            <a:r>
+              <a:rPr lang="pt-PT" sz="1000" b="1" dirty="0">
+                <a:solidFill>
+                  <a:schemeClr val="tx1">
+                    <a:lumMod val="95000"/>
+                    <a:lumOff val="5000"/>
+                  </a:schemeClr>
+                </a:solidFill>
+                <a:latin typeface="+mn-lt"/>
+              </a:rPr>
+              <a:t>SARAMAGO . </a:t>
+            </a:r>
+            <a:r>
+              <a:rPr lang="pt-PT" sz="1000" dirty="0" err="1">
+                <a:solidFill>
+                  <a:schemeClr val="tx1">
+                    <a:lumMod val="95000"/>
+                    <a:lumOff val="5000"/>
+                  </a:schemeClr>
+                </a:solidFill>
+                <a:latin typeface="+mn-lt"/>
+              </a:rPr>
+              <a:t>Mockups</a:t>
+            </a:r>
+            <a:endParaRPr lang="pt-PT" sz="1000" dirty="0">
+              <a:solidFill>
+                <a:schemeClr val="tx1">
+                  <a:lumMod val="95000"/>
+                  <a:lumOff val="5000"/>
+                </a:schemeClr>
+              </a:solidFill>
+              <a:latin typeface="+mn-lt"/>
+            </a:endParaRPr>
+          </a:p>
+          <a:p>
+            <a:pPr algn="l"/>
+            <a:endParaRPr lang="pt-PT" sz="1000" b="1" dirty="0">
+              <a:solidFill>
+                <a:schemeClr val="tx1">
+                  <a:lumMod val="95000"/>
+                  <a:lumOff val="5000"/>
+                </a:schemeClr>
+              </a:solidFill>
+            </a:endParaRPr>
+          </a:p>
+        </p:txBody>
+      </p:sp>
+      <p:sp>
+        <p:nvSpPr>
+          <p:cNvPr id="12" name="Marcador de Posição da Data 4"/>
+          <p:cNvSpPr txBox="1">
+            <a:spLocks/>
+          </p:cNvSpPr>
+          <p:nvPr/>
+        </p:nvSpPr>
+        <p:spPr>
+          <a:xfrm>
+            <a:off x="350168" y="4840002"/>
+            <a:ext cx="2133600" cy="273844"/>
+          </a:xfrm>
+          <a:prstGeom prst="rect">
+            <a:avLst/>
+          </a:prstGeom>
+        </p:spPr>
+        <p:txBody>
+          <a:bodyPr vert="horz" lIns="91440" tIns="45720" rIns="91440" bIns="45720" rtlCol="0" anchor="ctr"/>
+          <a:lstStyle>
+            <a:defPPr>
+              <a:defRPr lang="pt-PT"/>
+            </a:defPPr>
+            <a:lvl1pPr marL="0" algn="l" defTabSz="914400" rtl="0" eaLnBrk="1" latinLnBrk="0" hangingPunct="1">
+              <a:defRPr sz="1200" kern="1200">
+                <a:solidFill>
+                  <a:schemeClr val="tx1">
+                    <a:tint val="75000"/>
+                  </a:schemeClr>
+                </a:solidFill>
+                <a:latin typeface="+mn-lt"/>
+                <a:ea typeface="+mn-ea"/>
+                <a:cs typeface="+mn-cs"/>
+              </a:defRPr>
+            </a:lvl1pPr>
+            <a:lvl2pPr marL="457200" algn="l" defTabSz="914400" rtl="0" eaLnBrk="1" latinLnBrk="0" hangingPunct="1">
+              <a:defRPr sz="1800" kern="1200">
+                <a:solidFill>
+                  <a:schemeClr val="tx1"/>
+                </a:solidFill>
+                <a:latin typeface="+mn-lt"/>
+                <a:ea typeface="+mn-ea"/>
+                <a:cs typeface="+mn-cs"/>
+              </a:defRPr>
+            </a:lvl2pPr>
+            <a:lvl3pPr marL="914400" algn="l" defTabSz="914400" rtl="0" eaLnBrk="1" latinLnBrk="0" hangingPunct="1">
+              <a:defRPr sz="1800" kern="1200">
+                <a:solidFill>
+                  <a:schemeClr val="tx1"/>
+                </a:solidFill>
+                <a:latin typeface="+mn-lt"/>
+                <a:ea typeface="+mn-ea"/>
+                <a:cs typeface="+mn-cs"/>
+              </a:defRPr>
+            </a:lvl3pPr>
+            <a:lvl4pPr marL="1371600" algn="l" defTabSz="914400" rtl="0" eaLnBrk="1" latinLnBrk="0" hangingPunct="1">
+              <a:defRPr sz="1800" kern="1200">
+                <a:solidFill>
+                  <a:schemeClr val="tx1"/>
+                </a:solidFill>
+                <a:latin typeface="+mn-lt"/>
+                <a:ea typeface="+mn-ea"/>
+                <a:cs typeface="+mn-cs"/>
+              </a:defRPr>
+            </a:lvl4pPr>
+            <a:lvl5pPr marL="1828800" algn="l" defTabSz="914400" rtl="0" eaLnBrk="1" latinLnBrk="0" hangingPunct="1">
+              <a:defRPr sz="1800" kern="1200">
+                <a:solidFill>
+                  <a:schemeClr val="tx1"/>
+                </a:solidFill>
+                <a:latin typeface="+mn-lt"/>
+                <a:ea typeface="+mn-ea"/>
+                <a:cs typeface="+mn-cs"/>
+              </a:defRPr>
+            </a:lvl5pPr>
+            <a:lvl6pPr marL="2286000" algn="l" defTabSz="914400" rtl="0" eaLnBrk="1" latinLnBrk="0" hangingPunct="1">
+              <a:defRPr sz="1800" kern="1200">
+                <a:solidFill>
+                  <a:schemeClr val="tx1"/>
+                </a:solidFill>
+                <a:latin typeface="+mn-lt"/>
+                <a:ea typeface="+mn-ea"/>
+                <a:cs typeface="+mn-cs"/>
+              </a:defRPr>
+            </a:lvl6pPr>
+            <a:lvl7pPr marL="2743200" algn="l" defTabSz="914400" rtl="0" eaLnBrk="1" latinLnBrk="0" hangingPunct="1">
+              <a:defRPr sz="1800" kern="1200">
+                <a:solidFill>
+                  <a:schemeClr val="tx1"/>
+                </a:solidFill>
+                <a:latin typeface="+mn-lt"/>
+                <a:ea typeface="+mn-ea"/>
+                <a:cs typeface="+mn-cs"/>
+              </a:defRPr>
+            </a:lvl7pPr>
+            <a:lvl8pPr marL="3200400" algn="l" defTabSz="914400" rtl="0" eaLnBrk="1" latinLnBrk="0" hangingPunct="1">
+              <a:defRPr sz="1800" kern="1200">
+                <a:solidFill>
+                  <a:schemeClr val="tx1"/>
+                </a:solidFill>
+                <a:latin typeface="+mn-lt"/>
+                <a:ea typeface="+mn-ea"/>
+                <a:cs typeface="+mn-cs"/>
+              </a:defRPr>
+            </a:lvl8pPr>
+            <a:lvl9pPr marL="3657600" algn="l" defTabSz="914400" rtl="0" eaLnBrk="1" latinLnBrk="0" hangingPunct="1">
+              <a:defRPr sz="1800" kern="1200">
+                <a:solidFill>
+                  <a:schemeClr val="tx1"/>
+                </a:solidFill>
+                <a:latin typeface="+mn-lt"/>
+                <a:ea typeface="+mn-ea"/>
+                <a:cs typeface="+mn-cs"/>
+              </a:defRPr>
+            </a:lvl9pPr>
+          </a:lstStyle>
+          <a:p>
+            <a:fld id="{C2DE1785-620F-4DE8-A7D0-6CC8413DFAC9}" type="datetime1">
+              <a:rPr lang="pt-PT" sz="800" b="1" smtClean="0"/>
+              <a:pPr/>
+              <a:t>06/11/20</a:t>
+            </a:fld>
+            <a:endParaRPr lang="pt-PT" sz="800" b="1" dirty="0"/>
+          </a:p>
+        </p:txBody>
+      </p:sp>
+      <p:sp>
+        <p:nvSpPr>
+          <p:cNvPr id="18" name="Marcador de Posição do Rodapé 6"/>
+          <p:cNvSpPr txBox="1">
+            <a:spLocks/>
+          </p:cNvSpPr>
+          <p:nvPr/>
+        </p:nvSpPr>
+        <p:spPr>
+          <a:xfrm>
+            <a:off x="3124200" y="4840002"/>
+            <a:ext cx="2895600" cy="273844"/>
+          </a:xfrm>
+          <a:prstGeom prst="rect">
+            <a:avLst/>
+          </a:prstGeom>
+        </p:spPr>
+        <p:txBody>
+          <a:bodyPr vert="horz" lIns="91440" tIns="45720" rIns="91440" bIns="45720" rtlCol="0" anchor="ctr"/>
+          <a:lstStyle>
+            <a:defPPr>
+              <a:defRPr lang="pt-PT"/>
+            </a:defPPr>
+            <a:lvl1pPr marL="0" algn="ctr" defTabSz="914400" rtl="0" eaLnBrk="1" latinLnBrk="0" hangingPunct="1">
+              <a:defRPr sz="1200" kern="1200">
+                <a:solidFill>
+                  <a:schemeClr val="tx1">
+                    <a:tint val="75000"/>
+                  </a:schemeClr>
+                </a:solidFill>
+                <a:latin typeface="+mn-lt"/>
+                <a:ea typeface="+mn-ea"/>
+                <a:cs typeface="+mn-cs"/>
+              </a:defRPr>
+            </a:lvl1pPr>
+            <a:lvl2pPr marL="457200" algn="l" defTabSz="914400" rtl="0" eaLnBrk="1" latinLnBrk="0" hangingPunct="1">
+              <a:defRPr sz="1800" kern="1200">
+                <a:solidFill>
+                  <a:schemeClr val="tx1"/>
+                </a:solidFill>
+                <a:latin typeface="+mn-lt"/>
+                <a:ea typeface="+mn-ea"/>
+                <a:cs typeface="+mn-cs"/>
+              </a:defRPr>
+            </a:lvl2pPr>
+            <a:lvl3pPr marL="914400" algn="l" defTabSz="914400" rtl="0" eaLnBrk="1" latinLnBrk="0" hangingPunct="1">
+              <a:defRPr sz="1800" kern="1200">
+                <a:solidFill>
+                  <a:schemeClr val="tx1"/>
+                </a:solidFill>
+                <a:latin typeface="+mn-lt"/>
+                <a:ea typeface="+mn-ea"/>
+                <a:cs typeface="+mn-cs"/>
+              </a:defRPr>
+            </a:lvl3pPr>
+            <a:lvl4pPr marL="1371600" algn="l" defTabSz="914400" rtl="0" eaLnBrk="1" latinLnBrk="0" hangingPunct="1">
+              <a:defRPr sz="1800" kern="1200">
+                <a:solidFill>
+                  <a:schemeClr val="tx1"/>
+                </a:solidFill>
+                <a:latin typeface="+mn-lt"/>
+                <a:ea typeface="+mn-ea"/>
+                <a:cs typeface="+mn-cs"/>
+              </a:defRPr>
+            </a:lvl4pPr>
+            <a:lvl5pPr marL="1828800" algn="l" defTabSz="914400" rtl="0" eaLnBrk="1" latinLnBrk="0" hangingPunct="1">
+              <a:defRPr sz="1800" kern="1200">
+                <a:solidFill>
+                  <a:schemeClr val="tx1"/>
+                </a:solidFill>
+                <a:latin typeface="+mn-lt"/>
+                <a:ea typeface="+mn-ea"/>
+                <a:cs typeface="+mn-cs"/>
+              </a:defRPr>
+            </a:lvl5pPr>
+            <a:lvl6pPr marL="2286000" algn="l" defTabSz="914400" rtl="0" eaLnBrk="1" latinLnBrk="0" hangingPunct="1">
+              <a:defRPr sz="1800" kern="1200">
+                <a:solidFill>
+                  <a:schemeClr val="tx1"/>
+                </a:solidFill>
+                <a:latin typeface="+mn-lt"/>
+                <a:ea typeface="+mn-ea"/>
+                <a:cs typeface="+mn-cs"/>
+              </a:defRPr>
+            </a:lvl6pPr>
+            <a:lvl7pPr marL="2743200" algn="l" defTabSz="914400" rtl="0" eaLnBrk="1" latinLnBrk="0" hangingPunct="1">
+              <a:defRPr sz="1800" kern="1200">
+                <a:solidFill>
+                  <a:schemeClr val="tx1"/>
+                </a:solidFill>
+                <a:latin typeface="+mn-lt"/>
+                <a:ea typeface="+mn-ea"/>
+                <a:cs typeface="+mn-cs"/>
+              </a:defRPr>
+            </a:lvl7pPr>
+            <a:lvl8pPr marL="3200400" algn="l" defTabSz="914400" rtl="0" eaLnBrk="1" latinLnBrk="0" hangingPunct="1">
+              <a:defRPr sz="1800" kern="1200">
+                <a:solidFill>
+                  <a:schemeClr val="tx1"/>
+                </a:solidFill>
+                <a:latin typeface="+mn-lt"/>
+                <a:ea typeface="+mn-ea"/>
+                <a:cs typeface="+mn-cs"/>
+              </a:defRPr>
+            </a:lvl8pPr>
+            <a:lvl9pPr marL="3657600" algn="l" defTabSz="914400" rtl="0" eaLnBrk="1" latinLnBrk="0" hangingPunct="1">
+              <a:defRPr sz="1800" kern="1200">
+                <a:solidFill>
+                  <a:schemeClr val="tx1"/>
+                </a:solidFill>
+                <a:latin typeface="+mn-lt"/>
+                <a:ea typeface="+mn-ea"/>
+                <a:cs typeface="+mn-cs"/>
+              </a:defRPr>
+            </a:lvl9pPr>
+          </a:lstStyle>
+          <a:p>
+            <a:r>
+              <a:rPr lang="pt-PT" sz="800" b="1"/>
+              <a:t>POLITÉCNICO DE LEIRIA</a:t>
+            </a:r>
+            <a:endParaRPr lang="pt-PT" sz="800" b="1" dirty="0"/>
+          </a:p>
+        </p:txBody>
+      </p:sp>
+      <p:grpSp>
+        <p:nvGrpSpPr>
+          <p:cNvPr id="4" name="Agrupar 3">
+            <a:extLst>
+              <a:ext uri="{FF2B5EF4-FFF2-40B4-BE49-F238E27FC236}">
+                <a16:creationId xmlns:a16="http://schemas.microsoft.com/office/drawing/2014/main" id="{C578E9BE-1EAF-5344-9564-4FBA7B274D7E}"/>
+              </a:ext>
+            </a:extLst>
+          </p:cNvPr>
+          <p:cNvGrpSpPr/>
+          <p:nvPr/>
+        </p:nvGrpSpPr>
+        <p:grpSpPr>
+          <a:xfrm>
+            <a:off x="1570669" y="1041556"/>
+            <a:ext cx="6002662" cy="3430800"/>
+            <a:chOff x="452495" y="1041556"/>
+            <a:chExt cx="6002662" cy="3430800"/>
+          </a:xfrm>
+        </p:grpSpPr>
+        <p:pic>
+          <p:nvPicPr>
+            <p:cNvPr id="21" name="Imagem 20">
+              <a:extLst>
+                <a:ext uri="{FF2B5EF4-FFF2-40B4-BE49-F238E27FC236}">
+                  <a16:creationId xmlns:a16="http://schemas.microsoft.com/office/drawing/2014/main" id="{18D8C7A5-6587-8E49-9A3F-6FDDE62B18E4}"/>
+                </a:ext>
+              </a:extLst>
+            </p:cNvPr>
+            <p:cNvPicPr>
+              <a:picLocks noChangeAspect="1"/>
+            </p:cNvPicPr>
+            <p:nvPr/>
+          </p:nvPicPr>
+          <p:blipFill>
+            <a:blip r:embed="rId3"/>
+            <a:stretch>
+              <a:fillRect/>
+            </a:stretch>
+          </p:blipFill>
+          <p:spPr>
+            <a:xfrm>
+              <a:off x="452495" y="1041556"/>
+              <a:ext cx="1928945" cy="3430800"/>
+            </a:xfrm>
+            <a:prstGeom prst="rect">
+              <a:avLst/>
+            </a:prstGeom>
+            <a:ln w="6350">
+              <a:solidFill>
+                <a:schemeClr val="tx1"/>
+              </a:solidFill>
+            </a:ln>
+          </p:spPr>
+        </p:pic>
+        <p:pic>
+          <p:nvPicPr>
+            <p:cNvPr id="22" name="Imagem 21">
+              <a:extLst>
+                <a:ext uri="{FF2B5EF4-FFF2-40B4-BE49-F238E27FC236}">
+                  <a16:creationId xmlns:a16="http://schemas.microsoft.com/office/drawing/2014/main" id="{D5361985-7456-5544-BB2B-DA86B498611A}"/>
+                </a:ext>
+              </a:extLst>
+            </p:cNvPr>
+            <p:cNvPicPr>
+              <a:picLocks noChangeAspect="1"/>
+            </p:cNvPicPr>
+            <p:nvPr/>
+          </p:nvPicPr>
+          <p:blipFill>
+            <a:blip r:embed="rId4"/>
+            <a:stretch>
+              <a:fillRect/>
+            </a:stretch>
+          </p:blipFill>
+          <p:spPr>
+            <a:xfrm>
+              <a:off x="2482902" y="1041556"/>
+              <a:ext cx="1928945" cy="3430800"/>
+            </a:xfrm>
+            <a:prstGeom prst="rect">
+              <a:avLst/>
+            </a:prstGeom>
+            <a:ln w="6350">
+              <a:solidFill>
+                <a:schemeClr val="tx1"/>
+              </a:solidFill>
+            </a:ln>
+          </p:spPr>
+        </p:pic>
+        <p:pic>
+          <p:nvPicPr>
+            <p:cNvPr id="23" name="Marcador de Posição de Conteúdo 5">
+              <a:extLst>
+                <a:ext uri="{FF2B5EF4-FFF2-40B4-BE49-F238E27FC236}">
+                  <a16:creationId xmlns:a16="http://schemas.microsoft.com/office/drawing/2014/main" id="{9BA84026-C32A-7F43-99BF-149043CD279D}"/>
+                </a:ext>
+              </a:extLst>
+            </p:cNvPr>
+            <p:cNvPicPr>
+              <a:picLocks noChangeAspect="1"/>
+            </p:cNvPicPr>
+            <p:nvPr/>
+          </p:nvPicPr>
+          <p:blipFill>
+            <a:blip r:embed="rId5"/>
+            <a:stretch>
+              <a:fillRect/>
+            </a:stretch>
+          </p:blipFill>
+          <p:spPr>
+            <a:xfrm>
+              <a:off x="4526212" y="1041556"/>
+              <a:ext cx="1928945" cy="3430800"/>
+            </a:xfrm>
+            <a:prstGeom prst="rect">
+              <a:avLst/>
+            </a:prstGeom>
+            <a:ln w="6350">
+              <a:solidFill>
+                <a:schemeClr val="tx1"/>
+              </a:solidFill>
+            </a:ln>
+          </p:spPr>
+        </p:pic>
+      </p:grpSp>
+      <p:sp>
+        <p:nvSpPr>
+          <p:cNvPr id="27" name="CaixaDeTexto 26">
+            <a:extLst>
+              <a:ext uri="{FF2B5EF4-FFF2-40B4-BE49-F238E27FC236}">
+                <a16:creationId xmlns:a16="http://schemas.microsoft.com/office/drawing/2014/main" id="{9DF2DF96-C25D-1643-B009-32E6EA1DFED4}"/>
+              </a:ext>
+            </a:extLst>
+          </p:cNvPr>
+          <p:cNvSpPr txBox="1"/>
+          <p:nvPr/>
+        </p:nvSpPr>
+        <p:spPr>
+          <a:xfrm>
+            <a:off x="3979530" y="4493608"/>
+            <a:ext cx="1152880" cy="292388"/>
+          </a:xfrm>
+          <a:prstGeom prst="rect">
+            <a:avLst/>
+          </a:prstGeom>
+          <a:noFill/>
+        </p:spPr>
+        <p:txBody>
+          <a:bodyPr wrap="none" rtlCol="0">
+            <a:spAutoFit/>
+          </a:bodyPr>
+          <a:lstStyle/>
+          <a:p>
+            <a:r>
+              <a:rPr lang="pt-PT" sz="1300" dirty="0"/>
+              <a:t>Ficha do leitor</a:t>
+            </a:r>
+          </a:p>
+        </p:txBody>
+      </p:sp>
+      <p:sp>
+        <p:nvSpPr>
+          <p:cNvPr id="28" name="CaixaDeTexto 27">
+            <a:extLst>
+              <a:ext uri="{FF2B5EF4-FFF2-40B4-BE49-F238E27FC236}">
+                <a16:creationId xmlns:a16="http://schemas.microsoft.com/office/drawing/2014/main" id="{E5840C1B-1521-2844-9ED0-710DCFC7B647}"/>
+              </a:ext>
+            </a:extLst>
+          </p:cNvPr>
+          <p:cNvSpPr txBox="1"/>
+          <p:nvPr/>
+        </p:nvSpPr>
+        <p:spPr>
+          <a:xfrm>
+            <a:off x="1697078" y="4482844"/>
+            <a:ext cx="1573379" cy="292388"/>
+          </a:xfrm>
+          <a:prstGeom prst="rect">
+            <a:avLst/>
+          </a:prstGeom>
+          <a:noFill/>
+        </p:spPr>
+        <p:txBody>
+          <a:bodyPr wrap="none" rtlCol="0">
+            <a:spAutoFit/>
+          </a:bodyPr>
+          <a:lstStyle/>
+          <a:p>
+            <a:r>
+              <a:rPr lang="pt-PT" sz="1300" dirty="0"/>
+              <a:t>Listagem de Leitores</a:t>
+            </a:r>
+          </a:p>
+        </p:txBody>
+      </p:sp>
+      <p:sp>
+        <p:nvSpPr>
+          <p:cNvPr id="30" name="CaixaDeTexto 29">
+            <a:extLst>
+              <a:ext uri="{FF2B5EF4-FFF2-40B4-BE49-F238E27FC236}">
+                <a16:creationId xmlns:a16="http://schemas.microsoft.com/office/drawing/2014/main" id="{3ABD9C92-FFE0-8246-9AA9-AFAF16FBFC71}"/>
+              </a:ext>
+            </a:extLst>
+          </p:cNvPr>
+          <p:cNvSpPr txBox="1"/>
+          <p:nvPr/>
+        </p:nvSpPr>
+        <p:spPr>
+          <a:xfrm>
+            <a:off x="5729016" y="4493608"/>
+            <a:ext cx="1717906" cy="292388"/>
+          </a:xfrm>
+          <a:prstGeom prst="rect">
+            <a:avLst/>
+          </a:prstGeom>
+          <a:noFill/>
+        </p:spPr>
+        <p:txBody>
+          <a:bodyPr wrap="none" rtlCol="0">
+            <a:spAutoFit/>
+          </a:bodyPr>
+          <a:lstStyle/>
+          <a:p>
+            <a:r>
+              <a:rPr lang="pt-PT" sz="1300" dirty="0"/>
+              <a:t>Empréstimos do Leitor</a:t>
+            </a:r>
+          </a:p>
+        </p:txBody>
+      </p:sp>
+    </p:spTree>
+    <p:extLst>
+      <p:ext uri="{BB962C8B-B14F-4D97-AF65-F5344CB8AC3E}">
+        <p14:creationId xmlns:p14="http://schemas.microsoft.com/office/powerpoint/2010/main" val="798658401"/>
+      </p:ext>
+    </p:extLst>
+  </p:cSld>
+  <p:clrMapOvr>
+    <a:masterClrMapping/>
+  </p:clrMapOvr>
+  <mc:AlternateContent xmlns:mc="http://schemas.openxmlformats.org/markup-compatibility/2006">
+    <mc:Choice xmlns:p159="http://schemas.microsoft.com/office/powerpoint/2015/09/main" Requires="p159">
+      <p:transition xmlns:p14="http://schemas.microsoft.com/office/powerpoint/2010/main" spd="slow" p14:dur="2000">
+        <p159:morph option="byObject"/>
+      </p:transition>
+    </mc:Choice>
+    <mc:Fallback>
+      <p:transition spd="slow">
+        <p:fade/>
+      </p:transition>
+    </mc:Fallback>
+  </mc:AlternateContent>
+</p:sld>
+</file>
+
+<file path=ppt/slides/slide13.xml><?xml version="1.0" encoding="utf-8"?>
+<p:sld xmlns:a="http://schemas.openxmlformats.org/drawingml/2006/main" xmlns:r="http://schemas.openxmlformats.org/officeDocument/2006/relationships" xmlns:p="http://schemas.openxmlformats.org/presentationml/2006/main">
+  <p:cSld>
+    <p:spTree>
+      <p:nvGrpSpPr>
+        <p:cNvPr id="1" name=""/>
+        <p:cNvGrpSpPr/>
+        <p:nvPr/>
+      </p:nvGrpSpPr>
+      <p:grpSpPr>
+        <a:xfrm>
+          <a:off x="0" y="0"/>
+          <a:ext cx="0" cy="0"/>
+          <a:chOff x="0" y="0"/>
+          <a:chExt cx="0" cy="0"/>
+        </a:xfrm>
+      </p:grpSpPr>
+      <p:sp>
+        <p:nvSpPr>
+          <p:cNvPr id="17" name="Rectângulo 16"/>
+          <p:cNvSpPr/>
+          <p:nvPr/>
+        </p:nvSpPr>
+        <p:spPr>
+          <a:xfrm>
+            <a:off x="-6749" y="-23598"/>
+            <a:ext cx="9144000" cy="4840002"/>
+          </a:xfrm>
+          <a:prstGeom prst="rect">
+            <a:avLst/>
+          </a:prstGeom>
+          <a:solidFill>
+            <a:schemeClr val="bg1">
+              <a:lumMod val="95000"/>
+            </a:schemeClr>
+          </a:solidFill>
+          <a:ln>
+            <a:noFill/>
+          </a:ln>
+        </p:spPr>
+        <p:style>
+          <a:lnRef idx="2">
+            <a:schemeClr val="accent1">
+              <a:shade val="50000"/>
+            </a:schemeClr>
+          </a:lnRef>
+          <a:fillRef idx="1">
+            <a:schemeClr val="accent1"/>
+          </a:fillRef>
+          <a:effectRef idx="0">
+            <a:schemeClr val="accent1"/>
+          </a:effectRef>
+          <a:fontRef idx="minor">
+            <a:schemeClr val="lt1"/>
+          </a:fontRef>
+        </p:style>
+        <p:txBody>
+          <a:bodyPr rtlCol="0" anchor="ctr"/>
+          <a:lstStyle/>
+          <a:p>
+            <a:pPr algn="ctr"/>
+            <a:endParaRPr lang="pt-PT" dirty="0"/>
+          </a:p>
+        </p:txBody>
+      </p:sp>
+      <p:sp>
+        <p:nvSpPr>
+          <p:cNvPr id="9" name="Título 1"/>
+          <p:cNvSpPr txBox="1">
+            <a:spLocks/>
+          </p:cNvSpPr>
+          <p:nvPr/>
+        </p:nvSpPr>
+        <p:spPr>
+          <a:xfrm>
+            <a:off x="323528" y="357504"/>
+            <a:ext cx="6838528" cy="433871"/>
+          </a:xfrm>
+          <a:prstGeom prst="rect">
+            <a:avLst/>
+          </a:prstGeom>
+        </p:spPr>
+        <p:txBody>
+          <a:bodyPr vert="horz" lIns="91440" tIns="45720" rIns="91440" bIns="45720" rtlCol="0" anchor="ctr">
+            <a:normAutofit fontScale="85000" lnSpcReduction="20000"/>
+          </a:bodyPr>
+          <a:lstStyle>
+            <a:lvl1pPr algn="ctr" defTabSz="914400" rtl="0" eaLnBrk="1" latinLnBrk="0" hangingPunct="1">
+              <a:spcBef>
+                <a:spcPct val="0"/>
+              </a:spcBef>
+              <a:buNone/>
+              <a:defRPr sz="4400" kern="1200">
+                <a:solidFill>
+                  <a:schemeClr val="tx1"/>
+                </a:solidFill>
+                <a:latin typeface="+mj-lt"/>
+                <a:ea typeface="+mj-ea"/>
+                <a:cs typeface="+mj-cs"/>
+              </a:defRPr>
+            </a:lvl1pPr>
+          </a:lstStyle>
+          <a:p>
+            <a:pPr algn="l"/>
+            <a:r>
+              <a:rPr lang="pt-PT" sz="3200" b="1" dirty="0">
+                <a:solidFill>
+                  <a:schemeClr val="tx1">
+                    <a:lumMod val="95000"/>
+                    <a:lumOff val="5000"/>
+                  </a:schemeClr>
+                </a:solidFill>
+                <a:latin typeface="+mn-lt"/>
+              </a:rPr>
+              <a:t>Leitores</a:t>
+            </a:r>
+          </a:p>
+        </p:txBody>
+      </p:sp>
+      <p:cxnSp>
+        <p:nvCxnSpPr>
+          <p:cNvPr id="11" name="Conexão recta 10"/>
+          <p:cNvCxnSpPr/>
+          <p:nvPr/>
+        </p:nvCxnSpPr>
+        <p:spPr>
+          <a:xfrm>
+            <a:off x="428130" y="789552"/>
+            <a:ext cx="5512022" cy="0"/>
+          </a:xfrm>
+          <a:prstGeom prst="line">
+            <a:avLst/>
+          </a:prstGeom>
+          <a:ln w="28575">
+            <a:solidFill>
+              <a:schemeClr val="tx1">
+                <a:lumMod val="95000"/>
+                <a:lumOff val="5000"/>
+              </a:schemeClr>
+            </a:solidFill>
+          </a:ln>
+        </p:spPr>
+        <p:style>
+          <a:lnRef idx="1">
+            <a:schemeClr val="accent1"/>
+          </a:lnRef>
+          <a:fillRef idx="0">
+            <a:schemeClr val="accent1"/>
+          </a:fillRef>
+          <a:effectRef idx="0">
+            <a:schemeClr val="accent1"/>
+          </a:effectRef>
+          <a:fontRef idx="minor">
+            <a:schemeClr val="tx1"/>
+          </a:fontRef>
+        </p:style>
+      </p:cxnSp>
+      <p:sp>
+        <p:nvSpPr>
+          <p:cNvPr id="16" name="Título 1"/>
+          <p:cNvSpPr txBox="1">
+            <a:spLocks/>
+          </p:cNvSpPr>
+          <p:nvPr/>
+        </p:nvSpPr>
+        <p:spPr>
+          <a:xfrm>
+            <a:off x="323528" y="195487"/>
+            <a:ext cx="6587616" cy="252329"/>
+          </a:xfrm>
+          <a:prstGeom prst="rect">
+            <a:avLst/>
+          </a:prstGeom>
+        </p:spPr>
+        <p:txBody>
+          <a:bodyPr vert="horz" lIns="91440" tIns="45720" rIns="91440" bIns="45720" rtlCol="0" anchor="ctr">
+            <a:normAutofit/>
+          </a:bodyPr>
+          <a:lstStyle>
+            <a:lvl1pPr algn="ctr" defTabSz="914400" rtl="0" eaLnBrk="1" latinLnBrk="0" hangingPunct="1">
+              <a:spcBef>
+                <a:spcPct val="0"/>
+              </a:spcBef>
+              <a:buNone/>
+              <a:defRPr sz="4400" kern="1200">
+                <a:solidFill>
+                  <a:schemeClr val="tx1"/>
+                </a:solidFill>
+                <a:latin typeface="+mj-lt"/>
+                <a:ea typeface="+mj-ea"/>
+                <a:cs typeface="+mj-cs"/>
+              </a:defRPr>
+            </a:lvl1pPr>
+          </a:lstStyle>
+          <a:p>
+            <a:pPr algn="l"/>
+            <a:r>
+              <a:rPr lang="pt-PT" sz="1000" b="1" dirty="0">
+                <a:solidFill>
+                  <a:schemeClr val="tx1">
+                    <a:lumMod val="95000"/>
+                    <a:lumOff val="5000"/>
+                  </a:schemeClr>
+                </a:solidFill>
+                <a:latin typeface="+mn-lt"/>
+              </a:rPr>
+              <a:t>SARAMAGO . </a:t>
+            </a:r>
+            <a:r>
+              <a:rPr lang="pt-PT" sz="1000" dirty="0" err="1">
+                <a:solidFill>
+                  <a:schemeClr val="tx1">
+                    <a:lumMod val="95000"/>
+                    <a:lumOff val="5000"/>
+                  </a:schemeClr>
+                </a:solidFill>
+                <a:latin typeface="+mn-lt"/>
+              </a:rPr>
+              <a:t>Mockups</a:t>
+            </a:r>
+            <a:endParaRPr lang="pt-PT" sz="1000" dirty="0">
+              <a:solidFill>
+                <a:schemeClr val="tx1">
+                  <a:lumMod val="95000"/>
+                  <a:lumOff val="5000"/>
+                </a:schemeClr>
+              </a:solidFill>
+              <a:latin typeface="+mn-lt"/>
+            </a:endParaRPr>
+          </a:p>
+          <a:p>
+            <a:pPr algn="l"/>
+            <a:endParaRPr lang="pt-PT" sz="1000" b="1" dirty="0">
+              <a:solidFill>
+                <a:schemeClr val="tx1">
+                  <a:lumMod val="95000"/>
+                  <a:lumOff val="5000"/>
+                </a:schemeClr>
+              </a:solidFill>
+            </a:endParaRPr>
+          </a:p>
+        </p:txBody>
+      </p:sp>
+      <p:sp>
+        <p:nvSpPr>
+          <p:cNvPr id="12" name="Marcador de Posição da Data 4"/>
+          <p:cNvSpPr txBox="1">
+            <a:spLocks/>
+          </p:cNvSpPr>
+          <p:nvPr/>
+        </p:nvSpPr>
+        <p:spPr>
+          <a:xfrm>
+            <a:off x="350168" y="4840002"/>
+            <a:ext cx="2133600" cy="273844"/>
+          </a:xfrm>
+          <a:prstGeom prst="rect">
+            <a:avLst/>
+          </a:prstGeom>
+        </p:spPr>
+        <p:txBody>
+          <a:bodyPr vert="horz" lIns="91440" tIns="45720" rIns="91440" bIns="45720" rtlCol="0" anchor="ctr"/>
+          <a:lstStyle>
+            <a:defPPr>
+              <a:defRPr lang="pt-PT"/>
+            </a:defPPr>
+            <a:lvl1pPr marL="0" algn="l" defTabSz="914400" rtl="0" eaLnBrk="1" latinLnBrk="0" hangingPunct="1">
+              <a:defRPr sz="1200" kern="1200">
+                <a:solidFill>
+                  <a:schemeClr val="tx1">
+                    <a:tint val="75000"/>
+                  </a:schemeClr>
+                </a:solidFill>
+                <a:latin typeface="+mn-lt"/>
+                <a:ea typeface="+mn-ea"/>
+                <a:cs typeface="+mn-cs"/>
+              </a:defRPr>
+            </a:lvl1pPr>
+            <a:lvl2pPr marL="457200" algn="l" defTabSz="914400" rtl="0" eaLnBrk="1" latinLnBrk="0" hangingPunct="1">
+              <a:defRPr sz="1800" kern="1200">
+                <a:solidFill>
+                  <a:schemeClr val="tx1"/>
+                </a:solidFill>
+                <a:latin typeface="+mn-lt"/>
+                <a:ea typeface="+mn-ea"/>
+                <a:cs typeface="+mn-cs"/>
+              </a:defRPr>
+            </a:lvl2pPr>
+            <a:lvl3pPr marL="914400" algn="l" defTabSz="914400" rtl="0" eaLnBrk="1" latinLnBrk="0" hangingPunct="1">
+              <a:defRPr sz="1800" kern="1200">
+                <a:solidFill>
+                  <a:schemeClr val="tx1"/>
+                </a:solidFill>
+                <a:latin typeface="+mn-lt"/>
+                <a:ea typeface="+mn-ea"/>
+                <a:cs typeface="+mn-cs"/>
+              </a:defRPr>
+            </a:lvl3pPr>
+            <a:lvl4pPr marL="1371600" algn="l" defTabSz="914400" rtl="0" eaLnBrk="1" latinLnBrk="0" hangingPunct="1">
+              <a:defRPr sz="1800" kern="1200">
+                <a:solidFill>
+                  <a:schemeClr val="tx1"/>
+                </a:solidFill>
+                <a:latin typeface="+mn-lt"/>
+                <a:ea typeface="+mn-ea"/>
+                <a:cs typeface="+mn-cs"/>
+              </a:defRPr>
+            </a:lvl4pPr>
+            <a:lvl5pPr marL="1828800" algn="l" defTabSz="914400" rtl="0" eaLnBrk="1" latinLnBrk="0" hangingPunct="1">
+              <a:defRPr sz="1800" kern="1200">
+                <a:solidFill>
+                  <a:schemeClr val="tx1"/>
+                </a:solidFill>
+                <a:latin typeface="+mn-lt"/>
+                <a:ea typeface="+mn-ea"/>
+                <a:cs typeface="+mn-cs"/>
+              </a:defRPr>
+            </a:lvl5pPr>
+            <a:lvl6pPr marL="2286000" algn="l" defTabSz="914400" rtl="0" eaLnBrk="1" latinLnBrk="0" hangingPunct="1">
+              <a:defRPr sz="1800" kern="1200">
+                <a:solidFill>
+                  <a:schemeClr val="tx1"/>
+                </a:solidFill>
+                <a:latin typeface="+mn-lt"/>
+                <a:ea typeface="+mn-ea"/>
+                <a:cs typeface="+mn-cs"/>
+              </a:defRPr>
+            </a:lvl6pPr>
+            <a:lvl7pPr marL="2743200" algn="l" defTabSz="914400" rtl="0" eaLnBrk="1" latinLnBrk="0" hangingPunct="1">
+              <a:defRPr sz="1800" kern="1200">
+                <a:solidFill>
+                  <a:schemeClr val="tx1"/>
+                </a:solidFill>
+                <a:latin typeface="+mn-lt"/>
+                <a:ea typeface="+mn-ea"/>
+                <a:cs typeface="+mn-cs"/>
+              </a:defRPr>
+            </a:lvl7pPr>
+            <a:lvl8pPr marL="3200400" algn="l" defTabSz="914400" rtl="0" eaLnBrk="1" latinLnBrk="0" hangingPunct="1">
+              <a:defRPr sz="1800" kern="1200">
+                <a:solidFill>
+                  <a:schemeClr val="tx1"/>
+                </a:solidFill>
+                <a:latin typeface="+mn-lt"/>
+                <a:ea typeface="+mn-ea"/>
+                <a:cs typeface="+mn-cs"/>
+              </a:defRPr>
+            </a:lvl8pPr>
+            <a:lvl9pPr marL="3657600" algn="l" defTabSz="914400" rtl="0" eaLnBrk="1" latinLnBrk="0" hangingPunct="1">
+              <a:defRPr sz="1800" kern="1200">
+                <a:solidFill>
+                  <a:schemeClr val="tx1"/>
+                </a:solidFill>
+                <a:latin typeface="+mn-lt"/>
+                <a:ea typeface="+mn-ea"/>
+                <a:cs typeface="+mn-cs"/>
+              </a:defRPr>
+            </a:lvl9pPr>
+          </a:lstStyle>
+          <a:p>
+            <a:fld id="{C2DE1785-620F-4DE8-A7D0-6CC8413DFAC9}" type="datetime1">
+              <a:rPr lang="pt-PT" sz="800" b="1" smtClean="0"/>
+              <a:pPr/>
+              <a:t>06/11/20</a:t>
+            </a:fld>
+            <a:endParaRPr lang="pt-PT" sz="800" b="1" dirty="0"/>
+          </a:p>
+        </p:txBody>
+      </p:sp>
+      <p:sp>
+        <p:nvSpPr>
+          <p:cNvPr id="18" name="Marcador de Posição do Rodapé 6"/>
+          <p:cNvSpPr txBox="1">
+            <a:spLocks/>
+          </p:cNvSpPr>
+          <p:nvPr/>
+        </p:nvSpPr>
+        <p:spPr>
+          <a:xfrm>
+            <a:off x="3124200" y="4840002"/>
+            <a:ext cx="2895600" cy="273844"/>
+          </a:xfrm>
+          <a:prstGeom prst="rect">
+            <a:avLst/>
+          </a:prstGeom>
+        </p:spPr>
+        <p:txBody>
+          <a:bodyPr vert="horz" lIns="91440" tIns="45720" rIns="91440" bIns="45720" rtlCol="0" anchor="ctr"/>
+          <a:lstStyle>
+            <a:defPPr>
+              <a:defRPr lang="pt-PT"/>
+            </a:defPPr>
+            <a:lvl1pPr marL="0" algn="ctr" defTabSz="914400" rtl="0" eaLnBrk="1" latinLnBrk="0" hangingPunct="1">
+              <a:defRPr sz="1200" kern="1200">
+                <a:solidFill>
+                  <a:schemeClr val="tx1">
+                    <a:tint val="75000"/>
+                  </a:schemeClr>
+                </a:solidFill>
+                <a:latin typeface="+mn-lt"/>
+                <a:ea typeface="+mn-ea"/>
+                <a:cs typeface="+mn-cs"/>
+              </a:defRPr>
+            </a:lvl1pPr>
+            <a:lvl2pPr marL="457200" algn="l" defTabSz="914400" rtl="0" eaLnBrk="1" latinLnBrk="0" hangingPunct="1">
+              <a:defRPr sz="1800" kern="1200">
+                <a:solidFill>
+                  <a:schemeClr val="tx1"/>
+                </a:solidFill>
+                <a:latin typeface="+mn-lt"/>
+                <a:ea typeface="+mn-ea"/>
+                <a:cs typeface="+mn-cs"/>
+              </a:defRPr>
+            </a:lvl2pPr>
+            <a:lvl3pPr marL="914400" algn="l" defTabSz="914400" rtl="0" eaLnBrk="1" latinLnBrk="0" hangingPunct="1">
+              <a:defRPr sz="1800" kern="1200">
+                <a:solidFill>
+                  <a:schemeClr val="tx1"/>
+                </a:solidFill>
+                <a:latin typeface="+mn-lt"/>
+                <a:ea typeface="+mn-ea"/>
+                <a:cs typeface="+mn-cs"/>
+              </a:defRPr>
+            </a:lvl3pPr>
+            <a:lvl4pPr marL="1371600" algn="l" defTabSz="914400" rtl="0" eaLnBrk="1" latinLnBrk="0" hangingPunct="1">
+              <a:defRPr sz="1800" kern="1200">
+                <a:solidFill>
+                  <a:schemeClr val="tx1"/>
+                </a:solidFill>
+                <a:latin typeface="+mn-lt"/>
+                <a:ea typeface="+mn-ea"/>
+                <a:cs typeface="+mn-cs"/>
+              </a:defRPr>
+            </a:lvl4pPr>
+            <a:lvl5pPr marL="1828800" algn="l" defTabSz="914400" rtl="0" eaLnBrk="1" latinLnBrk="0" hangingPunct="1">
+              <a:defRPr sz="1800" kern="1200">
+                <a:solidFill>
+                  <a:schemeClr val="tx1"/>
+                </a:solidFill>
+                <a:latin typeface="+mn-lt"/>
+                <a:ea typeface="+mn-ea"/>
+                <a:cs typeface="+mn-cs"/>
+              </a:defRPr>
+            </a:lvl5pPr>
+            <a:lvl6pPr marL="2286000" algn="l" defTabSz="914400" rtl="0" eaLnBrk="1" latinLnBrk="0" hangingPunct="1">
+              <a:defRPr sz="1800" kern="1200">
+                <a:solidFill>
+                  <a:schemeClr val="tx1"/>
+                </a:solidFill>
+                <a:latin typeface="+mn-lt"/>
+                <a:ea typeface="+mn-ea"/>
+                <a:cs typeface="+mn-cs"/>
+              </a:defRPr>
+            </a:lvl6pPr>
+            <a:lvl7pPr marL="2743200" algn="l" defTabSz="914400" rtl="0" eaLnBrk="1" latinLnBrk="0" hangingPunct="1">
+              <a:defRPr sz="1800" kern="1200">
+                <a:solidFill>
+                  <a:schemeClr val="tx1"/>
+                </a:solidFill>
+                <a:latin typeface="+mn-lt"/>
+                <a:ea typeface="+mn-ea"/>
+                <a:cs typeface="+mn-cs"/>
+              </a:defRPr>
+            </a:lvl7pPr>
+            <a:lvl8pPr marL="3200400" algn="l" defTabSz="914400" rtl="0" eaLnBrk="1" latinLnBrk="0" hangingPunct="1">
+              <a:defRPr sz="1800" kern="1200">
+                <a:solidFill>
+                  <a:schemeClr val="tx1"/>
+                </a:solidFill>
+                <a:latin typeface="+mn-lt"/>
+                <a:ea typeface="+mn-ea"/>
+                <a:cs typeface="+mn-cs"/>
+              </a:defRPr>
+            </a:lvl8pPr>
+            <a:lvl9pPr marL="3657600" algn="l" defTabSz="914400" rtl="0" eaLnBrk="1" latinLnBrk="0" hangingPunct="1">
+              <a:defRPr sz="1800" kern="1200">
+                <a:solidFill>
+                  <a:schemeClr val="tx1"/>
+                </a:solidFill>
+                <a:latin typeface="+mn-lt"/>
+                <a:ea typeface="+mn-ea"/>
+                <a:cs typeface="+mn-cs"/>
+              </a:defRPr>
+            </a:lvl9pPr>
+          </a:lstStyle>
+          <a:p>
+            <a:r>
+              <a:rPr lang="pt-PT" sz="800" b="1"/>
+              <a:t>POLITÉCNICO DE LEIRIA</a:t>
+            </a:r>
+            <a:endParaRPr lang="pt-PT" sz="800" b="1" dirty="0"/>
+          </a:p>
+        </p:txBody>
+      </p:sp>
+      <p:grpSp>
+        <p:nvGrpSpPr>
+          <p:cNvPr id="2" name="Agrupar 1">
+            <a:extLst>
+              <a:ext uri="{FF2B5EF4-FFF2-40B4-BE49-F238E27FC236}">
+                <a16:creationId xmlns:a16="http://schemas.microsoft.com/office/drawing/2014/main" id="{DEF0E547-4F20-6144-8CE4-AEB2E0EC447F}"/>
+              </a:ext>
+            </a:extLst>
+          </p:cNvPr>
+          <p:cNvGrpSpPr/>
+          <p:nvPr/>
+        </p:nvGrpSpPr>
+        <p:grpSpPr>
+          <a:xfrm>
+            <a:off x="2533847" y="1041556"/>
+            <a:ext cx="4076306" cy="3430800"/>
+            <a:chOff x="2778319" y="1041556"/>
+            <a:chExt cx="4076306" cy="3430800"/>
+          </a:xfrm>
+        </p:grpSpPr>
+        <p:pic>
+          <p:nvPicPr>
+            <p:cNvPr id="24" name="Imagem 23">
+              <a:extLst>
+                <a:ext uri="{FF2B5EF4-FFF2-40B4-BE49-F238E27FC236}">
+                  <a16:creationId xmlns:a16="http://schemas.microsoft.com/office/drawing/2014/main" id="{D91CEAF6-7711-D84A-A4A8-12B964F3EECB}"/>
+                </a:ext>
+              </a:extLst>
+            </p:cNvPr>
+            <p:cNvPicPr>
+              <a:picLocks noChangeAspect="1"/>
+            </p:cNvPicPr>
+            <p:nvPr/>
+          </p:nvPicPr>
+          <p:blipFill>
+            <a:blip r:embed="rId3"/>
+            <a:stretch>
+              <a:fillRect/>
+            </a:stretch>
+          </p:blipFill>
+          <p:spPr>
+            <a:xfrm>
+              <a:off x="2778319" y="1041556"/>
+              <a:ext cx="1928945" cy="3430800"/>
+            </a:xfrm>
+            <a:prstGeom prst="rect">
+              <a:avLst/>
+            </a:prstGeom>
+            <a:ln w="6350">
+              <a:solidFill>
+                <a:schemeClr val="tx1"/>
+              </a:solidFill>
+            </a:ln>
+          </p:spPr>
+        </p:pic>
+        <p:pic>
+          <p:nvPicPr>
+            <p:cNvPr id="25" name="Imagem 24">
+              <a:extLst>
+                <a:ext uri="{FF2B5EF4-FFF2-40B4-BE49-F238E27FC236}">
+                  <a16:creationId xmlns:a16="http://schemas.microsoft.com/office/drawing/2014/main" id="{E729B119-D4A4-994A-827B-DB14F0C77806}"/>
+                </a:ext>
+              </a:extLst>
+            </p:cNvPr>
+            <p:cNvPicPr>
+              <a:picLocks noChangeAspect="1"/>
+            </p:cNvPicPr>
+            <p:nvPr/>
+          </p:nvPicPr>
+          <p:blipFill>
+            <a:blip r:embed="rId4"/>
+            <a:stretch>
+              <a:fillRect/>
+            </a:stretch>
+          </p:blipFill>
+          <p:spPr>
+            <a:xfrm>
+              <a:off x="4925680" y="1041556"/>
+              <a:ext cx="1928945" cy="3430800"/>
+            </a:xfrm>
+            <a:prstGeom prst="rect">
+              <a:avLst/>
+            </a:prstGeom>
+            <a:ln w="6350">
+              <a:solidFill>
+                <a:schemeClr val="tx1"/>
+              </a:solidFill>
+            </a:ln>
+          </p:spPr>
+        </p:pic>
+      </p:grpSp>
+      <p:sp>
+        <p:nvSpPr>
+          <p:cNvPr id="14" name="CaixaDeTexto 13">
+            <a:extLst>
+              <a:ext uri="{FF2B5EF4-FFF2-40B4-BE49-F238E27FC236}">
+                <a16:creationId xmlns:a16="http://schemas.microsoft.com/office/drawing/2014/main" id="{B8918CB3-3461-F341-A19F-9DF4684319D0}"/>
+              </a:ext>
+            </a:extLst>
+          </p:cNvPr>
+          <p:cNvSpPr txBox="1"/>
+          <p:nvPr/>
+        </p:nvSpPr>
+        <p:spPr>
+          <a:xfrm>
+            <a:off x="2800371" y="4493608"/>
+            <a:ext cx="1395895" cy="292388"/>
+          </a:xfrm>
+          <a:prstGeom prst="rect">
+            <a:avLst/>
+          </a:prstGeom>
+          <a:noFill/>
+        </p:spPr>
+        <p:txBody>
+          <a:bodyPr wrap="none" rtlCol="0">
+            <a:spAutoFit/>
+          </a:bodyPr>
+          <a:lstStyle/>
+          <a:p>
+            <a:r>
+              <a:rPr lang="pt-PT" sz="1300" dirty="0"/>
+              <a:t>Reservas do leitor</a:t>
+            </a:r>
+          </a:p>
+        </p:txBody>
+      </p:sp>
+      <p:sp>
+        <p:nvSpPr>
+          <p:cNvPr id="15" name="CaixaDeTexto 14">
+            <a:extLst>
+              <a:ext uri="{FF2B5EF4-FFF2-40B4-BE49-F238E27FC236}">
+                <a16:creationId xmlns:a16="http://schemas.microsoft.com/office/drawing/2014/main" id="{5DD2AF85-C8A9-CA4B-80C0-2487661BA858}"/>
+              </a:ext>
+            </a:extLst>
+          </p:cNvPr>
+          <p:cNvSpPr txBox="1"/>
+          <p:nvPr/>
+        </p:nvSpPr>
+        <p:spPr>
+          <a:xfrm>
+            <a:off x="4512196" y="4472356"/>
+            <a:ext cx="2266967" cy="292388"/>
+          </a:xfrm>
+          <a:prstGeom prst="rect">
+            <a:avLst/>
+          </a:prstGeom>
+          <a:noFill/>
+        </p:spPr>
+        <p:txBody>
+          <a:bodyPr wrap="none" rtlCol="0">
+            <a:spAutoFit/>
+          </a:bodyPr>
+          <a:lstStyle/>
+          <a:p>
+            <a:r>
+              <a:rPr lang="pt-PT" sz="1300" dirty="0"/>
+              <a:t>Pedidos reprográficos do leitor</a:t>
+            </a:r>
+          </a:p>
+        </p:txBody>
+      </p:sp>
+    </p:spTree>
+    <p:extLst>
+      <p:ext uri="{BB962C8B-B14F-4D97-AF65-F5344CB8AC3E}">
+        <p14:creationId xmlns:p14="http://schemas.microsoft.com/office/powerpoint/2010/main" val="511823937"/>
+      </p:ext>
+    </p:extLst>
+  </p:cSld>
+  <p:clrMapOvr>
+    <a:masterClrMapping/>
+  </p:clrMapOvr>
+  <mc:AlternateContent xmlns:mc="http://schemas.openxmlformats.org/markup-compatibility/2006">
+    <mc:Choice xmlns:p159="http://schemas.microsoft.com/office/powerpoint/2015/09/main" Requires="p159">
+      <p:transition xmlns:p14="http://schemas.microsoft.com/office/powerpoint/2010/main" spd="slow" p14:dur="2000">
+        <p159:morph option="byObject"/>
+      </p:transition>
+    </mc:Choice>
+    <mc:Fallback>
+      <p:transition spd="slow">
+        <p:fade/>
+      </p:transition>
+    </mc:Fallback>
+  </mc:AlternateContent>
+</p:sld>
+</file>
+
+<file path=ppt/slides/slide14.xml><?xml version="1.0" encoding="utf-8"?>
+<p:sld xmlns:a="http://schemas.openxmlformats.org/drawingml/2006/main" xmlns:r="http://schemas.openxmlformats.org/officeDocument/2006/relationships" xmlns:p="http://schemas.openxmlformats.org/presentationml/2006/main">
+  <p:cSld>
+    <p:spTree>
+      <p:nvGrpSpPr>
+        <p:cNvPr id="1" name=""/>
+        <p:cNvGrpSpPr/>
+        <p:nvPr/>
+      </p:nvGrpSpPr>
+      <p:grpSpPr>
+        <a:xfrm>
+          <a:off x="0" y="0"/>
+          <a:ext cx="0" cy="0"/>
+          <a:chOff x="0" y="0"/>
+          <a:chExt cx="0" cy="0"/>
+        </a:xfrm>
+      </p:grpSpPr>
+      <p:sp>
+        <p:nvSpPr>
+          <p:cNvPr id="17" name="Rectângulo 16"/>
+          <p:cNvSpPr/>
+          <p:nvPr/>
+        </p:nvSpPr>
+        <p:spPr>
+          <a:xfrm>
+            <a:off x="-6749" y="-23598"/>
+            <a:ext cx="9144000" cy="4840002"/>
+          </a:xfrm>
+          <a:prstGeom prst="rect">
+            <a:avLst/>
+          </a:prstGeom>
+          <a:solidFill>
+            <a:schemeClr val="bg1">
+              <a:lumMod val="95000"/>
+            </a:schemeClr>
+          </a:solidFill>
+          <a:ln>
+            <a:noFill/>
+          </a:ln>
+        </p:spPr>
+        <p:style>
+          <a:lnRef idx="2">
+            <a:schemeClr val="accent1">
+              <a:shade val="50000"/>
+            </a:schemeClr>
+          </a:lnRef>
+          <a:fillRef idx="1">
+            <a:schemeClr val="accent1"/>
+          </a:fillRef>
+          <a:effectRef idx="0">
+            <a:schemeClr val="accent1"/>
+          </a:effectRef>
+          <a:fontRef idx="minor">
+            <a:schemeClr val="lt1"/>
+          </a:fontRef>
+        </p:style>
+        <p:txBody>
+          <a:bodyPr rtlCol="0" anchor="ctr"/>
+          <a:lstStyle/>
+          <a:p>
+            <a:pPr algn="ctr"/>
+            <a:endParaRPr lang="pt-PT" dirty="0"/>
+          </a:p>
+        </p:txBody>
+      </p:sp>
+      <p:sp>
+        <p:nvSpPr>
+          <p:cNvPr id="9" name="Título 1"/>
+          <p:cNvSpPr txBox="1">
+            <a:spLocks/>
+          </p:cNvSpPr>
+          <p:nvPr/>
+        </p:nvSpPr>
+        <p:spPr>
+          <a:xfrm>
+            <a:off x="323528" y="357504"/>
+            <a:ext cx="6838528" cy="433871"/>
+          </a:xfrm>
+          <a:prstGeom prst="rect">
+            <a:avLst/>
+          </a:prstGeom>
+        </p:spPr>
+        <p:txBody>
+          <a:bodyPr vert="horz" lIns="91440" tIns="45720" rIns="91440" bIns="45720" rtlCol="0" anchor="ctr">
+            <a:normAutofit fontScale="85000" lnSpcReduction="20000"/>
+          </a:bodyPr>
+          <a:lstStyle>
+            <a:lvl1pPr algn="ctr" defTabSz="914400" rtl="0" eaLnBrk="1" latinLnBrk="0" hangingPunct="1">
+              <a:spcBef>
+                <a:spcPct val="0"/>
+              </a:spcBef>
+              <a:buNone/>
+              <a:defRPr sz="4400" kern="1200">
+                <a:solidFill>
+                  <a:schemeClr val="tx1"/>
+                </a:solidFill>
+                <a:latin typeface="+mj-lt"/>
+                <a:ea typeface="+mj-ea"/>
+                <a:cs typeface="+mj-cs"/>
+              </a:defRPr>
+            </a:lvl1pPr>
+          </a:lstStyle>
+          <a:p>
+            <a:pPr algn="l"/>
+            <a:r>
+              <a:rPr lang="pt-PT" sz="3200" b="1" dirty="0">
+                <a:solidFill>
+                  <a:schemeClr val="tx1">
+                    <a:lumMod val="95000"/>
+                    <a:lumOff val="5000"/>
+                  </a:schemeClr>
+                </a:solidFill>
+                <a:latin typeface="+mn-lt"/>
+              </a:rPr>
+              <a:t>Leitores</a:t>
+            </a:r>
+          </a:p>
+        </p:txBody>
+      </p:sp>
+      <p:cxnSp>
+        <p:nvCxnSpPr>
+          <p:cNvPr id="11" name="Conexão recta 10"/>
+          <p:cNvCxnSpPr/>
+          <p:nvPr/>
+        </p:nvCxnSpPr>
+        <p:spPr>
+          <a:xfrm>
+            <a:off x="428130" y="789552"/>
+            <a:ext cx="5512022" cy="0"/>
+          </a:xfrm>
+          <a:prstGeom prst="line">
+            <a:avLst/>
+          </a:prstGeom>
+          <a:ln w="28575">
+            <a:solidFill>
+              <a:schemeClr val="tx1">
+                <a:lumMod val="95000"/>
+                <a:lumOff val="5000"/>
+              </a:schemeClr>
+            </a:solidFill>
+          </a:ln>
+        </p:spPr>
+        <p:style>
+          <a:lnRef idx="1">
+            <a:schemeClr val="accent1"/>
+          </a:lnRef>
+          <a:fillRef idx="0">
+            <a:schemeClr val="accent1"/>
+          </a:fillRef>
+          <a:effectRef idx="0">
+            <a:schemeClr val="accent1"/>
+          </a:effectRef>
+          <a:fontRef idx="minor">
+            <a:schemeClr val="tx1"/>
+          </a:fontRef>
+        </p:style>
+      </p:cxnSp>
+      <p:sp>
+        <p:nvSpPr>
+          <p:cNvPr id="16" name="Título 1"/>
+          <p:cNvSpPr txBox="1">
+            <a:spLocks/>
+          </p:cNvSpPr>
+          <p:nvPr/>
+        </p:nvSpPr>
+        <p:spPr>
+          <a:xfrm>
+            <a:off x="323528" y="195487"/>
+            <a:ext cx="6587616" cy="252329"/>
+          </a:xfrm>
+          <a:prstGeom prst="rect">
+            <a:avLst/>
+          </a:prstGeom>
+        </p:spPr>
+        <p:txBody>
+          <a:bodyPr vert="horz" lIns="91440" tIns="45720" rIns="91440" bIns="45720" rtlCol="0" anchor="ctr">
+            <a:normAutofit/>
+          </a:bodyPr>
+          <a:lstStyle>
+            <a:lvl1pPr algn="ctr" defTabSz="914400" rtl="0" eaLnBrk="1" latinLnBrk="0" hangingPunct="1">
+              <a:spcBef>
+                <a:spcPct val="0"/>
+              </a:spcBef>
+              <a:buNone/>
+              <a:defRPr sz="4400" kern="1200">
+                <a:solidFill>
+                  <a:schemeClr val="tx1"/>
+                </a:solidFill>
+                <a:latin typeface="+mj-lt"/>
+                <a:ea typeface="+mj-ea"/>
+                <a:cs typeface="+mj-cs"/>
+              </a:defRPr>
+            </a:lvl1pPr>
+          </a:lstStyle>
+          <a:p>
+            <a:pPr algn="l"/>
+            <a:r>
+              <a:rPr lang="pt-PT" sz="1000" b="1" dirty="0">
+                <a:solidFill>
+                  <a:schemeClr val="tx1">
+                    <a:lumMod val="95000"/>
+                    <a:lumOff val="5000"/>
+                  </a:schemeClr>
+                </a:solidFill>
+                <a:latin typeface="+mn-lt"/>
+              </a:rPr>
+              <a:t>SARAMAGO . </a:t>
+            </a:r>
+            <a:r>
+              <a:rPr lang="pt-PT" sz="1000" dirty="0" err="1">
+                <a:solidFill>
+                  <a:schemeClr val="tx1">
+                    <a:lumMod val="95000"/>
+                    <a:lumOff val="5000"/>
+                  </a:schemeClr>
+                </a:solidFill>
+                <a:latin typeface="+mn-lt"/>
+              </a:rPr>
+              <a:t>Mockups</a:t>
+            </a:r>
+            <a:endParaRPr lang="pt-PT" sz="1000" dirty="0">
+              <a:solidFill>
+                <a:schemeClr val="tx1">
+                  <a:lumMod val="95000"/>
+                  <a:lumOff val="5000"/>
+                </a:schemeClr>
+              </a:solidFill>
+              <a:latin typeface="+mn-lt"/>
+            </a:endParaRPr>
+          </a:p>
+          <a:p>
+            <a:pPr algn="l"/>
+            <a:endParaRPr lang="pt-PT" sz="1000" b="1" dirty="0">
+              <a:solidFill>
+                <a:schemeClr val="tx1">
+                  <a:lumMod val="95000"/>
+                  <a:lumOff val="5000"/>
+                </a:schemeClr>
+              </a:solidFill>
+            </a:endParaRPr>
+          </a:p>
+        </p:txBody>
+      </p:sp>
+      <p:sp>
+        <p:nvSpPr>
+          <p:cNvPr id="12" name="Marcador de Posição da Data 4"/>
+          <p:cNvSpPr txBox="1">
+            <a:spLocks/>
+          </p:cNvSpPr>
+          <p:nvPr/>
+        </p:nvSpPr>
+        <p:spPr>
+          <a:xfrm>
+            <a:off x="350168" y="4840002"/>
+            <a:ext cx="2133600" cy="273844"/>
+          </a:xfrm>
+          <a:prstGeom prst="rect">
+            <a:avLst/>
+          </a:prstGeom>
+        </p:spPr>
+        <p:txBody>
+          <a:bodyPr vert="horz" lIns="91440" tIns="45720" rIns="91440" bIns="45720" rtlCol="0" anchor="ctr"/>
+          <a:lstStyle>
+            <a:defPPr>
+              <a:defRPr lang="pt-PT"/>
+            </a:defPPr>
+            <a:lvl1pPr marL="0" algn="l" defTabSz="914400" rtl="0" eaLnBrk="1" latinLnBrk="0" hangingPunct="1">
+              <a:defRPr sz="1200" kern="1200">
+                <a:solidFill>
+                  <a:schemeClr val="tx1">
+                    <a:tint val="75000"/>
+                  </a:schemeClr>
+                </a:solidFill>
+                <a:latin typeface="+mn-lt"/>
+                <a:ea typeface="+mn-ea"/>
+                <a:cs typeface="+mn-cs"/>
+              </a:defRPr>
+            </a:lvl1pPr>
+            <a:lvl2pPr marL="457200" algn="l" defTabSz="914400" rtl="0" eaLnBrk="1" latinLnBrk="0" hangingPunct="1">
+              <a:defRPr sz="1800" kern="1200">
+                <a:solidFill>
+                  <a:schemeClr val="tx1"/>
+                </a:solidFill>
+                <a:latin typeface="+mn-lt"/>
+                <a:ea typeface="+mn-ea"/>
+                <a:cs typeface="+mn-cs"/>
+              </a:defRPr>
+            </a:lvl2pPr>
+            <a:lvl3pPr marL="914400" algn="l" defTabSz="914400" rtl="0" eaLnBrk="1" latinLnBrk="0" hangingPunct="1">
+              <a:defRPr sz="1800" kern="1200">
+                <a:solidFill>
+                  <a:schemeClr val="tx1"/>
+                </a:solidFill>
+                <a:latin typeface="+mn-lt"/>
+                <a:ea typeface="+mn-ea"/>
+                <a:cs typeface="+mn-cs"/>
+              </a:defRPr>
+            </a:lvl3pPr>
+            <a:lvl4pPr marL="1371600" algn="l" defTabSz="914400" rtl="0" eaLnBrk="1" latinLnBrk="0" hangingPunct="1">
+              <a:defRPr sz="1800" kern="1200">
+                <a:solidFill>
+                  <a:schemeClr val="tx1"/>
+                </a:solidFill>
+                <a:latin typeface="+mn-lt"/>
+                <a:ea typeface="+mn-ea"/>
+                <a:cs typeface="+mn-cs"/>
+              </a:defRPr>
+            </a:lvl4pPr>
+            <a:lvl5pPr marL="1828800" algn="l" defTabSz="914400" rtl="0" eaLnBrk="1" latinLnBrk="0" hangingPunct="1">
+              <a:defRPr sz="1800" kern="1200">
+                <a:solidFill>
+                  <a:schemeClr val="tx1"/>
+                </a:solidFill>
+                <a:latin typeface="+mn-lt"/>
+                <a:ea typeface="+mn-ea"/>
+                <a:cs typeface="+mn-cs"/>
+              </a:defRPr>
+            </a:lvl5pPr>
+            <a:lvl6pPr marL="2286000" algn="l" defTabSz="914400" rtl="0" eaLnBrk="1" latinLnBrk="0" hangingPunct="1">
+              <a:defRPr sz="1800" kern="1200">
+                <a:solidFill>
+                  <a:schemeClr val="tx1"/>
+                </a:solidFill>
+                <a:latin typeface="+mn-lt"/>
+                <a:ea typeface="+mn-ea"/>
+                <a:cs typeface="+mn-cs"/>
+              </a:defRPr>
+            </a:lvl6pPr>
+            <a:lvl7pPr marL="2743200" algn="l" defTabSz="914400" rtl="0" eaLnBrk="1" latinLnBrk="0" hangingPunct="1">
+              <a:defRPr sz="1800" kern="1200">
+                <a:solidFill>
+                  <a:schemeClr val="tx1"/>
+                </a:solidFill>
+                <a:latin typeface="+mn-lt"/>
+                <a:ea typeface="+mn-ea"/>
+                <a:cs typeface="+mn-cs"/>
+              </a:defRPr>
+            </a:lvl7pPr>
+            <a:lvl8pPr marL="3200400" algn="l" defTabSz="914400" rtl="0" eaLnBrk="1" latinLnBrk="0" hangingPunct="1">
+              <a:defRPr sz="1800" kern="1200">
+                <a:solidFill>
+                  <a:schemeClr val="tx1"/>
+                </a:solidFill>
+                <a:latin typeface="+mn-lt"/>
+                <a:ea typeface="+mn-ea"/>
+                <a:cs typeface="+mn-cs"/>
+              </a:defRPr>
+            </a:lvl8pPr>
+            <a:lvl9pPr marL="3657600" algn="l" defTabSz="914400" rtl="0" eaLnBrk="1" latinLnBrk="0" hangingPunct="1">
+              <a:defRPr sz="1800" kern="1200">
+                <a:solidFill>
+                  <a:schemeClr val="tx1"/>
+                </a:solidFill>
+                <a:latin typeface="+mn-lt"/>
+                <a:ea typeface="+mn-ea"/>
+                <a:cs typeface="+mn-cs"/>
+              </a:defRPr>
+            </a:lvl9pPr>
+          </a:lstStyle>
+          <a:p>
+            <a:fld id="{C2DE1785-620F-4DE8-A7D0-6CC8413DFAC9}" type="datetime1">
+              <a:rPr lang="pt-PT" sz="800" b="1" smtClean="0"/>
+              <a:pPr/>
+              <a:t>06/11/20</a:t>
+            </a:fld>
+            <a:endParaRPr lang="pt-PT" sz="800" b="1" dirty="0"/>
+          </a:p>
+        </p:txBody>
+      </p:sp>
+      <p:sp>
+        <p:nvSpPr>
+          <p:cNvPr id="18" name="Marcador de Posição do Rodapé 6"/>
+          <p:cNvSpPr txBox="1">
+            <a:spLocks/>
+          </p:cNvSpPr>
+          <p:nvPr/>
+        </p:nvSpPr>
+        <p:spPr>
+          <a:xfrm>
+            <a:off x="3124200" y="4840002"/>
+            <a:ext cx="2895600" cy="273844"/>
+          </a:xfrm>
+          <a:prstGeom prst="rect">
+            <a:avLst/>
+          </a:prstGeom>
+        </p:spPr>
+        <p:txBody>
+          <a:bodyPr vert="horz" lIns="91440" tIns="45720" rIns="91440" bIns="45720" rtlCol="0" anchor="ctr"/>
+          <a:lstStyle>
+            <a:defPPr>
+              <a:defRPr lang="pt-PT"/>
+            </a:defPPr>
+            <a:lvl1pPr marL="0" algn="ctr" defTabSz="914400" rtl="0" eaLnBrk="1" latinLnBrk="0" hangingPunct="1">
+              <a:defRPr sz="1200" kern="1200">
+                <a:solidFill>
+                  <a:schemeClr val="tx1">
+                    <a:tint val="75000"/>
+                  </a:schemeClr>
+                </a:solidFill>
+                <a:latin typeface="+mn-lt"/>
+                <a:ea typeface="+mn-ea"/>
+                <a:cs typeface="+mn-cs"/>
+              </a:defRPr>
+            </a:lvl1pPr>
+            <a:lvl2pPr marL="457200" algn="l" defTabSz="914400" rtl="0" eaLnBrk="1" latinLnBrk="0" hangingPunct="1">
+              <a:defRPr sz="1800" kern="1200">
+                <a:solidFill>
+                  <a:schemeClr val="tx1"/>
+                </a:solidFill>
+                <a:latin typeface="+mn-lt"/>
+                <a:ea typeface="+mn-ea"/>
+                <a:cs typeface="+mn-cs"/>
+              </a:defRPr>
+            </a:lvl2pPr>
+            <a:lvl3pPr marL="914400" algn="l" defTabSz="914400" rtl="0" eaLnBrk="1" latinLnBrk="0" hangingPunct="1">
+              <a:defRPr sz="1800" kern="1200">
+                <a:solidFill>
+                  <a:schemeClr val="tx1"/>
+                </a:solidFill>
+                <a:latin typeface="+mn-lt"/>
+                <a:ea typeface="+mn-ea"/>
+                <a:cs typeface="+mn-cs"/>
+              </a:defRPr>
+            </a:lvl3pPr>
+            <a:lvl4pPr marL="1371600" algn="l" defTabSz="914400" rtl="0" eaLnBrk="1" latinLnBrk="0" hangingPunct="1">
+              <a:defRPr sz="1800" kern="1200">
+                <a:solidFill>
+                  <a:schemeClr val="tx1"/>
+                </a:solidFill>
+                <a:latin typeface="+mn-lt"/>
+                <a:ea typeface="+mn-ea"/>
+                <a:cs typeface="+mn-cs"/>
+              </a:defRPr>
+            </a:lvl4pPr>
+            <a:lvl5pPr marL="1828800" algn="l" defTabSz="914400" rtl="0" eaLnBrk="1" latinLnBrk="0" hangingPunct="1">
+              <a:defRPr sz="1800" kern="1200">
+                <a:solidFill>
+                  <a:schemeClr val="tx1"/>
+                </a:solidFill>
+                <a:latin typeface="+mn-lt"/>
+                <a:ea typeface="+mn-ea"/>
+                <a:cs typeface="+mn-cs"/>
+              </a:defRPr>
+            </a:lvl5pPr>
+            <a:lvl6pPr marL="2286000" algn="l" defTabSz="914400" rtl="0" eaLnBrk="1" latinLnBrk="0" hangingPunct="1">
+              <a:defRPr sz="1800" kern="1200">
+                <a:solidFill>
+                  <a:schemeClr val="tx1"/>
+                </a:solidFill>
+                <a:latin typeface="+mn-lt"/>
+                <a:ea typeface="+mn-ea"/>
+                <a:cs typeface="+mn-cs"/>
+              </a:defRPr>
+            </a:lvl6pPr>
+            <a:lvl7pPr marL="2743200" algn="l" defTabSz="914400" rtl="0" eaLnBrk="1" latinLnBrk="0" hangingPunct="1">
+              <a:defRPr sz="1800" kern="1200">
+                <a:solidFill>
+                  <a:schemeClr val="tx1"/>
+                </a:solidFill>
+                <a:latin typeface="+mn-lt"/>
+                <a:ea typeface="+mn-ea"/>
+                <a:cs typeface="+mn-cs"/>
+              </a:defRPr>
+            </a:lvl7pPr>
+            <a:lvl8pPr marL="3200400" algn="l" defTabSz="914400" rtl="0" eaLnBrk="1" latinLnBrk="0" hangingPunct="1">
+              <a:defRPr sz="1800" kern="1200">
+                <a:solidFill>
+                  <a:schemeClr val="tx1"/>
+                </a:solidFill>
+                <a:latin typeface="+mn-lt"/>
+                <a:ea typeface="+mn-ea"/>
+                <a:cs typeface="+mn-cs"/>
+              </a:defRPr>
+            </a:lvl8pPr>
+            <a:lvl9pPr marL="3657600" algn="l" defTabSz="914400" rtl="0" eaLnBrk="1" latinLnBrk="0" hangingPunct="1">
+              <a:defRPr sz="1800" kern="1200">
+                <a:solidFill>
+                  <a:schemeClr val="tx1"/>
+                </a:solidFill>
+                <a:latin typeface="+mn-lt"/>
+                <a:ea typeface="+mn-ea"/>
+                <a:cs typeface="+mn-cs"/>
+              </a:defRPr>
+            </a:lvl9pPr>
+          </a:lstStyle>
+          <a:p>
+            <a:r>
+              <a:rPr lang="pt-PT" sz="800" b="1"/>
+              <a:t>POLITÉCNICO DE LEIRIA</a:t>
+            </a:r>
+            <a:endParaRPr lang="pt-PT" sz="800" b="1" dirty="0"/>
+          </a:p>
+        </p:txBody>
+      </p:sp>
+      <p:sp>
+        <p:nvSpPr>
+          <p:cNvPr id="14" name="CaixaDeTexto 13">
+            <a:extLst>
+              <a:ext uri="{FF2B5EF4-FFF2-40B4-BE49-F238E27FC236}">
+                <a16:creationId xmlns:a16="http://schemas.microsoft.com/office/drawing/2014/main" id="{B8918CB3-3461-F341-A19F-9DF4684319D0}"/>
+              </a:ext>
+            </a:extLst>
+          </p:cNvPr>
+          <p:cNvSpPr txBox="1"/>
+          <p:nvPr/>
+        </p:nvSpPr>
+        <p:spPr>
+          <a:xfrm>
+            <a:off x="2650199" y="4482834"/>
+            <a:ext cx="1815882" cy="292388"/>
+          </a:xfrm>
+          <a:prstGeom prst="rect">
+            <a:avLst/>
+          </a:prstGeom>
+          <a:noFill/>
+        </p:spPr>
+        <p:txBody>
+          <a:bodyPr wrap="none" rtlCol="0">
+            <a:spAutoFit/>
+          </a:bodyPr>
+          <a:lstStyle/>
+          <a:p>
+            <a:r>
+              <a:rPr lang="pt-PT" sz="1300" dirty="0"/>
+              <a:t>Edição da ficha do leitor</a:t>
+            </a:r>
+          </a:p>
+        </p:txBody>
+      </p:sp>
+      <p:sp>
+        <p:nvSpPr>
+          <p:cNvPr id="15" name="CaixaDeTexto 14">
+            <a:extLst>
+              <a:ext uri="{FF2B5EF4-FFF2-40B4-BE49-F238E27FC236}">
+                <a16:creationId xmlns:a16="http://schemas.microsoft.com/office/drawing/2014/main" id="{5DD2AF85-C8A9-CA4B-80C0-2487661BA858}"/>
+              </a:ext>
+            </a:extLst>
+          </p:cNvPr>
+          <p:cNvSpPr txBox="1"/>
+          <p:nvPr/>
+        </p:nvSpPr>
+        <p:spPr>
+          <a:xfrm>
+            <a:off x="4900541" y="4482834"/>
+            <a:ext cx="1513619" cy="292388"/>
+          </a:xfrm>
+          <a:prstGeom prst="rect">
+            <a:avLst/>
+          </a:prstGeom>
+          <a:noFill/>
+        </p:spPr>
+        <p:txBody>
+          <a:bodyPr wrap="none" rtlCol="0">
+            <a:spAutoFit/>
+          </a:bodyPr>
+          <a:lstStyle/>
+          <a:p>
+            <a:r>
+              <a:rPr lang="pt-PT" sz="1300" dirty="0"/>
+              <a:t>Nova ficha do leitor</a:t>
+            </a:r>
+          </a:p>
+        </p:txBody>
+      </p:sp>
+      <p:pic>
+        <p:nvPicPr>
+          <p:cNvPr id="13" name="Marcador de Posição de Conteúdo 3">
+            <a:extLst>
+              <a:ext uri="{FF2B5EF4-FFF2-40B4-BE49-F238E27FC236}">
+                <a16:creationId xmlns:a16="http://schemas.microsoft.com/office/drawing/2014/main" id="{8194C308-9EF9-FF44-992E-5D1E7CC08B53}"/>
+              </a:ext>
+            </a:extLst>
+          </p:cNvPr>
+          <p:cNvPicPr>
+            <a:picLocks noChangeAspect="1"/>
+          </p:cNvPicPr>
+          <p:nvPr/>
+        </p:nvPicPr>
+        <p:blipFill>
+          <a:blip r:embed="rId3"/>
+          <a:stretch>
+            <a:fillRect/>
+          </a:stretch>
+        </p:blipFill>
+        <p:spPr>
+          <a:xfrm>
+            <a:off x="2537137" y="1032400"/>
+            <a:ext cx="1928944" cy="3430800"/>
+          </a:xfrm>
+          <a:prstGeom prst="rect">
+            <a:avLst/>
+          </a:prstGeom>
+          <a:ln w="6350">
+            <a:solidFill>
+              <a:schemeClr val="tx1"/>
+            </a:solidFill>
+          </a:ln>
+        </p:spPr>
+      </p:pic>
+      <p:pic>
+        <p:nvPicPr>
+          <p:cNvPr id="19" name="Imagem 18">
+            <a:extLst>
+              <a:ext uri="{FF2B5EF4-FFF2-40B4-BE49-F238E27FC236}">
+                <a16:creationId xmlns:a16="http://schemas.microsoft.com/office/drawing/2014/main" id="{E8996C89-95EF-1642-81E6-BF9FB27DAC09}"/>
+              </a:ext>
+            </a:extLst>
+          </p:cNvPr>
+          <p:cNvPicPr>
+            <a:picLocks noChangeAspect="1"/>
+          </p:cNvPicPr>
+          <p:nvPr/>
+        </p:nvPicPr>
+        <p:blipFill>
+          <a:blip r:embed="rId4"/>
+          <a:stretch>
+            <a:fillRect/>
+          </a:stretch>
+        </p:blipFill>
+        <p:spPr>
+          <a:xfrm>
+            <a:off x="4692879" y="1017958"/>
+            <a:ext cx="1928945" cy="3430800"/>
+          </a:xfrm>
+          <a:prstGeom prst="rect">
+            <a:avLst/>
+          </a:prstGeom>
+          <a:ln w="6350">
+            <a:solidFill>
+              <a:schemeClr val="tx1"/>
+            </a:solidFill>
+          </a:ln>
+        </p:spPr>
+      </p:pic>
+    </p:spTree>
+    <p:extLst>
+      <p:ext uri="{BB962C8B-B14F-4D97-AF65-F5344CB8AC3E}">
+        <p14:creationId xmlns:p14="http://schemas.microsoft.com/office/powerpoint/2010/main" val="2590129828"/>
+      </p:ext>
+    </p:extLst>
+  </p:cSld>
+  <p:clrMapOvr>
+    <a:masterClrMapping/>
+  </p:clrMapOvr>
+  <mc:AlternateContent xmlns:mc="http://schemas.openxmlformats.org/markup-compatibility/2006">
+    <mc:Choice xmlns:p159="http://schemas.microsoft.com/office/powerpoint/2015/09/main" Requires="p159">
+      <p:transition xmlns:p14="http://schemas.microsoft.com/office/powerpoint/2010/main" spd="slow" p14:dur="2000">
+        <p159:morph option="byObject"/>
+      </p:transition>
+    </mc:Choice>
+    <mc:Fallback>
+      <p:transition spd="slow">
+        <p:fade/>
+      </p:transition>
+    </mc:Fallback>
+  </mc:AlternateContent>
+</p:sld>
+</file>
+
+<file path=ppt/slides/slide15.xml><?xml version="1.0" encoding="utf-8"?>
+<p:sld xmlns:a="http://schemas.openxmlformats.org/drawingml/2006/main" xmlns:r="http://schemas.openxmlformats.org/officeDocument/2006/relationships" xmlns:p="http://schemas.openxmlformats.org/presentationml/2006/main">
+  <p:cSld>
+    <p:spTree>
+      <p:nvGrpSpPr>
+        <p:cNvPr id="1" name=""/>
+        <p:cNvGrpSpPr/>
+        <p:nvPr/>
+      </p:nvGrpSpPr>
+      <p:grpSpPr>
+        <a:xfrm>
+          <a:off x="0" y="0"/>
+          <a:ext cx="0" cy="0"/>
+          <a:chOff x="0" y="0"/>
+          <a:chExt cx="0" cy="0"/>
+        </a:xfrm>
+      </p:grpSpPr>
+      <p:sp>
+        <p:nvSpPr>
+          <p:cNvPr id="17" name="Rectângulo 16"/>
+          <p:cNvSpPr/>
+          <p:nvPr/>
+        </p:nvSpPr>
+        <p:spPr>
+          <a:xfrm>
+            <a:off x="-6749" y="-23598"/>
+            <a:ext cx="9144000" cy="4840002"/>
+          </a:xfrm>
+          <a:prstGeom prst="rect">
+            <a:avLst/>
+          </a:prstGeom>
+          <a:solidFill>
+            <a:schemeClr val="bg1">
+              <a:lumMod val="95000"/>
+            </a:schemeClr>
+          </a:solidFill>
+          <a:ln>
+            <a:noFill/>
+          </a:ln>
+        </p:spPr>
+        <p:style>
+          <a:lnRef idx="2">
+            <a:schemeClr val="accent1">
+              <a:shade val="50000"/>
+            </a:schemeClr>
+          </a:lnRef>
+          <a:fillRef idx="1">
+            <a:schemeClr val="accent1"/>
+          </a:fillRef>
+          <a:effectRef idx="0">
+            <a:schemeClr val="accent1"/>
+          </a:effectRef>
+          <a:fontRef idx="minor">
+            <a:schemeClr val="lt1"/>
+          </a:fontRef>
+        </p:style>
+        <p:txBody>
+          <a:bodyPr rtlCol="0" anchor="ctr"/>
+          <a:lstStyle/>
+          <a:p>
+            <a:pPr algn="ctr"/>
+            <a:endParaRPr lang="pt-PT" dirty="0"/>
+          </a:p>
+        </p:txBody>
+      </p:sp>
+      <p:sp>
+        <p:nvSpPr>
+          <p:cNvPr id="9" name="Título 1"/>
+          <p:cNvSpPr txBox="1">
+            <a:spLocks/>
+          </p:cNvSpPr>
+          <p:nvPr/>
+        </p:nvSpPr>
+        <p:spPr>
+          <a:xfrm>
+            <a:off x="323528" y="357504"/>
+            <a:ext cx="6838528" cy="433871"/>
+          </a:xfrm>
+          <a:prstGeom prst="rect">
+            <a:avLst/>
+          </a:prstGeom>
+        </p:spPr>
+        <p:txBody>
+          <a:bodyPr vert="horz" lIns="91440" tIns="45720" rIns="91440" bIns="45720" rtlCol="0" anchor="ctr">
+            <a:normAutofit fontScale="85000" lnSpcReduction="20000"/>
+          </a:bodyPr>
+          <a:lstStyle>
+            <a:lvl1pPr algn="ctr" defTabSz="914400" rtl="0" eaLnBrk="1" latinLnBrk="0" hangingPunct="1">
+              <a:spcBef>
+                <a:spcPct val="0"/>
+              </a:spcBef>
+              <a:buNone/>
+              <a:defRPr sz="4400" kern="1200">
+                <a:solidFill>
+                  <a:schemeClr val="tx1"/>
+                </a:solidFill>
+                <a:latin typeface="+mj-lt"/>
+                <a:ea typeface="+mj-ea"/>
+                <a:cs typeface="+mj-cs"/>
+              </a:defRPr>
+            </a:lvl1pPr>
+          </a:lstStyle>
+          <a:p>
+            <a:pPr algn="l"/>
+            <a:r>
+              <a:rPr lang="pt-PT" sz="3200" b="1" dirty="0">
+                <a:solidFill>
+                  <a:schemeClr val="tx1">
+                    <a:lumMod val="95000"/>
+                    <a:lumOff val="5000"/>
+                  </a:schemeClr>
+                </a:solidFill>
+                <a:latin typeface="+mn-lt"/>
+              </a:rPr>
+              <a:t>Catálogo</a:t>
+            </a:r>
+          </a:p>
+        </p:txBody>
+      </p:sp>
+      <p:cxnSp>
+        <p:nvCxnSpPr>
+          <p:cNvPr id="11" name="Conexão recta 10"/>
+          <p:cNvCxnSpPr/>
+          <p:nvPr/>
+        </p:nvCxnSpPr>
+        <p:spPr>
+          <a:xfrm>
+            <a:off x="428130" y="789552"/>
+            <a:ext cx="5512022" cy="0"/>
+          </a:xfrm>
+          <a:prstGeom prst="line">
+            <a:avLst/>
+          </a:prstGeom>
+          <a:ln w="28575">
+            <a:solidFill>
+              <a:schemeClr val="tx1">
+                <a:lumMod val="95000"/>
+                <a:lumOff val="5000"/>
+              </a:schemeClr>
+            </a:solidFill>
+          </a:ln>
+        </p:spPr>
+        <p:style>
+          <a:lnRef idx="1">
+            <a:schemeClr val="accent1"/>
+          </a:lnRef>
+          <a:fillRef idx="0">
+            <a:schemeClr val="accent1"/>
+          </a:fillRef>
+          <a:effectRef idx="0">
+            <a:schemeClr val="accent1"/>
+          </a:effectRef>
+          <a:fontRef idx="minor">
+            <a:schemeClr val="tx1"/>
+          </a:fontRef>
+        </p:style>
+      </p:cxnSp>
+      <p:sp>
+        <p:nvSpPr>
+          <p:cNvPr id="16" name="Título 1"/>
+          <p:cNvSpPr txBox="1">
+            <a:spLocks/>
+          </p:cNvSpPr>
+          <p:nvPr/>
+        </p:nvSpPr>
+        <p:spPr>
+          <a:xfrm>
+            <a:off x="323528" y="195487"/>
+            <a:ext cx="6587616" cy="252329"/>
+          </a:xfrm>
+          <a:prstGeom prst="rect">
+            <a:avLst/>
+          </a:prstGeom>
+        </p:spPr>
+        <p:txBody>
+          <a:bodyPr vert="horz" lIns="91440" tIns="45720" rIns="91440" bIns="45720" rtlCol="0" anchor="ctr">
+            <a:normAutofit/>
+          </a:bodyPr>
+          <a:lstStyle>
+            <a:lvl1pPr algn="ctr" defTabSz="914400" rtl="0" eaLnBrk="1" latinLnBrk="0" hangingPunct="1">
+              <a:spcBef>
+                <a:spcPct val="0"/>
+              </a:spcBef>
+              <a:buNone/>
+              <a:defRPr sz="4400" kern="1200">
+                <a:solidFill>
+                  <a:schemeClr val="tx1"/>
+                </a:solidFill>
+                <a:latin typeface="+mj-lt"/>
+                <a:ea typeface="+mj-ea"/>
+                <a:cs typeface="+mj-cs"/>
+              </a:defRPr>
+            </a:lvl1pPr>
+          </a:lstStyle>
+          <a:p>
+            <a:pPr algn="l"/>
+            <a:r>
+              <a:rPr lang="pt-PT" sz="1000" b="1" dirty="0">
+                <a:solidFill>
+                  <a:schemeClr val="tx1">
+                    <a:lumMod val="95000"/>
+                    <a:lumOff val="5000"/>
+                  </a:schemeClr>
+                </a:solidFill>
+                <a:latin typeface="+mn-lt"/>
+              </a:rPr>
+              <a:t>SARAMAGO . </a:t>
+            </a:r>
+            <a:r>
+              <a:rPr lang="pt-PT" sz="1000" dirty="0" err="1">
+                <a:solidFill>
+                  <a:schemeClr val="tx1">
+                    <a:lumMod val="95000"/>
+                    <a:lumOff val="5000"/>
+                  </a:schemeClr>
+                </a:solidFill>
+                <a:latin typeface="+mn-lt"/>
+              </a:rPr>
+              <a:t>Mockups</a:t>
+            </a:r>
+            <a:endParaRPr lang="pt-PT" sz="1000" dirty="0">
+              <a:solidFill>
+                <a:schemeClr val="tx1">
+                  <a:lumMod val="95000"/>
+                  <a:lumOff val="5000"/>
+                </a:schemeClr>
+              </a:solidFill>
+              <a:latin typeface="+mn-lt"/>
+            </a:endParaRPr>
+          </a:p>
+          <a:p>
+            <a:pPr algn="l"/>
+            <a:endParaRPr lang="pt-PT" sz="1000" b="1" dirty="0">
+              <a:solidFill>
+                <a:schemeClr val="tx1">
+                  <a:lumMod val="95000"/>
+                  <a:lumOff val="5000"/>
+                </a:schemeClr>
+              </a:solidFill>
+            </a:endParaRPr>
+          </a:p>
+        </p:txBody>
+      </p:sp>
+      <p:sp>
+        <p:nvSpPr>
+          <p:cNvPr id="12" name="Marcador de Posição da Data 4"/>
+          <p:cNvSpPr txBox="1">
+            <a:spLocks/>
+          </p:cNvSpPr>
+          <p:nvPr/>
+        </p:nvSpPr>
+        <p:spPr>
+          <a:xfrm>
+            <a:off x="350168" y="4840002"/>
+            <a:ext cx="2133600" cy="273844"/>
+          </a:xfrm>
+          <a:prstGeom prst="rect">
+            <a:avLst/>
+          </a:prstGeom>
+        </p:spPr>
+        <p:txBody>
+          <a:bodyPr vert="horz" lIns="91440" tIns="45720" rIns="91440" bIns="45720" rtlCol="0" anchor="ctr"/>
+          <a:lstStyle>
+            <a:defPPr>
+              <a:defRPr lang="pt-PT"/>
+            </a:defPPr>
+            <a:lvl1pPr marL="0" algn="l" defTabSz="914400" rtl="0" eaLnBrk="1" latinLnBrk="0" hangingPunct="1">
+              <a:defRPr sz="1200" kern="1200">
+                <a:solidFill>
+                  <a:schemeClr val="tx1">
+                    <a:tint val="75000"/>
+                  </a:schemeClr>
+                </a:solidFill>
+                <a:latin typeface="+mn-lt"/>
+                <a:ea typeface="+mn-ea"/>
+                <a:cs typeface="+mn-cs"/>
+              </a:defRPr>
+            </a:lvl1pPr>
+            <a:lvl2pPr marL="457200" algn="l" defTabSz="914400" rtl="0" eaLnBrk="1" latinLnBrk="0" hangingPunct="1">
+              <a:defRPr sz="1800" kern="1200">
+                <a:solidFill>
+                  <a:schemeClr val="tx1"/>
+                </a:solidFill>
+                <a:latin typeface="+mn-lt"/>
+                <a:ea typeface="+mn-ea"/>
+                <a:cs typeface="+mn-cs"/>
+              </a:defRPr>
+            </a:lvl2pPr>
+            <a:lvl3pPr marL="914400" algn="l" defTabSz="914400" rtl="0" eaLnBrk="1" latinLnBrk="0" hangingPunct="1">
+              <a:defRPr sz="1800" kern="1200">
+                <a:solidFill>
+                  <a:schemeClr val="tx1"/>
+                </a:solidFill>
+                <a:latin typeface="+mn-lt"/>
+                <a:ea typeface="+mn-ea"/>
+                <a:cs typeface="+mn-cs"/>
+              </a:defRPr>
+            </a:lvl3pPr>
+            <a:lvl4pPr marL="1371600" algn="l" defTabSz="914400" rtl="0" eaLnBrk="1" latinLnBrk="0" hangingPunct="1">
+              <a:defRPr sz="1800" kern="1200">
+                <a:solidFill>
+                  <a:schemeClr val="tx1"/>
+                </a:solidFill>
+                <a:latin typeface="+mn-lt"/>
+                <a:ea typeface="+mn-ea"/>
+                <a:cs typeface="+mn-cs"/>
+              </a:defRPr>
+            </a:lvl4pPr>
+            <a:lvl5pPr marL="1828800" algn="l" defTabSz="914400" rtl="0" eaLnBrk="1" latinLnBrk="0" hangingPunct="1">
+              <a:defRPr sz="1800" kern="1200">
+                <a:solidFill>
+                  <a:schemeClr val="tx1"/>
+                </a:solidFill>
+                <a:latin typeface="+mn-lt"/>
+                <a:ea typeface="+mn-ea"/>
+                <a:cs typeface="+mn-cs"/>
+              </a:defRPr>
+            </a:lvl5pPr>
+            <a:lvl6pPr marL="2286000" algn="l" defTabSz="914400" rtl="0" eaLnBrk="1" latinLnBrk="0" hangingPunct="1">
+              <a:defRPr sz="1800" kern="1200">
+                <a:solidFill>
+                  <a:schemeClr val="tx1"/>
+                </a:solidFill>
+                <a:latin typeface="+mn-lt"/>
+                <a:ea typeface="+mn-ea"/>
+                <a:cs typeface="+mn-cs"/>
+              </a:defRPr>
+            </a:lvl6pPr>
+            <a:lvl7pPr marL="2743200" algn="l" defTabSz="914400" rtl="0" eaLnBrk="1" latinLnBrk="0" hangingPunct="1">
+              <a:defRPr sz="1800" kern="1200">
+                <a:solidFill>
+                  <a:schemeClr val="tx1"/>
+                </a:solidFill>
+                <a:latin typeface="+mn-lt"/>
+                <a:ea typeface="+mn-ea"/>
+                <a:cs typeface="+mn-cs"/>
+              </a:defRPr>
+            </a:lvl7pPr>
+            <a:lvl8pPr marL="3200400" algn="l" defTabSz="914400" rtl="0" eaLnBrk="1" latinLnBrk="0" hangingPunct="1">
+              <a:defRPr sz="1800" kern="1200">
+                <a:solidFill>
+                  <a:schemeClr val="tx1"/>
+                </a:solidFill>
+                <a:latin typeface="+mn-lt"/>
+                <a:ea typeface="+mn-ea"/>
+                <a:cs typeface="+mn-cs"/>
+              </a:defRPr>
+            </a:lvl8pPr>
+            <a:lvl9pPr marL="3657600" algn="l" defTabSz="914400" rtl="0" eaLnBrk="1" latinLnBrk="0" hangingPunct="1">
+              <a:defRPr sz="1800" kern="1200">
+                <a:solidFill>
+                  <a:schemeClr val="tx1"/>
+                </a:solidFill>
+                <a:latin typeface="+mn-lt"/>
+                <a:ea typeface="+mn-ea"/>
+                <a:cs typeface="+mn-cs"/>
+              </a:defRPr>
+            </a:lvl9pPr>
+          </a:lstStyle>
+          <a:p>
+            <a:fld id="{C2DE1785-620F-4DE8-A7D0-6CC8413DFAC9}" type="datetime1">
+              <a:rPr lang="pt-PT" sz="800" b="1" smtClean="0"/>
+              <a:pPr/>
+              <a:t>06/11/20</a:t>
+            </a:fld>
+            <a:endParaRPr lang="pt-PT" sz="800" b="1" dirty="0"/>
+          </a:p>
+        </p:txBody>
+      </p:sp>
+      <p:sp>
+        <p:nvSpPr>
+          <p:cNvPr id="18" name="Marcador de Posição do Rodapé 6"/>
+          <p:cNvSpPr txBox="1">
+            <a:spLocks/>
+          </p:cNvSpPr>
+          <p:nvPr/>
+        </p:nvSpPr>
+        <p:spPr>
+          <a:xfrm>
+            <a:off x="3124200" y="4840002"/>
+            <a:ext cx="2895600" cy="273844"/>
+          </a:xfrm>
+          <a:prstGeom prst="rect">
+            <a:avLst/>
+          </a:prstGeom>
+        </p:spPr>
+        <p:txBody>
+          <a:bodyPr vert="horz" lIns="91440" tIns="45720" rIns="91440" bIns="45720" rtlCol="0" anchor="ctr"/>
+          <a:lstStyle>
+            <a:defPPr>
+              <a:defRPr lang="pt-PT"/>
+            </a:defPPr>
+            <a:lvl1pPr marL="0" algn="ctr" defTabSz="914400" rtl="0" eaLnBrk="1" latinLnBrk="0" hangingPunct="1">
+              <a:defRPr sz="1200" kern="1200">
+                <a:solidFill>
+                  <a:schemeClr val="tx1">
+                    <a:tint val="75000"/>
+                  </a:schemeClr>
+                </a:solidFill>
+                <a:latin typeface="+mn-lt"/>
+                <a:ea typeface="+mn-ea"/>
+                <a:cs typeface="+mn-cs"/>
+              </a:defRPr>
+            </a:lvl1pPr>
+            <a:lvl2pPr marL="457200" algn="l" defTabSz="914400" rtl="0" eaLnBrk="1" latinLnBrk="0" hangingPunct="1">
+              <a:defRPr sz="1800" kern="1200">
+                <a:solidFill>
+                  <a:schemeClr val="tx1"/>
+                </a:solidFill>
+                <a:latin typeface="+mn-lt"/>
+                <a:ea typeface="+mn-ea"/>
+                <a:cs typeface="+mn-cs"/>
+              </a:defRPr>
+            </a:lvl2pPr>
+            <a:lvl3pPr marL="914400" algn="l" defTabSz="914400" rtl="0" eaLnBrk="1" latinLnBrk="0" hangingPunct="1">
+              <a:defRPr sz="1800" kern="1200">
+                <a:solidFill>
+                  <a:schemeClr val="tx1"/>
+                </a:solidFill>
+                <a:latin typeface="+mn-lt"/>
+                <a:ea typeface="+mn-ea"/>
+                <a:cs typeface="+mn-cs"/>
+              </a:defRPr>
+            </a:lvl3pPr>
+            <a:lvl4pPr marL="1371600" algn="l" defTabSz="914400" rtl="0" eaLnBrk="1" latinLnBrk="0" hangingPunct="1">
+              <a:defRPr sz="1800" kern="1200">
+                <a:solidFill>
+                  <a:schemeClr val="tx1"/>
+                </a:solidFill>
+                <a:latin typeface="+mn-lt"/>
+                <a:ea typeface="+mn-ea"/>
+                <a:cs typeface="+mn-cs"/>
+              </a:defRPr>
+            </a:lvl4pPr>
+            <a:lvl5pPr marL="1828800" algn="l" defTabSz="914400" rtl="0" eaLnBrk="1" latinLnBrk="0" hangingPunct="1">
+              <a:defRPr sz="1800" kern="1200">
+                <a:solidFill>
+                  <a:schemeClr val="tx1"/>
+                </a:solidFill>
+                <a:latin typeface="+mn-lt"/>
+                <a:ea typeface="+mn-ea"/>
+                <a:cs typeface="+mn-cs"/>
+              </a:defRPr>
+            </a:lvl5pPr>
+            <a:lvl6pPr marL="2286000" algn="l" defTabSz="914400" rtl="0" eaLnBrk="1" latinLnBrk="0" hangingPunct="1">
+              <a:defRPr sz="1800" kern="1200">
+                <a:solidFill>
+                  <a:schemeClr val="tx1"/>
+                </a:solidFill>
+                <a:latin typeface="+mn-lt"/>
+                <a:ea typeface="+mn-ea"/>
+                <a:cs typeface="+mn-cs"/>
+              </a:defRPr>
+            </a:lvl6pPr>
+            <a:lvl7pPr marL="2743200" algn="l" defTabSz="914400" rtl="0" eaLnBrk="1" latinLnBrk="0" hangingPunct="1">
+              <a:defRPr sz="1800" kern="1200">
+                <a:solidFill>
+                  <a:schemeClr val="tx1"/>
+                </a:solidFill>
+                <a:latin typeface="+mn-lt"/>
+                <a:ea typeface="+mn-ea"/>
+                <a:cs typeface="+mn-cs"/>
+              </a:defRPr>
+            </a:lvl7pPr>
+            <a:lvl8pPr marL="3200400" algn="l" defTabSz="914400" rtl="0" eaLnBrk="1" latinLnBrk="0" hangingPunct="1">
+              <a:defRPr sz="1800" kern="1200">
+                <a:solidFill>
+                  <a:schemeClr val="tx1"/>
+                </a:solidFill>
+                <a:latin typeface="+mn-lt"/>
+                <a:ea typeface="+mn-ea"/>
+                <a:cs typeface="+mn-cs"/>
+              </a:defRPr>
+            </a:lvl8pPr>
+            <a:lvl9pPr marL="3657600" algn="l" defTabSz="914400" rtl="0" eaLnBrk="1" latinLnBrk="0" hangingPunct="1">
+              <a:defRPr sz="1800" kern="1200">
+                <a:solidFill>
+                  <a:schemeClr val="tx1"/>
+                </a:solidFill>
+                <a:latin typeface="+mn-lt"/>
+                <a:ea typeface="+mn-ea"/>
+                <a:cs typeface="+mn-cs"/>
+              </a:defRPr>
+            </a:lvl9pPr>
+          </a:lstStyle>
+          <a:p>
+            <a:r>
+              <a:rPr lang="pt-PT" sz="800" b="1"/>
+              <a:t>POLITÉCNICO DE LEIRIA</a:t>
+            </a:r>
+            <a:endParaRPr lang="pt-PT" sz="800" b="1" dirty="0"/>
+          </a:p>
+        </p:txBody>
+      </p:sp>
+      <p:pic>
+        <p:nvPicPr>
+          <p:cNvPr id="14" name="Imagem 13">
+            <a:extLst>
+              <a:ext uri="{FF2B5EF4-FFF2-40B4-BE49-F238E27FC236}">
+                <a16:creationId xmlns:a16="http://schemas.microsoft.com/office/drawing/2014/main" id="{8B09FABE-88EE-0D4B-9E4B-2CE77E895217}"/>
+              </a:ext>
+            </a:extLst>
+          </p:cNvPr>
+          <p:cNvPicPr>
+            <a:picLocks noChangeAspect="1"/>
+          </p:cNvPicPr>
+          <p:nvPr/>
+        </p:nvPicPr>
+        <p:blipFill>
+          <a:blip r:embed="rId3"/>
+          <a:stretch>
+            <a:fillRect/>
+          </a:stretch>
+        </p:blipFill>
+        <p:spPr>
+          <a:xfrm>
+            <a:off x="1519295" y="922333"/>
+            <a:ext cx="1928945" cy="3430800"/>
+          </a:xfrm>
+          <a:prstGeom prst="rect">
+            <a:avLst/>
+          </a:prstGeom>
+          <a:ln w="6350">
+            <a:solidFill>
+              <a:schemeClr val="tx1"/>
+            </a:solidFill>
+          </a:ln>
+        </p:spPr>
+      </p:pic>
+      <p:pic>
+        <p:nvPicPr>
+          <p:cNvPr id="15" name="Imagem 14">
+            <a:extLst>
+              <a:ext uri="{FF2B5EF4-FFF2-40B4-BE49-F238E27FC236}">
+                <a16:creationId xmlns:a16="http://schemas.microsoft.com/office/drawing/2014/main" id="{0DA8ED59-4DAD-A148-8946-AD2D86C1F484}"/>
+              </a:ext>
+            </a:extLst>
+          </p:cNvPr>
+          <p:cNvPicPr>
+            <a:picLocks noChangeAspect="1"/>
+          </p:cNvPicPr>
+          <p:nvPr/>
+        </p:nvPicPr>
+        <p:blipFill>
+          <a:blip r:embed="rId4"/>
+          <a:stretch>
+            <a:fillRect/>
+          </a:stretch>
+        </p:blipFill>
+        <p:spPr>
+          <a:xfrm>
+            <a:off x="5704775" y="909681"/>
+            <a:ext cx="1928945" cy="3430800"/>
+          </a:xfrm>
+          <a:prstGeom prst="rect">
+            <a:avLst/>
+          </a:prstGeom>
+          <a:ln w="6350">
+            <a:solidFill>
+              <a:schemeClr val="tx1"/>
+            </a:solidFill>
+          </a:ln>
+        </p:spPr>
+      </p:pic>
+      <p:pic>
+        <p:nvPicPr>
+          <p:cNvPr id="19" name="Imagem 18">
+            <a:extLst>
+              <a:ext uri="{FF2B5EF4-FFF2-40B4-BE49-F238E27FC236}">
+                <a16:creationId xmlns:a16="http://schemas.microsoft.com/office/drawing/2014/main" id="{28CBEC9A-7B7A-E545-BDDB-C066296D00E1}"/>
+              </a:ext>
+            </a:extLst>
+          </p:cNvPr>
+          <p:cNvPicPr>
+            <a:picLocks noChangeAspect="1"/>
+          </p:cNvPicPr>
+          <p:nvPr/>
+        </p:nvPicPr>
+        <p:blipFill>
+          <a:blip r:embed="rId5"/>
+          <a:stretch>
+            <a:fillRect/>
+          </a:stretch>
+        </p:blipFill>
+        <p:spPr>
+          <a:xfrm>
+            <a:off x="3607527" y="922333"/>
+            <a:ext cx="1928945" cy="3430800"/>
+          </a:xfrm>
+          <a:prstGeom prst="rect">
+            <a:avLst/>
+          </a:prstGeom>
+          <a:ln w="6350">
+            <a:solidFill>
+              <a:schemeClr val="tx1"/>
+            </a:solidFill>
+          </a:ln>
+        </p:spPr>
+      </p:pic>
+      <p:sp>
+        <p:nvSpPr>
+          <p:cNvPr id="20" name="CaixaDeTexto 19">
+            <a:extLst>
+              <a:ext uri="{FF2B5EF4-FFF2-40B4-BE49-F238E27FC236}">
+                <a16:creationId xmlns:a16="http://schemas.microsoft.com/office/drawing/2014/main" id="{77011440-CEB3-5E40-835F-30CC47DA5383}"/>
+              </a:ext>
+            </a:extLst>
+          </p:cNvPr>
+          <p:cNvSpPr txBox="1"/>
+          <p:nvPr/>
+        </p:nvSpPr>
+        <p:spPr>
+          <a:xfrm>
+            <a:off x="1842887" y="4389621"/>
+            <a:ext cx="1472775" cy="292388"/>
+          </a:xfrm>
+          <a:prstGeom prst="rect">
+            <a:avLst/>
+          </a:prstGeom>
+          <a:noFill/>
+        </p:spPr>
+        <p:txBody>
+          <a:bodyPr wrap="none" rtlCol="0">
+            <a:spAutoFit/>
+          </a:bodyPr>
+          <a:lstStyle/>
+          <a:p>
+            <a:r>
+              <a:rPr lang="pt-PT" sz="1300" dirty="0"/>
+              <a:t>Listagem das obras</a:t>
+            </a:r>
+          </a:p>
+        </p:txBody>
+      </p:sp>
+      <p:sp>
+        <p:nvSpPr>
+          <p:cNvPr id="21" name="CaixaDeTexto 20">
+            <a:extLst>
+              <a:ext uri="{FF2B5EF4-FFF2-40B4-BE49-F238E27FC236}">
+                <a16:creationId xmlns:a16="http://schemas.microsoft.com/office/drawing/2014/main" id="{EC66D644-C46B-BA4A-A1B2-2E21E5460AC2}"/>
+              </a:ext>
+            </a:extLst>
+          </p:cNvPr>
+          <p:cNvSpPr txBox="1"/>
+          <p:nvPr/>
+        </p:nvSpPr>
+        <p:spPr>
+          <a:xfrm>
+            <a:off x="4024509" y="4396371"/>
+            <a:ext cx="1094980" cy="292388"/>
+          </a:xfrm>
+          <a:prstGeom prst="rect">
+            <a:avLst/>
+          </a:prstGeom>
+          <a:noFill/>
+        </p:spPr>
+        <p:txBody>
+          <a:bodyPr wrap="none" rtlCol="0">
+            <a:spAutoFit/>
+          </a:bodyPr>
+          <a:lstStyle/>
+          <a:p>
+            <a:r>
+              <a:rPr lang="pt-PT" sz="1300" dirty="0"/>
+              <a:t>Ficha da obra</a:t>
+            </a:r>
+          </a:p>
+        </p:txBody>
+      </p:sp>
+      <p:sp>
+        <p:nvSpPr>
+          <p:cNvPr id="22" name="CaixaDeTexto 21">
+            <a:extLst>
+              <a:ext uri="{FF2B5EF4-FFF2-40B4-BE49-F238E27FC236}">
+                <a16:creationId xmlns:a16="http://schemas.microsoft.com/office/drawing/2014/main" id="{E9C2F79D-C4AF-2F4F-8CAD-B7BE7EB16952}"/>
+              </a:ext>
+            </a:extLst>
+          </p:cNvPr>
+          <p:cNvSpPr txBox="1"/>
+          <p:nvPr/>
+        </p:nvSpPr>
+        <p:spPr>
+          <a:xfrm>
+            <a:off x="5910257" y="4388092"/>
+            <a:ext cx="1517980" cy="292388"/>
+          </a:xfrm>
+          <a:prstGeom prst="rect">
+            <a:avLst/>
+          </a:prstGeom>
+          <a:noFill/>
+        </p:spPr>
+        <p:txBody>
+          <a:bodyPr wrap="none" rtlCol="0">
+            <a:spAutoFit/>
+          </a:bodyPr>
+          <a:lstStyle/>
+          <a:p>
+            <a:r>
+              <a:rPr lang="pt-PT" sz="1300" dirty="0"/>
+              <a:t>Exemplares da obra</a:t>
+            </a:r>
+          </a:p>
+        </p:txBody>
+      </p:sp>
+    </p:spTree>
+    <p:extLst>
+      <p:ext uri="{BB962C8B-B14F-4D97-AF65-F5344CB8AC3E}">
+        <p14:creationId xmlns:p14="http://schemas.microsoft.com/office/powerpoint/2010/main" val="1011634873"/>
+      </p:ext>
+    </p:extLst>
+  </p:cSld>
+  <p:clrMapOvr>
+    <a:masterClrMapping/>
+  </p:clrMapOvr>
+  <mc:AlternateContent xmlns:mc="http://schemas.openxmlformats.org/markup-compatibility/2006">
+    <mc:Choice xmlns:p159="http://schemas.microsoft.com/office/powerpoint/2015/09/main" Requires="p159">
+      <p:transition xmlns:p14="http://schemas.microsoft.com/office/powerpoint/2010/main" spd="slow" p14:dur="2000">
+        <p159:morph option="byObject"/>
+      </p:transition>
+    </mc:Choice>
+    <mc:Fallback>
+      <p:transition spd="slow">
+        <p:fade/>
+      </p:transition>
+    </mc:Fallback>
+  </mc:AlternateContent>
+</p:sld>
+</file>
+
+<file path=ppt/slides/slide16.xml><?xml version="1.0" encoding="utf-8"?>
+<p:sld xmlns:a="http://schemas.openxmlformats.org/drawingml/2006/main" xmlns:r="http://schemas.openxmlformats.org/officeDocument/2006/relationships" xmlns:p="http://schemas.openxmlformats.org/presentationml/2006/main">
+  <p:cSld>
+    <p:spTree>
+      <p:nvGrpSpPr>
+        <p:cNvPr id="1" name=""/>
+        <p:cNvGrpSpPr/>
+        <p:nvPr/>
+      </p:nvGrpSpPr>
+      <p:grpSpPr>
+        <a:xfrm>
+          <a:off x="0" y="0"/>
+          <a:ext cx="0" cy="0"/>
+          <a:chOff x="0" y="0"/>
+          <a:chExt cx="0" cy="0"/>
+        </a:xfrm>
+      </p:grpSpPr>
+      <p:sp>
+        <p:nvSpPr>
+          <p:cNvPr id="17" name="Rectângulo 16"/>
+          <p:cNvSpPr/>
+          <p:nvPr/>
+        </p:nvSpPr>
+        <p:spPr>
+          <a:xfrm>
+            <a:off x="-6749" y="-23598"/>
+            <a:ext cx="9144000" cy="4840002"/>
+          </a:xfrm>
+          <a:prstGeom prst="rect">
+            <a:avLst/>
+          </a:prstGeom>
+          <a:solidFill>
+            <a:schemeClr val="bg1">
+              <a:lumMod val="95000"/>
+            </a:schemeClr>
+          </a:solidFill>
+          <a:ln>
+            <a:noFill/>
+          </a:ln>
+        </p:spPr>
+        <p:style>
+          <a:lnRef idx="2">
+            <a:schemeClr val="accent1">
+              <a:shade val="50000"/>
+            </a:schemeClr>
+          </a:lnRef>
+          <a:fillRef idx="1">
+            <a:schemeClr val="accent1"/>
+          </a:fillRef>
+          <a:effectRef idx="0">
+            <a:schemeClr val="accent1"/>
+          </a:effectRef>
+          <a:fontRef idx="minor">
+            <a:schemeClr val="lt1"/>
+          </a:fontRef>
+        </p:style>
+        <p:txBody>
+          <a:bodyPr rtlCol="0" anchor="ctr"/>
+          <a:lstStyle/>
+          <a:p>
+            <a:pPr algn="ctr"/>
+            <a:endParaRPr lang="pt-PT" dirty="0"/>
+          </a:p>
+        </p:txBody>
+      </p:sp>
+      <p:sp>
+        <p:nvSpPr>
+          <p:cNvPr id="9" name="Título 1"/>
+          <p:cNvSpPr txBox="1">
+            <a:spLocks/>
+          </p:cNvSpPr>
+          <p:nvPr/>
+        </p:nvSpPr>
+        <p:spPr>
+          <a:xfrm>
+            <a:off x="323528" y="357504"/>
+            <a:ext cx="6838528" cy="433871"/>
+          </a:xfrm>
+          <a:prstGeom prst="rect">
+            <a:avLst/>
+          </a:prstGeom>
+        </p:spPr>
+        <p:txBody>
+          <a:bodyPr vert="horz" lIns="91440" tIns="45720" rIns="91440" bIns="45720" rtlCol="0" anchor="ctr">
+            <a:normAutofit fontScale="85000" lnSpcReduction="20000"/>
+          </a:bodyPr>
+          <a:lstStyle>
+            <a:lvl1pPr algn="ctr" defTabSz="914400" rtl="0" eaLnBrk="1" latinLnBrk="0" hangingPunct="1">
+              <a:spcBef>
+                <a:spcPct val="0"/>
+              </a:spcBef>
+              <a:buNone/>
+              <a:defRPr sz="4400" kern="1200">
+                <a:solidFill>
+                  <a:schemeClr val="tx1"/>
+                </a:solidFill>
+                <a:latin typeface="+mj-lt"/>
+                <a:ea typeface="+mj-ea"/>
+                <a:cs typeface="+mj-cs"/>
+              </a:defRPr>
+            </a:lvl1pPr>
+          </a:lstStyle>
+          <a:p>
+            <a:pPr algn="l"/>
+            <a:r>
+              <a:rPr lang="pt-PT" sz="3200" b="1" dirty="0">
+                <a:solidFill>
+                  <a:schemeClr val="tx1">
+                    <a:lumMod val="95000"/>
+                    <a:lumOff val="5000"/>
+                  </a:schemeClr>
+                </a:solidFill>
+                <a:latin typeface="+mn-lt"/>
+              </a:rPr>
+              <a:t>Em arrumação</a:t>
+            </a:r>
+          </a:p>
+        </p:txBody>
+      </p:sp>
+      <p:cxnSp>
+        <p:nvCxnSpPr>
+          <p:cNvPr id="11" name="Conexão recta 10"/>
+          <p:cNvCxnSpPr/>
+          <p:nvPr/>
+        </p:nvCxnSpPr>
+        <p:spPr>
+          <a:xfrm>
+            <a:off x="428130" y="789552"/>
+            <a:ext cx="5512022" cy="0"/>
+          </a:xfrm>
+          <a:prstGeom prst="line">
+            <a:avLst/>
+          </a:prstGeom>
+          <a:ln w="28575">
+            <a:solidFill>
+              <a:schemeClr val="tx1">
+                <a:lumMod val="95000"/>
+                <a:lumOff val="5000"/>
+              </a:schemeClr>
+            </a:solidFill>
+          </a:ln>
+        </p:spPr>
+        <p:style>
+          <a:lnRef idx="1">
+            <a:schemeClr val="accent1"/>
+          </a:lnRef>
+          <a:fillRef idx="0">
+            <a:schemeClr val="accent1"/>
+          </a:fillRef>
+          <a:effectRef idx="0">
+            <a:schemeClr val="accent1"/>
+          </a:effectRef>
+          <a:fontRef idx="minor">
+            <a:schemeClr val="tx1"/>
+          </a:fontRef>
+        </p:style>
+      </p:cxnSp>
+      <p:sp>
+        <p:nvSpPr>
+          <p:cNvPr id="16" name="Título 1"/>
+          <p:cNvSpPr txBox="1">
+            <a:spLocks/>
+          </p:cNvSpPr>
+          <p:nvPr/>
+        </p:nvSpPr>
+        <p:spPr>
+          <a:xfrm>
+            <a:off x="323528" y="195487"/>
+            <a:ext cx="6587616" cy="252329"/>
+          </a:xfrm>
+          <a:prstGeom prst="rect">
+            <a:avLst/>
+          </a:prstGeom>
+        </p:spPr>
+        <p:txBody>
+          <a:bodyPr vert="horz" lIns="91440" tIns="45720" rIns="91440" bIns="45720" rtlCol="0" anchor="ctr">
+            <a:normAutofit/>
+          </a:bodyPr>
+          <a:lstStyle>
+            <a:lvl1pPr algn="ctr" defTabSz="914400" rtl="0" eaLnBrk="1" latinLnBrk="0" hangingPunct="1">
+              <a:spcBef>
+                <a:spcPct val="0"/>
+              </a:spcBef>
+              <a:buNone/>
+              <a:defRPr sz="4400" kern="1200">
+                <a:solidFill>
+                  <a:schemeClr val="tx1"/>
+                </a:solidFill>
+                <a:latin typeface="+mj-lt"/>
+                <a:ea typeface="+mj-ea"/>
+                <a:cs typeface="+mj-cs"/>
+              </a:defRPr>
+            </a:lvl1pPr>
+          </a:lstStyle>
+          <a:p>
+            <a:pPr algn="l"/>
+            <a:r>
+              <a:rPr lang="pt-PT" sz="1000" b="1" dirty="0">
+                <a:solidFill>
+                  <a:schemeClr val="tx1">
+                    <a:lumMod val="95000"/>
+                    <a:lumOff val="5000"/>
+                  </a:schemeClr>
+                </a:solidFill>
+                <a:latin typeface="+mn-lt"/>
+              </a:rPr>
+              <a:t>SARAMAGO . </a:t>
+            </a:r>
+            <a:r>
+              <a:rPr lang="pt-PT" sz="1000" dirty="0" err="1">
+                <a:solidFill>
+                  <a:schemeClr val="tx1">
+                    <a:lumMod val="95000"/>
+                    <a:lumOff val="5000"/>
+                  </a:schemeClr>
+                </a:solidFill>
+                <a:latin typeface="+mn-lt"/>
+              </a:rPr>
+              <a:t>Mockups</a:t>
+            </a:r>
+            <a:endParaRPr lang="pt-PT" sz="1000" dirty="0">
+              <a:solidFill>
+                <a:schemeClr val="tx1">
+                  <a:lumMod val="95000"/>
+                  <a:lumOff val="5000"/>
+                </a:schemeClr>
+              </a:solidFill>
+              <a:latin typeface="+mn-lt"/>
+            </a:endParaRPr>
+          </a:p>
+          <a:p>
+            <a:pPr algn="l"/>
+            <a:endParaRPr lang="pt-PT" sz="1000" b="1" dirty="0">
+              <a:solidFill>
+                <a:schemeClr val="tx1">
+                  <a:lumMod val="95000"/>
+                  <a:lumOff val="5000"/>
+                </a:schemeClr>
+              </a:solidFill>
+            </a:endParaRPr>
+          </a:p>
+        </p:txBody>
+      </p:sp>
+      <p:sp>
+        <p:nvSpPr>
+          <p:cNvPr id="12" name="Marcador de Posição da Data 4"/>
+          <p:cNvSpPr txBox="1">
+            <a:spLocks/>
+          </p:cNvSpPr>
+          <p:nvPr/>
+        </p:nvSpPr>
+        <p:spPr>
+          <a:xfrm>
+            <a:off x="350168" y="4840002"/>
+            <a:ext cx="2133600" cy="273844"/>
+          </a:xfrm>
+          <a:prstGeom prst="rect">
+            <a:avLst/>
+          </a:prstGeom>
+        </p:spPr>
+        <p:txBody>
+          <a:bodyPr vert="horz" lIns="91440" tIns="45720" rIns="91440" bIns="45720" rtlCol="0" anchor="ctr"/>
+          <a:lstStyle>
+            <a:defPPr>
+              <a:defRPr lang="pt-PT"/>
+            </a:defPPr>
+            <a:lvl1pPr marL="0" algn="l" defTabSz="914400" rtl="0" eaLnBrk="1" latinLnBrk="0" hangingPunct="1">
+              <a:defRPr sz="1200" kern="1200">
+                <a:solidFill>
+                  <a:schemeClr val="tx1">
+                    <a:tint val="75000"/>
+                  </a:schemeClr>
+                </a:solidFill>
+                <a:latin typeface="+mn-lt"/>
+                <a:ea typeface="+mn-ea"/>
+                <a:cs typeface="+mn-cs"/>
+              </a:defRPr>
+            </a:lvl1pPr>
+            <a:lvl2pPr marL="457200" algn="l" defTabSz="914400" rtl="0" eaLnBrk="1" latinLnBrk="0" hangingPunct="1">
+              <a:defRPr sz="1800" kern="1200">
+                <a:solidFill>
+                  <a:schemeClr val="tx1"/>
+                </a:solidFill>
+                <a:latin typeface="+mn-lt"/>
+                <a:ea typeface="+mn-ea"/>
+                <a:cs typeface="+mn-cs"/>
+              </a:defRPr>
+            </a:lvl2pPr>
+            <a:lvl3pPr marL="914400" algn="l" defTabSz="914400" rtl="0" eaLnBrk="1" latinLnBrk="0" hangingPunct="1">
+              <a:defRPr sz="1800" kern="1200">
+                <a:solidFill>
+                  <a:schemeClr val="tx1"/>
+                </a:solidFill>
+                <a:latin typeface="+mn-lt"/>
+                <a:ea typeface="+mn-ea"/>
+                <a:cs typeface="+mn-cs"/>
+              </a:defRPr>
+            </a:lvl3pPr>
+            <a:lvl4pPr marL="1371600" algn="l" defTabSz="914400" rtl="0" eaLnBrk="1" latinLnBrk="0" hangingPunct="1">
+              <a:defRPr sz="1800" kern="1200">
+                <a:solidFill>
+                  <a:schemeClr val="tx1"/>
+                </a:solidFill>
+                <a:latin typeface="+mn-lt"/>
+                <a:ea typeface="+mn-ea"/>
+                <a:cs typeface="+mn-cs"/>
+              </a:defRPr>
+            </a:lvl4pPr>
+            <a:lvl5pPr marL="1828800" algn="l" defTabSz="914400" rtl="0" eaLnBrk="1" latinLnBrk="0" hangingPunct="1">
+              <a:defRPr sz="1800" kern="1200">
+                <a:solidFill>
+                  <a:schemeClr val="tx1"/>
+                </a:solidFill>
+                <a:latin typeface="+mn-lt"/>
+                <a:ea typeface="+mn-ea"/>
+                <a:cs typeface="+mn-cs"/>
+              </a:defRPr>
+            </a:lvl5pPr>
+            <a:lvl6pPr marL="2286000" algn="l" defTabSz="914400" rtl="0" eaLnBrk="1" latinLnBrk="0" hangingPunct="1">
+              <a:defRPr sz="1800" kern="1200">
+                <a:solidFill>
+                  <a:schemeClr val="tx1"/>
+                </a:solidFill>
+                <a:latin typeface="+mn-lt"/>
+                <a:ea typeface="+mn-ea"/>
+                <a:cs typeface="+mn-cs"/>
+              </a:defRPr>
+            </a:lvl6pPr>
+            <a:lvl7pPr marL="2743200" algn="l" defTabSz="914400" rtl="0" eaLnBrk="1" latinLnBrk="0" hangingPunct="1">
+              <a:defRPr sz="1800" kern="1200">
+                <a:solidFill>
+                  <a:schemeClr val="tx1"/>
+                </a:solidFill>
+                <a:latin typeface="+mn-lt"/>
+                <a:ea typeface="+mn-ea"/>
+                <a:cs typeface="+mn-cs"/>
+              </a:defRPr>
+            </a:lvl7pPr>
+            <a:lvl8pPr marL="3200400" algn="l" defTabSz="914400" rtl="0" eaLnBrk="1" latinLnBrk="0" hangingPunct="1">
+              <a:defRPr sz="1800" kern="1200">
+                <a:solidFill>
+                  <a:schemeClr val="tx1"/>
+                </a:solidFill>
+                <a:latin typeface="+mn-lt"/>
+                <a:ea typeface="+mn-ea"/>
+                <a:cs typeface="+mn-cs"/>
+              </a:defRPr>
+            </a:lvl8pPr>
+            <a:lvl9pPr marL="3657600" algn="l" defTabSz="914400" rtl="0" eaLnBrk="1" latinLnBrk="0" hangingPunct="1">
+              <a:defRPr sz="1800" kern="1200">
+                <a:solidFill>
+                  <a:schemeClr val="tx1"/>
+                </a:solidFill>
+                <a:latin typeface="+mn-lt"/>
+                <a:ea typeface="+mn-ea"/>
+                <a:cs typeface="+mn-cs"/>
+              </a:defRPr>
+            </a:lvl9pPr>
+          </a:lstStyle>
+          <a:p>
+            <a:fld id="{C2DE1785-620F-4DE8-A7D0-6CC8413DFAC9}" type="datetime1">
+              <a:rPr lang="pt-PT" sz="800" b="1" smtClean="0"/>
+              <a:pPr/>
+              <a:t>06/11/20</a:t>
+            </a:fld>
+            <a:endParaRPr lang="pt-PT" sz="800" b="1" dirty="0"/>
+          </a:p>
+        </p:txBody>
+      </p:sp>
+      <p:sp>
+        <p:nvSpPr>
+          <p:cNvPr id="18" name="Marcador de Posição do Rodapé 6"/>
+          <p:cNvSpPr txBox="1">
+            <a:spLocks/>
+          </p:cNvSpPr>
+          <p:nvPr/>
+        </p:nvSpPr>
+        <p:spPr>
+          <a:xfrm>
+            <a:off x="3124200" y="4840002"/>
+            <a:ext cx="2895600" cy="273844"/>
+          </a:xfrm>
+          <a:prstGeom prst="rect">
+            <a:avLst/>
+          </a:prstGeom>
+        </p:spPr>
+        <p:txBody>
+          <a:bodyPr vert="horz" lIns="91440" tIns="45720" rIns="91440" bIns="45720" rtlCol="0" anchor="ctr"/>
+          <a:lstStyle>
+            <a:defPPr>
+              <a:defRPr lang="pt-PT"/>
+            </a:defPPr>
+            <a:lvl1pPr marL="0" algn="ctr" defTabSz="914400" rtl="0" eaLnBrk="1" latinLnBrk="0" hangingPunct="1">
+              <a:defRPr sz="1200" kern="1200">
+                <a:solidFill>
+                  <a:schemeClr val="tx1">
+                    <a:tint val="75000"/>
+                  </a:schemeClr>
+                </a:solidFill>
+                <a:latin typeface="+mn-lt"/>
+                <a:ea typeface="+mn-ea"/>
+                <a:cs typeface="+mn-cs"/>
+              </a:defRPr>
+            </a:lvl1pPr>
+            <a:lvl2pPr marL="457200" algn="l" defTabSz="914400" rtl="0" eaLnBrk="1" latinLnBrk="0" hangingPunct="1">
+              <a:defRPr sz="1800" kern="1200">
+                <a:solidFill>
+                  <a:schemeClr val="tx1"/>
+                </a:solidFill>
+                <a:latin typeface="+mn-lt"/>
+                <a:ea typeface="+mn-ea"/>
+                <a:cs typeface="+mn-cs"/>
+              </a:defRPr>
+            </a:lvl2pPr>
+            <a:lvl3pPr marL="914400" algn="l" defTabSz="914400" rtl="0" eaLnBrk="1" latinLnBrk="0" hangingPunct="1">
+              <a:defRPr sz="1800" kern="1200">
+                <a:solidFill>
+                  <a:schemeClr val="tx1"/>
+                </a:solidFill>
+                <a:latin typeface="+mn-lt"/>
+                <a:ea typeface="+mn-ea"/>
+                <a:cs typeface="+mn-cs"/>
+              </a:defRPr>
+            </a:lvl3pPr>
+            <a:lvl4pPr marL="1371600" algn="l" defTabSz="914400" rtl="0" eaLnBrk="1" latinLnBrk="0" hangingPunct="1">
+              <a:defRPr sz="1800" kern="1200">
+                <a:solidFill>
+                  <a:schemeClr val="tx1"/>
+                </a:solidFill>
+                <a:latin typeface="+mn-lt"/>
+                <a:ea typeface="+mn-ea"/>
+                <a:cs typeface="+mn-cs"/>
+              </a:defRPr>
+            </a:lvl4pPr>
+            <a:lvl5pPr marL="1828800" algn="l" defTabSz="914400" rtl="0" eaLnBrk="1" latinLnBrk="0" hangingPunct="1">
+              <a:defRPr sz="1800" kern="1200">
+                <a:solidFill>
+                  <a:schemeClr val="tx1"/>
+                </a:solidFill>
+                <a:latin typeface="+mn-lt"/>
+                <a:ea typeface="+mn-ea"/>
+                <a:cs typeface="+mn-cs"/>
+              </a:defRPr>
+            </a:lvl5pPr>
+            <a:lvl6pPr marL="2286000" algn="l" defTabSz="914400" rtl="0" eaLnBrk="1" latinLnBrk="0" hangingPunct="1">
+              <a:defRPr sz="1800" kern="1200">
+                <a:solidFill>
+                  <a:schemeClr val="tx1"/>
+                </a:solidFill>
+                <a:latin typeface="+mn-lt"/>
+                <a:ea typeface="+mn-ea"/>
+                <a:cs typeface="+mn-cs"/>
+              </a:defRPr>
+            </a:lvl6pPr>
+            <a:lvl7pPr marL="2743200" algn="l" defTabSz="914400" rtl="0" eaLnBrk="1" latinLnBrk="0" hangingPunct="1">
+              <a:defRPr sz="1800" kern="1200">
+                <a:solidFill>
+                  <a:schemeClr val="tx1"/>
+                </a:solidFill>
+                <a:latin typeface="+mn-lt"/>
+                <a:ea typeface="+mn-ea"/>
+                <a:cs typeface="+mn-cs"/>
+              </a:defRPr>
+            </a:lvl7pPr>
+            <a:lvl8pPr marL="3200400" algn="l" defTabSz="914400" rtl="0" eaLnBrk="1" latinLnBrk="0" hangingPunct="1">
+              <a:defRPr sz="1800" kern="1200">
+                <a:solidFill>
+                  <a:schemeClr val="tx1"/>
+                </a:solidFill>
+                <a:latin typeface="+mn-lt"/>
+                <a:ea typeface="+mn-ea"/>
+                <a:cs typeface="+mn-cs"/>
+              </a:defRPr>
+            </a:lvl8pPr>
+            <a:lvl9pPr marL="3657600" algn="l" defTabSz="914400" rtl="0" eaLnBrk="1" latinLnBrk="0" hangingPunct="1">
+              <a:defRPr sz="1800" kern="1200">
+                <a:solidFill>
+                  <a:schemeClr val="tx1"/>
+                </a:solidFill>
+                <a:latin typeface="+mn-lt"/>
+                <a:ea typeface="+mn-ea"/>
+                <a:cs typeface="+mn-cs"/>
+              </a:defRPr>
+            </a:lvl9pPr>
+          </a:lstStyle>
+          <a:p>
+            <a:r>
+              <a:rPr lang="pt-PT" sz="800" b="1"/>
+              <a:t>POLITÉCNICO DE LEIRIA</a:t>
+            </a:r>
+            <a:endParaRPr lang="pt-PT" sz="800" b="1" dirty="0"/>
+          </a:p>
+        </p:txBody>
+      </p:sp>
+      <p:grpSp>
+        <p:nvGrpSpPr>
+          <p:cNvPr id="2" name="Agrupar 1">
+            <a:extLst>
+              <a:ext uri="{FF2B5EF4-FFF2-40B4-BE49-F238E27FC236}">
+                <a16:creationId xmlns:a16="http://schemas.microsoft.com/office/drawing/2014/main" id="{E1B4C7C8-53E4-1A43-ADC7-9C029340869D}"/>
+              </a:ext>
+            </a:extLst>
+          </p:cNvPr>
+          <p:cNvGrpSpPr/>
+          <p:nvPr/>
+        </p:nvGrpSpPr>
+        <p:grpSpPr>
+          <a:xfrm>
+            <a:off x="1518321" y="1088489"/>
+            <a:ext cx="6107359" cy="3375124"/>
+            <a:chOff x="776165" y="1088489"/>
+            <a:chExt cx="6208107" cy="3430800"/>
+          </a:xfrm>
+        </p:grpSpPr>
+        <p:pic>
+          <p:nvPicPr>
+            <p:cNvPr id="10" name="Marcador de Posição de Conteúdo 5">
+              <a:extLst>
+                <a:ext uri="{FF2B5EF4-FFF2-40B4-BE49-F238E27FC236}">
+                  <a16:creationId xmlns:a16="http://schemas.microsoft.com/office/drawing/2014/main" id="{E8D5757A-8B70-5742-8C92-0DAE89A51CCF}"/>
+                </a:ext>
+              </a:extLst>
+            </p:cNvPr>
+            <p:cNvPicPr>
+              <a:picLocks noChangeAspect="1"/>
+            </p:cNvPicPr>
+            <p:nvPr/>
+          </p:nvPicPr>
+          <p:blipFill>
+            <a:blip r:embed="rId3"/>
+            <a:stretch>
+              <a:fillRect/>
+            </a:stretch>
+          </p:blipFill>
+          <p:spPr>
+            <a:xfrm>
+              <a:off x="776165" y="1088489"/>
+              <a:ext cx="1928945" cy="3430800"/>
+            </a:xfrm>
+            <a:prstGeom prst="rect">
+              <a:avLst/>
+            </a:prstGeom>
+            <a:ln w="6350">
+              <a:solidFill>
+                <a:schemeClr val="tx1"/>
+              </a:solidFill>
+            </a:ln>
+          </p:spPr>
+        </p:pic>
+        <p:pic>
+          <p:nvPicPr>
+            <p:cNvPr id="13" name="Imagem 12">
+              <a:extLst>
+                <a:ext uri="{FF2B5EF4-FFF2-40B4-BE49-F238E27FC236}">
+                  <a16:creationId xmlns:a16="http://schemas.microsoft.com/office/drawing/2014/main" id="{62160624-86FE-5A46-AE54-2AE675E957DF}"/>
+                </a:ext>
+              </a:extLst>
+            </p:cNvPr>
+            <p:cNvPicPr>
+              <a:picLocks noChangeAspect="1"/>
+            </p:cNvPicPr>
+            <p:nvPr/>
+          </p:nvPicPr>
+          <p:blipFill>
+            <a:blip r:embed="rId4"/>
+            <a:stretch>
+              <a:fillRect/>
+            </a:stretch>
+          </p:blipFill>
+          <p:spPr>
+            <a:xfrm>
+              <a:off x="2915746" y="1088489"/>
+              <a:ext cx="1928945" cy="3430800"/>
+            </a:xfrm>
+            <a:prstGeom prst="rect">
+              <a:avLst/>
+            </a:prstGeom>
+            <a:ln w="6350">
+              <a:solidFill>
+                <a:schemeClr val="tx1"/>
+              </a:solidFill>
+            </a:ln>
+          </p:spPr>
+        </p:pic>
+        <p:pic>
+          <p:nvPicPr>
+            <p:cNvPr id="14" name="Imagem 13">
+              <a:extLst>
+                <a:ext uri="{FF2B5EF4-FFF2-40B4-BE49-F238E27FC236}">
+                  <a16:creationId xmlns:a16="http://schemas.microsoft.com/office/drawing/2014/main" id="{03B8FEB2-6B23-9846-A370-43F00A73A154}"/>
+                </a:ext>
+              </a:extLst>
+            </p:cNvPr>
+            <p:cNvPicPr>
+              <a:picLocks noChangeAspect="1"/>
+            </p:cNvPicPr>
+            <p:nvPr/>
+          </p:nvPicPr>
+          <p:blipFill>
+            <a:blip r:embed="rId5"/>
+            <a:stretch>
+              <a:fillRect/>
+            </a:stretch>
+          </p:blipFill>
+          <p:spPr>
+            <a:xfrm>
+              <a:off x="5055327" y="1088489"/>
+              <a:ext cx="1928945" cy="3430800"/>
+            </a:xfrm>
+            <a:prstGeom prst="rect">
+              <a:avLst/>
+            </a:prstGeom>
+            <a:ln w="6350">
+              <a:solidFill>
+                <a:schemeClr val="tx1"/>
+              </a:solidFill>
+            </a:ln>
+          </p:spPr>
+        </p:pic>
+      </p:grpSp>
+      <p:sp>
+        <p:nvSpPr>
+          <p:cNvPr id="15" name="CaixaDeTexto 14">
+            <a:extLst>
+              <a:ext uri="{FF2B5EF4-FFF2-40B4-BE49-F238E27FC236}">
+                <a16:creationId xmlns:a16="http://schemas.microsoft.com/office/drawing/2014/main" id="{AADB4F98-43EB-E34C-9D8F-186AEA4CF5CE}"/>
+              </a:ext>
+            </a:extLst>
+          </p:cNvPr>
+          <p:cNvSpPr txBox="1"/>
+          <p:nvPr/>
+        </p:nvSpPr>
+        <p:spPr>
+          <a:xfrm>
+            <a:off x="3712313" y="4461552"/>
+            <a:ext cx="1808508" cy="292388"/>
+          </a:xfrm>
+          <a:prstGeom prst="rect">
+            <a:avLst/>
+          </a:prstGeom>
+          <a:noFill/>
+        </p:spPr>
+        <p:txBody>
+          <a:bodyPr wrap="none" rtlCol="0">
+            <a:spAutoFit/>
+          </a:bodyPr>
+          <a:lstStyle/>
+          <a:p>
+            <a:r>
+              <a:rPr lang="pt-PT" sz="1300" dirty="0"/>
+              <a:t>Listagem de exemplares</a:t>
+            </a:r>
+          </a:p>
+        </p:txBody>
+      </p:sp>
+    </p:spTree>
+    <p:extLst>
+      <p:ext uri="{BB962C8B-B14F-4D97-AF65-F5344CB8AC3E}">
+        <p14:creationId xmlns:p14="http://schemas.microsoft.com/office/powerpoint/2010/main" val="2270796730"/>
+      </p:ext>
+    </p:extLst>
+  </p:cSld>
+  <p:clrMapOvr>
+    <a:masterClrMapping/>
+  </p:clrMapOvr>
+  <mc:AlternateContent xmlns:mc="http://schemas.openxmlformats.org/markup-compatibility/2006">
+    <mc:Choice xmlns:p159="http://schemas.microsoft.com/office/powerpoint/2015/09/main" Requires="p159">
+      <p:transition xmlns:p14="http://schemas.microsoft.com/office/powerpoint/2010/main" spd="slow" p14:dur="2000">
+        <p159:morph option="byObject"/>
+      </p:transition>
+    </mc:Choice>
+    <mc:Fallback>
+      <p:transition spd="slow">
+        <p:fade/>
+      </p:transition>
+    </mc:Fallback>
+  </mc:AlternateContent>
+</p:sld>
+</file>
+
+<file path=ppt/slides/slide17.xml><?xml version="1.0" encoding="utf-8"?>
+<p:sld xmlns:a="http://schemas.openxmlformats.org/drawingml/2006/main" xmlns:r="http://schemas.openxmlformats.org/officeDocument/2006/relationships" xmlns:p="http://schemas.openxmlformats.org/presentationml/2006/main">
+  <p:cSld>
+    <p:spTree>
+      <p:nvGrpSpPr>
+        <p:cNvPr id="1" name=""/>
+        <p:cNvGrpSpPr/>
+        <p:nvPr/>
+      </p:nvGrpSpPr>
+      <p:grpSpPr>
+        <a:xfrm>
+          <a:off x="0" y="0"/>
+          <a:ext cx="0" cy="0"/>
+          <a:chOff x="0" y="0"/>
+          <a:chExt cx="0" cy="0"/>
+        </a:xfrm>
+      </p:grpSpPr>
+      <p:sp>
+        <p:nvSpPr>
+          <p:cNvPr id="17" name="Rectângulo 16"/>
+          <p:cNvSpPr/>
+          <p:nvPr/>
+        </p:nvSpPr>
+        <p:spPr>
+          <a:xfrm>
+            <a:off x="-6749" y="-23598"/>
+            <a:ext cx="9144000" cy="4840002"/>
+          </a:xfrm>
+          <a:prstGeom prst="rect">
+            <a:avLst/>
+          </a:prstGeom>
+          <a:solidFill>
+            <a:schemeClr val="bg1">
+              <a:lumMod val="95000"/>
+            </a:schemeClr>
+          </a:solidFill>
+          <a:ln>
+            <a:noFill/>
+          </a:ln>
+        </p:spPr>
+        <p:style>
+          <a:lnRef idx="2">
+            <a:schemeClr val="accent1">
+              <a:shade val="50000"/>
+            </a:schemeClr>
+          </a:lnRef>
+          <a:fillRef idx="1">
+            <a:schemeClr val="accent1"/>
+          </a:fillRef>
+          <a:effectRef idx="0">
+            <a:schemeClr val="accent1"/>
+          </a:effectRef>
+          <a:fontRef idx="minor">
+            <a:schemeClr val="lt1"/>
+          </a:fontRef>
+        </p:style>
+        <p:txBody>
+          <a:bodyPr rtlCol="0" anchor="ctr"/>
+          <a:lstStyle/>
+          <a:p>
+            <a:pPr algn="ctr"/>
+            <a:endParaRPr lang="pt-PT"/>
+          </a:p>
+        </p:txBody>
+      </p:sp>
+      <p:sp>
+        <p:nvSpPr>
+          <p:cNvPr id="9" name="Título 1"/>
+          <p:cNvSpPr txBox="1">
+            <a:spLocks/>
+          </p:cNvSpPr>
+          <p:nvPr/>
+        </p:nvSpPr>
+        <p:spPr>
+          <a:xfrm>
+            <a:off x="323528" y="357504"/>
+            <a:ext cx="6838528" cy="433871"/>
+          </a:xfrm>
+          <a:prstGeom prst="rect">
+            <a:avLst/>
+          </a:prstGeom>
+        </p:spPr>
+        <p:txBody>
+          <a:bodyPr vert="horz" lIns="91440" tIns="45720" rIns="91440" bIns="45720" rtlCol="0" anchor="ctr">
+            <a:normAutofit fontScale="85000" lnSpcReduction="20000"/>
+          </a:bodyPr>
+          <a:lstStyle>
+            <a:lvl1pPr algn="ctr" defTabSz="914400" rtl="0" eaLnBrk="1" latinLnBrk="0" hangingPunct="1">
+              <a:spcBef>
+                <a:spcPct val="0"/>
+              </a:spcBef>
+              <a:buNone/>
+              <a:defRPr sz="4400" kern="1200">
+                <a:solidFill>
+                  <a:schemeClr val="tx1"/>
+                </a:solidFill>
+                <a:latin typeface="+mj-lt"/>
+                <a:ea typeface="+mj-ea"/>
+                <a:cs typeface="+mj-cs"/>
+              </a:defRPr>
+            </a:lvl1pPr>
+          </a:lstStyle>
+          <a:p>
+            <a:pPr algn="l"/>
+            <a:r>
+              <a:rPr lang="pt-PT" sz="3200" b="1" dirty="0">
+                <a:solidFill>
+                  <a:schemeClr val="tx1">
+                    <a:lumMod val="95000"/>
+                    <a:lumOff val="5000"/>
+                  </a:schemeClr>
+                </a:solidFill>
+                <a:latin typeface="+mn-lt"/>
+              </a:rPr>
+              <a:t>Distribuição de tarefas</a:t>
+            </a:r>
+          </a:p>
+        </p:txBody>
+      </p:sp>
+      <p:cxnSp>
+        <p:nvCxnSpPr>
+          <p:cNvPr id="11" name="Conexão recta 10"/>
+          <p:cNvCxnSpPr/>
+          <p:nvPr/>
+        </p:nvCxnSpPr>
+        <p:spPr>
+          <a:xfrm>
+            <a:off x="428130" y="789552"/>
+            <a:ext cx="5512022" cy="0"/>
+          </a:xfrm>
+          <a:prstGeom prst="line">
+            <a:avLst/>
+          </a:prstGeom>
+          <a:ln w="28575">
+            <a:solidFill>
+              <a:schemeClr val="tx1">
+                <a:lumMod val="95000"/>
+                <a:lumOff val="5000"/>
+              </a:schemeClr>
+            </a:solidFill>
+          </a:ln>
+        </p:spPr>
+        <p:style>
+          <a:lnRef idx="1">
+            <a:schemeClr val="accent1"/>
+          </a:lnRef>
+          <a:fillRef idx="0">
+            <a:schemeClr val="accent1"/>
+          </a:fillRef>
+          <a:effectRef idx="0">
+            <a:schemeClr val="accent1"/>
+          </a:effectRef>
+          <a:fontRef idx="minor">
+            <a:schemeClr val="tx1"/>
+          </a:fontRef>
+        </p:style>
+      </p:cxnSp>
+      <p:sp>
+        <p:nvSpPr>
+          <p:cNvPr id="16" name="Título 1"/>
+          <p:cNvSpPr txBox="1">
+            <a:spLocks/>
+          </p:cNvSpPr>
+          <p:nvPr/>
+        </p:nvSpPr>
+        <p:spPr>
+          <a:xfrm>
+            <a:off x="323528" y="195487"/>
+            <a:ext cx="6587616" cy="252329"/>
+          </a:xfrm>
+          <a:prstGeom prst="rect">
+            <a:avLst/>
+          </a:prstGeom>
+        </p:spPr>
+        <p:txBody>
+          <a:bodyPr vert="horz" lIns="91440" tIns="45720" rIns="91440" bIns="45720" rtlCol="0" anchor="ctr">
+            <a:normAutofit/>
+          </a:bodyPr>
+          <a:lstStyle>
+            <a:lvl1pPr algn="ctr" defTabSz="914400" rtl="0" eaLnBrk="1" latinLnBrk="0" hangingPunct="1">
+              <a:spcBef>
+                <a:spcPct val="0"/>
+              </a:spcBef>
+              <a:buNone/>
+              <a:defRPr sz="4400" kern="1200">
+                <a:solidFill>
+                  <a:schemeClr val="tx1"/>
+                </a:solidFill>
+                <a:latin typeface="+mj-lt"/>
+                <a:ea typeface="+mj-ea"/>
+                <a:cs typeface="+mj-cs"/>
+              </a:defRPr>
+            </a:lvl1pPr>
+          </a:lstStyle>
+          <a:p>
+            <a:pPr algn="l"/>
+            <a:r>
+              <a:rPr lang="pt-PT" sz="1000" b="1" dirty="0">
+                <a:solidFill>
+                  <a:schemeClr val="tx1">
+                    <a:lumMod val="95000"/>
+                    <a:lumOff val="5000"/>
+                  </a:schemeClr>
+                </a:solidFill>
+                <a:latin typeface="+mn-lt"/>
+              </a:rPr>
+              <a:t>SARAMAGO</a:t>
+            </a:r>
+            <a:endParaRPr lang="pt-PT" sz="1000" dirty="0">
+              <a:solidFill>
+                <a:schemeClr val="tx1">
+                  <a:lumMod val="95000"/>
+                  <a:lumOff val="5000"/>
+                </a:schemeClr>
+              </a:solidFill>
+              <a:latin typeface="+mn-lt"/>
+            </a:endParaRPr>
+          </a:p>
+          <a:p>
+            <a:pPr algn="l"/>
+            <a:endParaRPr lang="pt-PT" sz="1000" b="1" dirty="0">
+              <a:solidFill>
+                <a:schemeClr val="tx1">
+                  <a:lumMod val="95000"/>
+                  <a:lumOff val="5000"/>
+                </a:schemeClr>
+              </a:solidFill>
+            </a:endParaRPr>
+          </a:p>
+        </p:txBody>
+      </p:sp>
+      <p:sp>
+        <p:nvSpPr>
+          <p:cNvPr id="12" name="Marcador de Posição da Data 4"/>
+          <p:cNvSpPr txBox="1">
+            <a:spLocks/>
+          </p:cNvSpPr>
+          <p:nvPr/>
+        </p:nvSpPr>
+        <p:spPr>
+          <a:xfrm>
+            <a:off x="350168" y="4840002"/>
+            <a:ext cx="2133600" cy="273844"/>
+          </a:xfrm>
+          <a:prstGeom prst="rect">
+            <a:avLst/>
+          </a:prstGeom>
+        </p:spPr>
+        <p:txBody>
+          <a:bodyPr vert="horz" lIns="91440" tIns="45720" rIns="91440" bIns="45720" rtlCol="0" anchor="ctr"/>
+          <a:lstStyle>
+            <a:defPPr>
+              <a:defRPr lang="pt-PT"/>
+            </a:defPPr>
+            <a:lvl1pPr marL="0" algn="l" defTabSz="914400" rtl="0" eaLnBrk="1" latinLnBrk="0" hangingPunct="1">
+              <a:defRPr sz="1200" kern="1200">
+                <a:solidFill>
+                  <a:schemeClr val="tx1">
+                    <a:tint val="75000"/>
+                  </a:schemeClr>
+                </a:solidFill>
+                <a:latin typeface="+mn-lt"/>
+                <a:ea typeface="+mn-ea"/>
+                <a:cs typeface="+mn-cs"/>
+              </a:defRPr>
+            </a:lvl1pPr>
+            <a:lvl2pPr marL="457200" algn="l" defTabSz="914400" rtl="0" eaLnBrk="1" latinLnBrk="0" hangingPunct="1">
+              <a:defRPr sz="1800" kern="1200">
+                <a:solidFill>
+                  <a:schemeClr val="tx1"/>
+                </a:solidFill>
+                <a:latin typeface="+mn-lt"/>
+                <a:ea typeface="+mn-ea"/>
+                <a:cs typeface="+mn-cs"/>
+              </a:defRPr>
+            </a:lvl2pPr>
+            <a:lvl3pPr marL="914400" algn="l" defTabSz="914400" rtl="0" eaLnBrk="1" latinLnBrk="0" hangingPunct="1">
+              <a:defRPr sz="1800" kern="1200">
+                <a:solidFill>
+                  <a:schemeClr val="tx1"/>
+                </a:solidFill>
+                <a:latin typeface="+mn-lt"/>
+                <a:ea typeface="+mn-ea"/>
+                <a:cs typeface="+mn-cs"/>
+              </a:defRPr>
+            </a:lvl3pPr>
+            <a:lvl4pPr marL="1371600" algn="l" defTabSz="914400" rtl="0" eaLnBrk="1" latinLnBrk="0" hangingPunct="1">
+              <a:defRPr sz="1800" kern="1200">
+                <a:solidFill>
+                  <a:schemeClr val="tx1"/>
+                </a:solidFill>
+                <a:latin typeface="+mn-lt"/>
+                <a:ea typeface="+mn-ea"/>
+                <a:cs typeface="+mn-cs"/>
+              </a:defRPr>
+            </a:lvl4pPr>
+            <a:lvl5pPr marL="1828800" algn="l" defTabSz="914400" rtl="0" eaLnBrk="1" latinLnBrk="0" hangingPunct="1">
+              <a:defRPr sz="1800" kern="1200">
+                <a:solidFill>
+                  <a:schemeClr val="tx1"/>
+                </a:solidFill>
+                <a:latin typeface="+mn-lt"/>
+                <a:ea typeface="+mn-ea"/>
+                <a:cs typeface="+mn-cs"/>
+              </a:defRPr>
+            </a:lvl5pPr>
+            <a:lvl6pPr marL="2286000" algn="l" defTabSz="914400" rtl="0" eaLnBrk="1" latinLnBrk="0" hangingPunct="1">
+              <a:defRPr sz="1800" kern="1200">
+                <a:solidFill>
+                  <a:schemeClr val="tx1"/>
+                </a:solidFill>
+                <a:latin typeface="+mn-lt"/>
+                <a:ea typeface="+mn-ea"/>
+                <a:cs typeface="+mn-cs"/>
+              </a:defRPr>
+            </a:lvl6pPr>
+            <a:lvl7pPr marL="2743200" algn="l" defTabSz="914400" rtl="0" eaLnBrk="1" latinLnBrk="0" hangingPunct="1">
+              <a:defRPr sz="1800" kern="1200">
+                <a:solidFill>
+                  <a:schemeClr val="tx1"/>
+                </a:solidFill>
+                <a:latin typeface="+mn-lt"/>
+                <a:ea typeface="+mn-ea"/>
+                <a:cs typeface="+mn-cs"/>
+              </a:defRPr>
+            </a:lvl7pPr>
+            <a:lvl8pPr marL="3200400" algn="l" defTabSz="914400" rtl="0" eaLnBrk="1" latinLnBrk="0" hangingPunct="1">
+              <a:defRPr sz="1800" kern="1200">
+                <a:solidFill>
+                  <a:schemeClr val="tx1"/>
+                </a:solidFill>
+                <a:latin typeface="+mn-lt"/>
+                <a:ea typeface="+mn-ea"/>
+                <a:cs typeface="+mn-cs"/>
+              </a:defRPr>
+            </a:lvl8pPr>
+            <a:lvl9pPr marL="3657600" algn="l" defTabSz="914400" rtl="0" eaLnBrk="1" latinLnBrk="0" hangingPunct="1">
+              <a:defRPr sz="1800" kern="1200">
+                <a:solidFill>
+                  <a:schemeClr val="tx1"/>
+                </a:solidFill>
+                <a:latin typeface="+mn-lt"/>
+                <a:ea typeface="+mn-ea"/>
+                <a:cs typeface="+mn-cs"/>
+              </a:defRPr>
+            </a:lvl9pPr>
+          </a:lstStyle>
+          <a:p>
+            <a:fld id="{C2DE1785-620F-4DE8-A7D0-6CC8413DFAC9}" type="datetime1">
+              <a:rPr lang="pt-PT" sz="800" b="1" smtClean="0"/>
+              <a:pPr/>
+              <a:t>06/11/20</a:t>
             </a:fld>
             <a:endParaRPr lang="pt-PT" sz="800" b="1" dirty="0"/>
           </a:p>
@@ -8563,20 +14642,20 @@
           <p:nvPr>
             <p:extLst>
               <p:ext uri="{D42A27DB-BD31-4B8C-83A1-F6EECF244321}">
-                <p14:modId xmlns:p14="http://schemas.microsoft.com/office/powerpoint/2010/main" val="724632016"/>
+                <p14:modId xmlns:p14="http://schemas.microsoft.com/office/powerpoint/2010/main" val="1753077987"/>
               </p:ext>
             </p:extLst>
           </p:nvPr>
         </p:nvGraphicFramePr>
         <p:xfrm>
-          <a:off x="6306272" y="686966"/>
-          <a:ext cx="1175792" cy="4023360"/>
+          <a:off x="6345876" y="983631"/>
+          <a:ext cx="1175792" cy="3736807"/>
         </p:xfrm>
         <a:graphic>
           <a:graphicData uri="http://schemas.openxmlformats.org/drawingml/2006/table">
             <a:tbl>
               <a:tblPr firstRow="1" bandRow="1">
-                <a:tableStyleId>{5C22544A-7EE6-4342-B048-85BDC9FD1C3A}</a:tableStyleId>
+                <a:tableStyleId>{5940675A-B579-460E-94D1-54222C63F5DA}</a:tableStyleId>
               </a:tblPr>
               <a:tblGrid>
                 <a:gridCol w="1175792">
@@ -8587,19 +14666,27 @@
                   </a:extLst>
                 </a:gridCol>
               </a:tblGrid>
-              <a:tr h="293297">
+              <a:tr h="0">
                 <a:tc>
                   <a:txBody>
                     <a:bodyPr/>
                     <a:lstStyle/>
                     <a:p>
                       <a:r>
-                        <a:rPr lang="pt-PT" dirty="0"/>
-                        <a:t>DT Final</a:t>
+                        <a:rPr lang="pt-PT" sz="1050" dirty="0">
+                          <a:solidFill>
+                            <a:schemeClr val="bg1"/>
+                          </a:solidFill>
+                        </a:rPr>
+                        <a:t>Data Final</a:t>
                       </a:r>
                     </a:p>
                   </a:txBody>
-                  <a:tcPr/>
+                  <a:tcPr>
+                    <a:solidFill>
+                      <a:srgbClr val="7030A0"/>
+                    </a:solidFill>
+                  </a:tcPr>
                 </a:tc>
                 <a:extLst>
                   <a:ext uri="{0D108BD9-81ED-4DB2-BD59-A6C34878D82A}">
@@ -8614,7 +14701,7 @@
                     <a:lstStyle/>
                     <a:p>
                       <a:r>
-                        <a:rPr lang="pt-PT" sz="1400" dirty="0"/>
+                        <a:rPr lang="pt-PT" sz="1100" dirty="0"/>
                         <a:t>06/11</a:t>
                       </a:r>
                     </a:p>
@@ -8634,7 +14721,7 @@
                     <a:lstStyle/>
                     <a:p>
                       <a:r>
-                        <a:rPr kumimoji="0" lang="pt-PT" sz="1400" b="0" i="0" u="none" strike="noStrike" kern="1200" cap="none" spc="0" normalizeH="0" baseline="0" noProof="0" dirty="0">
+                        <a:rPr kumimoji="0" lang="pt-PT" sz="1100" b="0" u="none" strike="noStrike" kern="1200" cap="none" spc="0" normalizeH="0" baseline="0" noProof="0" dirty="0">
                           <a:ln>
                             <a:noFill/>
                           </a:ln>
@@ -8644,13 +14731,10 @@
                           <a:effectLst/>
                           <a:uLnTx/>
                           <a:uFillTx/>
-                          <a:latin typeface="+mn-lt"/>
-                          <a:ea typeface="+mn-ea"/>
-                          <a:cs typeface="+mn-cs"/>
                         </a:rPr>
                         <a:t>13/11</a:t>
                       </a:r>
-                      <a:endParaRPr lang="pt-PT" dirty="0"/>
+                      <a:endParaRPr lang="pt-PT" sz="1100" dirty="0"/>
                     </a:p>
                   </a:txBody>
                   <a:tcPr/>
@@ -8668,7 +14752,7 @@
                     <a:lstStyle/>
                     <a:p>
                       <a:r>
-                        <a:rPr lang="pt-PT" sz="1400" dirty="0"/>
+                        <a:rPr lang="pt-PT" sz="1100" dirty="0"/>
                         <a:t>18/11</a:t>
                       </a:r>
                     </a:p>
@@ -8688,7 +14772,7 @@
                     <a:lstStyle/>
                     <a:p>
                       <a:r>
-                        <a:rPr lang="pt-PT" sz="1400" dirty="0"/>
+                        <a:rPr lang="pt-PT" sz="1100" dirty="0"/>
                         <a:t>18/11</a:t>
                       </a:r>
                     </a:p>
@@ -8701,14 +14785,14 @@
                   </a:ext>
                 </a:extLst>
               </a:tr>
-              <a:tr h="293297">
+              <a:tr h="249972">
                 <a:tc>
                   <a:txBody>
                     <a:bodyPr/>
                     <a:lstStyle/>
                     <a:p>
                       <a:r>
-                        <a:rPr lang="pt-PT" sz="1400" dirty="0"/>
+                        <a:rPr lang="pt-PT" sz="1100" dirty="0"/>
                         <a:t>18/11</a:t>
                       </a:r>
                     </a:p>
@@ -8728,7 +14812,7 @@
                     <a:lstStyle/>
                     <a:p>
                       <a:r>
-                        <a:rPr lang="pt-PT" sz="1400" dirty="0"/>
+                        <a:rPr lang="pt-PT" sz="1100" dirty="0"/>
                         <a:t>23/11</a:t>
                       </a:r>
                     </a:p>
@@ -8748,7 +14832,7 @@
                     <a:lstStyle/>
                     <a:p>
                       <a:r>
-                        <a:rPr lang="pt-PT" sz="1400" dirty="0"/>
+                        <a:rPr lang="pt-PT" sz="1100" dirty="0"/>
                         <a:t>28/11</a:t>
                       </a:r>
                     </a:p>
@@ -8768,7 +14852,7 @@
                     <a:lstStyle/>
                     <a:p>
                       <a:r>
-                        <a:rPr lang="pt-PT" sz="1400" dirty="0"/>
+                        <a:rPr lang="pt-PT" sz="1100" dirty="0"/>
                         <a:t>30/11</a:t>
                       </a:r>
                     </a:p>
@@ -8788,7 +14872,7 @@
                     <a:lstStyle/>
                     <a:p>
                       <a:r>
-                        <a:rPr lang="pt-PT" sz="1400" dirty="0"/>
+                        <a:rPr lang="pt-PT" sz="1100" dirty="0"/>
                         <a:t>01/12</a:t>
                       </a:r>
                     </a:p>
@@ -8808,7 +14892,7 @@
                     <a:lstStyle/>
                     <a:p>
                       <a:r>
-                        <a:rPr lang="pt-PT" sz="1400" dirty="0"/>
+                        <a:rPr lang="pt-PT" sz="1100" dirty="0"/>
                         <a:t>05/12</a:t>
                       </a:r>
                     </a:p>
@@ -8828,7 +14912,7 @@
                     <a:lstStyle/>
                     <a:p>
                       <a:r>
-                        <a:rPr lang="pt-PT" sz="1400" dirty="0"/>
+                        <a:rPr lang="pt-PT" sz="1100" dirty="0"/>
                         <a:t>06/12</a:t>
                       </a:r>
                     </a:p>
@@ -8848,7 +14932,7 @@
                     <a:lstStyle/>
                     <a:p>
                       <a:r>
-                        <a:rPr lang="pt-PT" sz="1400" dirty="0"/>
+                        <a:rPr lang="pt-PT" sz="1100" dirty="0"/>
                         <a:t>08/12</a:t>
                       </a:r>
                     </a:p>
@@ -8875,10 +14959,22 @@
   <p:clrMapOvr>
     <a:masterClrMapping/>
   </p:clrMapOvr>
+  <mc:AlternateContent xmlns:mc="http://schemas.openxmlformats.org/markup-compatibility/2006">
+    <mc:Choice xmlns:p159="http://schemas.microsoft.com/office/powerpoint/2015/09/main" Requires="p159">
+      <p:transition xmlns:p14="http://schemas.microsoft.com/office/powerpoint/2010/main" spd="slow" p14:dur="2000">
+        <p159:morph option="byObject"/>
+      </p:transition>
+    </mc:Choice>
+    <mc:Fallback>
+      <p:transition spd="slow">
+        <p:fade/>
+      </p:transition>
+    </mc:Fallback>
+  </mc:AlternateContent>
 </p:sld>
 </file>
 
-<file path=ppt/slides/slide11.xml><?xml version="1.0" encoding="utf-8"?>
+<file path=ppt/slides/slide18.xml><?xml version="1.0" encoding="utf-8"?>
 <p:sld xmlns:a="http://schemas.openxmlformats.org/drawingml/2006/main" xmlns:r="http://schemas.openxmlformats.org/officeDocument/2006/relationships" xmlns:p="http://schemas.openxmlformats.org/presentationml/2006/main">
   <p:cSld>
     <p:spTree>
@@ -9229,7 +15325,7 @@
             <a:fld id="{C2DE1785-620F-4DE8-A7D0-6CC8413DFAC9}" type="datetime1">
               <a:rPr lang="pt-PT" sz="800" b="1" smtClean="0"/>
               <a:pPr/>
-              <a:t>06/11/2020</a:t>
+              <a:t>06/11/20</a:t>
             </a:fld>
             <a:endParaRPr lang="pt-PT" sz="800" b="1" dirty="0"/>
           </a:p>
@@ -9375,20 +15471,20 @@
           <p:nvPr>
             <p:extLst>
               <p:ext uri="{D42A27DB-BD31-4B8C-83A1-F6EECF244321}">
-                <p14:modId xmlns:p14="http://schemas.microsoft.com/office/powerpoint/2010/main" val="1048655853"/>
+                <p14:modId xmlns:p14="http://schemas.microsoft.com/office/powerpoint/2010/main" val="2421015096"/>
               </p:ext>
             </p:extLst>
           </p:nvPr>
         </p:nvGraphicFramePr>
         <p:xfrm>
-          <a:off x="6323248" y="511842"/>
-          <a:ext cx="1175792" cy="4328160"/>
+          <a:off x="6323248" y="997566"/>
+          <a:ext cx="1175792" cy="3798847"/>
         </p:xfrm>
         <a:graphic>
           <a:graphicData uri="http://schemas.openxmlformats.org/drawingml/2006/table">
             <a:tbl>
               <a:tblPr firstRow="1" bandRow="1">
-                <a:tableStyleId>{5C22544A-7EE6-4342-B048-85BDC9FD1C3A}</a:tableStyleId>
+                <a:tableStyleId>{5940675A-B579-460E-94D1-54222C63F5DA}</a:tableStyleId>
               </a:tblPr>
               <a:tblGrid>
                 <a:gridCol w="1175792">
@@ -9399,26 +15495,6 @@
                   </a:extLst>
                 </a:gridCol>
               </a:tblGrid>
-              <a:tr h="350662">
-                <a:tc>
-                  <a:txBody>
-                    <a:bodyPr/>
-                    <a:lstStyle/>
-                    <a:p>
-                      <a:r>
-                        <a:rPr lang="pt-PT" dirty="0"/>
-                        <a:t>DT Final</a:t>
-                      </a:r>
-                    </a:p>
-                  </a:txBody>
-                  <a:tcPr/>
-                </a:tc>
-                <a:extLst>
-                  <a:ext uri="{0D108BD9-81ED-4DB2-BD59-A6C34878D82A}">
-                    <a16:rowId xmlns:a16="http://schemas.microsoft.com/office/drawing/2014/main" val="255571365"/>
-                  </a:ext>
-                </a:extLst>
-              </a:tr>
               <a:tr h="292219">
                 <a:tc>
                   <a:txBody>
@@ -9426,7 +15502,7 @@
                     <a:lstStyle/>
                     <a:p>
                       <a:r>
-                        <a:rPr lang="pt-PT" sz="1400" dirty="0"/>
+                        <a:rPr lang="pt-PT" sz="1100" dirty="0"/>
                         <a:t>20/12</a:t>
                       </a:r>
                     </a:p>
@@ -9446,7 +15522,7 @@
                     <a:lstStyle/>
                     <a:p>
                       <a:r>
-                        <a:rPr lang="pt-PT" sz="1400" dirty="0"/>
+                        <a:rPr lang="pt-PT" sz="1100" dirty="0"/>
                         <a:t>20/12</a:t>
                       </a:r>
                     </a:p>
@@ -9466,7 +15542,7 @@
                     <a:lstStyle/>
                     <a:p>
                       <a:r>
-                        <a:rPr lang="pt-PT" sz="1400" dirty="0"/>
+                        <a:rPr lang="pt-PT" sz="1100" dirty="0"/>
                         <a:t>21/12</a:t>
                       </a:r>
                     </a:p>
@@ -9486,7 +15562,7 @@
                     <a:lstStyle/>
                     <a:p>
                       <a:r>
-                        <a:rPr lang="pt-PT" sz="1400" dirty="0"/>
+                        <a:rPr lang="pt-PT" sz="1100" dirty="0"/>
                         <a:t>22/12</a:t>
                       </a:r>
                     </a:p>
@@ -9506,7 +15582,7 @@
                     <a:lstStyle/>
                     <a:p>
                       <a:r>
-                        <a:rPr lang="pt-PT" sz="1400" dirty="0"/>
+                        <a:rPr lang="pt-PT" sz="1100" dirty="0"/>
                         <a:t>23/12</a:t>
                       </a:r>
                     </a:p>
@@ -9526,7 +15602,7 @@
                     <a:lstStyle/>
                     <a:p>
                       <a:r>
-                        <a:rPr lang="pt-PT" sz="1400" dirty="0"/>
+                        <a:rPr lang="pt-PT" sz="1100" dirty="0"/>
                         <a:t>30/12</a:t>
                       </a:r>
                     </a:p>
@@ -9546,7 +15622,7 @@
                     <a:lstStyle/>
                     <a:p>
                       <a:r>
-                        <a:rPr lang="pt-PT" sz="1400" dirty="0"/>
+                        <a:rPr lang="pt-PT" sz="1100" dirty="0"/>
                         <a:t>03/01</a:t>
                       </a:r>
                     </a:p>
@@ -9566,7 +15642,7 @@
                     <a:lstStyle/>
                     <a:p>
                       <a:r>
-                        <a:rPr lang="pt-PT" sz="1400" dirty="0"/>
+                        <a:rPr lang="pt-PT" sz="1100" dirty="0"/>
                         <a:t>03/01</a:t>
                       </a:r>
                     </a:p>
@@ -9586,7 +15662,7 @@
                     <a:lstStyle/>
                     <a:p>
                       <a:r>
-                        <a:rPr lang="pt-PT" sz="1400" dirty="0"/>
+                        <a:rPr lang="pt-PT" sz="1100" dirty="0"/>
                         <a:t>03/01</a:t>
                       </a:r>
                     </a:p>
@@ -9606,7 +15682,7 @@
                     <a:lstStyle/>
                     <a:p>
                       <a:r>
-                        <a:rPr lang="pt-PT" sz="1400" dirty="0"/>
+                        <a:rPr lang="pt-PT" sz="1100" dirty="0"/>
                         <a:t>04/01</a:t>
                       </a:r>
                     </a:p>
@@ -9626,7 +15702,7 @@
                     <a:lstStyle/>
                     <a:p>
                       <a:r>
-                        <a:rPr lang="pt-PT" sz="1400" dirty="0"/>
+                        <a:rPr lang="pt-PT" sz="1100" dirty="0"/>
                         <a:t>04/01</a:t>
                       </a:r>
                     </a:p>
@@ -9646,7 +15722,7 @@
                     <a:lstStyle/>
                     <a:p>
                       <a:r>
-                        <a:rPr lang="pt-PT" sz="1400" dirty="0"/>
+                        <a:rPr lang="pt-PT" sz="1100" dirty="0"/>
                         <a:t>09/01</a:t>
                       </a:r>
                     </a:p>
@@ -9666,7 +15742,7 @@
                     <a:lstStyle/>
                     <a:p>
                       <a:r>
-                        <a:rPr lang="pt-PT" sz="1400" dirty="0"/>
+                        <a:rPr lang="pt-PT" sz="1100" dirty="0"/>
                         <a:t>14/01</a:t>
                       </a:r>
                     </a:p>
@@ -9723,10 +15799,22 @@
   <p:clrMapOvr>
     <a:masterClrMapping/>
   </p:clrMapOvr>
+  <mc:AlternateContent xmlns:mc="http://schemas.openxmlformats.org/markup-compatibility/2006">
+    <mc:Choice xmlns:p159="http://schemas.microsoft.com/office/powerpoint/2015/09/main" Requires="p159">
+      <p:transition xmlns:p14="http://schemas.microsoft.com/office/powerpoint/2010/main" spd="slow" p14:dur="2000">
+        <p159:morph option="byObject"/>
+      </p:transition>
+    </mc:Choice>
+    <mc:Fallback>
+      <p:transition spd="slow">
+        <p:fade/>
+      </p:transition>
+    </mc:Fallback>
+  </mc:AlternateContent>
 </p:sld>
 </file>
 
-<file path=ppt/slides/slide2.xml><?xml version="1.0" encoding="utf-8"?>
+<file path=ppt/slides/slide19.xml><?xml version="1.0" encoding="utf-8"?>
 <p:sld xmlns:a="http://schemas.openxmlformats.org/drawingml/2006/main" xmlns:r="http://schemas.openxmlformats.org/officeDocument/2006/relationships" xmlns:p="http://schemas.openxmlformats.org/presentationml/2006/main">
   <p:cSld>
     <p:spTree>
@@ -9751,7 +15839,7 @@
         </p:nvSpPr>
         <p:spPr>
           <a:xfrm>
-            <a:off x="-6749" y="-23598"/>
+            <a:off x="0" y="0"/>
             <a:ext cx="9144000" cy="4840002"/>
           </a:xfrm>
           <a:prstGeom prst="rect">
@@ -9840,7 +15928,7 @@
                 </a:solidFill>
                 <a:latin typeface="+mn-lt"/>
               </a:rPr>
-              <a:t>Introdução</a:t>
+              <a:t>Sobre</a:t>
             </a:r>
           </a:p>
         </p:txBody>
@@ -9966,7 +16054,7 @@
         <p:spPr>
           <a:xfrm>
             <a:off x="428131" y="1113588"/>
-            <a:ext cx="5512022" cy="2862322"/>
+            <a:ext cx="5512022" cy="3616375"/>
           </a:xfrm>
           <a:prstGeom prst="rect">
             <a:avLst/>
@@ -9979,7 +16067,7 @@
           </a:bodyPr>
           <a:lstStyle/>
           <a:p>
-            <a:pPr marL="285750" indent="-285750">
+            <a:pPr>
               <a:lnSpc>
                 <a:spcPct val="150000"/>
               </a:lnSpc>
@@ -9990,177 +16078,14 @@
                 </a:schemeClr>
               </a:buClr>
               <a:buSzPct val="84000"/>
-              <a:buFont typeface="Calibri" pitchFamily="34" charset="0"/>
-              <a:buChar char="•"/>
             </a:pPr>
             <a:r>
-              <a:rPr lang="pt-PT" dirty="0">
-                <a:solidFill>
-                  <a:schemeClr val="tx1">
-                    <a:lumMod val="95000"/>
-                    <a:lumOff val="5000"/>
-                  </a:schemeClr>
-                </a:solidFill>
-              </a:rPr>
-              <a:t>As bibliotecas académicas têm por objetivo divulgar e permitir o livre acesso à </a:t>
-            </a:r>
-            <a:r>
-              <a:rPr lang="pt-PT" dirty="0" err="1">
-                <a:solidFill>
-                  <a:schemeClr val="tx1">
-                    <a:lumMod val="95000"/>
-                    <a:lumOff val="5000"/>
-                  </a:schemeClr>
-                </a:solidFill>
-              </a:rPr>
-              <a:t>produção</a:t>
-            </a:r>
-            <a:r>
-              <a:rPr lang="pt-PT" dirty="0">
-                <a:solidFill>
-                  <a:schemeClr val="tx1">
-                    <a:lumMod val="95000"/>
-                    <a:lumOff val="5000"/>
-                  </a:schemeClr>
-                </a:solidFill>
-              </a:rPr>
-              <a:t> </a:t>
-            </a:r>
-            <a:r>
-              <a:rPr lang="pt-PT" dirty="0" err="1">
-                <a:solidFill>
-                  <a:schemeClr val="tx1">
-                    <a:lumMod val="95000"/>
-                    <a:lumOff val="5000"/>
-                  </a:schemeClr>
-                </a:solidFill>
-              </a:rPr>
-              <a:t>científica</a:t>
-            </a:r>
-            <a:r>
-              <a:rPr lang="pt-PT" dirty="0">
-                <a:solidFill>
-                  <a:schemeClr val="tx1">
-                    <a:lumMod val="95000"/>
-                    <a:lumOff val="5000"/>
-                  </a:schemeClr>
-                </a:solidFill>
-              </a:rPr>
-              <a:t> criada pela comunidade </a:t>
-            </a:r>
-            <a:r>
-              <a:rPr lang="pt-PT" dirty="0" err="1">
-                <a:solidFill>
-                  <a:schemeClr val="tx1">
-                    <a:lumMod val="95000"/>
-                    <a:lumOff val="5000"/>
-                  </a:schemeClr>
-                </a:solidFill>
-              </a:rPr>
-              <a:t>académica</a:t>
-            </a:r>
-            <a:r>
-              <a:rPr lang="pt-PT" dirty="0">
-                <a:solidFill>
-                  <a:schemeClr val="tx1">
-                    <a:lumMod val="95000"/>
-                    <a:lumOff val="5000"/>
-                  </a:schemeClr>
-                </a:solidFill>
-              </a:rPr>
-              <a:t>, promovendo a </a:t>
-            </a:r>
-            <a:r>
-              <a:rPr lang="pt-PT" dirty="0" err="1">
-                <a:solidFill>
-                  <a:schemeClr val="tx1">
-                    <a:lumMod val="95000"/>
-                    <a:lumOff val="5000"/>
-                  </a:schemeClr>
-                </a:solidFill>
-              </a:rPr>
-              <a:t>integração</a:t>
-            </a:r>
-            <a:r>
-              <a:rPr lang="pt-PT" dirty="0">
-                <a:solidFill>
-                  <a:schemeClr val="tx1">
-                    <a:lumMod val="95000"/>
-                    <a:lumOff val="5000"/>
-                  </a:schemeClr>
-                </a:solidFill>
-              </a:rPr>
-              <a:t>, partilha e a visibilidade da </a:t>
-            </a:r>
-            <a:r>
-              <a:rPr lang="pt-PT" dirty="0" err="1">
-                <a:solidFill>
-                  <a:schemeClr val="tx1">
-                    <a:lumMod val="95000"/>
-                    <a:lumOff val="5000"/>
-                  </a:schemeClr>
-                </a:solidFill>
-              </a:rPr>
-              <a:t>informação</a:t>
-            </a:r>
-            <a:r>
-              <a:rPr lang="pt-PT" dirty="0">
-                <a:solidFill>
-                  <a:schemeClr val="tx1">
-                    <a:lumMod val="95000"/>
-                    <a:lumOff val="5000"/>
-                  </a:schemeClr>
-                </a:solidFill>
-              </a:rPr>
-              <a:t> e garantindo a </a:t>
-            </a:r>
-            <a:r>
-              <a:rPr lang="pt-PT" dirty="0" err="1">
-                <a:solidFill>
-                  <a:schemeClr val="tx1">
-                    <a:lumMod val="95000"/>
-                    <a:lumOff val="5000"/>
-                  </a:schemeClr>
-                </a:solidFill>
-              </a:rPr>
-              <a:t>preservação</a:t>
-            </a:r>
-            <a:r>
-              <a:rPr lang="pt-PT" dirty="0">
-                <a:solidFill>
-                  <a:schemeClr val="tx1">
-                    <a:lumMod val="95000"/>
-                    <a:lumOff val="5000"/>
-                  </a:schemeClr>
-                </a:solidFill>
-              </a:rPr>
-              <a:t> da sua </a:t>
-            </a:r>
-            <a:r>
-              <a:rPr lang="pt-PT" dirty="0" err="1">
-                <a:solidFill>
-                  <a:schemeClr val="tx1">
-                    <a:lumMod val="95000"/>
-                    <a:lumOff val="5000"/>
-                  </a:schemeClr>
-                </a:solidFill>
-              </a:rPr>
-              <a:t>memória</a:t>
-            </a:r>
-            <a:r>
-              <a:rPr lang="pt-PT" dirty="0">
-                <a:solidFill>
-                  <a:schemeClr val="tx1">
-                    <a:lumMod val="95000"/>
-                    <a:lumOff val="5000"/>
-                  </a:schemeClr>
-                </a:solidFill>
-              </a:rPr>
-              <a:t> intelectual. </a:t>
-            </a:r>
-          </a:p>
-          <a:p>
-            <a:pPr marL="285750" indent="-285750">
+              <a:rPr lang="pt-PT" sz="1600" dirty="0"/>
+              <a:t>SARAMAGO - Sistema de Gestão de Bibliotecas Académicas</a:t>
+            </a:r>
+          </a:p>
+          <a:p>
+            <a:pPr>
               <a:lnSpc>
                 <a:spcPct val="150000"/>
               </a:lnSpc>
@@ -10171,8 +16096,70 @@
                 </a:schemeClr>
               </a:buClr>
               <a:buSzPct val="84000"/>
-              <a:buFont typeface="Calibri" pitchFamily="34" charset="0"/>
-              <a:buChar char="•"/>
+            </a:pPr>
+            <a:br>
+              <a:rPr lang="pt-PT" sz="1600" dirty="0"/>
+            </a:br>
+            <a:r>
+              <a:rPr lang="pt-PT" sz="1600" dirty="0"/>
+              <a:t>Criado por:</a:t>
+            </a:r>
+          </a:p>
+          <a:p>
+            <a:pPr>
+              <a:lnSpc>
+                <a:spcPct val="150000"/>
+              </a:lnSpc>
+              <a:buClr>
+                <a:schemeClr val="tx1">
+                  <a:lumMod val="95000"/>
+                  <a:lumOff val="5000"/>
+                </a:schemeClr>
+              </a:buClr>
+              <a:buSzPct val="84000"/>
+            </a:pPr>
+            <a:r>
+              <a:rPr lang="pt-PT" sz="1600" dirty="0"/>
+              <a:t>2180622 – André Machado </a:t>
+            </a:r>
+          </a:p>
+          <a:p>
+            <a:pPr>
+              <a:lnSpc>
+                <a:spcPct val="150000"/>
+              </a:lnSpc>
+              <a:buClr>
+                <a:schemeClr val="tx1">
+                  <a:lumMod val="95000"/>
+                  <a:lumOff val="5000"/>
+                </a:schemeClr>
+              </a:buClr>
+              <a:buSzPct val="84000"/>
+            </a:pPr>
+            <a:r>
+              <a:rPr lang="pt-PT" sz="1600" dirty="0">
+                <a:solidFill>
+                  <a:schemeClr val="tx1">
+                    <a:lumMod val="95000"/>
+                    <a:lumOff val="5000"/>
+                  </a:schemeClr>
+                </a:solidFill>
+              </a:rPr>
+              <a:t>2180659 – Gonçalo Rocha</a:t>
+            </a:r>
+          </a:p>
+          <a:p>
+            <a:pPr>
+              <a:lnSpc>
+                <a:spcPct val="150000"/>
+              </a:lnSpc>
+              <a:buClr>
+                <a:schemeClr val="tx1">
+                  <a:lumMod val="95000"/>
+                  <a:lumOff val="5000"/>
+                </a:schemeClr>
+              </a:buClr>
+              <a:buSzPct val="84000"/>
             </a:pPr>
             <a:endParaRPr lang="pt-PT" dirty="0">
               <a:solidFill>
@@ -10184,7 +16171,40 @@
             </a:endParaRPr>
           </a:p>
           <a:p>
-            <a:endParaRPr lang="pt-PT" dirty="0"/>
+            <a:r>
+              <a:rPr lang="pt-PT" sz="1500" dirty="0"/>
+              <a:t>Projeto Final</a:t>
+            </a:r>
+          </a:p>
+          <a:p>
+            <a:r>
+              <a:rPr lang="pt-PT" sz="1500" dirty="0"/>
+              <a:t>Acesso Móvel a Sistemas de Informação (AMSI) </a:t>
+            </a:r>
+          </a:p>
+          <a:p>
+            <a:endParaRPr lang="pt-PT" sz="1500" b="1" dirty="0"/>
+          </a:p>
+          <a:p>
+            <a:r>
+              <a:rPr lang="pt-PT" sz="1500" b="1" dirty="0" err="1"/>
+              <a:t>TeSP</a:t>
+            </a:r>
+            <a:r>
+              <a:rPr lang="pt-PT" sz="1500" b="1" dirty="0"/>
+              <a:t> Programação de Sistemas de Informação (PSI) 2020/2021</a:t>
+            </a:r>
+          </a:p>
+          <a:p>
+            <a:r>
+              <a:rPr lang="pt-PT" sz="1500" b="1" dirty="0"/>
+              <a:t>© Escola Superior de Tecnologia e Gestão - </a:t>
+            </a:r>
+            <a:r>
+              <a:rPr lang="pt-PT" sz="1500" b="1" dirty="0" err="1"/>
+              <a:t>IPLeiria</a:t>
+            </a:r>
+            <a:endParaRPr lang="pt-PT" sz="1500" b="1" dirty="0"/>
           </a:p>
         </p:txBody>
       </p:sp>
@@ -10308,7 +16328,7 @@
             <a:fld id="{C2DE1785-620F-4DE8-A7D0-6CC8413DFAC9}" type="datetime1">
               <a:rPr lang="pt-PT" sz="800" b="1" smtClean="0"/>
               <a:pPr/>
-              <a:t>06/11/2020</a:t>
+              <a:t>06/11/20</a:t>
             </a:fld>
             <a:endParaRPr lang="pt-PT" sz="800" b="1" dirty="0"/>
           </a:p>
@@ -10439,20 +16459,68 @@
           </a:p>
         </p:txBody>
       </p:sp>
+      <p:pic>
+        <p:nvPicPr>
+          <p:cNvPr id="10" name="Imagem 9" descr="Uma imagem com texto&#10;&#10;Descrição gerada automaticamente">
+            <a:extLst>
+              <a:ext uri="{FF2B5EF4-FFF2-40B4-BE49-F238E27FC236}">
+                <a16:creationId xmlns:a16="http://schemas.microsoft.com/office/drawing/2014/main" id="{45EB9E48-D0F0-844F-ABDB-087BE56016BD}"/>
+              </a:ext>
+            </a:extLst>
+          </p:cNvPr>
+          <p:cNvPicPr>
+            <a:picLocks noChangeAspect="1"/>
+          </p:cNvPicPr>
+          <p:nvPr/>
+        </p:nvPicPr>
+        <p:blipFill>
+          <a:blip r:embed="rId3" cstate="print">
+            <a:extLst>
+              <a:ext uri="{28A0092B-C50C-407E-A947-70E740481C1C}">
+                <a14:useLocalDpi xmlns:a14="http://schemas.microsoft.com/office/drawing/2010/main" val="0"/>
+              </a:ext>
+            </a:extLst>
+          </a:blip>
+          <a:stretch>
+            <a:fillRect/>
+          </a:stretch>
+        </p:blipFill>
+        <p:spPr>
+          <a:xfrm>
+            <a:off x="6174516" y="2312337"/>
+            <a:ext cx="2735121" cy="503351"/>
+          </a:xfrm>
+          <a:prstGeom prst="rect">
+            <a:avLst/>
+          </a:prstGeom>
+        </p:spPr>
+      </p:pic>
     </p:spTree>
     <p:extLst>
       <p:ext uri="{BB962C8B-B14F-4D97-AF65-F5344CB8AC3E}">
-        <p14:creationId xmlns:p14="http://schemas.microsoft.com/office/powerpoint/2010/main" val="482213977"/>
+        <p14:creationId xmlns:p14="http://schemas.microsoft.com/office/powerpoint/2010/main" val="2373987472"/>
       </p:ext>
     </p:extLst>
   </p:cSld>
   <p:clrMapOvr>
     <a:masterClrMapping/>
   </p:clrMapOvr>
+  <mc:AlternateContent xmlns:mc="http://schemas.openxmlformats.org/markup-compatibility/2006">
+    <mc:Choice xmlns:p159="http://schemas.microsoft.com/office/powerpoint/2015/09/main" Requires="p159">
+      <p:transition xmlns:p14="http://schemas.microsoft.com/office/powerpoint/2010/main" spd="slow" p14:dur="2000">
+        <p159:morph option="byChar"/>
+      </p:transition>
+    </mc:Choice>
+    <mc:Fallback>
+      <p:transition spd="slow">
+        <p:fade/>
+      </p:transition>
+    </mc:Fallback>
+  </mc:AlternateContent>
 </p:sld>
 </file>
 
-<file path=ppt/slides/slide3.xml><?xml version="1.0" encoding="utf-8"?>
+<file path=ppt/slides/slide2.xml><?xml version="1.0" encoding="utf-8"?>
 <p:sld xmlns:a="http://schemas.openxmlformats.org/drawingml/2006/main" xmlns:r="http://schemas.openxmlformats.org/officeDocument/2006/relationships" xmlns:p="http://schemas.openxmlformats.org/presentationml/2006/main">
   <p:cSld>
     <p:spTree>
@@ -10477,7 +16545,7 @@
         </p:nvSpPr>
         <p:spPr>
           <a:xfrm>
-            <a:off x="-6749" y="-23598"/>
+            <a:off x="0" y="0"/>
             <a:ext cx="9144000" cy="4840002"/>
           </a:xfrm>
           <a:prstGeom prst="rect">
@@ -10692,7 +16760,7 @@
         <p:spPr>
           <a:xfrm>
             <a:off x="428131" y="1113588"/>
-            <a:ext cx="5512022" cy="2031325"/>
+            <a:ext cx="5512022" cy="2862322"/>
           </a:xfrm>
           <a:prstGeom prst="rect">
             <a:avLst/>
@@ -10704,6 +16772,185 @@
             <a:spAutoFit/>
           </a:bodyPr>
           <a:lstStyle/>
+          <a:p>
+            <a:pPr>
+              <a:lnSpc>
+                <a:spcPct val="150000"/>
+              </a:lnSpc>
+              <a:buClr>
+                <a:schemeClr val="tx1">
+                  <a:lumMod val="95000"/>
+                  <a:lumOff val="5000"/>
+                </a:schemeClr>
+              </a:buClr>
+              <a:buSzPct val="84000"/>
+            </a:pPr>
+            <a:r>
+              <a:rPr lang="pt-PT" dirty="0">
+                <a:solidFill>
+                  <a:schemeClr val="tx1">
+                    <a:lumMod val="95000"/>
+                    <a:lumOff val="5000"/>
+                  </a:schemeClr>
+                </a:solidFill>
+              </a:rPr>
+              <a:t>As bibliotecas académicas têm por objetivo divulgar e permitir o livre acesso à </a:t>
+            </a:r>
+            <a:r>
+              <a:rPr lang="pt-PT" dirty="0" err="1">
+                <a:solidFill>
+                  <a:schemeClr val="tx1">
+                    <a:lumMod val="95000"/>
+                    <a:lumOff val="5000"/>
+                  </a:schemeClr>
+                </a:solidFill>
+              </a:rPr>
+              <a:t>produção</a:t>
+            </a:r>
+            <a:r>
+              <a:rPr lang="pt-PT" dirty="0">
+                <a:solidFill>
+                  <a:schemeClr val="tx1">
+                    <a:lumMod val="95000"/>
+                    <a:lumOff val="5000"/>
+                  </a:schemeClr>
+                </a:solidFill>
+              </a:rPr>
+              <a:t> </a:t>
+            </a:r>
+            <a:r>
+              <a:rPr lang="pt-PT" dirty="0" err="1">
+                <a:solidFill>
+                  <a:schemeClr val="tx1">
+                    <a:lumMod val="95000"/>
+                    <a:lumOff val="5000"/>
+                  </a:schemeClr>
+                </a:solidFill>
+              </a:rPr>
+              <a:t>científica</a:t>
+            </a:r>
+            <a:r>
+              <a:rPr lang="pt-PT" dirty="0">
+                <a:solidFill>
+                  <a:schemeClr val="tx1">
+                    <a:lumMod val="95000"/>
+                    <a:lumOff val="5000"/>
+                  </a:schemeClr>
+                </a:solidFill>
+              </a:rPr>
+              <a:t> criada pela comunidade </a:t>
+            </a:r>
+            <a:r>
+              <a:rPr lang="pt-PT" dirty="0" err="1">
+                <a:solidFill>
+                  <a:schemeClr val="tx1">
+                    <a:lumMod val="95000"/>
+                    <a:lumOff val="5000"/>
+                  </a:schemeClr>
+                </a:solidFill>
+              </a:rPr>
+              <a:t>académica</a:t>
+            </a:r>
+            <a:r>
+              <a:rPr lang="pt-PT" dirty="0">
+                <a:solidFill>
+                  <a:schemeClr val="tx1">
+                    <a:lumMod val="95000"/>
+                    <a:lumOff val="5000"/>
+                  </a:schemeClr>
+                </a:solidFill>
+              </a:rPr>
+              <a:t>, promovendo a </a:t>
+            </a:r>
+            <a:r>
+              <a:rPr lang="pt-PT" dirty="0" err="1">
+                <a:solidFill>
+                  <a:schemeClr val="tx1">
+                    <a:lumMod val="95000"/>
+                    <a:lumOff val="5000"/>
+                  </a:schemeClr>
+                </a:solidFill>
+              </a:rPr>
+              <a:t>integração</a:t>
+            </a:r>
+            <a:r>
+              <a:rPr lang="pt-PT" dirty="0">
+                <a:solidFill>
+                  <a:schemeClr val="tx1">
+                    <a:lumMod val="95000"/>
+                    <a:lumOff val="5000"/>
+                  </a:schemeClr>
+                </a:solidFill>
+              </a:rPr>
+              <a:t>, partilha e a visibilidade da </a:t>
+            </a:r>
+            <a:r>
+              <a:rPr lang="pt-PT" dirty="0" err="1">
+                <a:solidFill>
+                  <a:schemeClr val="tx1">
+                    <a:lumMod val="95000"/>
+                    <a:lumOff val="5000"/>
+                  </a:schemeClr>
+                </a:solidFill>
+              </a:rPr>
+              <a:t>informação</a:t>
+            </a:r>
+            <a:r>
+              <a:rPr lang="pt-PT" dirty="0">
+                <a:solidFill>
+                  <a:schemeClr val="tx1">
+                    <a:lumMod val="95000"/>
+                    <a:lumOff val="5000"/>
+                  </a:schemeClr>
+                </a:solidFill>
+              </a:rPr>
+              <a:t> e garantindo a </a:t>
+            </a:r>
+            <a:r>
+              <a:rPr lang="pt-PT" dirty="0" err="1">
+                <a:solidFill>
+                  <a:schemeClr val="tx1">
+                    <a:lumMod val="95000"/>
+                    <a:lumOff val="5000"/>
+                  </a:schemeClr>
+                </a:solidFill>
+              </a:rPr>
+              <a:t>preservação</a:t>
+            </a:r>
+            <a:r>
+              <a:rPr lang="pt-PT" dirty="0">
+                <a:solidFill>
+                  <a:schemeClr val="tx1">
+                    <a:lumMod val="95000"/>
+                    <a:lumOff val="5000"/>
+                  </a:schemeClr>
+                </a:solidFill>
+              </a:rPr>
+              <a:t> da sua </a:t>
+            </a:r>
+            <a:r>
+              <a:rPr lang="pt-PT" dirty="0" err="1">
+                <a:solidFill>
+                  <a:schemeClr val="tx1">
+                    <a:lumMod val="95000"/>
+                    <a:lumOff val="5000"/>
+                  </a:schemeClr>
+                </a:solidFill>
+              </a:rPr>
+              <a:t>memória</a:t>
+            </a:r>
+            <a:r>
+              <a:rPr lang="pt-PT" dirty="0">
+                <a:solidFill>
+                  <a:schemeClr val="tx1">
+                    <a:lumMod val="95000"/>
+                    <a:lumOff val="5000"/>
+                  </a:schemeClr>
+                </a:solidFill>
+              </a:rPr>
+              <a:t> intelectual. </a:t>
+            </a:r>
+          </a:p>
           <a:p>
             <a:pPr marL="285750" indent="-285750">
               <a:lnSpc>
@@ -10719,34 +16966,6 @@
               <a:buFont typeface="Calibri" pitchFamily="34" charset="0"/>
               <a:buChar char="•"/>
             </a:pPr>
-            <a:r>
-              <a:rPr lang="pt-PT" dirty="0"/>
-              <a:t>Atualmente, as bibliotecas disponibilizam postos de trabalho aos leitores, como salas de salas de trabalho, gabinetes de </a:t>
-            </a:r>
-            <a:r>
-              <a:rPr lang="pt-PT" dirty="0" err="1"/>
-              <a:t>investigação</a:t>
-            </a:r>
-            <a:r>
-              <a:rPr lang="pt-PT" dirty="0"/>
-              <a:t> e até mesmo sala de </a:t>
-            </a:r>
-            <a:r>
-              <a:rPr lang="pt-PT" dirty="0" err="1"/>
-              <a:t>reuniões</a:t>
-            </a:r>
-            <a:r>
-              <a:rPr lang="pt-PT" dirty="0"/>
-              <a:t>, que permite uma procura </a:t>
-            </a:r>
-            <a:r>
-              <a:rPr lang="pt-PT" dirty="0" err="1"/>
-              <a:t>autónoma</a:t>
-            </a:r>
-            <a:r>
-              <a:rPr lang="pt-PT" dirty="0"/>
-              <a:t>. </a:t>
-            </a:r>
             <a:endParaRPr lang="pt-PT" dirty="0">
               <a:solidFill>
                 <a:schemeClr val="tx1">
@@ -10881,7 +17100,7 @@
             <a:fld id="{C2DE1785-620F-4DE8-A7D0-6CC8413DFAC9}" type="datetime1">
               <a:rPr lang="pt-PT" sz="800" b="1" smtClean="0"/>
               <a:pPr/>
-              <a:t>06/11/2020</a:t>
+              <a:t>06/11/20</a:t>
             </a:fld>
             <a:endParaRPr lang="pt-PT" sz="800" b="1" dirty="0"/>
           </a:p>
@@ -11012,20 +17231,71 @@
           </a:p>
         </p:txBody>
       </p:sp>
+      <p:pic>
+        <p:nvPicPr>
+          <p:cNvPr id="4" name="Gráfico 3">
+            <a:extLst>
+              <a:ext uri="{FF2B5EF4-FFF2-40B4-BE49-F238E27FC236}">
+                <a16:creationId xmlns:a16="http://schemas.microsoft.com/office/drawing/2014/main" id="{1EA224B8-F26F-154E-846D-8946EF538B0D}"/>
+              </a:ext>
+            </a:extLst>
+          </p:cNvPr>
+          <p:cNvPicPr>
+            <a:picLocks noChangeAspect="1"/>
+          </p:cNvPicPr>
+          <p:nvPr/>
+        </p:nvPicPr>
+        <p:blipFill>
+          <a:blip r:embed="rId3">
+            <a:extLst>
+              <a:ext uri="{28A0092B-C50C-407E-A947-70E740481C1C}">
+                <a14:useLocalDpi xmlns:a14="http://schemas.microsoft.com/office/drawing/2010/main" val="0"/>
+              </a:ext>
+              <a:ext uri="{96DAC541-7B7A-43D3-8B79-37D633B846F1}">
+                <asvg:svgBlip xmlns:asvg="http://schemas.microsoft.com/office/drawing/2016/SVG/main" r:embed="rId4"/>
+              </a:ext>
+            </a:extLst>
+          </a:blip>
+          <a:stretch>
+            <a:fillRect/>
+          </a:stretch>
+        </p:blipFill>
+        <p:spPr>
+          <a:xfrm>
+            <a:off x="6580585" y="2792890"/>
+            <a:ext cx="2545540" cy="2048400"/>
+          </a:xfrm>
+          <a:prstGeom prst="rect">
+            <a:avLst/>
+          </a:prstGeom>
+        </p:spPr>
+      </p:pic>
     </p:spTree>
     <p:extLst>
       <p:ext uri="{BB962C8B-B14F-4D97-AF65-F5344CB8AC3E}">
-        <p14:creationId xmlns:p14="http://schemas.microsoft.com/office/powerpoint/2010/main" val="4030966704"/>
+        <p14:creationId xmlns:p14="http://schemas.microsoft.com/office/powerpoint/2010/main" val="482213977"/>
       </p:ext>
     </p:extLst>
   </p:cSld>
   <p:clrMapOvr>
     <a:masterClrMapping/>
   </p:clrMapOvr>
+  <mc:AlternateContent xmlns:mc="http://schemas.openxmlformats.org/markup-compatibility/2006">
+    <mc:Choice xmlns:p159="http://schemas.microsoft.com/office/powerpoint/2015/09/main" Requires="p159">
+      <p:transition xmlns:p14="http://schemas.microsoft.com/office/powerpoint/2010/main" spd="slow" p14:dur="2000">
+        <p159:morph option="byChar"/>
+      </p:transition>
+    </mc:Choice>
+    <mc:Fallback>
+      <p:transition spd="slow">
+        <p:fade/>
+      </p:transition>
+    </mc:Fallback>
+  </mc:AlternateContent>
 </p:sld>
 </file>
 
-<file path=ppt/slides/slide4.xml><?xml version="1.0" encoding="utf-8"?>
+<file path=ppt/slides/slide3.xml><?xml version="1.0" encoding="utf-8"?>
 <p:sld xmlns:a="http://schemas.openxmlformats.org/drawingml/2006/main" xmlns:r="http://schemas.openxmlformats.org/officeDocument/2006/relationships" xmlns:p="http://schemas.openxmlformats.org/presentationml/2006/main">
   <p:cSld>
     <p:spTree>
@@ -11050,7 +17320,7 @@
         </p:nvSpPr>
         <p:spPr>
           <a:xfrm>
-            <a:off x="0" y="195487"/>
+            <a:off x="0" y="0"/>
             <a:ext cx="9144000" cy="4840002"/>
           </a:xfrm>
           <a:prstGeom prst="rect">
@@ -11265,7 +17535,7 @@
         <p:spPr>
           <a:xfrm>
             <a:off x="428131" y="1113588"/>
-            <a:ext cx="5512022" cy="2542363"/>
+            <a:ext cx="5512022" cy="2031325"/>
           </a:xfrm>
           <a:prstGeom prst="rect">
             <a:avLst/>
@@ -11278,7 +17548,7 @@
           </a:bodyPr>
           <a:lstStyle/>
           <a:p>
-            <a:pPr marL="285750" indent="-285750">
+            <a:pPr>
               <a:lnSpc>
                 <a:spcPct val="150000"/>
               </a:lnSpc>
@@ -11289,85 +17559,46 @@
                 </a:schemeClr>
               </a:buClr>
               <a:buSzPct val="84000"/>
-              <a:buFont typeface="Calibri" pitchFamily="34" charset="0"/>
-              <a:buChar char="•"/>
             </a:pPr>
             <a:r>
               <a:rPr lang="pt-PT" dirty="0"/>
-              <a:t>Existem sistemas, como o </a:t>
+              <a:t>Atualmente, as bibliotecas disponibilizam postos de trabalho aos leitores, como salas de salas de trabalho, gabinetes de </a:t>
             </a:r>
             <a:r>
               <a:rPr lang="pt-PT" dirty="0" err="1"/>
-              <a:t>Biblio.net</a:t>
+              <a:t>investigação</a:t>
             </a:r>
             <a:r>
               <a:rPr lang="pt-PT" dirty="0"/>
-              <a:t>, o </a:t>
+              <a:t> e até mesmo sala de </a:t>
             </a:r>
             <a:r>
               <a:rPr lang="pt-PT" dirty="0" err="1"/>
-              <a:t>Evergreen</a:t>
+              <a:t>reuniões</a:t>
             </a:r>
             <a:r>
               <a:rPr lang="pt-PT" dirty="0"/>
-              <a:t>, o PMB, o </a:t>
+              <a:t>, que permite uma procura </a:t>
             </a:r>
             <a:r>
               <a:rPr lang="pt-PT" dirty="0" err="1"/>
-              <a:t>Koha</a:t>
+              <a:t>autónoma</a:t>
             </a:r>
             <a:r>
               <a:rPr lang="pt-PT" dirty="0"/>
-              <a:t> e o </a:t>
-            </a:r>
-            <a:r>
-              <a:rPr lang="pt-PT" dirty="0" err="1"/>
-              <a:t>Aleph</a:t>
-            </a:r>
-            <a:r>
-              <a:rPr lang="pt-PT" dirty="0"/>
-              <a:t> que permitem a </a:t>
-            </a:r>
-            <a:r>
-              <a:rPr lang="pt-PT" dirty="0" err="1"/>
-              <a:t>catalogação</a:t>
-            </a:r>
-            <a:r>
-              <a:rPr lang="pt-PT" dirty="0"/>
-              <a:t> detalhada, a </a:t>
-            </a:r>
-            <a:r>
-              <a:rPr lang="pt-PT" dirty="0" err="1"/>
-              <a:t>manutenção</a:t>
-            </a:r>
-            <a:r>
-              <a:rPr lang="pt-PT" dirty="0"/>
-              <a:t> e o desenvolvimento de todo o acervo. Contudo, </a:t>
-            </a:r>
-            <a:r>
-              <a:rPr lang="pt-PT" dirty="0" err="1"/>
-              <a:t>não</a:t>
-            </a:r>
-            <a:r>
-              <a:rPr lang="pt-PT" dirty="0"/>
-              <a:t> possibilita muita das vezes a comunidade </a:t>
-            </a:r>
-            <a:r>
-              <a:rPr lang="pt-PT" dirty="0" err="1"/>
-              <a:t>académica</a:t>
-            </a:r>
-            <a:r>
-              <a:rPr lang="pt-PT" dirty="0"/>
-              <a:t> ser eficiente, tanto na sua </a:t>
-            </a:r>
-            <a:r>
-              <a:rPr lang="pt-PT" dirty="0" err="1"/>
-              <a:t>gestão</a:t>
-            </a:r>
-            <a:r>
-              <a:rPr lang="pt-PT" dirty="0"/>
-              <a:t>, como na sua procura. </a:t>
-            </a:r>
+              <a:t>. </a:t>
+            </a:r>
+            <a:endParaRPr lang="pt-PT" dirty="0">
+              <a:solidFill>
+                <a:schemeClr val="tx1">
+                  <a:lumMod val="95000"/>
+                  <a:lumOff val="5000"/>
+                </a:schemeClr>
+              </a:solidFill>
+            </a:endParaRPr>
+          </a:p>
+          <a:p>
+            <a:endParaRPr lang="pt-PT" dirty="0"/>
           </a:p>
         </p:txBody>
       </p:sp>
@@ -11491,7 +17722,7 @@
             <a:fld id="{C2DE1785-620F-4DE8-A7D0-6CC8413DFAC9}" type="datetime1">
               <a:rPr lang="pt-PT" sz="800" b="1" smtClean="0"/>
               <a:pPr/>
-              <a:t>06/11/2020</a:t>
+              <a:t>06/11/20</a:t>
             </a:fld>
             <a:endParaRPr lang="pt-PT" sz="800" b="1" dirty="0"/>
           </a:p>
@@ -11622,20 +17853,71 @@
           </a:p>
         </p:txBody>
       </p:sp>
+      <p:pic>
+        <p:nvPicPr>
+          <p:cNvPr id="4" name="Gráfico 3">
+            <a:extLst>
+              <a:ext uri="{FF2B5EF4-FFF2-40B4-BE49-F238E27FC236}">
+                <a16:creationId xmlns:a16="http://schemas.microsoft.com/office/drawing/2014/main" id="{273CB7BF-76FD-D949-B3F4-90C95EAE887D}"/>
+              </a:ext>
+            </a:extLst>
+          </p:cNvPr>
+          <p:cNvPicPr>
+            <a:picLocks noChangeAspect="1"/>
+          </p:cNvPicPr>
+          <p:nvPr/>
+        </p:nvPicPr>
+        <p:blipFill>
+          <a:blip r:embed="rId3">
+            <a:extLst>
+              <a:ext uri="{28A0092B-C50C-407E-A947-70E740481C1C}">
+                <a14:useLocalDpi xmlns:a14="http://schemas.microsoft.com/office/drawing/2010/main" val="0"/>
+              </a:ext>
+              <a:ext uri="{96DAC541-7B7A-43D3-8B79-37D633B846F1}">
+                <asvg:svgBlip xmlns:asvg="http://schemas.microsoft.com/office/drawing/2016/SVG/main" r:embed="rId4"/>
+              </a:ext>
+            </a:extLst>
+          </a:blip>
+          <a:stretch>
+            <a:fillRect/>
+          </a:stretch>
+        </p:blipFill>
+        <p:spPr>
+          <a:xfrm>
+            <a:off x="5940152" y="2776691"/>
+            <a:ext cx="3202428" cy="2048400"/>
+          </a:xfrm>
+          <a:prstGeom prst="rect">
+            <a:avLst/>
+          </a:prstGeom>
+        </p:spPr>
+      </p:pic>
     </p:spTree>
     <p:extLst>
       <p:ext uri="{BB962C8B-B14F-4D97-AF65-F5344CB8AC3E}">
-        <p14:creationId xmlns:p14="http://schemas.microsoft.com/office/powerpoint/2010/main" val="2430853731"/>
+        <p14:creationId xmlns:p14="http://schemas.microsoft.com/office/powerpoint/2010/main" val="4030966704"/>
       </p:ext>
     </p:extLst>
   </p:cSld>
   <p:clrMapOvr>
     <a:masterClrMapping/>
   </p:clrMapOvr>
+  <mc:AlternateContent xmlns:mc="http://schemas.openxmlformats.org/markup-compatibility/2006">
+    <mc:Choice xmlns:p159="http://schemas.microsoft.com/office/powerpoint/2015/09/main" Requires="p159">
+      <p:transition xmlns:p14="http://schemas.microsoft.com/office/powerpoint/2010/main" spd="slow" p14:dur="2000">
+        <p159:morph option="byObject"/>
+      </p:transition>
+    </mc:Choice>
+    <mc:Fallback>
+      <p:transition spd="slow">
+        <p:fade/>
+      </p:transition>
+    </mc:Fallback>
+  </mc:AlternateContent>
 </p:sld>
 </file>
 
-<file path=ppt/slides/slide5.xml><?xml version="1.0" encoding="utf-8"?>
+<file path=ppt/slides/slide4.xml><?xml version="1.0" encoding="utf-8"?>
 <p:sld xmlns:a="http://schemas.openxmlformats.org/drawingml/2006/main" xmlns:r="http://schemas.openxmlformats.org/officeDocument/2006/relationships" xmlns:p="http://schemas.openxmlformats.org/presentationml/2006/main">
   <p:cSld>
     <p:spTree>
@@ -11660,7 +17942,7 @@
         </p:nvSpPr>
         <p:spPr>
           <a:xfrm>
-            <a:off x="-6749" y="-23598"/>
+            <a:off x="0" y="0"/>
             <a:ext cx="9144000" cy="4840002"/>
           </a:xfrm>
           <a:prstGeom prst="rect">
@@ -11749,7 +18031,7 @@
                 </a:solidFill>
                 <a:latin typeface="+mn-lt"/>
               </a:rPr>
-              <a:t>Funcionalidades</a:t>
+              <a:t>Introdução</a:t>
             </a:r>
           </a:p>
         </p:txBody>
@@ -11868,6 +18150,103 @@
       </p:sp>
       <p:sp>
         <p:nvSpPr>
+          <p:cNvPr id="2" name="CaixaDeTexto 1"/>
+          <p:cNvSpPr txBox="1"/>
+          <p:nvPr/>
+        </p:nvSpPr>
+        <p:spPr>
+          <a:xfrm>
+            <a:off x="428131" y="1113588"/>
+            <a:ext cx="5512022" cy="2542363"/>
+          </a:xfrm>
+          <a:prstGeom prst="rect">
+            <a:avLst/>
+          </a:prstGeom>
+          <a:noFill/>
+        </p:spPr>
+        <p:txBody>
+          <a:bodyPr wrap="square" rtlCol="0">
+            <a:spAutoFit/>
+          </a:bodyPr>
+          <a:lstStyle/>
+          <a:p>
+            <a:pPr>
+              <a:lnSpc>
+                <a:spcPct val="150000"/>
+              </a:lnSpc>
+              <a:buClr>
+                <a:schemeClr val="tx1">
+                  <a:lumMod val="95000"/>
+                  <a:lumOff val="5000"/>
+                </a:schemeClr>
+              </a:buClr>
+              <a:buSzPct val="84000"/>
+            </a:pPr>
+            <a:r>
+              <a:rPr lang="pt-PT" dirty="0"/>
+              <a:t>Existem sistemas, como o </a:t>
+            </a:r>
+            <a:r>
+              <a:rPr lang="pt-PT" dirty="0" err="1"/>
+              <a:t>Biblio.net</a:t>
+            </a:r>
+            <a:r>
+              <a:rPr lang="pt-PT" dirty="0"/>
+              <a:t>, o </a:t>
+            </a:r>
+            <a:r>
+              <a:rPr lang="pt-PT" dirty="0" err="1"/>
+              <a:t>Evergreen</a:t>
+            </a:r>
+            <a:r>
+              <a:rPr lang="pt-PT" dirty="0"/>
+              <a:t>, o PMB, o </a:t>
+            </a:r>
+            <a:r>
+              <a:rPr lang="pt-PT" dirty="0" err="1"/>
+              <a:t>Koha</a:t>
+            </a:r>
+            <a:r>
+              <a:rPr lang="pt-PT" dirty="0"/>
+              <a:t> e o </a:t>
+            </a:r>
+            <a:r>
+              <a:rPr lang="pt-PT" dirty="0" err="1"/>
+              <a:t>Aleph</a:t>
+            </a:r>
+            <a:r>
+              <a:rPr lang="pt-PT" dirty="0"/>
+              <a:t> que permitem a catalogação detalhada, a manutenção e o desenvolvimento de todo o acervo. Contudo, </a:t>
+            </a:r>
+            <a:r>
+              <a:rPr lang="pt-PT" dirty="0" err="1"/>
+              <a:t>não</a:t>
+            </a:r>
+            <a:r>
+              <a:rPr lang="pt-PT" dirty="0"/>
+              <a:t> possibilita muita das vezes a comunidade </a:t>
+            </a:r>
+            <a:r>
+              <a:rPr lang="pt-PT" dirty="0" err="1"/>
+              <a:t>académica</a:t>
+            </a:r>
+            <a:r>
+              <a:rPr lang="pt-PT" dirty="0"/>
+              <a:t> ser eficiente, tanto na sua </a:t>
+            </a:r>
+            <a:r>
+              <a:rPr lang="pt-PT" dirty="0" err="1"/>
+              <a:t>gestão</a:t>
+            </a:r>
+            <a:r>
+              <a:rPr lang="pt-PT" dirty="0"/>
+              <a:t>, como na sua procura. </a:t>
+            </a:r>
+          </a:p>
+        </p:txBody>
+      </p:sp>
+      <p:sp>
+        <p:nvSpPr>
           <p:cNvPr id="12" name="Marcador de Posição da Data 4"/>
           <p:cNvSpPr txBox="1">
             <a:spLocks/>
@@ -11986,7 +18365,1174 @@
             <a:fld id="{C2DE1785-620F-4DE8-A7D0-6CC8413DFAC9}" type="datetime1">
               <a:rPr lang="pt-PT" sz="800" b="1" smtClean="0"/>
               <a:pPr/>
-              <a:t>06/11/2020</a:t>
+              <a:t>06/11/20</a:t>
+            </a:fld>
+            <a:endParaRPr lang="pt-PT" sz="800" b="1" dirty="0"/>
+          </a:p>
+        </p:txBody>
+      </p:sp>
+      <p:sp>
+        <p:nvSpPr>
+          <p:cNvPr id="18" name="Marcador de Posição do Rodapé 6"/>
+          <p:cNvSpPr txBox="1">
+            <a:spLocks/>
+          </p:cNvSpPr>
+          <p:nvPr/>
+        </p:nvSpPr>
+        <p:spPr>
+          <a:xfrm>
+            <a:off x="3124200" y="4840002"/>
+            <a:ext cx="2895600" cy="273844"/>
+          </a:xfrm>
+          <a:prstGeom prst="rect">
+            <a:avLst/>
+          </a:prstGeom>
+        </p:spPr>
+        <p:txBody>
+          <a:bodyPr vert="horz" lIns="91440" tIns="45720" rIns="91440" bIns="45720" rtlCol="0" anchor="ctr"/>
+          <a:lstStyle>
+            <a:defPPr>
+              <a:defRPr lang="pt-PT"/>
+            </a:defPPr>
+            <a:lvl1pPr marL="0" algn="ctr" defTabSz="914400" rtl="0" eaLnBrk="1" latinLnBrk="0" hangingPunct="1">
+              <a:defRPr sz="1200" kern="1200">
+                <a:solidFill>
+                  <a:schemeClr val="tx1">
+                    <a:tint val="75000"/>
+                  </a:schemeClr>
+                </a:solidFill>
+                <a:latin typeface="+mn-lt"/>
+                <a:ea typeface="+mn-ea"/>
+                <a:cs typeface="+mn-cs"/>
+              </a:defRPr>
+            </a:lvl1pPr>
+            <a:lvl2pPr marL="457200" algn="l" defTabSz="914400" rtl="0" eaLnBrk="1" latinLnBrk="0" hangingPunct="1">
+              <a:defRPr sz="1800" kern="1200">
+                <a:solidFill>
+                  <a:schemeClr val="tx1"/>
+                </a:solidFill>
+                <a:latin typeface="+mn-lt"/>
+                <a:ea typeface="+mn-ea"/>
+                <a:cs typeface="+mn-cs"/>
+              </a:defRPr>
+            </a:lvl2pPr>
+            <a:lvl3pPr marL="914400" algn="l" defTabSz="914400" rtl="0" eaLnBrk="1" latinLnBrk="0" hangingPunct="1">
+              <a:defRPr sz="1800" kern="1200">
+                <a:solidFill>
+                  <a:schemeClr val="tx1"/>
+                </a:solidFill>
+                <a:latin typeface="+mn-lt"/>
+                <a:ea typeface="+mn-ea"/>
+                <a:cs typeface="+mn-cs"/>
+              </a:defRPr>
+            </a:lvl3pPr>
+            <a:lvl4pPr marL="1371600" algn="l" defTabSz="914400" rtl="0" eaLnBrk="1" latinLnBrk="0" hangingPunct="1">
+              <a:defRPr sz="1800" kern="1200">
+                <a:solidFill>
+                  <a:schemeClr val="tx1"/>
+                </a:solidFill>
+                <a:latin typeface="+mn-lt"/>
+                <a:ea typeface="+mn-ea"/>
+                <a:cs typeface="+mn-cs"/>
+              </a:defRPr>
+            </a:lvl4pPr>
+            <a:lvl5pPr marL="1828800" algn="l" defTabSz="914400" rtl="0" eaLnBrk="1" latinLnBrk="0" hangingPunct="1">
+              <a:defRPr sz="1800" kern="1200">
+                <a:solidFill>
+                  <a:schemeClr val="tx1"/>
+                </a:solidFill>
+                <a:latin typeface="+mn-lt"/>
+                <a:ea typeface="+mn-ea"/>
+                <a:cs typeface="+mn-cs"/>
+              </a:defRPr>
+            </a:lvl5pPr>
+            <a:lvl6pPr marL="2286000" algn="l" defTabSz="914400" rtl="0" eaLnBrk="1" latinLnBrk="0" hangingPunct="1">
+              <a:defRPr sz="1800" kern="1200">
+                <a:solidFill>
+                  <a:schemeClr val="tx1"/>
+                </a:solidFill>
+                <a:latin typeface="+mn-lt"/>
+                <a:ea typeface="+mn-ea"/>
+                <a:cs typeface="+mn-cs"/>
+              </a:defRPr>
+            </a:lvl6pPr>
+            <a:lvl7pPr marL="2743200" algn="l" defTabSz="914400" rtl="0" eaLnBrk="1" latinLnBrk="0" hangingPunct="1">
+              <a:defRPr sz="1800" kern="1200">
+                <a:solidFill>
+                  <a:schemeClr val="tx1"/>
+                </a:solidFill>
+                <a:latin typeface="+mn-lt"/>
+                <a:ea typeface="+mn-ea"/>
+                <a:cs typeface="+mn-cs"/>
+              </a:defRPr>
+            </a:lvl7pPr>
+            <a:lvl8pPr marL="3200400" algn="l" defTabSz="914400" rtl="0" eaLnBrk="1" latinLnBrk="0" hangingPunct="1">
+              <a:defRPr sz="1800" kern="1200">
+                <a:solidFill>
+                  <a:schemeClr val="tx1"/>
+                </a:solidFill>
+                <a:latin typeface="+mn-lt"/>
+                <a:ea typeface="+mn-ea"/>
+                <a:cs typeface="+mn-cs"/>
+              </a:defRPr>
+            </a:lvl8pPr>
+            <a:lvl9pPr marL="3657600" algn="l" defTabSz="914400" rtl="0" eaLnBrk="1" latinLnBrk="0" hangingPunct="1">
+              <a:defRPr sz="1800" kern="1200">
+                <a:solidFill>
+                  <a:schemeClr val="tx1"/>
+                </a:solidFill>
+                <a:latin typeface="+mn-lt"/>
+                <a:ea typeface="+mn-ea"/>
+                <a:cs typeface="+mn-cs"/>
+              </a:defRPr>
+            </a:lvl9pPr>
+          </a:lstStyle>
+          <a:p>
+            <a:r>
+              <a:rPr lang="pt-PT" sz="800" b="1"/>
+              <a:t>POLITÉCNICO DE LEIRIA</a:t>
+            </a:r>
+            <a:endParaRPr lang="pt-PT" sz="800" b="1" dirty="0"/>
+          </a:p>
+        </p:txBody>
+      </p:sp>
+      <p:pic>
+        <p:nvPicPr>
+          <p:cNvPr id="4" name="Gráfico 3">
+            <a:extLst>
+              <a:ext uri="{FF2B5EF4-FFF2-40B4-BE49-F238E27FC236}">
+                <a16:creationId xmlns:a16="http://schemas.microsoft.com/office/drawing/2014/main" id="{3D65A3A1-49EE-5A4F-9F25-625521F39089}"/>
+              </a:ext>
+            </a:extLst>
+          </p:cNvPr>
+          <p:cNvPicPr>
+            <a:picLocks noChangeAspect="1"/>
+          </p:cNvPicPr>
+          <p:nvPr/>
+        </p:nvPicPr>
+        <p:blipFill>
+          <a:blip r:embed="rId3">
+            <a:extLst>
+              <a:ext uri="{28A0092B-C50C-407E-A947-70E740481C1C}">
+                <a14:useLocalDpi xmlns:a14="http://schemas.microsoft.com/office/drawing/2010/main" val="0"/>
+              </a:ext>
+              <a:ext uri="{96DAC541-7B7A-43D3-8B79-37D633B846F1}">
+                <asvg:svgBlip xmlns:asvg="http://schemas.microsoft.com/office/drawing/2016/SVG/main" r:embed="rId4"/>
+              </a:ext>
+            </a:extLst>
+          </a:blip>
+          <a:stretch>
+            <a:fillRect/>
+          </a:stretch>
+        </p:blipFill>
+        <p:spPr>
+          <a:xfrm>
+            <a:off x="6045874" y="2791602"/>
+            <a:ext cx="3094392" cy="2048400"/>
+          </a:xfrm>
+          <a:prstGeom prst="rect">
+            <a:avLst/>
+          </a:prstGeom>
+        </p:spPr>
+      </p:pic>
+    </p:spTree>
+    <p:extLst>
+      <p:ext uri="{BB962C8B-B14F-4D97-AF65-F5344CB8AC3E}">
+        <p14:creationId xmlns:p14="http://schemas.microsoft.com/office/powerpoint/2010/main" val="3641060850"/>
+      </p:ext>
+    </p:extLst>
+  </p:cSld>
+  <p:clrMapOvr>
+    <a:masterClrMapping/>
+  </p:clrMapOvr>
+  <mc:AlternateContent xmlns:mc="http://schemas.openxmlformats.org/markup-compatibility/2006">
+    <mc:Choice xmlns:p159="http://schemas.microsoft.com/office/powerpoint/2015/09/main" Requires="p159">
+      <p:transition xmlns:p14="http://schemas.microsoft.com/office/powerpoint/2010/main" spd="slow" p14:dur="2000">
+        <p159:morph option="byObject"/>
+      </p:transition>
+    </mc:Choice>
+    <mc:Fallback>
+      <p:transition spd="slow">
+        <p:fade/>
+      </p:transition>
+    </mc:Fallback>
+  </mc:AlternateContent>
+</p:sld>
+</file>
+
+<file path=ppt/slides/slide5.xml><?xml version="1.0" encoding="utf-8"?>
+<p:sld xmlns:a="http://schemas.openxmlformats.org/drawingml/2006/main" xmlns:r="http://schemas.openxmlformats.org/officeDocument/2006/relationships" xmlns:p="http://schemas.openxmlformats.org/presentationml/2006/main">
+  <p:cSld>
+    <p:spTree>
+      <p:nvGrpSpPr>
+        <p:cNvPr id="1" name=""/>
+        <p:cNvGrpSpPr/>
+        <p:nvPr/>
+      </p:nvGrpSpPr>
+      <p:grpSpPr>
+        <a:xfrm>
+          <a:off x="0" y="0"/>
+          <a:ext cx="0" cy="0"/>
+          <a:chOff x="0" y="0"/>
+          <a:chExt cx="0" cy="0"/>
+        </a:xfrm>
+      </p:grpSpPr>
+      <p:sp>
+        <p:nvSpPr>
+          <p:cNvPr id="17" name="Rectângulo 16"/>
+          <p:cNvSpPr/>
+          <p:nvPr/>
+        </p:nvSpPr>
+        <p:spPr>
+          <a:xfrm>
+            <a:off x="0" y="52997"/>
+            <a:ext cx="9144000" cy="4840002"/>
+          </a:xfrm>
+          <a:prstGeom prst="rect">
+            <a:avLst/>
+          </a:prstGeom>
+          <a:solidFill>
+            <a:schemeClr val="bg1">
+              <a:lumMod val="95000"/>
+            </a:schemeClr>
+          </a:solidFill>
+          <a:ln>
+            <a:noFill/>
+          </a:ln>
+        </p:spPr>
+        <p:style>
+          <a:lnRef idx="2">
+            <a:schemeClr val="accent1">
+              <a:shade val="50000"/>
+            </a:schemeClr>
+          </a:lnRef>
+          <a:fillRef idx="1">
+            <a:schemeClr val="accent1"/>
+          </a:fillRef>
+          <a:effectRef idx="0">
+            <a:schemeClr val="accent1"/>
+          </a:effectRef>
+          <a:fontRef idx="minor">
+            <a:schemeClr val="lt1"/>
+          </a:fontRef>
+        </p:style>
+        <p:txBody>
+          <a:bodyPr rtlCol="0" anchor="ctr"/>
+          <a:lstStyle/>
+          <a:p>
+            <a:pPr algn="ctr"/>
+            <a:endParaRPr lang="pt-PT"/>
+          </a:p>
+        </p:txBody>
+      </p:sp>
+      <p:sp>
+        <p:nvSpPr>
+          <p:cNvPr id="9" name="Título 1"/>
+          <p:cNvSpPr txBox="1">
+            <a:spLocks/>
+          </p:cNvSpPr>
+          <p:nvPr/>
+        </p:nvSpPr>
+        <p:spPr>
+          <a:xfrm>
+            <a:off x="323528" y="357504"/>
+            <a:ext cx="6838528" cy="433871"/>
+          </a:xfrm>
+          <a:prstGeom prst="rect">
+            <a:avLst/>
+          </a:prstGeom>
+        </p:spPr>
+        <p:txBody>
+          <a:bodyPr vert="horz" lIns="91440" tIns="45720" rIns="91440" bIns="45720" rtlCol="0" anchor="ctr">
+            <a:normAutofit fontScale="85000" lnSpcReduction="20000"/>
+          </a:bodyPr>
+          <a:lstStyle>
+            <a:lvl1pPr algn="ctr" defTabSz="914400" rtl="0" eaLnBrk="1" latinLnBrk="0" hangingPunct="1">
+              <a:spcBef>
+                <a:spcPct val="0"/>
+              </a:spcBef>
+              <a:buNone/>
+              <a:defRPr sz="4400" kern="1200">
+                <a:solidFill>
+                  <a:schemeClr val="tx1"/>
+                </a:solidFill>
+                <a:latin typeface="+mj-lt"/>
+                <a:ea typeface="+mj-ea"/>
+                <a:cs typeface="+mj-cs"/>
+              </a:defRPr>
+            </a:lvl1pPr>
+          </a:lstStyle>
+          <a:p>
+            <a:pPr algn="l"/>
+            <a:r>
+              <a:rPr lang="pt-PT" sz="3200" b="1" dirty="0">
+                <a:solidFill>
+                  <a:schemeClr val="tx1">
+                    <a:lumMod val="95000"/>
+                    <a:lumOff val="5000"/>
+                  </a:schemeClr>
+                </a:solidFill>
+                <a:latin typeface="+mn-lt"/>
+              </a:rPr>
+              <a:t>Projeto</a:t>
+            </a:r>
+          </a:p>
+        </p:txBody>
+      </p:sp>
+      <p:cxnSp>
+        <p:nvCxnSpPr>
+          <p:cNvPr id="11" name="Conexão recta 10"/>
+          <p:cNvCxnSpPr/>
+          <p:nvPr/>
+        </p:nvCxnSpPr>
+        <p:spPr>
+          <a:xfrm>
+            <a:off x="428130" y="789552"/>
+            <a:ext cx="5512022" cy="0"/>
+          </a:xfrm>
+          <a:prstGeom prst="line">
+            <a:avLst/>
+          </a:prstGeom>
+          <a:ln w="28575">
+            <a:solidFill>
+              <a:schemeClr val="tx1">
+                <a:lumMod val="95000"/>
+                <a:lumOff val="5000"/>
+              </a:schemeClr>
+            </a:solidFill>
+          </a:ln>
+        </p:spPr>
+        <p:style>
+          <a:lnRef idx="1">
+            <a:schemeClr val="accent1"/>
+          </a:lnRef>
+          <a:fillRef idx="0">
+            <a:schemeClr val="accent1"/>
+          </a:fillRef>
+          <a:effectRef idx="0">
+            <a:schemeClr val="accent1"/>
+          </a:effectRef>
+          <a:fontRef idx="minor">
+            <a:schemeClr val="tx1"/>
+          </a:fontRef>
+        </p:style>
+      </p:cxnSp>
+      <p:sp>
+        <p:nvSpPr>
+          <p:cNvPr id="16" name="Título 1"/>
+          <p:cNvSpPr txBox="1">
+            <a:spLocks/>
+          </p:cNvSpPr>
+          <p:nvPr/>
+        </p:nvSpPr>
+        <p:spPr>
+          <a:xfrm>
+            <a:off x="323528" y="195487"/>
+            <a:ext cx="6587616" cy="252329"/>
+          </a:xfrm>
+          <a:prstGeom prst="rect">
+            <a:avLst/>
+          </a:prstGeom>
+        </p:spPr>
+        <p:txBody>
+          <a:bodyPr vert="horz" lIns="91440" tIns="45720" rIns="91440" bIns="45720" rtlCol="0" anchor="ctr">
+            <a:normAutofit/>
+          </a:bodyPr>
+          <a:lstStyle>
+            <a:lvl1pPr algn="ctr" defTabSz="914400" rtl="0" eaLnBrk="1" latinLnBrk="0" hangingPunct="1">
+              <a:spcBef>
+                <a:spcPct val="0"/>
+              </a:spcBef>
+              <a:buNone/>
+              <a:defRPr sz="4400" kern="1200">
+                <a:solidFill>
+                  <a:schemeClr val="tx1"/>
+                </a:solidFill>
+                <a:latin typeface="+mj-lt"/>
+                <a:ea typeface="+mj-ea"/>
+                <a:cs typeface="+mj-cs"/>
+              </a:defRPr>
+            </a:lvl1pPr>
+          </a:lstStyle>
+          <a:p>
+            <a:pPr algn="l"/>
+            <a:r>
+              <a:rPr lang="pt-PT" sz="1000" b="1" dirty="0">
+                <a:solidFill>
+                  <a:schemeClr val="tx1">
+                    <a:lumMod val="95000"/>
+                    <a:lumOff val="5000"/>
+                  </a:schemeClr>
+                </a:solidFill>
+                <a:latin typeface="+mn-lt"/>
+              </a:rPr>
+              <a:t>SARAMAGO</a:t>
+            </a:r>
+            <a:endParaRPr lang="pt-PT" sz="1000" dirty="0">
+              <a:solidFill>
+                <a:schemeClr val="tx1">
+                  <a:lumMod val="95000"/>
+                  <a:lumOff val="5000"/>
+                </a:schemeClr>
+              </a:solidFill>
+              <a:latin typeface="+mn-lt"/>
+            </a:endParaRPr>
+          </a:p>
+          <a:p>
+            <a:pPr algn="l"/>
+            <a:endParaRPr lang="pt-PT" sz="1000" b="1" dirty="0">
+              <a:solidFill>
+                <a:schemeClr val="tx1">
+                  <a:lumMod val="95000"/>
+                  <a:lumOff val="5000"/>
+                </a:schemeClr>
+              </a:solidFill>
+            </a:endParaRPr>
+          </a:p>
+        </p:txBody>
+      </p:sp>
+      <p:sp>
+        <p:nvSpPr>
+          <p:cNvPr id="2" name="CaixaDeTexto 1"/>
+          <p:cNvSpPr txBox="1"/>
+          <p:nvPr/>
+        </p:nvSpPr>
+        <p:spPr>
+          <a:xfrm>
+            <a:off x="428131" y="1113588"/>
+            <a:ext cx="5512022" cy="2957861"/>
+          </a:xfrm>
+          <a:prstGeom prst="rect">
+            <a:avLst/>
+          </a:prstGeom>
+          <a:noFill/>
+        </p:spPr>
+        <p:txBody>
+          <a:bodyPr wrap="square" rtlCol="0">
+            <a:spAutoFit/>
+          </a:bodyPr>
+          <a:lstStyle/>
+          <a:p>
+            <a:pPr>
+              <a:lnSpc>
+                <a:spcPct val="150000"/>
+              </a:lnSpc>
+              <a:buClr>
+                <a:schemeClr val="tx1">
+                  <a:lumMod val="95000"/>
+                  <a:lumOff val="5000"/>
+                </a:schemeClr>
+              </a:buClr>
+              <a:buSzPct val="84000"/>
+            </a:pPr>
+            <a:r>
+              <a:rPr lang="pt-PT" dirty="0"/>
+              <a:t>Pretende-se conceber uma aplicação </a:t>
+            </a:r>
+            <a:r>
+              <a:rPr lang="pt-PT" i="1" dirty="0" err="1"/>
+              <a:t>android</a:t>
+            </a:r>
+            <a:r>
+              <a:rPr lang="pt-PT" dirty="0"/>
+              <a:t> complementar para um sistemas integrado de gestão de bibliotecas, onde se faça desde a gestão de documentação aos seus aos empréstimos efetuados pelos seus leitores.</a:t>
+            </a:r>
+          </a:p>
+          <a:p>
+            <a:pPr>
+              <a:lnSpc>
+                <a:spcPct val="150000"/>
+              </a:lnSpc>
+              <a:buClr>
+                <a:schemeClr val="tx1">
+                  <a:lumMod val="95000"/>
+                  <a:lumOff val="5000"/>
+                </a:schemeClr>
+              </a:buClr>
+              <a:buSzPct val="84000"/>
+            </a:pPr>
+            <a:endParaRPr lang="pt-PT" dirty="0"/>
+          </a:p>
+          <a:p>
+            <a:pPr>
+              <a:lnSpc>
+                <a:spcPct val="150000"/>
+              </a:lnSpc>
+              <a:buClr>
+                <a:schemeClr val="tx1">
+                  <a:lumMod val="95000"/>
+                  <a:lumOff val="5000"/>
+                </a:schemeClr>
+              </a:buClr>
+              <a:buSzPct val="84000"/>
+            </a:pPr>
+            <a:endParaRPr lang="pt-PT" dirty="0"/>
+          </a:p>
+        </p:txBody>
+      </p:sp>
+      <p:sp>
+        <p:nvSpPr>
+          <p:cNvPr id="12" name="Marcador de Posição da Data 4"/>
+          <p:cNvSpPr txBox="1">
+            <a:spLocks/>
+          </p:cNvSpPr>
+          <p:nvPr/>
+        </p:nvSpPr>
+        <p:spPr>
+          <a:xfrm>
+            <a:off x="350168" y="4840002"/>
+            <a:ext cx="2133600" cy="273844"/>
+          </a:xfrm>
+          <a:prstGeom prst="rect">
+            <a:avLst/>
+          </a:prstGeom>
+        </p:spPr>
+        <p:txBody>
+          <a:bodyPr vert="horz" lIns="91440" tIns="45720" rIns="91440" bIns="45720" rtlCol="0" anchor="ctr"/>
+          <a:lstStyle>
+            <a:defPPr>
+              <a:defRPr lang="pt-PT"/>
+            </a:defPPr>
+            <a:lvl1pPr marL="0" algn="l" defTabSz="914400" rtl="0" eaLnBrk="1" latinLnBrk="0" hangingPunct="1">
+              <a:defRPr sz="1200" kern="1200">
+                <a:solidFill>
+                  <a:schemeClr val="tx1">
+                    <a:tint val="75000"/>
+                  </a:schemeClr>
+                </a:solidFill>
+                <a:latin typeface="+mn-lt"/>
+                <a:ea typeface="+mn-ea"/>
+                <a:cs typeface="+mn-cs"/>
+              </a:defRPr>
+            </a:lvl1pPr>
+            <a:lvl2pPr marL="457200" algn="l" defTabSz="914400" rtl="0" eaLnBrk="1" latinLnBrk="0" hangingPunct="1">
+              <a:defRPr sz="1800" kern="1200">
+                <a:solidFill>
+                  <a:schemeClr val="tx1"/>
+                </a:solidFill>
+                <a:latin typeface="+mn-lt"/>
+                <a:ea typeface="+mn-ea"/>
+                <a:cs typeface="+mn-cs"/>
+              </a:defRPr>
+            </a:lvl2pPr>
+            <a:lvl3pPr marL="914400" algn="l" defTabSz="914400" rtl="0" eaLnBrk="1" latinLnBrk="0" hangingPunct="1">
+              <a:defRPr sz="1800" kern="1200">
+                <a:solidFill>
+                  <a:schemeClr val="tx1"/>
+                </a:solidFill>
+                <a:latin typeface="+mn-lt"/>
+                <a:ea typeface="+mn-ea"/>
+                <a:cs typeface="+mn-cs"/>
+              </a:defRPr>
+            </a:lvl3pPr>
+            <a:lvl4pPr marL="1371600" algn="l" defTabSz="914400" rtl="0" eaLnBrk="1" latinLnBrk="0" hangingPunct="1">
+              <a:defRPr sz="1800" kern="1200">
+                <a:solidFill>
+                  <a:schemeClr val="tx1"/>
+                </a:solidFill>
+                <a:latin typeface="+mn-lt"/>
+                <a:ea typeface="+mn-ea"/>
+                <a:cs typeface="+mn-cs"/>
+              </a:defRPr>
+            </a:lvl4pPr>
+            <a:lvl5pPr marL="1828800" algn="l" defTabSz="914400" rtl="0" eaLnBrk="1" latinLnBrk="0" hangingPunct="1">
+              <a:defRPr sz="1800" kern="1200">
+                <a:solidFill>
+                  <a:schemeClr val="tx1"/>
+                </a:solidFill>
+                <a:latin typeface="+mn-lt"/>
+                <a:ea typeface="+mn-ea"/>
+                <a:cs typeface="+mn-cs"/>
+              </a:defRPr>
+            </a:lvl5pPr>
+            <a:lvl6pPr marL="2286000" algn="l" defTabSz="914400" rtl="0" eaLnBrk="1" latinLnBrk="0" hangingPunct="1">
+              <a:defRPr sz="1800" kern="1200">
+                <a:solidFill>
+                  <a:schemeClr val="tx1"/>
+                </a:solidFill>
+                <a:latin typeface="+mn-lt"/>
+                <a:ea typeface="+mn-ea"/>
+                <a:cs typeface="+mn-cs"/>
+              </a:defRPr>
+            </a:lvl6pPr>
+            <a:lvl7pPr marL="2743200" algn="l" defTabSz="914400" rtl="0" eaLnBrk="1" latinLnBrk="0" hangingPunct="1">
+              <a:defRPr sz="1800" kern="1200">
+                <a:solidFill>
+                  <a:schemeClr val="tx1"/>
+                </a:solidFill>
+                <a:latin typeface="+mn-lt"/>
+                <a:ea typeface="+mn-ea"/>
+                <a:cs typeface="+mn-cs"/>
+              </a:defRPr>
+            </a:lvl7pPr>
+            <a:lvl8pPr marL="3200400" algn="l" defTabSz="914400" rtl="0" eaLnBrk="1" latinLnBrk="0" hangingPunct="1">
+              <a:defRPr sz="1800" kern="1200">
+                <a:solidFill>
+                  <a:schemeClr val="tx1"/>
+                </a:solidFill>
+                <a:latin typeface="+mn-lt"/>
+                <a:ea typeface="+mn-ea"/>
+                <a:cs typeface="+mn-cs"/>
+              </a:defRPr>
+            </a:lvl8pPr>
+            <a:lvl9pPr marL="3657600" algn="l" defTabSz="914400" rtl="0" eaLnBrk="1" latinLnBrk="0" hangingPunct="1">
+              <a:defRPr sz="1800" kern="1200">
+                <a:solidFill>
+                  <a:schemeClr val="tx1"/>
+                </a:solidFill>
+                <a:latin typeface="+mn-lt"/>
+                <a:ea typeface="+mn-ea"/>
+                <a:cs typeface="+mn-cs"/>
+              </a:defRPr>
+            </a:lvl9pPr>
+          </a:lstStyle>
+          <a:p>
+            <a:fld id="{C2DE1785-620F-4DE8-A7D0-6CC8413DFAC9}" type="datetime1">
+              <a:rPr lang="pt-PT" sz="800" b="1" smtClean="0"/>
+              <a:pPr/>
+              <a:t>06/11/20</a:t>
+            </a:fld>
+            <a:endParaRPr lang="pt-PT" sz="800" b="1" dirty="0"/>
+          </a:p>
+        </p:txBody>
+      </p:sp>
+      <p:sp>
+        <p:nvSpPr>
+          <p:cNvPr id="18" name="Marcador de Posição do Rodapé 6"/>
+          <p:cNvSpPr txBox="1">
+            <a:spLocks/>
+          </p:cNvSpPr>
+          <p:nvPr/>
+        </p:nvSpPr>
+        <p:spPr>
+          <a:xfrm>
+            <a:off x="3124200" y="4840002"/>
+            <a:ext cx="2895600" cy="273844"/>
+          </a:xfrm>
+          <a:prstGeom prst="rect">
+            <a:avLst/>
+          </a:prstGeom>
+        </p:spPr>
+        <p:txBody>
+          <a:bodyPr vert="horz" lIns="91440" tIns="45720" rIns="91440" bIns="45720" rtlCol="0" anchor="ctr"/>
+          <a:lstStyle>
+            <a:defPPr>
+              <a:defRPr lang="pt-PT"/>
+            </a:defPPr>
+            <a:lvl1pPr marL="0" algn="ctr" defTabSz="914400" rtl="0" eaLnBrk="1" latinLnBrk="0" hangingPunct="1">
+              <a:defRPr sz="1200" kern="1200">
+                <a:solidFill>
+                  <a:schemeClr val="tx1">
+                    <a:tint val="75000"/>
+                  </a:schemeClr>
+                </a:solidFill>
+                <a:latin typeface="+mn-lt"/>
+                <a:ea typeface="+mn-ea"/>
+                <a:cs typeface="+mn-cs"/>
+              </a:defRPr>
+            </a:lvl1pPr>
+            <a:lvl2pPr marL="457200" algn="l" defTabSz="914400" rtl="0" eaLnBrk="1" latinLnBrk="0" hangingPunct="1">
+              <a:defRPr sz="1800" kern="1200">
+                <a:solidFill>
+                  <a:schemeClr val="tx1"/>
+                </a:solidFill>
+                <a:latin typeface="+mn-lt"/>
+                <a:ea typeface="+mn-ea"/>
+                <a:cs typeface="+mn-cs"/>
+              </a:defRPr>
+            </a:lvl2pPr>
+            <a:lvl3pPr marL="914400" algn="l" defTabSz="914400" rtl="0" eaLnBrk="1" latinLnBrk="0" hangingPunct="1">
+              <a:defRPr sz="1800" kern="1200">
+                <a:solidFill>
+                  <a:schemeClr val="tx1"/>
+                </a:solidFill>
+                <a:latin typeface="+mn-lt"/>
+                <a:ea typeface="+mn-ea"/>
+                <a:cs typeface="+mn-cs"/>
+              </a:defRPr>
+            </a:lvl3pPr>
+            <a:lvl4pPr marL="1371600" algn="l" defTabSz="914400" rtl="0" eaLnBrk="1" latinLnBrk="0" hangingPunct="1">
+              <a:defRPr sz="1800" kern="1200">
+                <a:solidFill>
+                  <a:schemeClr val="tx1"/>
+                </a:solidFill>
+                <a:latin typeface="+mn-lt"/>
+                <a:ea typeface="+mn-ea"/>
+                <a:cs typeface="+mn-cs"/>
+              </a:defRPr>
+            </a:lvl4pPr>
+            <a:lvl5pPr marL="1828800" algn="l" defTabSz="914400" rtl="0" eaLnBrk="1" latinLnBrk="0" hangingPunct="1">
+              <a:defRPr sz="1800" kern="1200">
+                <a:solidFill>
+                  <a:schemeClr val="tx1"/>
+                </a:solidFill>
+                <a:latin typeface="+mn-lt"/>
+                <a:ea typeface="+mn-ea"/>
+                <a:cs typeface="+mn-cs"/>
+              </a:defRPr>
+            </a:lvl5pPr>
+            <a:lvl6pPr marL="2286000" algn="l" defTabSz="914400" rtl="0" eaLnBrk="1" latinLnBrk="0" hangingPunct="1">
+              <a:defRPr sz="1800" kern="1200">
+                <a:solidFill>
+                  <a:schemeClr val="tx1"/>
+                </a:solidFill>
+                <a:latin typeface="+mn-lt"/>
+                <a:ea typeface="+mn-ea"/>
+                <a:cs typeface="+mn-cs"/>
+              </a:defRPr>
+            </a:lvl6pPr>
+            <a:lvl7pPr marL="2743200" algn="l" defTabSz="914400" rtl="0" eaLnBrk="1" latinLnBrk="0" hangingPunct="1">
+              <a:defRPr sz="1800" kern="1200">
+                <a:solidFill>
+                  <a:schemeClr val="tx1"/>
+                </a:solidFill>
+                <a:latin typeface="+mn-lt"/>
+                <a:ea typeface="+mn-ea"/>
+                <a:cs typeface="+mn-cs"/>
+              </a:defRPr>
+            </a:lvl7pPr>
+            <a:lvl8pPr marL="3200400" algn="l" defTabSz="914400" rtl="0" eaLnBrk="1" latinLnBrk="0" hangingPunct="1">
+              <a:defRPr sz="1800" kern="1200">
+                <a:solidFill>
+                  <a:schemeClr val="tx1"/>
+                </a:solidFill>
+                <a:latin typeface="+mn-lt"/>
+                <a:ea typeface="+mn-ea"/>
+                <a:cs typeface="+mn-cs"/>
+              </a:defRPr>
+            </a:lvl8pPr>
+            <a:lvl9pPr marL="3657600" algn="l" defTabSz="914400" rtl="0" eaLnBrk="1" latinLnBrk="0" hangingPunct="1">
+              <a:defRPr sz="1800" kern="1200">
+                <a:solidFill>
+                  <a:schemeClr val="tx1"/>
+                </a:solidFill>
+                <a:latin typeface="+mn-lt"/>
+                <a:ea typeface="+mn-ea"/>
+                <a:cs typeface="+mn-cs"/>
+              </a:defRPr>
+            </a:lvl9pPr>
+          </a:lstStyle>
+          <a:p>
+            <a:r>
+              <a:rPr lang="pt-PT" sz="800" b="1"/>
+              <a:t>POLITÉCNICO DE LEIRIA</a:t>
+            </a:r>
+            <a:endParaRPr lang="pt-PT" sz="800" b="1" dirty="0"/>
+          </a:p>
+        </p:txBody>
+      </p:sp>
+      <p:pic>
+        <p:nvPicPr>
+          <p:cNvPr id="10" name="Imagem 9">
+            <a:extLst>
+              <a:ext uri="{FF2B5EF4-FFF2-40B4-BE49-F238E27FC236}">
+                <a16:creationId xmlns:a16="http://schemas.microsoft.com/office/drawing/2014/main" id="{CD058919-AB2A-C443-B738-7E236D3725A7}"/>
+              </a:ext>
+            </a:extLst>
+          </p:cNvPr>
+          <p:cNvPicPr>
+            <a:picLocks noChangeAspect="1"/>
+          </p:cNvPicPr>
+          <p:nvPr/>
+        </p:nvPicPr>
+        <p:blipFill>
+          <a:blip r:embed="rId3"/>
+          <a:stretch>
+            <a:fillRect/>
+          </a:stretch>
+        </p:blipFill>
+        <p:spPr>
+          <a:xfrm>
+            <a:off x="6318819" y="416804"/>
+            <a:ext cx="2446512" cy="4351338"/>
+          </a:xfrm>
+          <a:prstGeom prst="rect">
+            <a:avLst/>
+          </a:prstGeom>
+          <a:ln w="6350">
+            <a:solidFill>
+              <a:schemeClr val="tx1"/>
+            </a:solidFill>
+          </a:ln>
+        </p:spPr>
+      </p:pic>
+    </p:spTree>
+    <p:extLst>
+      <p:ext uri="{BB962C8B-B14F-4D97-AF65-F5344CB8AC3E}">
+        <p14:creationId xmlns:p14="http://schemas.microsoft.com/office/powerpoint/2010/main" val="4147404013"/>
+      </p:ext>
+    </p:extLst>
+  </p:cSld>
+  <p:clrMapOvr>
+    <a:masterClrMapping/>
+  </p:clrMapOvr>
+  <mc:AlternateContent xmlns:mc="http://schemas.openxmlformats.org/markup-compatibility/2006">
+    <mc:Choice xmlns:p159="http://schemas.microsoft.com/office/powerpoint/2015/09/main" Requires="p159">
+      <p:transition xmlns:p14="http://schemas.microsoft.com/office/powerpoint/2010/main" spd="slow" p14:dur="2000">
+        <p159:morph option="byObject"/>
+      </p:transition>
+    </mc:Choice>
+    <mc:Fallback>
+      <p:transition spd="slow">
+        <p:fade/>
+      </p:transition>
+    </mc:Fallback>
+  </mc:AlternateContent>
+</p:sld>
+</file>
+
+<file path=ppt/slides/slide6.xml><?xml version="1.0" encoding="utf-8"?>
+<p:sld xmlns:a="http://schemas.openxmlformats.org/drawingml/2006/main" xmlns:r="http://schemas.openxmlformats.org/officeDocument/2006/relationships" xmlns:p="http://schemas.openxmlformats.org/presentationml/2006/main">
+  <p:cSld>
+    <p:spTree>
+      <p:nvGrpSpPr>
+        <p:cNvPr id="1" name=""/>
+        <p:cNvGrpSpPr/>
+        <p:nvPr/>
+      </p:nvGrpSpPr>
+      <p:grpSpPr>
+        <a:xfrm>
+          <a:off x="0" y="0"/>
+          <a:ext cx="0" cy="0"/>
+          <a:chOff x="0" y="0"/>
+          <a:chExt cx="0" cy="0"/>
+        </a:xfrm>
+      </p:grpSpPr>
+      <p:sp>
+        <p:nvSpPr>
+          <p:cNvPr id="17" name="Rectângulo 16"/>
+          <p:cNvSpPr/>
+          <p:nvPr/>
+        </p:nvSpPr>
+        <p:spPr>
+          <a:xfrm>
+            <a:off x="-6749" y="-23598"/>
+            <a:ext cx="9144000" cy="4840002"/>
+          </a:xfrm>
+          <a:prstGeom prst="rect">
+            <a:avLst/>
+          </a:prstGeom>
+          <a:solidFill>
+            <a:schemeClr val="bg1">
+              <a:lumMod val="95000"/>
+            </a:schemeClr>
+          </a:solidFill>
+          <a:ln>
+            <a:noFill/>
+          </a:ln>
+        </p:spPr>
+        <p:style>
+          <a:lnRef idx="2">
+            <a:schemeClr val="accent1">
+              <a:shade val="50000"/>
+            </a:schemeClr>
+          </a:lnRef>
+          <a:fillRef idx="1">
+            <a:schemeClr val="accent1"/>
+          </a:fillRef>
+          <a:effectRef idx="0">
+            <a:schemeClr val="accent1"/>
+          </a:effectRef>
+          <a:fontRef idx="minor">
+            <a:schemeClr val="lt1"/>
+          </a:fontRef>
+        </p:style>
+        <p:txBody>
+          <a:bodyPr rtlCol="0" anchor="ctr"/>
+          <a:lstStyle/>
+          <a:p>
+            <a:pPr algn="ctr"/>
+            <a:endParaRPr lang="pt-PT"/>
+          </a:p>
+        </p:txBody>
+      </p:sp>
+      <p:sp>
+        <p:nvSpPr>
+          <p:cNvPr id="9" name="Título 1"/>
+          <p:cNvSpPr txBox="1">
+            <a:spLocks/>
+          </p:cNvSpPr>
+          <p:nvPr/>
+        </p:nvSpPr>
+        <p:spPr>
+          <a:xfrm>
+            <a:off x="323528" y="357504"/>
+            <a:ext cx="6838528" cy="433871"/>
+          </a:xfrm>
+          <a:prstGeom prst="rect">
+            <a:avLst/>
+          </a:prstGeom>
+        </p:spPr>
+        <p:txBody>
+          <a:bodyPr vert="horz" lIns="91440" tIns="45720" rIns="91440" bIns="45720" rtlCol="0" anchor="ctr">
+            <a:normAutofit fontScale="85000" lnSpcReduction="20000"/>
+          </a:bodyPr>
+          <a:lstStyle>
+            <a:lvl1pPr algn="ctr" defTabSz="914400" rtl="0" eaLnBrk="1" latinLnBrk="0" hangingPunct="1">
+              <a:spcBef>
+                <a:spcPct val="0"/>
+              </a:spcBef>
+              <a:buNone/>
+              <a:defRPr sz="4400" kern="1200">
+                <a:solidFill>
+                  <a:schemeClr val="tx1"/>
+                </a:solidFill>
+                <a:latin typeface="+mj-lt"/>
+                <a:ea typeface="+mj-ea"/>
+                <a:cs typeface="+mj-cs"/>
+              </a:defRPr>
+            </a:lvl1pPr>
+          </a:lstStyle>
+          <a:p>
+            <a:pPr algn="l"/>
+            <a:r>
+              <a:rPr lang="pt-PT" sz="3200" b="1" dirty="0">
+                <a:solidFill>
+                  <a:schemeClr val="tx1">
+                    <a:lumMod val="95000"/>
+                    <a:lumOff val="5000"/>
+                  </a:schemeClr>
+                </a:solidFill>
+                <a:latin typeface="+mn-lt"/>
+              </a:rPr>
+              <a:t>Funcionalidades</a:t>
+            </a:r>
+          </a:p>
+        </p:txBody>
+      </p:sp>
+      <p:cxnSp>
+        <p:nvCxnSpPr>
+          <p:cNvPr id="11" name="Conexão recta 10"/>
+          <p:cNvCxnSpPr/>
+          <p:nvPr/>
+        </p:nvCxnSpPr>
+        <p:spPr>
+          <a:xfrm>
+            <a:off x="428130" y="789552"/>
+            <a:ext cx="5512022" cy="0"/>
+          </a:xfrm>
+          <a:prstGeom prst="line">
+            <a:avLst/>
+          </a:prstGeom>
+          <a:ln w="28575">
+            <a:solidFill>
+              <a:schemeClr val="tx1">
+                <a:lumMod val="95000"/>
+                <a:lumOff val="5000"/>
+              </a:schemeClr>
+            </a:solidFill>
+          </a:ln>
+        </p:spPr>
+        <p:style>
+          <a:lnRef idx="1">
+            <a:schemeClr val="accent1"/>
+          </a:lnRef>
+          <a:fillRef idx="0">
+            <a:schemeClr val="accent1"/>
+          </a:fillRef>
+          <a:effectRef idx="0">
+            <a:schemeClr val="accent1"/>
+          </a:effectRef>
+          <a:fontRef idx="minor">
+            <a:schemeClr val="tx1"/>
+          </a:fontRef>
+        </p:style>
+      </p:cxnSp>
+      <p:sp>
+        <p:nvSpPr>
+          <p:cNvPr id="16" name="Título 1"/>
+          <p:cNvSpPr txBox="1">
+            <a:spLocks/>
+          </p:cNvSpPr>
+          <p:nvPr/>
+        </p:nvSpPr>
+        <p:spPr>
+          <a:xfrm>
+            <a:off x="323528" y="195487"/>
+            <a:ext cx="6587616" cy="252329"/>
+          </a:xfrm>
+          <a:prstGeom prst="rect">
+            <a:avLst/>
+          </a:prstGeom>
+        </p:spPr>
+        <p:txBody>
+          <a:bodyPr vert="horz" lIns="91440" tIns="45720" rIns="91440" bIns="45720" rtlCol="0" anchor="ctr">
+            <a:normAutofit/>
+          </a:bodyPr>
+          <a:lstStyle>
+            <a:lvl1pPr algn="ctr" defTabSz="914400" rtl="0" eaLnBrk="1" latinLnBrk="0" hangingPunct="1">
+              <a:spcBef>
+                <a:spcPct val="0"/>
+              </a:spcBef>
+              <a:buNone/>
+              <a:defRPr sz="4400" kern="1200">
+                <a:solidFill>
+                  <a:schemeClr val="tx1"/>
+                </a:solidFill>
+                <a:latin typeface="+mj-lt"/>
+                <a:ea typeface="+mj-ea"/>
+                <a:cs typeface="+mj-cs"/>
+              </a:defRPr>
+            </a:lvl1pPr>
+          </a:lstStyle>
+          <a:p>
+            <a:pPr algn="l"/>
+            <a:r>
+              <a:rPr lang="pt-PT" sz="1000" b="1" dirty="0">
+                <a:solidFill>
+                  <a:schemeClr val="tx1">
+                    <a:lumMod val="95000"/>
+                    <a:lumOff val="5000"/>
+                  </a:schemeClr>
+                </a:solidFill>
+                <a:latin typeface="+mn-lt"/>
+              </a:rPr>
+              <a:t>SARAMAGO</a:t>
+            </a:r>
+            <a:endParaRPr lang="pt-PT" sz="1000" dirty="0">
+              <a:solidFill>
+                <a:schemeClr val="tx1">
+                  <a:lumMod val="95000"/>
+                  <a:lumOff val="5000"/>
+                </a:schemeClr>
+              </a:solidFill>
+              <a:latin typeface="+mn-lt"/>
+            </a:endParaRPr>
+          </a:p>
+          <a:p>
+            <a:pPr algn="l"/>
+            <a:endParaRPr lang="pt-PT" sz="1000" b="1" dirty="0">
+              <a:solidFill>
+                <a:schemeClr val="tx1">
+                  <a:lumMod val="95000"/>
+                  <a:lumOff val="5000"/>
+                </a:schemeClr>
+              </a:solidFill>
+            </a:endParaRPr>
+          </a:p>
+        </p:txBody>
+      </p:sp>
+      <p:sp>
+        <p:nvSpPr>
+          <p:cNvPr id="12" name="Marcador de Posição da Data 4"/>
+          <p:cNvSpPr txBox="1">
+            <a:spLocks/>
+          </p:cNvSpPr>
+          <p:nvPr/>
+        </p:nvSpPr>
+        <p:spPr>
+          <a:xfrm>
+            <a:off x="350168" y="4840002"/>
+            <a:ext cx="2133600" cy="273844"/>
+          </a:xfrm>
+          <a:prstGeom prst="rect">
+            <a:avLst/>
+          </a:prstGeom>
+        </p:spPr>
+        <p:txBody>
+          <a:bodyPr vert="horz" lIns="91440" tIns="45720" rIns="91440" bIns="45720" rtlCol="0" anchor="ctr"/>
+          <a:lstStyle>
+            <a:defPPr>
+              <a:defRPr lang="pt-PT"/>
+            </a:defPPr>
+            <a:lvl1pPr marL="0" algn="l" defTabSz="914400" rtl="0" eaLnBrk="1" latinLnBrk="0" hangingPunct="1">
+              <a:defRPr sz="1200" kern="1200">
+                <a:solidFill>
+                  <a:schemeClr val="tx1">
+                    <a:tint val="75000"/>
+                  </a:schemeClr>
+                </a:solidFill>
+                <a:latin typeface="+mn-lt"/>
+                <a:ea typeface="+mn-ea"/>
+                <a:cs typeface="+mn-cs"/>
+              </a:defRPr>
+            </a:lvl1pPr>
+            <a:lvl2pPr marL="457200" algn="l" defTabSz="914400" rtl="0" eaLnBrk="1" latinLnBrk="0" hangingPunct="1">
+              <a:defRPr sz="1800" kern="1200">
+                <a:solidFill>
+                  <a:schemeClr val="tx1"/>
+                </a:solidFill>
+                <a:latin typeface="+mn-lt"/>
+                <a:ea typeface="+mn-ea"/>
+                <a:cs typeface="+mn-cs"/>
+              </a:defRPr>
+            </a:lvl2pPr>
+            <a:lvl3pPr marL="914400" algn="l" defTabSz="914400" rtl="0" eaLnBrk="1" latinLnBrk="0" hangingPunct="1">
+              <a:defRPr sz="1800" kern="1200">
+                <a:solidFill>
+                  <a:schemeClr val="tx1"/>
+                </a:solidFill>
+                <a:latin typeface="+mn-lt"/>
+                <a:ea typeface="+mn-ea"/>
+                <a:cs typeface="+mn-cs"/>
+              </a:defRPr>
+            </a:lvl3pPr>
+            <a:lvl4pPr marL="1371600" algn="l" defTabSz="914400" rtl="0" eaLnBrk="1" latinLnBrk="0" hangingPunct="1">
+              <a:defRPr sz="1800" kern="1200">
+                <a:solidFill>
+                  <a:schemeClr val="tx1"/>
+                </a:solidFill>
+                <a:latin typeface="+mn-lt"/>
+                <a:ea typeface="+mn-ea"/>
+                <a:cs typeface="+mn-cs"/>
+              </a:defRPr>
+            </a:lvl4pPr>
+            <a:lvl5pPr marL="1828800" algn="l" defTabSz="914400" rtl="0" eaLnBrk="1" latinLnBrk="0" hangingPunct="1">
+              <a:defRPr sz="1800" kern="1200">
+                <a:solidFill>
+                  <a:schemeClr val="tx1"/>
+                </a:solidFill>
+                <a:latin typeface="+mn-lt"/>
+                <a:ea typeface="+mn-ea"/>
+                <a:cs typeface="+mn-cs"/>
+              </a:defRPr>
+            </a:lvl5pPr>
+            <a:lvl6pPr marL="2286000" algn="l" defTabSz="914400" rtl="0" eaLnBrk="1" latinLnBrk="0" hangingPunct="1">
+              <a:defRPr sz="1800" kern="1200">
+                <a:solidFill>
+                  <a:schemeClr val="tx1"/>
+                </a:solidFill>
+                <a:latin typeface="+mn-lt"/>
+                <a:ea typeface="+mn-ea"/>
+                <a:cs typeface="+mn-cs"/>
+              </a:defRPr>
+            </a:lvl6pPr>
+            <a:lvl7pPr marL="2743200" algn="l" defTabSz="914400" rtl="0" eaLnBrk="1" latinLnBrk="0" hangingPunct="1">
+              <a:defRPr sz="1800" kern="1200">
+                <a:solidFill>
+                  <a:schemeClr val="tx1"/>
+                </a:solidFill>
+                <a:latin typeface="+mn-lt"/>
+                <a:ea typeface="+mn-ea"/>
+                <a:cs typeface="+mn-cs"/>
+              </a:defRPr>
+            </a:lvl7pPr>
+            <a:lvl8pPr marL="3200400" algn="l" defTabSz="914400" rtl="0" eaLnBrk="1" latinLnBrk="0" hangingPunct="1">
+              <a:defRPr sz="1800" kern="1200">
+                <a:solidFill>
+                  <a:schemeClr val="tx1"/>
+                </a:solidFill>
+                <a:latin typeface="+mn-lt"/>
+                <a:ea typeface="+mn-ea"/>
+                <a:cs typeface="+mn-cs"/>
+              </a:defRPr>
+            </a:lvl8pPr>
+            <a:lvl9pPr marL="3657600" algn="l" defTabSz="914400" rtl="0" eaLnBrk="1" latinLnBrk="0" hangingPunct="1">
+              <a:defRPr sz="1800" kern="1200">
+                <a:solidFill>
+                  <a:schemeClr val="tx1"/>
+                </a:solidFill>
+                <a:latin typeface="+mn-lt"/>
+                <a:ea typeface="+mn-ea"/>
+                <a:cs typeface="+mn-cs"/>
+              </a:defRPr>
+            </a:lvl9pPr>
+          </a:lstStyle>
+          <a:p>
+            <a:fld id="{C2DE1785-620F-4DE8-A7D0-6CC8413DFAC9}" type="datetime1">
+              <a:rPr lang="pt-PT" sz="800" b="1" smtClean="0"/>
+              <a:pPr/>
+              <a:t>06/11/20</a:t>
             </a:fld>
             <a:endParaRPr lang="pt-PT" sz="800" b="1" dirty="0"/>
           </a:p>
@@ -12220,10 +19766,22 @@
   <p:clrMapOvr>
     <a:masterClrMapping/>
   </p:clrMapOvr>
+  <mc:AlternateContent xmlns:mc="http://schemas.openxmlformats.org/markup-compatibility/2006">
+    <mc:Choice xmlns:p159="http://schemas.microsoft.com/office/powerpoint/2015/09/main" Requires="p159">
+      <p:transition xmlns:p14="http://schemas.microsoft.com/office/powerpoint/2010/main" spd="slow" p14:dur="2000">
+        <p159:morph option="byObject"/>
+      </p:transition>
+    </mc:Choice>
+    <mc:Fallback>
+      <p:transition spd="slow">
+        <p:fade/>
+      </p:transition>
+    </mc:Fallback>
+  </mc:AlternateContent>
 </p:sld>
 </file>
 
-<file path=ppt/slides/slide6.xml><?xml version="1.0" encoding="utf-8"?>
+<file path=ppt/slides/slide7.xml><?xml version="1.0" encoding="utf-8"?>
 <p:sld xmlns:a="http://schemas.openxmlformats.org/drawingml/2006/main" xmlns:r="http://schemas.openxmlformats.org/officeDocument/2006/relationships" xmlns:p="http://schemas.openxmlformats.org/presentationml/2006/main">
   <p:cSld>
     <p:spTree>
@@ -12574,7 +20132,7 @@
             <a:fld id="{C2DE1785-620F-4DE8-A7D0-6CC8413DFAC9}" type="datetime1">
               <a:rPr lang="pt-PT" sz="800" b="1" smtClean="0"/>
               <a:pPr/>
-              <a:t>06/11/2020</a:t>
+              <a:t>06/11/20</a:t>
             </a:fld>
             <a:endParaRPr lang="pt-PT" sz="800" b="1" dirty="0"/>
           </a:p>
@@ -12808,10 +20366,22 @@
   <p:clrMapOvr>
     <a:masterClrMapping/>
   </p:clrMapOvr>
+  <mc:AlternateContent xmlns:mc="http://schemas.openxmlformats.org/markup-compatibility/2006">
+    <mc:Choice xmlns:p159="http://schemas.microsoft.com/office/powerpoint/2015/09/main" Requires="p159">
+      <p:transition xmlns:p14="http://schemas.microsoft.com/office/powerpoint/2010/main" spd="slow" p14:dur="2000">
+        <p159:morph option="byObject"/>
+      </p:transition>
+    </mc:Choice>
+    <mc:Fallback>
+      <p:transition spd="slow">
+        <p:fade/>
+      </p:transition>
+    </mc:Fallback>
+  </mc:AlternateContent>
 </p:sld>
 </file>
 
-<file path=ppt/slides/slide7.xml><?xml version="1.0" encoding="utf-8"?>
+<file path=ppt/slides/slide8.xml><?xml version="1.0" encoding="utf-8"?>
 <p:sld xmlns:a="http://schemas.openxmlformats.org/drawingml/2006/main" xmlns:r="http://schemas.openxmlformats.org/officeDocument/2006/relationships" xmlns:p="http://schemas.openxmlformats.org/presentationml/2006/main">
   <p:cSld>
     <p:spTree>
@@ -13162,7 +20732,7 @@
             <a:fld id="{C2DE1785-620F-4DE8-A7D0-6CC8413DFAC9}" type="datetime1">
               <a:rPr lang="pt-PT" sz="800" b="1" smtClean="0"/>
               <a:pPr/>
-              <a:t>06/11/2020</a:t>
+              <a:t>06/11/20</a:t>
             </a:fld>
             <a:endParaRPr lang="pt-PT" sz="800" b="1" dirty="0"/>
           </a:p>
@@ -13396,10 +20966,22 @@
   <p:clrMapOvr>
     <a:masterClrMapping/>
   </p:clrMapOvr>
+  <mc:AlternateContent xmlns:mc="http://schemas.openxmlformats.org/markup-compatibility/2006">
+    <mc:Choice xmlns:p159="http://schemas.microsoft.com/office/powerpoint/2015/09/main" Requires="p159">
+      <p:transition xmlns:p14="http://schemas.microsoft.com/office/powerpoint/2010/main" spd="slow" p14:dur="2000">
+        <p159:morph option="byObject"/>
+      </p:transition>
+    </mc:Choice>
+    <mc:Fallback>
+      <p:transition spd="slow">
+        <p:fade/>
+      </p:transition>
+    </mc:Fallback>
+  </mc:AlternateContent>
 </p:sld>
 </file>
 
-<file path=ppt/slides/slide8.xml><?xml version="1.0" encoding="utf-8"?>
+<file path=ppt/slides/slide9.xml><?xml version="1.0" encoding="utf-8"?>
 <p:sld xmlns:a="http://schemas.openxmlformats.org/drawingml/2006/main" xmlns:r="http://schemas.openxmlformats.org/officeDocument/2006/relationships" xmlns:p="http://schemas.openxmlformats.org/presentationml/2006/main">
   <p:cSld>
     <p:spTree>
@@ -13750,7 +21332,7 @@
             <a:fld id="{C2DE1785-620F-4DE8-A7D0-6CC8413DFAC9}" type="datetime1">
               <a:rPr lang="pt-PT" sz="800" b="1" smtClean="0"/>
               <a:pPr/>
-              <a:t>06/11/2020</a:t>
+              <a:t>06/11/20</a:t>
             </a:fld>
             <a:endParaRPr lang="pt-PT" sz="800" b="1" dirty="0"/>
           </a:p>
@@ -13891,550 +21473,18 @@
   <p:clrMapOvr>
     <a:masterClrMapping/>
   </p:clrMapOvr>
-</p:sld>
-</file>
-
-<file path=ppt/slides/slide9.xml><?xml version="1.0" encoding="utf-8"?>
-<p:sld xmlns:a="http://schemas.openxmlformats.org/drawingml/2006/main" xmlns:r="http://schemas.openxmlformats.org/officeDocument/2006/relationships" xmlns:p="http://schemas.openxmlformats.org/presentationml/2006/main">
-  <p:cSld>
-    <p:spTree>
-      <p:nvGrpSpPr>
-        <p:cNvPr id="1" name=""/>
-        <p:cNvGrpSpPr/>
-        <p:nvPr/>
-      </p:nvGrpSpPr>
-      <p:grpSpPr>
-        <a:xfrm>
-          <a:off x="0" y="0"/>
-          <a:ext cx="0" cy="0"/>
-          <a:chOff x="0" y="0"/>
-          <a:chExt cx="0" cy="0"/>
-        </a:xfrm>
-      </p:grpSpPr>
-      <p:sp>
-        <p:nvSpPr>
-          <p:cNvPr id="17" name="Rectângulo 16"/>
-          <p:cNvSpPr/>
-          <p:nvPr/>
-        </p:nvSpPr>
-        <p:spPr>
-          <a:xfrm>
-            <a:off x="-6749" y="-23598"/>
-            <a:ext cx="9144000" cy="4840002"/>
-          </a:xfrm>
-          <a:prstGeom prst="rect">
-            <a:avLst/>
-          </a:prstGeom>
-          <a:solidFill>
-            <a:schemeClr val="bg1">
-              <a:lumMod val="95000"/>
-            </a:schemeClr>
-          </a:solidFill>
-          <a:ln>
-            <a:noFill/>
-          </a:ln>
-        </p:spPr>
-        <p:style>
-          <a:lnRef idx="2">
-            <a:schemeClr val="accent1">
-              <a:shade val="50000"/>
-            </a:schemeClr>
-          </a:lnRef>
-          <a:fillRef idx="1">
-            <a:schemeClr val="accent1"/>
-          </a:fillRef>
-          <a:effectRef idx="0">
-            <a:schemeClr val="accent1"/>
-          </a:effectRef>
-          <a:fontRef idx="minor">
-            <a:schemeClr val="lt1"/>
-          </a:fontRef>
-        </p:style>
-        <p:txBody>
-          <a:bodyPr rtlCol="0" anchor="ctr"/>
-          <a:lstStyle/>
-          <a:p>
-            <a:pPr algn="ctr"/>
-            <a:endParaRPr lang="pt-PT"/>
-          </a:p>
-        </p:txBody>
-      </p:sp>
-      <p:sp>
-        <p:nvSpPr>
-          <p:cNvPr id="9" name="Título 1"/>
-          <p:cNvSpPr txBox="1">
-            <a:spLocks/>
-          </p:cNvSpPr>
-          <p:nvPr/>
-        </p:nvSpPr>
-        <p:spPr>
-          <a:xfrm>
-            <a:off x="323528" y="357504"/>
-            <a:ext cx="6838528" cy="433871"/>
-          </a:xfrm>
-          <a:prstGeom prst="rect">
-            <a:avLst/>
-          </a:prstGeom>
-        </p:spPr>
-        <p:txBody>
-          <a:bodyPr vert="horz" lIns="91440" tIns="45720" rIns="91440" bIns="45720" rtlCol="0" anchor="ctr">
-            <a:normAutofit fontScale="85000" lnSpcReduction="20000"/>
-          </a:bodyPr>
-          <a:lstStyle>
-            <a:lvl1pPr algn="ctr" defTabSz="914400" rtl="0" eaLnBrk="1" latinLnBrk="0" hangingPunct="1">
-              <a:spcBef>
-                <a:spcPct val="0"/>
-              </a:spcBef>
-              <a:buNone/>
-              <a:defRPr sz="4400" kern="1200">
-                <a:solidFill>
-                  <a:schemeClr val="tx1"/>
-                </a:solidFill>
-                <a:latin typeface="+mj-lt"/>
-                <a:ea typeface="+mj-ea"/>
-                <a:cs typeface="+mj-cs"/>
-              </a:defRPr>
-            </a:lvl1pPr>
-          </a:lstStyle>
-          <a:p>
-            <a:pPr algn="l"/>
-            <a:r>
-              <a:rPr lang="pt-PT" sz="3200" b="1" dirty="0" err="1">
-                <a:solidFill>
-                  <a:schemeClr val="tx1">
-                    <a:lumMod val="95000"/>
-                    <a:lumOff val="5000"/>
-                  </a:schemeClr>
-                </a:solidFill>
-                <a:latin typeface="+mn-lt"/>
-              </a:rPr>
-              <a:t>Mockups</a:t>
-            </a:r>
-            <a:endParaRPr lang="pt-PT" sz="3200" b="1" dirty="0">
-              <a:solidFill>
-                <a:schemeClr val="tx1">
-                  <a:lumMod val="95000"/>
-                  <a:lumOff val="5000"/>
-                </a:schemeClr>
-              </a:solidFill>
-              <a:latin typeface="+mn-lt"/>
-            </a:endParaRPr>
-          </a:p>
-        </p:txBody>
-      </p:sp>
-      <p:cxnSp>
-        <p:nvCxnSpPr>
-          <p:cNvPr id="11" name="Conexão recta 10"/>
-          <p:cNvCxnSpPr/>
-          <p:nvPr/>
-        </p:nvCxnSpPr>
-        <p:spPr>
-          <a:xfrm>
-            <a:off x="428130" y="789552"/>
-            <a:ext cx="5512022" cy="0"/>
-          </a:xfrm>
-          <a:prstGeom prst="line">
-            <a:avLst/>
-          </a:prstGeom>
-          <a:ln w="28575">
-            <a:solidFill>
-              <a:schemeClr val="tx1">
-                <a:lumMod val="95000"/>
-                <a:lumOff val="5000"/>
-              </a:schemeClr>
-            </a:solidFill>
-          </a:ln>
-        </p:spPr>
-        <p:style>
-          <a:lnRef idx="1">
-            <a:schemeClr val="accent1"/>
-          </a:lnRef>
-          <a:fillRef idx="0">
-            <a:schemeClr val="accent1"/>
-          </a:fillRef>
-          <a:effectRef idx="0">
-            <a:schemeClr val="accent1"/>
-          </a:effectRef>
-          <a:fontRef idx="minor">
-            <a:schemeClr val="tx1"/>
-          </a:fontRef>
-        </p:style>
-      </p:cxnSp>
-      <p:sp>
-        <p:nvSpPr>
-          <p:cNvPr id="16" name="Título 1"/>
-          <p:cNvSpPr txBox="1">
-            <a:spLocks/>
-          </p:cNvSpPr>
-          <p:nvPr/>
-        </p:nvSpPr>
-        <p:spPr>
-          <a:xfrm>
-            <a:off x="323528" y="195487"/>
-            <a:ext cx="6587616" cy="252329"/>
-          </a:xfrm>
-          <a:prstGeom prst="rect">
-            <a:avLst/>
-          </a:prstGeom>
-        </p:spPr>
-        <p:txBody>
-          <a:bodyPr vert="horz" lIns="91440" tIns="45720" rIns="91440" bIns="45720" rtlCol="0" anchor="ctr">
-            <a:normAutofit/>
-          </a:bodyPr>
-          <a:lstStyle>
-            <a:lvl1pPr algn="ctr" defTabSz="914400" rtl="0" eaLnBrk="1" latinLnBrk="0" hangingPunct="1">
-              <a:spcBef>
-                <a:spcPct val="0"/>
-              </a:spcBef>
-              <a:buNone/>
-              <a:defRPr sz="4400" kern="1200">
-                <a:solidFill>
-                  <a:schemeClr val="tx1"/>
-                </a:solidFill>
-                <a:latin typeface="+mj-lt"/>
-                <a:ea typeface="+mj-ea"/>
-                <a:cs typeface="+mj-cs"/>
-              </a:defRPr>
-            </a:lvl1pPr>
-          </a:lstStyle>
-          <a:p>
-            <a:pPr algn="l"/>
-            <a:r>
-              <a:rPr lang="pt-PT" sz="1000" b="1" dirty="0">
-                <a:solidFill>
-                  <a:schemeClr val="tx1">
-                    <a:lumMod val="95000"/>
-                    <a:lumOff val="5000"/>
-                  </a:schemeClr>
-                </a:solidFill>
-                <a:latin typeface="+mn-lt"/>
-              </a:rPr>
-              <a:t>SARAMAGO</a:t>
-            </a:r>
-            <a:endParaRPr lang="pt-PT" sz="1000" dirty="0">
-              <a:solidFill>
-                <a:schemeClr val="tx1">
-                  <a:lumMod val="95000"/>
-                  <a:lumOff val="5000"/>
-                </a:schemeClr>
-              </a:solidFill>
-              <a:latin typeface="+mn-lt"/>
-            </a:endParaRPr>
-          </a:p>
-          <a:p>
-            <a:pPr algn="l"/>
-            <a:endParaRPr lang="pt-PT" sz="1000" b="1" dirty="0">
-              <a:solidFill>
-                <a:schemeClr val="tx1">
-                  <a:lumMod val="95000"/>
-                  <a:lumOff val="5000"/>
-                </a:schemeClr>
-              </a:solidFill>
-            </a:endParaRPr>
-          </a:p>
-        </p:txBody>
-      </p:sp>
-      <p:sp>
-        <p:nvSpPr>
-          <p:cNvPr id="12" name="Marcador de Posição da Data 4"/>
-          <p:cNvSpPr txBox="1">
-            <a:spLocks/>
-          </p:cNvSpPr>
-          <p:nvPr/>
-        </p:nvSpPr>
-        <p:spPr>
-          <a:xfrm>
-            <a:off x="350168" y="4840002"/>
-            <a:ext cx="2133600" cy="273844"/>
-          </a:xfrm>
-          <a:prstGeom prst="rect">
-            <a:avLst/>
-          </a:prstGeom>
-        </p:spPr>
-        <p:txBody>
-          <a:bodyPr vert="horz" lIns="91440" tIns="45720" rIns="91440" bIns="45720" rtlCol="0" anchor="ctr"/>
-          <a:lstStyle>
-            <a:defPPr>
-              <a:defRPr lang="pt-PT"/>
-            </a:defPPr>
-            <a:lvl1pPr marL="0" algn="l" defTabSz="914400" rtl="0" eaLnBrk="1" latinLnBrk="0" hangingPunct="1">
-              <a:defRPr sz="1200" kern="1200">
-                <a:solidFill>
-                  <a:schemeClr val="tx1">
-                    <a:tint val="75000"/>
-                  </a:schemeClr>
-                </a:solidFill>
-                <a:latin typeface="+mn-lt"/>
-                <a:ea typeface="+mn-ea"/>
-                <a:cs typeface="+mn-cs"/>
-              </a:defRPr>
-            </a:lvl1pPr>
-            <a:lvl2pPr marL="457200" algn="l" defTabSz="914400" rtl="0" eaLnBrk="1" latinLnBrk="0" hangingPunct="1">
-              <a:defRPr sz="1800" kern="1200">
-                <a:solidFill>
-                  <a:schemeClr val="tx1"/>
-                </a:solidFill>
-                <a:latin typeface="+mn-lt"/>
-                <a:ea typeface="+mn-ea"/>
-                <a:cs typeface="+mn-cs"/>
-              </a:defRPr>
-            </a:lvl2pPr>
-            <a:lvl3pPr marL="914400" algn="l" defTabSz="914400" rtl="0" eaLnBrk="1" latinLnBrk="0" hangingPunct="1">
-              <a:defRPr sz="1800" kern="1200">
-                <a:solidFill>
-                  <a:schemeClr val="tx1"/>
-                </a:solidFill>
-                <a:latin typeface="+mn-lt"/>
-                <a:ea typeface="+mn-ea"/>
-                <a:cs typeface="+mn-cs"/>
-              </a:defRPr>
-            </a:lvl3pPr>
-            <a:lvl4pPr marL="1371600" algn="l" defTabSz="914400" rtl="0" eaLnBrk="1" latinLnBrk="0" hangingPunct="1">
-              <a:defRPr sz="1800" kern="1200">
-                <a:solidFill>
-                  <a:schemeClr val="tx1"/>
-                </a:solidFill>
-                <a:latin typeface="+mn-lt"/>
-                <a:ea typeface="+mn-ea"/>
-                <a:cs typeface="+mn-cs"/>
-              </a:defRPr>
-            </a:lvl4pPr>
-            <a:lvl5pPr marL="1828800" algn="l" defTabSz="914400" rtl="0" eaLnBrk="1" latinLnBrk="0" hangingPunct="1">
-              <a:defRPr sz="1800" kern="1200">
-                <a:solidFill>
-                  <a:schemeClr val="tx1"/>
-                </a:solidFill>
-                <a:latin typeface="+mn-lt"/>
-                <a:ea typeface="+mn-ea"/>
-                <a:cs typeface="+mn-cs"/>
-              </a:defRPr>
-            </a:lvl5pPr>
-            <a:lvl6pPr marL="2286000" algn="l" defTabSz="914400" rtl="0" eaLnBrk="1" latinLnBrk="0" hangingPunct="1">
-              <a:defRPr sz="1800" kern="1200">
-                <a:solidFill>
-                  <a:schemeClr val="tx1"/>
-                </a:solidFill>
-                <a:latin typeface="+mn-lt"/>
-                <a:ea typeface="+mn-ea"/>
-                <a:cs typeface="+mn-cs"/>
-              </a:defRPr>
-            </a:lvl6pPr>
-            <a:lvl7pPr marL="2743200" algn="l" defTabSz="914400" rtl="0" eaLnBrk="1" latinLnBrk="0" hangingPunct="1">
-              <a:defRPr sz="1800" kern="1200">
-                <a:solidFill>
-                  <a:schemeClr val="tx1"/>
-                </a:solidFill>
-                <a:latin typeface="+mn-lt"/>
-                <a:ea typeface="+mn-ea"/>
-                <a:cs typeface="+mn-cs"/>
-              </a:defRPr>
-            </a:lvl7pPr>
-            <a:lvl8pPr marL="3200400" algn="l" defTabSz="914400" rtl="0" eaLnBrk="1" latinLnBrk="0" hangingPunct="1">
-              <a:defRPr sz="1800" kern="1200">
-                <a:solidFill>
-                  <a:schemeClr val="tx1"/>
-                </a:solidFill>
-                <a:latin typeface="+mn-lt"/>
-                <a:ea typeface="+mn-ea"/>
-                <a:cs typeface="+mn-cs"/>
-              </a:defRPr>
-            </a:lvl8pPr>
-            <a:lvl9pPr marL="3657600" algn="l" defTabSz="914400" rtl="0" eaLnBrk="1" latinLnBrk="0" hangingPunct="1">
-              <a:defRPr sz="1800" kern="1200">
-                <a:solidFill>
-                  <a:schemeClr val="tx1"/>
-                </a:solidFill>
-                <a:latin typeface="+mn-lt"/>
-                <a:ea typeface="+mn-ea"/>
-                <a:cs typeface="+mn-cs"/>
-              </a:defRPr>
-            </a:lvl9pPr>
-          </a:lstStyle>
-          <a:p>
-            <a:fld id="{C2DE1785-620F-4DE8-A7D0-6CC8413DFAC9}" type="datetime1">
-              <a:rPr lang="pt-PT" sz="800" b="1" smtClean="0"/>
-              <a:pPr/>
-              <a:t>06/11/2020</a:t>
-            </a:fld>
-            <a:endParaRPr lang="pt-PT" sz="800" b="1" dirty="0"/>
-          </a:p>
-        </p:txBody>
-      </p:sp>
-      <p:sp>
-        <p:nvSpPr>
-          <p:cNvPr id="18" name="Marcador de Posição do Rodapé 6"/>
-          <p:cNvSpPr txBox="1">
-            <a:spLocks/>
-          </p:cNvSpPr>
-          <p:nvPr/>
-        </p:nvSpPr>
-        <p:spPr>
-          <a:xfrm>
-            <a:off x="3124200" y="4840002"/>
-            <a:ext cx="2895600" cy="273844"/>
-          </a:xfrm>
-          <a:prstGeom prst="rect">
-            <a:avLst/>
-          </a:prstGeom>
-        </p:spPr>
-        <p:txBody>
-          <a:bodyPr vert="horz" lIns="91440" tIns="45720" rIns="91440" bIns="45720" rtlCol="0" anchor="ctr"/>
-          <a:lstStyle>
-            <a:defPPr>
-              <a:defRPr lang="pt-PT"/>
-            </a:defPPr>
-            <a:lvl1pPr marL="0" algn="ctr" defTabSz="914400" rtl="0" eaLnBrk="1" latinLnBrk="0" hangingPunct="1">
-              <a:defRPr sz="1200" kern="1200">
-                <a:solidFill>
-                  <a:schemeClr val="tx1">
-                    <a:tint val="75000"/>
-                  </a:schemeClr>
-                </a:solidFill>
-                <a:latin typeface="+mn-lt"/>
-                <a:ea typeface="+mn-ea"/>
-                <a:cs typeface="+mn-cs"/>
-              </a:defRPr>
-            </a:lvl1pPr>
-            <a:lvl2pPr marL="457200" algn="l" defTabSz="914400" rtl="0" eaLnBrk="1" latinLnBrk="0" hangingPunct="1">
-              <a:defRPr sz="1800" kern="1200">
-                <a:solidFill>
-                  <a:schemeClr val="tx1"/>
-                </a:solidFill>
-                <a:latin typeface="+mn-lt"/>
-                <a:ea typeface="+mn-ea"/>
-                <a:cs typeface="+mn-cs"/>
-              </a:defRPr>
-            </a:lvl2pPr>
-            <a:lvl3pPr marL="914400" algn="l" defTabSz="914400" rtl="0" eaLnBrk="1" latinLnBrk="0" hangingPunct="1">
-              <a:defRPr sz="1800" kern="1200">
-                <a:solidFill>
-                  <a:schemeClr val="tx1"/>
-                </a:solidFill>
-                <a:latin typeface="+mn-lt"/>
-                <a:ea typeface="+mn-ea"/>
-                <a:cs typeface="+mn-cs"/>
-              </a:defRPr>
-            </a:lvl3pPr>
-            <a:lvl4pPr marL="1371600" algn="l" defTabSz="914400" rtl="0" eaLnBrk="1" latinLnBrk="0" hangingPunct="1">
-              <a:defRPr sz="1800" kern="1200">
-                <a:solidFill>
-                  <a:schemeClr val="tx1"/>
-                </a:solidFill>
-                <a:latin typeface="+mn-lt"/>
-                <a:ea typeface="+mn-ea"/>
-                <a:cs typeface="+mn-cs"/>
-              </a:defRPr>
-            </a:lvl4pPr>
-            <a:lvl5pPr marL="1828800" algn="l" defTabSz="914400" rtl="0" eaLnBrk="1" latinLnBrk="0" hangingPunct="1">
-              <a:defRPr sz="1800" kern="1200">
-                <a:solidFill>
-                  <a:schemeClr val="tx1"/>
-                </a:solidFill>
-                <a:latin typeface="+mn-lt"/>
-                <a:ea typeface="+mn-ea"/>
-                <a:cs typeface="+mn-cs"/>
-              </a:defRPr>
-            </a:lvl5pPr>
-            <a:lvl6pPr marL="2286000" algn="l" defTabSz="914400" rtl="0" eaLnBrk="1" latinLnBrk="0" hangingPunct="1">
-              <a:defRPr sz="1800" kern="1200">
-                <a:solidFill>
-                  <a:schemeClr val="tx1"/>
-                </a:solidFill>
-                <a:latin typeface="+mn-lt"/>
-                <a:ea typeface="+mn-ea"/>
-                <a:cs typeface="+mn-cs"/>
-              </a:defRPr>
-            </a:lvl6pPr>
-            <a:lvl7pPr marL="2743200" algn="l" defTabSz="914400" rtl="0" eaLnBrk="1" latinLnBrk="0" hangingPunct="1">
-              <a:defRPr sz="1800" kern="1200">
-                <a:solidFill>
-                  <a:schemeClr val="tx1"/>
-                </a:solidFill>
-                <a:latin typeface="+mn-lt"/>
-                <a:ea typeface="+mn-ea"/>
-                <a:cs typeface="+mn-cs"/>
-              </a:defRPr>
-            </a:lvl7pPr>
-            <a:lvl8pPr marL="3200400" algn="l" defTabSz="914400" rtl="0" eaLnBrk="1" latinLnBrk="0" hangingPunct="1">
-              <a:defRPr sz="1800" kern="1200">
-                <a:solidFill>
-                  <a:schemeClr val="tx1"/>
-                </a:solidFill>
-                <a:latin typeface="+mn-lt"/>
-                <a:ea typeface="+mn-ea"/>
-                <a:cs typeface="+mn-cs"/>
-              </a:defRPr>
-            </a:lvl8pPr>
-            <a:lvl9pPr marL="3657600" algn="l" defTabSz="914400" rtl="0" eaLnBrk="1" latinLnBrk="0" hangingPunct="1">
-              <a:defRPr sz="1800" kern="1200">
-                <a:solidFill>
-                  <a:schemeClr val="tx1"/>
-                </a:solidFill>
-                <a:latin typeface="+mn-lt"/>
-                <a:ea typeface="+mn-ea"/>
-                <a:cs typeface="+mn-cs"/>
-              </a:defRPr>
-            </a:lvl9pPr>
-          </a:lstStyle>
-          <a:p>
-            <a:r>
-              <a:rPr lang="pt-PT" sz="800" b="1"/>
-              <a:t>POLITÉCNICO DE LEIRIA</a:t>
-            </a:r>
-            <a:endParaRPr lang="pt-PT" sz="800" b="1" dirty="0"/>
-          </a:p>
-        </p:txBody>
-      </p:sp>
-      <p:pic>
-        <p:nvPicPr>
-          <p:cNvPr id="13" name="Marcador de Posição de Conteúdo 3">
-            <a:extLst>
-              <a:ext uri="{FF2B5EF4-FFF2-40B4-BE49-F238E27FC236}">
-                <a16:creationId xmlns:a16="http://schemas.microsoft.com/office/drawing/2014/main" id="{3106675C-FDED-144B-A505-79B56EA41422}"/>
-              </a:ext>
-            </a:extLst>
-          </p:cNvPr>
-          <p:cNvPicPr>
-            <a:picLocks noChangeAspect="1"/>
-          </p:cNvPicPr>
-          <p:nvPr/>
-        </p:nvPicPr>
-        <p:blipFill>
-          <a:blip r:embed="rId3"/>
-          <a:stretch>
-            <a:fillRect/>
-          </a:stretch>
-        </p:blipFill>
-        <p:spPr>
-          <a:xfrm>
-            <a:off x="3491880" y="1172477"/>
-            <a:ext cx="1983630" cy="3528063"/>
-          </a:xfrm>
-          <a:prstGeom prst="rect">
-            <a:avLst/>
-          </a:prstGeom>
-          <a:ln w="6350">
-            <a:solidFill>
-              <a:schemeClr val="tx1">
-                <a:alpha val="99000"/>
-              </a:schemeClr>
-            </a:solidFill>
-          </a:ln>
-          <a:effectLst>
-            <a:softEdge rad="0"/>
-          </a:effectLst>
-        </p:spPr>
-      </p:pic>
-    </p:spTree>
-    <p:extLst>
-      <p:ext uri="{BB962C8B-B14F-4D97-AF65-F5344CB8AC3E}">
-        <p14:creationId xmlns:p14="http://schemas.microsoft.com/office/powerpoint/2010/main" val="865288022"/>
-      </p:ext>
-    </p:extLst>
-  </p:cSld>
-  <p:clrMapOvr>
-    <a:masterClrMapping/>
-  </p:clrMapOvr>
+  <mc:AlternateContent xmlns:mc="http://schemas.openxmlformats.org/markup-compatibility/2006">
+    <mc:Choice xmlns:p159="http://schemas.microsoft.com/office/powerpoint/2015/09/main" Requires="p159">
+      <p:transition xmlns:p14="http://schemas.microsoft.com/office/powerpoint/2010/main" spd="slow" p14:dur="2000">
+        <p159:morph option="byObject"/>
+      </p:transition>
+    </mc:Choice>
+    <mc:Fallback>
+      <p:transition spd="slow">
+        <p:fade/>
+      </p:transition>
+    </mc:Fallback>
+  </mc:AlternateContent>
 </p:sld>
 </file>
 

--- a/documentacao/Especificacao_Sistema_Informacao/android/IPL-TeSP-AMSI-SARAMAGO.pptx
+++ b/documentacao/Especificacao_Sistema_Informacao/android/IPL-TeSP-AMSI-SARAMAGO.pptx
@@ -1,6 +1,6 @@
 
 <file path=ppt/presentation.xml><?xml version="1.0" encoding="utf-8"?>
-<p:presentation xmlns:a="http://schemas.openxmlformats.org/drawingml/2006/main" xmlns:r="http://schemas.openxmlformats.org/officeDocument/2006/relationships" xmlns:p="http://schemas.openxmlformats.org/presentationml/2006/main" saveSubsetFonts="1">
+<p:presentation xmlns:a="http://schemas.openxmlformats.org/drawingml/2006/main" xmlns:r="http://schemas.openxmlformats.org/officeDocument/2006/relationships" xmlns:p="http://schemas.openxmlformats.org/presentationml/2006/main" showSpecialPlsOnTitleSld="0" saveSubsetFonts="1">
   <p:sldMasterIdLst>
     <p:sldMasterId id="2147483672" r:id="rId1"/>
     <p:sldMasterId id="2147483684" r:id="rId2"/>
@@ -244,7 +244,7 @@
           <a:p>
             <a:fld id="{5AA774DA-5E7A-4E8E-9D7E-8A8FDC2213D4}" type="datetimeFigureOut">
               <a:rPr lang="pt-PT" smtClean="0"/>
-              <a:t>06/11/20</a:t>
+              <a:t>06/11/2020</a:t>
             </a:fld>
             <a:endParaRPr lang="pt-PT"/>
           </a:p>
@@ -409,7 +409,7 @@
           <a:p>
             <a:fld id="{943A8C7F-B61F-4F96-990B-EDC6C319C29A}" type="datetimeFigureOut">
               <a:rPr lang="pt-PT" smtClean="0"/>
-              <a:t>06/11/20</a:t>
+              <a:t>06/11/2020</a:t>
             </a:fld>
             <a:endParaRPr lang="pt-PT"/>
           </a:p>
@@ -3443,10 +3443,6 @@
           <a:bodyPr/>
           <a:lstStyle/>
           <a:p>
-            <a:fld id="{072B68A2-DF16-4934-A34C-AA80396E6A53}" type="datetime1">
-              <a:rPr lang="pt-PT" smtClean="0"/>
-              <a:t>06/11/20</a:t>
-            </a:fld>
             <a:endParaRPr lang="pt-PT"/>
           </a:p>
         </p:txBody>
@@ -3466,10 +3462,7 @@
           <a:bodyPr/>
           <a:lstStyle/>
           <a:p>
-            <a:r>
-              <a:rPr lang="pt-PT"/>
-              <a:t>POLITÉCNICO DE LEIRIA</a:t>
-            </a:r>
+            <a:endParaRPr lang="pt-PT"/>
           </a:p>
         </p:txBody>
       </p:sp>
@@ -3624,10 +3617,6 @@
           <a:bodyPr/>
           <a:lstStyle/>
           <a:p>
-            <a:fld id="{BF0AC927-E5F3-4086-A648-4C4C56843793}" type="datetime1">
-              <a:rPr lang="pt-PT" smtClean="0"/>
-              <a:t>06/11/20</a:t>
-            </a:fld>
             <a:endParaRPr lang="pt-PT"/>
           </a:p>
         </p:txBody>
@@ -3647,10 +3636,7 @@
           <a:bodyPr/>
           <a:lstStyle/>
           <a:p>
-            <a:r>
-              <a:rPr lang="pt-PT"/>
-              <a:t>POLITÉCNICO DE LEIRIA</a:t>
-            </a:r>
+            <a:endParaRPr lang="pt-PT"/>
           </a:p>
         </p:txBody>
       </p:sp>
@@ -3867,10 +3853,6 @@
           <a:bodyPr/>
           <a:lstStyle/>
           <a:p>
-            <a:fld id="{C9BD1F6B-DEBF-4E8C-A34C-A26C9DE8A19D}" type="datetimeFigureOut">
-              <a:rPr lang="pt-PT" smtClean="0"/>
-              <a:t>06/11/20</a:t>
-            </a:fld>
             <a:endParaRPr lang="pt-PT"/>
           </a:p>
         </p:txBody>
@@ -4035,10 +4017,6 @@
           <a:bodyPr/>
           <a:lstStyle/>
           <a:p>
-            <a:fld id="{C9BD1F6B-DEBF-4E8C-A34C-A26C9DE8A19D}" type="datetimeFigureOut">
-              <a:rPr lang="pt-PT" smtClean="0"/>
-              <a:t>06/11/20</a:t>
-            </a:fld>
             <a:endParaRPr lang="pt-PT"/>
           </a:p>
         </p:txBody>
@@ -4280,10 +4258,6 @@
           <a:bodyPr/>
           <a:lstStyle/>
           <a:p>
-            <a:fld id="{C9BD1F6B-DEBF-4E8C-A34C-A26C9DE8A19D}" type="datetimeFigureOut">
-              <a:rPr lang="pt-PT" smtClean="0"/>
-              <a:t>06/11/20</a:t>
-            </a:fld>
             <a:endParaRPr lang="pt-PT"/>
           </a:p>
         </p:txBody>
@@ -4565,10 +4539,6 @@
           <a:bodyPr/>
           <a:lstStyle/>
           <a:p>
-            <a:fld id="{C9BD1F6B-DEBF-4E8C-A34C-A26C9DE8A19D}" type="datetimeFigureOut">
-              <a:rPr lang="pt-PT" smtClean="0"/>
-              <a:t>06/11/20</a:t>
-            </a:fld>
             <a:endParaRPr lang="pt-PT"/>
           </a:p>
         </p:txBody>
@@ -4984,10 +4954,6 @@
           <a:bodyPr/>
           <a:lstStyle/>
           <a:p>
-            <a:fld id="{C9BD1F6B-DEBF-4E8C-A34C-A26C9DE8A19D}" type="datetimeFigureOut">
-              <a:rPr lang="pt-PT" smtClean="0"/>
-              <a:t>06/11/20</a:t>
-            </a:fld>
             <a:endParaRPr lang="pt-PT"/>
           </a:p>
         </p:txBody>
@@ -5101,10 +5067,6 @@
           <a:bodyPr/>
           <a:lstStyle/>
           <a:p>
-            <a:fld id="{C9BD1F6B-DEBF-4E8C-A34C-A26C9DE8A19D}" type="datetimeFigureOut">
-              <a:rPr lang="pt-PT" smtClean="0"/>
-              <a:t>06/11/20</a:t>
-            </a:fld>
             <a:endParaRPr lang="pt-PT"/>
           </a:p>
         </p:txBody>
@@ -5196,10 +5158,6 @@
           <a:bodyPr/>
           <a:lstStyle/>
           <a:p>
-            <a:fld id="{C9BD1F6B-DEBF-4E8C-A34C-A26C9DE8A19D}" type="datetimeFigureOut">
-              <a:rPr lang="pt-PT" smtClean="0"/>
-              <a:t>06/11/20</a:t>
-            </a:fld>
             <a:endParaRPr lang="pt-PT"/>
           </a:p>
         </p:txBody>
@@ -5471,10 +5429,6 @@
           <a:bodyPr/>
           <a:lstStyle/>
           <a:p>
-            <a:fld id="{C9BD1F6B-DEBF-4E8C-A34C-A26C9DE8A19D}" type="datetimeFigureOut">
-              <a:rPr lang="pt-PT" smtClean="0"/>
-              <a:t>06/11/20</a:t>
-            </a:fld>
             <a:endParaRPr lang="pt-PT"/>
           </a:p>
         </p:txBody>
@@ -5753,10 +5707,6 @@
           <a:bodyPr/>
           <a:lstStyle/>
           <a:p>
-            <a:fld id="{C9BD1F6B-DEBF-4E8C-A34C-A26C9DE8A19D}" type="datetimeFigureOut">
-              <a:rPr lang="pt-PT" smtClean="0"/>
-              <a:t>06/11/20</a:t>
-            </a:fld>
             <a:endParaRPr lang="pt-PT"/>
           </a:p>
         </p:txBody>
@@ -5921,10 +5871,6 @@
           <a:bodyPr/>
           <a:lstStyle/>
           <a:p>
-            <a:fld id="{C9BD1F6B-DEBF-4E8C-A34C-A26C9DE8A19D}" type="datetimeFigureOut">
-              <a:rPr lang="pt-PT" smtClean="0"/>
-              <a:t>06/11/20</a:t>
-            </a:fld>
             <a:endParaRPr lang="pt-PT"/>
           </a:p>
         </p:txBody>
@@ -6099,10 +6045,6 @@
           <a:bodyPr/>
           <a:lstStyle/>
           <a:p>
-            <a:fld id="{C9BD1F6B-DEBF-4E8C-A34C-A26C9DE8A19D}" type="datetimeFigureOut">
-              <a:rPr lang="pt-PT" smtClean="0"/>
-              <a:t>06/11/20</a:t>
-            </a:fld>
             <a:endParaRPr lang="pt-PT"/>
           </a:p>
         </p:txBody>
@@ -6344,10 +6286,6 @@
           <a:bodyPr/>
           <a:lstStyle/>
           <a:p>
-            <a:fld id="{82F8E6BE-7169-4F30-B02D-127E17EFE7BD}" type="datetime1">
-              <a:rPr lang="pt-PT" smtClean="0"/>
-              <a:t>06/11/20</a:t>
-            </a:fld>
             <a:endParaRPr lang="pt-PT"/>
           </a:p>
         </p:txBody>
@@ -6367,10 +6305,7 @@
           <a:bodyPr/>
           <a:lstStyle/>
           <a:p>
-            <a:r>
-              <a:rPr lang="pt-PT"/>
-              <a:t>POLITÉCNICO DE LEIRIA</a:t>
-            </a:r>
+            <a:endParaRPr lang="pt-PT"/>
           </a:p>
         </p:txBody>
       </p:sp>
@@ -6632,10 +6567,6 @@
           <a:bodyPr/>
           <a:lstStyle/>
           <a:p>
-            <a:fld id="{44A775F6-5FDA-4ECF-8E58-4C28CD304AB8}" type="datetime1">
-              <a:rPr lang="pt-PT" smtClean="0"/>
-              <a:t>06/11/20</a:t>
-            </a:fld>
             <a:endParaRPr lang="pt-PT"/>
           </a:p>
         </p:txBody>
@@ -6655,10 +6586,7 @@
           <a:bodyPr/>
           <a:lstStyle/>
           <a:p>
-            <a:r>
-              <a:rPr lang="pt-PT"/>
-              <a:t>POLITÉCNICO DE LEIRIA</a:t>
-            </a:r>
+            <a:endParaRPr lang="pt-PT"/>
           </a:p>
         </p:txBody>
       </p:sp>
@@ -7054,10 +6982,6 @@
           <a:bodyPr/>
           <a:lstStyle/>
           <a:p>
-            <a:fld id="{36C954FD-F9EA-41F0-B432-C6B1E12C5B73}" type="datetime1">
-              <a:rPr lang="pt-PT" smtClean="0"/>
-              <a:t>06/11/20</a:t>
-            </a:fld>
             <a:endParaRPr lang="pt-PT"/>
           </a:p>
         </p:txBody>
@@ -7077,10 +7001,7 @@
           <a:bodyPr/>
           <a:lstStyle/>
           <a:p>
-            <a:r>
-              <a:rPr lang="pt-PT"/>
-              <a:t>POLITÉCNICO DE LEIRIA</a:t>
-            </a:r>
+            <a:endParaRPr lang="pt-PT"/>
           </a:p>
         </p:txBody>
       </p:sp>
@@ -7174,10 +7095,6 @@
           <a:bodyPr/>
           <a:lstStyle/>
           <a:p>
-            <a:fld id="{750D741E-6575-4855-A7C9-3E36F1663D6A}" type="datetime1">
-              <a:rPr lang="pt-PT" smtClean="0"/>
-              <a:t>06/11/20</a:t>
-            </a:fld>
             <a:endParaRPr lang="pt-PT"/>
           </a:p>
         </p:txBody>
@@ -7197,10 +7114,7 @@
           <a:bodyPr/>
           <a:lstStyle/>
           <a:p>
-            <a:r>
-              <a:rPr lang="pt-PT"/>
-              <a:t>POLITÉCNICO DE LEIRIA</a:t>
-            </a:r>
+            <a:endParaRPr lang="pt-PT"/>
           </a:p>
         </p:txBody>
       </p:sp>
@@ -7272,10 +7186,6 @@
           <a:bodyPr/>
           <a:lstStyle/>
           <a:p>
-            <a:fld id="{3E8A02DA-691F-499F-BD19-21E24581B95D}" type="datetime1">
-              <a:rPr lang="pt-PT" smtClean="0"/>
-              <a:t>06/11/20</a:t>
-            </a:fld>
             <a:endParaRPr lang="pt-PT"/>
           </a:p>
         </p:txBody>
@@ -7295,10 +7205,7 @@
           <a:bodyPr/>
           <a:lstStyle/>
           <a:p>
-            <a:r>
-              <a:rPr lang="pt-PT"/>
-              <a:t>POLITÉCNICO DE LEIRIA</a:t>
-            </a:r>
+            <a:endParaRPr lang="pt-PT"/>
           </a:p>
         </p:txBody>
       </p:sp>
@@ -7550,10 +7457,6 @@
           <a:bodyPr/>
           <a:lstStyle/>
           <a:p>
-            <a:fld id="{F8983301-41D7-48A1-82E3-854CFFE1DCBD}" type="datetime1">
-              <a:rPr lang="pt-PT" smtClean="0"/>
-              <a:t>06/11/20</a:t>
-            </a:fld>
             <a:endParaRPr lang="pt-PT"/>
           </a:p>
         </p:txBody>
@@ -7573,10 +7476,7 @@
           <a:bodyPr/>
           <a:lstStyle/>
           <a:p>
-            <a:r>
-              <a:rPr lang="pt-PT"/>
-              <a:t>POLITÉCNICO DE LEIRIA</a:t>
-            </a:r>
+            <a:endParaRPr lang="pt-PT"/>
           </a:p>
         </p:txBody>
       </p:sp>
@@ -7805,10 +7705,6 @@
           <a:bodyPr/>
           <a:lstStyle/>
           <a:p>
-            <a:fld id="{F7E7A2E2-E3D6-44B5-90B2-C5C9BC1DB37F}" type="datetime1">
-              <a:rPr lang="pt-PT" smtClean="0"/>
-              <a:t>06/11/20</a:t>
-            </a:fld>
             <a:endParaRPr lang="pt-PT"/>
           </a:p>
         </p:txBody>
@@ -7828,10 +7724,7 @@
           <a:bodyPr/>
           <a:lstStyle/>
           <a:p>
-            <a:r>
-              <a:rPr lang="pt-PT"/>
-              <a:t>POLITÉCNICO DE LEIRIA</a:t>
-            </a:r>
+            <a:endParaRPr lang="pt-PT"/>
           </a:p>
         </p:txBody>
       </p:sp>
@@ -8019,10 +7912,6 @@
             </a:lvl1pPr>
           </a:lstStyle>
           <a:p>
-            <a:fld id="{5AD6DE56-D669-499F-9E2A-D55F52CC8B5D}" type="datetime1">
-              <a:rPr lang="pt-PT" smtClean="0"/>
-              <a:t>06/11/20</a:t>
-            </a:fld>
             <a:endParaRPr lang="pt-PT"/>
           </a:p>
         </p:txBody>
@@ -8060,10 +7949,7 @@
             </a:lvl1pPr>
           </a:lstStyle>
           <a:p>
-            <a:r>
-              <a:rPr lang="pt-PT"/>
-              <a:t>POLITÉCNICO DE LEIRIA</a:t>
-            </a:r>
+            <a:endParaRPr lang="pt-PT"/>
           </a:p>
         </p:txBody>
       </p:sp>
@@ -8129,7 +8015,7 @@
     <p:sldLayoutId id="2147483682" r:id="rId10"/>
     <p:sldLayoutId id="2147483683" r:id="rId11"/>
   </p:sldLayoutIdLst>
-  <p:hf hdr="0"/>
+  <p:hf hdr="0" ftr="0" dt="0"/>
   <p:txStyles>
     <p:titleStyle>
       <a:lvl1pPr algn="ctr" defTabSz="914400" rtl="0" eaLnBrk="1" latinLnBrk="0" hangingPunct="1">
@@ -8531,10 +8417,6 @@
             </a:lvl1pPr>
           </a:lstStyle>
           <a:p>
-            <a:fld id="{C9BD1F6B-DEBF-4E8C-A34C-A26C9DE8A19D}" type="datetimeFigureOut">
-              <a:rPr lang="pt-PT" smtClean="0"/>
-              <a:t>06/11/20</a:t>
-            </a:fld>
             <a:endParaRPr lang="pt-PT"/>
           </a:p>
         </p:txBody>
@@ -8638,6 +8520,7 @@
     <p:sldLayoutId id="2147483694" r:id="rId10"/>
     <p:sldLayoutId id="2147483695" r:id="rId11"/>
   </p:sldLayoutIdLst>
+  <p:hf hdr="0" ftr="0" dt="0"/>
   <p:txStyles>
     <p:titleStyle>
       <a:lvl1pPr algn="ctr" defTabSz="914400" rtl="0" eaLnBrk="1" latinLnBrk="0" hangingPunct="1">
@@ -9031,33 +8914,6 @@
           </a:p>
         </p:txBody>
       </p:sp>
-      <p:sp>
-        <p:nvSpPr>
-          <p:cNvPr id="7" name="Marcador de Posição do Rodapé 6"/>
-          <p:cNvSpPr>
-            <a:spLocks noGrp="1"/>
-          </p:cNvSpPr>
-          <p:nvPr>
-            <p:ph type="ftr" sz="quarter" idx="4294967295"/>
-          </p:nvPr>
-        </p:nvSpPr>
-        <p:spPr>
-          <a:xfrm>
-            <a:off x="3124200" y="4840002"/>
-            <a:ext cx="2895600" cy="273844"/>
-          </a:xfrm>
-        </p:spPr>
-        <p:txBody>
-          <a:bodyPr/>
-          <a:lstStyle/>
-          <a:p>
-            <a:r>
-              <a:rPr lang="pt-PT" sz="800" b="1" dirty="0"/>
-              <a:t>POLITÉCNICO DE LEIRIA</a:t>
-            </a:r>
-          </a:p>
-        </p:txBody>
-      </p:sp>
       <p:cxnSp>
         <p:nvCxnSpPr>
           <p:cNvPr id="10" name="Conexão recta 9"/>
@@ -9257,7 +9113,7 @@
             <a:fld id="{C2DE1785-620F-4DE8-A7D0-6CC8413DFAC9}" type="datetime1">
               <a:rPr lang="pt-PT" sz="800" b="1" smtClean="0"/>
               <a:pPr/>
-              <a:t>06/11/20</a:t>
+              <a:t>06/11/2020</a:t>
             </a:fld>
             <a:endParaRPr lang="pt-PT" sz="800" b="1" dirty="0"/>
           </a:p>
@@ -9309,13 +9165,13 @@
   <p:clrMapOvr>
     <a:masterClrMapping/>
   </p:clrMapOvr>
-  <mc:AlternateContent xmlns:mc="http://schemas.openxmlformats.org/markup-compatibility/2006">
-    <mc:Choice xmlns:p159="http://schemas.microsoft.com/office/powerpoint/2015/09/main" Requires="p159">
+  <mc:AlternateContent xmlns:mc="http://schemas.openxmlformats.org/markup-compatibility/2006" xmlns:p159="http://schemas.microsoft.com/office/powerpoint/2015/09/main">
+    <mc:Choice Requires="p159">
       <p:transition xmlns:p14="http://schemas.microsoft.com/office/powerpoint/2010/main" spd="slow" p14:dur="2000">
         <p159:morph option="byObject"/>
       </p:transition>
     </mc:Choice>
-    <mc:Fallback>
+    <mc:Fallback xmlns="">
       <p:transition spd="slow">
         <p:fade/>
       </p:transition>
@@ -9687,7 +9543,7 @@
             <a:fld id="{C2DE1785-620F-4DE8-A7D0-6CC8413DFAC9}" type="datetime1">
               <a:rPr lang="pt-PT" sz="800" b="1" smtClean="0"/>
               <a:pPr/>
-              <a:t>06/11/20</a:t>
+              <a:t>06/11/2020</a:t>
             </a:fld>
             <a:endParaRPr lang="pt-PT" sz="800" b="1" dirty="0"/>
           </a:p>
@@ -9893,6 +9749,73 @@
           </a:p>
         </p:txBody>
       </p:sp>
+      <p:sp>
+        <p:nvSpPr>
+          <p:cNvPr id="2" name="CaixaDeTexto 1">
+            <a:extLst>
+              <a:ext uri="{FF2B5EF4-FFF2-40B4-BE49-F238E27FC236}">
+                <a16:creationId xmlns:a16="http://schemas.microsoft.com/office/drawing/2014/main" id="{60AD0517-7F0A-460A-AD8E-828D23C3A94C}"/>
+              </a:ext>
+            </a:extLst>
+          </p:cNvPr>
+          <p:cNvSpPr txBox="1"/>
+          <p:nvPr/>
+        </p:nvSpPr>
+        <p:spPr>
+          <a:xfrm>
+            <a:off x="8766085" y="4839526"/>
+            <a:ext cx="360040" cy="215444"/>
+          </a:xfrm>
+          <a:prstGeom prst="rect">
+            <a:avLst/>
+          </a:prstGeom>
+          <a:noFill/>
+        </p:spPr>
+        <p:txBody>
+          <a:bodyPr wrap="square" rtlCol="0">
+            <a:spAutoFit/>
+          </a:bodyPr>
+          <a:lstStyle/>
+          <a:p>
+            <a:pPr marL="0" marR="0" lvl="0" indent="0" algn="l" defTabSz="914400" rtl="0" eaLnBrk="1" fontAlgn="auto" latinLnBrk="0" hangingPunct="1">
+              <a:lnSpc>
+                <a:spcPct val="100000"/>
+              </a:lnSpc>
+              <a:spcBef>
+                <a:spcPts val="0"/>
+              </a:spcBef>
+              <a:spcAft>
+                <a:spcPts val="0"/>
+              </a:spcAft>
+              <a:buClrTx/>
+              <a:buSzTx/>
+              <a:buFontTx/>
+              <a:buNone/>
+              <a:tabLst/>
+              <a:defRPr/>
+            </a:pPr>
+            <a:r>
+              <a:rPr kumimoji="0" lang="pt-PT" sz="800" b="1" i="0" u="none" strike="noStrike" kern="1200" cap="none" spc="0" normalizeH="0" baseline="0" noProof="0" dirty="0">
+                <a:ln>
+                  <a:noFill/>
+                </a:ln>
+                <a:solidFill>
+                  <a:schemeClr val="bg1">
+                    <a:lumMod val="50000"/>
+                  </a:schemeClr>
+                </a:solidFill>
+                <a:effectLst/>
+                <a:uLnTx/>
+                <a:uFillTx/>
+                <a:latin typeface="Calibri"/>
+                <a:ea typeface="+mn-ea"/>
+                <a:cs typeface="+mn-cs"/>
+              </a:rPr>
+              <a:t>9</a:t>
+            </a:r>
+          </a:p>
+        </p:txBody>
+      </p:sp>
     </p:spTree>
     <p:extLst>
       <p:ext uri="{BB962C8B-B14F-4D97-AF65-F5344CB8AC3E}">
@@ -9903,13 +9826,13 @@
   <p:clrMapOvr>
     <a:masterClrMapping/>
   </p:clrMapOvr>
-  <mc:AlternateContent xmlns:mc="http://schemas.openxmlformats.org/markup-compatibility/2006">
-    <mc:Choice xmlns:p159="http://schemas.microsoft.com/office/powerpoint/2015/09/main" Requires="p159">
+  <mc:AlternateContent xmlns:mc="http://schemas.openxmlformats.org/markup-compatibility/2006" xmlns:p159="http://schemas.microsoft.com/office/powerpoint/2015/09/main">
+    <mc:Choice Requires="p159">
       <p:transition xmlns:p14="http://schemas.microsoft.com/office/powerpoint/2010/main" spd="slow" p14:dur="2000">
         <p159:morph option="byObject"/>
       </p:transition>
     </mc:Choice>
-    <mc:Fallback>
+    <mc:Fallback xmlns="">
       <p:transition spd="slow">
         <p:fade/>
       </p:transition>
@@ -10290,7 +10213,7 @@
             <a:fld id="{C2DE1785-620F-4DE8-A7D0-6CC8413DFAC9}" type="datetime1">
               <a:rPr lang="pt-PT" sz="800" b="1" smtClean="0"/>
               <a:pPr/>
-              <a:t>06/11/20</a:t>
+              <a:t>06/11/2020</a:t>
             </a:fld>
             <a:endParaRPr lang="pt-PT" sz="800" b="1" dirty="0"/>
           </a:p>
@@ -10592,6 +10515,73 @@
           </a:p>
         </p:txBody>
       </p:sp>
+      <p:sp>
+        <p:nvSpPr>
+          <p:cNvPr id="4" name="CaixaDeTexto 3">
+            <a:extLst>
+              <a:ext uri="{FF2B5EF4-FFF2-40B4-BE49-F238E27FC236}">
+                <a16:creationId xmlns:a16="http://schemas.microsoft.com/office/drawing/2014/main" id="{7DB48670-5400-4089-B7C7-20F188FD6B46}"/>
+              </a:ext>
+            </a:extLst>
+          </p:cNvPr>
+          <p:cNvSpPr txBox="1"/>
+          <p:nvPr/>
+        </p:nvSpPr>
+        <p:spPr>
+          <a:xfrm>
+            <a:off x="8766085" y="4839526"/>
+            <a:ext cx="360040" cy="215444"/>
+          </a:xfrm>
+          <a:prstGeom prst="rect">
+            <a:avLst/>
+          </a:prstGeom>
+          <a:noFill/>
+        </p:spPr>
+        <p:txBody>
+          <a:bodyPr wrap="square" rtlCol="0">
+            <a:spAutoFit/>
+          </a:bodyPr>
+          <a:lstStyle/>
+          <a:p>
+            <a:pPr marL="0" marR="0" lvl="0" indent="0" algn="l" defTabSz="914400" rtl="0" eaLnBrk="1" fontAlgn="auto" latinLnBrk="0" hangingPunct="1">
+              <a:lnSpc>
+                <a:spcPct val="100000"/>
+              </a:lnSpc>
+              <a:spcBef>
+                <a:spcPts val="0"/>
+              </a:spcBef>
+              <a:spcAft>
+                <a:spcPts val="0"/>
+              </a:spcAft>
+              <a:buClrTx/>
+              <a:buSzTx/>
+              <a:buFontTx/>
+              <a:buNone/>
+              <a:tabLst/>
+              <a:defRPr/>
+            </a:pPr>
+            <a:r>
+              <a:rPr kumimoji="0" lang="pt-PT" sz="800" b="1" i="0" u="none" strike="noStrike" kern="1200" cap="none" spc="0" normalizeH="0" baseline="0" noProof="0" dirty="0">
+                <a:ln>
+                  <a:noFill/>
+                </a:ln>
+                <a:solidFill>
+                  <a:schemeClr val="bg1">
+                    <a:lumMod val="50000"/>
+                  </a:schemeClr>
+                </a:solidFill>
+                <a:effectLst/>
+                <a:uLnTx/>
+                <a:uFillTx/>
+                <a:latin typeface="Calibri"/>
+                <a:ea typeface="+mn-ea"/>
+                <a:cs typeface="+mn-cs"/>
+              </a:rPr>
+              <a:t>10</a:t>
+            </a:r>
+          </a:p>
+        </p:txBody>
+      </p:sp>
     </p:spTree>
     <p:extLst>
       <p:ext uri="{BB962C8B-B14F-4D97-AF65-F5344CB8AC3E}">
@@ -10602,13 +10592,13 @@
   <p:clrMapOvr>
     <a:masterClrMapping/>
   </p:clrMapOvr>
-  <mc:AlternateContent xmlns:mc="http://schemas.openxmlformats.org/markup-compatibility/2006">
-    <mc:Choice xmlns:p159="http://schemas.microsoft.com/office/powerpoint/2015/09/main" Requires="p159">
+  <mc:AlternateContent xmlns:mc="http://schemas.openxmlformats.org/markup-compatibility/2006" xmlns:p159="http://schemas.microsoft.com/office/powerpoint/2015/09/main">
+    <mc:Choice Requires="p159">
       <p:transition xmlns:p14="http://schemas.microsoft.com/office/powerpoint/2010/main" spd="slow" p14:dur="2000">
         <p159:morph option="byObject"/>
       </p:transition>
     </mc:Choice>
-    <mc:Fallback>
+    <mc:Fallback xmlns="">
       <p:transition spd="slow">
         <p:fade/>
       </p:transition>
@@ -10980,7 +10970,7 @@
             <a:fld id="{C2DE1785-620F-4DE8-A7D0-6CC8413DFAC9}" type="datetime1">
               <a:rPr lang="pt-PT" sz="800" b="1" smtClean="0"/>
               <a:pPr/>
-              <a:t>06/11/20</a:t>
+              <a:t>06/11/2020</a:t>
             </a:fld>
             <a:endParaRPr lang="pt-PT" sz="800" b="1" dirty="0"/>
           </a:p>
@@ -11342,6 +11332,73 @@
           </a:p>
         </p:txBody>
       </p:sp>
+      <p:sp>
+        <p:nvSpPr>
+          <p:cNvPr id="2" name="CaixaDeTexto 1">
+            <a:extLst>
+              <a:ext uri="{FF2B5EF4-FFF2-40B4-BE49-F238E27FC236}">
+                <a16:creationId xmlns:a16="http://schemas.microsoft.com/office/drawing/2014/main" id="{6E5D6963-FB13-412C-B36B-8B4BC27DF723}"/>
+              </a:ext>
+            </a:extLst>
+          </p:cNvPr>
+          <p:cNvSpPr txBox="1"/>
+          <p:nvPr/>
+        </p:nvSpPr>
+        <p:spPr>
+          <a:xfrm>
+            <a:off x="8766085" y="4839526"/>
+            <a:ext cx="360040" cy="215444"/>
+          </a:xfrm>
+          <a:prstGeom prst="rect">
+            <a:avLst/>
+          </a:prstGeom>
+          <a:noFill/>
+        </p:spPr>
+        <p:txBody>
+          <a:bodyPr wrap="square" rtlCol="0">
+            <a:spAutoFit/>
+          </a:bodyPr>
+          <a:lstStyle/>
+          <a:p>
+            <a:pPr marL="0" marR="0" lvl="0" indent="0" algn="l" defTabSz="914400" rtl="0" eaLnBrk="1" fontAlgn="auto" latinLnBrk="0" hangingPunct="1">
+              <a:lnSpc>
+                <a:spcPct val="100000"/>
+              </a:lnSpc>
+              <a:spcBef>
+                <a:spcPts val="0"/>
+              </a:spcBef>
+              <a:spcAft>
+                <a:spcPts val="0"/>
+              </a:spcAft>
+              <a:buClrTx/>
+              <a:buSzTx/>
+              <a:buFontTx/>
+              <a:buNone/>
+              <a:tabLst/>
+              <a:defRPr/>
+            </a:pPr>
+            <a:r>
+              <a:rPr kumimoji="0" lang="pt-PT" sz="800" b="1" i="0" u="none" strike="noStrike" kern="1200" cap="none" spc="0" normalizeH="0" baseline="0" noProof="0" dirty="0">
+                <a:ln>
+                  <a:noFill/>
+                </a:ln>
+                <a:solidFill>
+                  <a:schemeClr val="bg1">
+                    <a:lumMod val="50000"/>
+                  </a:schemeClr>
+                </a:solidFill>
+                <a:effectLst/>
+                <a:uLnTx/>
+                <a:uFillTx/>
+                <a:latin typeface="Calibri"/>
+                <a:ea typeface="+mn-ea"/>
+                <a:cs typeface="+mn-cs"/>
+              </a:rPr>
+              <a:t>11</a:t>
+            </a:r>
+          </a:p>
+        </p:txBody>
+      </p:sp>
     </p:spTree>
     <p:extLst>
       <p:ext uri="{BB962C8B-B14F-4D97-AF65-F5344CB8AC3E}">
@@ -11352,13 +11409,13 @@
   <p:clrMapOvr>
     <a:masterClrMapping/>
   </p:clrMapOvr>
-  <mc:AlternateContent xmlns:mc="http://schemas.openxmlformats.org/markup-compatibility/2006">
-    <mc:Choice xmlns:p159="http://schemas.microsoft.com/office/powerpoint/2015/09/main" Requires="p159">
+  <mc:AlternateContent xmlns:mc="http://schemas.openxmlformats.org/markup-compatibility/2006" xmlns:p159="http://schemas.microsoft.com/office/powerpoint/2015/09/main">
+    <mc:Choice Requires="p159">
       <p:transition xmlns:p14="http://schemas.microsoft.com/office/powerpoint/2010/main" spd="slow" p14:dur="2000">
         <p159:morph option="byObject"/>
       </p:transition>
     </mc:Choice>
-    <mc:Fallback>
+    <mc:Fallback xmlns="">
       <p:transition spd="slow">
         <p:fade/>
       </p:transition>
@@ -11730,7 +11787,7 @@
             <a:fld id="{C2DE1785-620F-4DE8-A7D0-6CC8413DFAC9}" type="datetime1">
               <a:rPr lang="pt-PT" sz="800" b="1" smtClean="0"/>
               <a:pPr/>
-              <a:t>06/11/20</a:t>
+              <a:t>06/11/2020</a:t>
             </a:fld>
             <a:endParaRPr lang="pt-PT" sz="800" b="1" dirty="0"/>
           </a:p>
@@ -12022,6 +12079,73 @@
           </a:p>
         </p:txBody>
       </p:sp>
+      <p:sp>
+        <p:nvSpPr>
+          <p:cNvPr id="4" name="CaixaDeTexto 3">
+            <a:extLst>
+              <a:ext uri="{FF2B5EF4-FFF2-40B4-BE49-F238E27FC236}">
+                <a16:creationId xmlns:a16="http://schemas.microsoft.com/office/drawing/2014/main" id="{9BE4B87E-9F39-4863-9272-3A6C92EF5010}"/>
+              </a:ext>
+            </a:extLst>
+          </p:cNvPr>
+          <p:cNvSpPr txBox="1"/>
+          <p:nvPr/>
+        </p:nvSpPr>
+        <p:spPr>
+          <a:xfrm>
+            <a:off x="8766085" y="4839526"/>
+            <a:ext cx="360040" cy="215444"/>
+          </a:xfrm>
+          <a:prstGeom prst="rect">
+            <a:avLst/>
+          </a:prstGeom>
+          <a:noFill/>
+        </p:spPr>
+        <p:txBody>
+          <a:bodyPr wrap="square" rtlCol="0">
+            <a:spAutoFit/>
+          </a:bodyPr>
+          <a:lstStyle/>
+          <a:p>
+            <a:pPr marL="0" marR="0" lvl="0" indent="0" algn="l" defTabSz="914400" rtl="0" eaLnBrk="1" fontAlgn="auto" latinLnBrk="0" hangingPunct="1">
+              <a:lnSpc>
+                <a:spcPct val="100000"/>
+              </a:lnSpc>
+              <a:spcBef>
+                <a:spcPts val="0"/>
+              </a:spcBef>
+              <a:spcAft>
+                <a:spcPts val="0"/>
+              </a:spcAft>
+              <a:buClrTx/>
+              <a:buSzTx/>
+              <a:buFontTx/>
+              <a:buNone/>
+              <a:tabLst/>
+              <a:defRPr/>
+            </a:pPr>
+            <a:r>
+              <a:rPr kumimoji="0" lang="pt-PT" sz="800" b="1" i="0" u="none" strike="noStrike" kern="1200" cap="none" spc="0" normalizeH="0" baseline="0" noProof="0" dirty="0">
+                <a:ln>
+                  <a:noFill/>
+                </a:ln>
+                <a:solidFill>
+                  <a:schemeClr val="bg1">
+                    <a:lumMod val="50000"/>
+                  </a:schemeClr>
+                </a:solidFill>
+                <a:effectLst/>
+                <a:uLnTx/>
+                <a:uFillTx/>
+                <a:latin typeface="Calibri"/>
+                <a:ea typeface="+mn-ea"/>
+                <a:cs typeface="+mn-cs"/>
+              </a:rPr>
+              <a:t>12</a:t>
+            </a:r>
+          </a:p>
+        </p:txBody>
+      </p:sp>
     </p:spTree>
     <p:extLst>
       <p:ext uri="{BB962C8B-B14F-4D97-AF65-F5344CB8AC3E}">
@@ -12032,13 +12156,13 @@
   <p:clrMapOvr>
     <a:masterClrMapping/>
   </p:clrMapOvr>
-  <mc:AlternateContent xmlns:mc="http://schemas.openxmlformats.org/markup-compatibility/2006">
-    <mc:Choice xmlns:p159="http://schemas.microsoft.com/office/powerpoint/2015/09/main" Requires="p159">
+  <mc:AlternateContent xmlns:mc="http://schemas.openxmlformats.org/markup-compatibility/2006" xmlns:p159="http://schemas.microsoft.com/office/powerpoint/2015/09/main">
+    <mc:Choice Requires="p159">
       <p:transition xmlns:p14="http://schemas.microsoft.com/office/powerpoint/2010/main" spd="slow" p14:dur="2000">
         <p159:morph option="byObject"/>
       </p:transition>
     </mc:Choice>
-    <mc:Fallback>
+    <mc:Fallback xmlns="">
       <p:transition spd="slow">
         <p:fade/>
       </p:transition>
@@ -12410,7 +12534,7 @@
             <a:fld id="{C2DE1785-620F-4DE8-A7D0-6CC8413DFAC9}" type="datetime1">
               <a:rPr lang="pt-PT" sz="800" b="1" smtClean="0"/>
               <a:pPr/>
-              <a:t>06/11/20</a:t>
+              <a:t>06/11/2020</a:t>
             </a:fld>
             <a:endParaRPr lang="pt-PT" sz="800" b="1" dirty="0"/>
           </a:p>
@@ -12681,6 +12805,73 @@
           </a:ln>
         </p:spPr>
       </p:pic>
+      <p:sp>
+        <p:nvSpPr>
+          <p:cNvPr id="2" name="CaixaDeTexto 1">
+            <a:extLst>
+              <a:ext uri="{FF2B5EF4-FFF2-40B4-BE49-F238E27FC236}">
+                <a16:creationId xmlns:a16="http://schemas.microsoft.com/office/drawing/2014/main" id="{585003BA-D4EA-486C-902D-CC32C66B1980}"/>
+              </a:ext>
+            </a:extLst>
+          </p:cNvPr>
+          <p:cNvSpPr txBox="1"/>
+          <p:nvPr/>
+        </p:nvSpPr>
+        <p:spPr>
+          <a:xfrm>
+            <a:off x="8766085" y="4839526"/>
+            <a:ext cx="360040" cy="215444"/>
+          </a:xfrm>
+          <a:prstGeom prst="rect">
+            <a:avLst/>
+          </a:prstGeom>
+          <a:noFill/>
+        </p:spPr>
+        <p:txBody>
+          <a:bodyPr wrap="square" rtlCol="0">
+            <a:spAutoFit/>
+          </a:bodyPr>
+          <a:lstStyle/>
+          <a:p>
+            <a:pPr marL="0" marR="0" lvl="0" indent="0" algn="l" defTabSz="914400" rtl="0" eaLnBrk="1" fontAlgn="auto" latinLnBrk="0" hangingPunct="1">
+              <a:lnSpc>
+                <a:spcPct val="100000"/>
+              </a:lnSpc>
+              <a:spcBef>
+                <a:spcPts val="0"/>
+              </a:spcBef>
+              <a:spcAft>
+                <a:spcPts val="0"/>
+              </a:spcAft>
+              <a:buClrTx/>
+              <a:buSzTx/>
+              <a:buFontTx/>
+              <a:buNone/>
+              <a:tabLst/>
+              <a:defRPr/>
+            </a:pPr>
+            <a:r>
+              <a:rPr kumimoji="0" lang="pt-PT" sz="800" b="1" i="0" u="none" strike="noStrike" kern="1200" cap="none" spc="0" normalizeH="0" baseline="0" noProof="0" dirty="0">
+                <a:ln>
+                  <a:noFill/>
+                </a:ln>
+                <a:solidFill>
+                  <a:schemeClr val="bg1">
+                    <a:lumMod val="50000"/>
+                  </a:schemeClr>
+                </a:solidFill>
+                <a:effectLst/>
+                <a:uLnTx/>
+                <a:uFillTx/>
+                <a:latin typeface="Calibri"/>
+                <a:ea typeface="+mn-ea"/>
+                <a:cs typeface="+mn-cs"/>
+              </a:rPr>
+              <a:t>13</a:t>
+            </a:r>
+          </a:p>
+        </p:txBody>
+      </p:sp>
     </p:spTree>
     <p:extLst>
       <p:ext uri="{BB962C8B-B14F-4D97-AF65-F5344CB8AC3E}">
@@ -12691,13 +12882,13 @@
   <p:clrMapOvr>
     <a:masterClrMapping/>
   </p:clrMapOvr>
-  <mc:AlternateContent xmlns:mc="http://schemas.openxmlformats.org/markup-compatibility/2006">
-    <mc:Choice xmlns:p159="http://schemas.microsoft.com/office/powerpoint/2015/09/main" Requires="p159">
+  <mc:AlternateContent xmlns:mc="http://schemas.openxmlformats.org/markup-compatibility/2006" xmlns:p159="http://schemas.microsoft.com/office/powerpoint/2015/09/main">
+    <mc:Choice Requires="p159">
       <p:transition xmlns:p14="http://schemas.microsoft.com/office/powerpoint/2010/main" spd="slow" p14:dur="2000">
         <p159:morph option="byObject"/>
       </p:transition>
     </mc:Choice>
-    <mc:Fallback>
+    <mc:Fallback xmlns="">
       <p:transition spd="slow">
         <p:fade/>
       </p:transition>
@@ -13069,7 +13260,7 @@
             <a:fld id="{C2DE1785-620F-4DE8-A7D0-6CC8413DFAC9}" type="datetime1">
               <a:rPr lang="pt-PT" sz="800" b="1" smtClean="0"/>
               <a:pPr/>
-              <a:t>06/11/20</a:t>
+              <a:t>06/11/2020</a:t>
             </a:fld>
             <a:endParaRPr lang="pt-PT" sz="800" b="1" dirty="0"/>
           </a:p>
@@ -13410,6 +13601,73 @@
           </a:p>
         </p:txBody>
       </p:sp>
+      <p:sp>
+        <p:nvSpPr>
+          <p:cNvPr id="2" name="CaixaDeTexto 1">
+            <a:extLst>
+              <a:ext uri="{FF2B5EF4-FFF2-40B4-BE49-F238E27FC236}">
+                <a16:creationId xmlns:a16="http://schemas.microsoft.com/office/drawing/2014/main" id="{E4C7C90B-514A-4677-9068-B3FE28FAED6F}"/>
+              </a:ext>
+            </a:extLst>
+          </p:cNvPr>
+          <p:cNvSpPr txBox="1"/>
+          <p:nvPr/>
+        </p:nvSpPr>
+        <p:spPr>
+          <a:xfrm>
+            <a:off x="8766085" y="4839526"/>
+            <a:ext cx="360040" cy="215444"/>
+          </a:xfrm>
+          <a:prstGeom prst="rect">
+            <a:avLst/>
+          </a:prstGeom>
+          <a:noFill/>
+        </p:spPr>
+        <p:txBody>
+          <a:bodyPr wrap="square" rtlCol="0">
+            <a:spAutoFit/>
+          </a:bodyPr>
+          <a:lstStyle/>
+          <a:p>
+            <a:pPr marL="0" marR="0" lvl="0" indent="0" algn="l" defTabSz="914400" rtl="0" eaLnBrk="1" fontAlgn="auto" latinLnBrk="0" hangingPunct="1">
+              <a:lnSpc>
+                <a:spcPct val="100000"/>
+              </a:lnSpc>
+              <a:spcBef>
+                <a:spcPts val="0"/>
+              </a:spcBef>
+              <a:spcAft>
+                <a:spcPts val="0"/>
+              </a:spcAft>
+              <a:buClrTx/>
+              <a:buSzTx/>
+              <a:buFontTx/>
+              <a:buNone/>
+              <a:tabLst/>
+              <a:defRPr/>
+            </a:pPr>
+            <a:r>
+              <a:rPr kumimoji="0" lang="pt-PT" sz="800" b="1" i="0" u="none" strike="noStrike" kern="1200" cap="none" spc="0" normalizeH="0" baseline="0" noProof="0" dirty="0">
+                <a:ln>
+                  <a:noFill/>
+                </a:ln>
+                <a:solidFill>
+                  <a:schemeClr val="bg1">
+                    <a:lumMod val="50000"/>
+                  </a:schemeClr>
+                </a:solidFill>
+                <a:effectLst/>
+                <a:uLnTx/>
+                <a:uFillTx/>
+                <a:latin typeface="Calibri"/>
+                <a:ea typeface="+mn-ea"/>
+                <a:cs typeface="+mn-cs"/>
+              </a:rPr>
+              <a:t>14</a:t>
+            </a:r>
+          </a:p>
+        </p:txBody>
+      </p:sp>
     </p:spTree>
     <p:extLst>
       <p:ext uri="{BB962C8B-B14F-4D97-AF65-F5344CB8AC3E}">
@@ -13420,13 +13678,13 @@
   <p:clrMapOvr>
     <a:masterClrMapping/>
   </p:clrMapOvr>
-  <mc:AlternateContent xmlns:mc="http://schemas.openxmlformats.org/markup-compatibility/2006">
-    <mc:Choice xmlns:p159="http://schemas.microsoft.com/office/powerpoint/2015/09/main" Requires="p159">
+  <mc:AlternateContent xmlns:mc="http://schemas.openxmlformats.org/markup-compatibility/2006" xmlns:p159="http://schemas.microsoft.com/office/powerpoint/2015/09/main">
+    <mc:Choice Requires="p159">
       <p:transition xmlns:p14="http://schemas.microsoft.com/office/powerpoint/2010/main" spd="slow" p14:dur="2000">
         <p159:morph option="byObject"/>
       </p:transition>
     </mc:Choice>
-    <mc:Fallback>
+    <mc:Fallback xmlns="">
       <p:transition spd="slow">
         <p:fade/>
       </p:transition>
@@ -13798,7 +14056,7 @@
             <a:fld id="{C2DE1785-620F-4DE8-A7D0-6CC8413DFAC9}" type="datetime1">
               <a:rPr lang="pt-PT" sz="800" b="1" smtClean="0"/>
               <a:pPr/>
-              <a:t>06/11/20</a:t>
+              <a:t>06/11/2020</a:t>
             </a:fld>
             <a:endParaRPr lang="pt-PT" sz="800" b="1" dirty="0"/>
           </a:p>
@@ -14090,6 +14348,73 @@
           </a:p>
         </p:txBody>
       </p:sp>
+      <p:sp>
+        <p:nvSpPr>
+          <p:cNvPr id="3" name="CaixaDeTexto 2">
+            <a:extLst>
+              <a:ext uri="{FF2B5EF4-FFF2-40B4-BE49-F238E27FC236}">
+                <a16:creationId xmlns:a16="http://schemas.microsoft.com/office/drawing/2014/main" id="{BACAC721-D11F-4A99-AA20-E94F4B109B8E}"/>
+              </a:ext>
+            </a:extLst>
+          </p:cNvPr>
+          <p:cNvSpPr txBox="1"/>
+          <p:nvPr/>
+        </p:nvSpPr>
+        <p:spPr>
+          <a:xfrm>
+            <a:off x="8766085" y="4839526"/>
+            <a:ext cx="360040" cy="215444"/>
+          </a:xfrm>
+          <a:prstGeom prst="rect">
+            <a:avLst/>
+          </a:prstGeom>
+          <a:noFill/>
+        </p:spPr>
+        <p:txBody>
+          <a:bodyPr wrap="square" rtlCol="0">
+            <a:spAutoFit/>
+          </a:bodyPr>
+          <a:lstStyle/>
+          <a:p>
+            <a:pPr marL="0" marR="0" lvl="0" indent="0" algn="l" defTabSz="914400" rtl="0" eaLnBrk="1" fontAlgn="auto" latinLnBrk="0" hangingPunct="1">
+              <a:lnSpc>
+                <a:spcPct val="100000"/>
+              </a:lnSpc>
+              <a:spcBef>
+                <a:spcPts val="0"/>
+              </a:spcBef>
+              <a:spcAft>
+                <a:spcPts val="0"/>
+              </a:spcAft>
+              <a:buClrTx/>
+              <a:buSzTx/>
+              <a:buFontTx/>
+              <a:buNone/>
+              <a:tabLst/>
+              <a:defRPr/>
+            </a:pPr>
+            <a:r>
+              <a:rPr kumimoji="0" lang="pt-PT" sz="800" b="1" i="0" u="none" strike="noStrike" kern="1200" cap="none" spc="0" normalizeH="0" baseline="0" noProof="0" dirty="0">
+                <a:ln>
+                  <a:noFill/>
+                </a:ln>
+                <a:solidFill>
+                  <a:schemeClr val="bg1">
+                    <a:lumMod val="50000"/>
+                  </a:schemeClr>
+                </a:solidFill>
+                <a:effectLst/>
+                <a:uLnTx/>
+                <a:uFillTx/>
+                <a:latin typeface="Calibri"/>
+                <a:ea typeface="+mn-ea"/>
+                <a:cs typeface="+mn-cs"/>
+              </a:rPr>
+              <a:t>15</a:t>
+            </a:r>
+          </a:p>
+        </p:txBody>
+      </p:sp>
     </p:spTree>
     <p:extLst>
       <p:ext uri="{BB962C8B-B14F-4D97-AF65-F5344CB8AC3E}">
@@ -14100,13 +14425,13 @@
   <p:clrMapOvr>
     <a:masterClrMapping/>
   </p:clrMapOvr>
-  <mc:AlternateContent xmlns:mc="http://schemas.openxmlformats.org/markup-compatibility/2006">
-    <mc:Choice xmlns:p159="http://schemas.microsoft.com/office/powerpoint/2015/09/main" Requires="p159">
+  <mc:AlternateContent xmlns:mc="http://schemas.openxmlformats.org/markup-compatibility/2006" xmlns:p159="http://schemas.microsoft.com/office/powerpoint/2015/09/main">
+    <mc:Choice Requires="p159">
       <p:transition xmlns:p14="http://schemas.microsoft.com/office/powerpoint/2010/main" spd="slow" p14:dur="2000">
         <p159:morph option="byObject"/>
       </p:transition>
     </mc:Choice>
-    <mc:Fallback>
+    <mc:Fallback xmlns="">
       <p:transition spd="slow">
         <p:fade/>
       </p:transition>
@@ -14466,7 +14791,7 @@
             <a:fld id="{C2DE1785-620F-4DE8-A7D0-6CC8413DFAC9}" type="datetime1">
               <a:rPr lang="pt-PT" sz="800" b="1" smtClean="0"/>
               <a:pPr/>
-              <a:t>06/11/20</a:t>
+              <a:t>06/11/2020</a:t>
             </a:fld>
             <a:endParaRPr lang="pt-PT" sz="800" b="1" dirty="0"/>
           </a:p>
@@ -14949,6 +15274,73 @@
           </a:graphicData>
         </a:graphic>
       </p:graphicFrame>
+      <p:sp>
+        <p:nvSpPr>
+          <p:cNvPr id="2" name="CaixaDeTexto 1">
+            <a:extLst>
+              <a:ext uri="{FF2B5EF4-FFF2-40B4-BE49-F238E27FC236}">
+                <a16:creationId xmlns:a16="http://schemas.microsoft.com/office/drawing/2014/main" id="{FDFA8873-DF31-4558-B2EA-590FD128354B}"/>
+              </a:ext>
+            </a:extLst>
+          </p:cNvPr>
+          <p:cNvSpPr txBox="1"/>
+          <p:nvPr/>
+        </p:nvSpPr>
+        <p:spPr>
+          <a:xfrm>
+            <a:off x="8766085" y="4839526"/>
+            <a:ext cx="360040" cy="215444"/>
+          </a:xfrm>
+          <a:prstGeom prst="rect">
+            <a:avLst/>
+          </a:prstGeom>
+          <a:noFill/>
+        </p:spPr>
+        <p:txBody>
+          <a:bodyPr wrap="square" rtlCol="0">
+            <a:spAutoFit/>
+          </a:bodyPr>
+          <a:lstStyle/>
+          <a:p>
+            <a:pPr marL="0" marR="0" lvl="0" indent="0" algn="l" defTabSz="914400" rtl="0" eaLnBrk="1" fontAlgn="auto" latinLnBrk="0" hangingPunct="1">
+              <a:lnSpc>
+                <a:spcPct val="100000"/>
+              </a:lnSpc>
+              <a:spcBef>
+                <a:spcPts val="0"/>
+              </a:spcBef>
+              <a:spcAft>
+                <a:spcPts val="0"/>
+              </a:spcAft>
+              <a:buClrTx/>
+              <a:buSzTx/>
+              <a:buFontTx/>
+              <a:buNone/>
+              <a:tabLst/>
+              <a:defRPr/>
+            </a:pPr>
+            <a:r>
+              <a:rPr kumimoji="0" lang="pt-PT" sz="800" b="1" i="0" u="none" strike="noStrike" kern="1200" cap="none" spc="0" normalizeH="0" baseline="0" noProof="0" dirty="0">
+                <a:ln>
+                  <a:noFill/>
+                </a:ln>
+                <a:solidFill>
+                  <a:schemeClr val="bg1">
+                    <a:lumMod val="50000"/>
+                  </a:schemeClr>
+                </a:solidFill>
+                <a:effectLst/>
+                <a:uLnTx/>
+                <a:uFillTx/>
+                <a:latin typeface="Calibri"/>
+                <a:ea typeface="+mn-ea"/>
+                <a:cs typeface="+mn-cs"/>
+              </a:rPr>
+              <a:t>16</a:t>
+            </a:r>
+          </a:p>
+        </p:txBody>
+      </p:sp>
     </p:spTree>
     <p:extLst>
       <p:ext uri="{BB962C8B-B14F-4D97-AF65-F5344CB8AC3E}">
@@ -14959,13 +15351,13 @@
   <p:clrMapOvr>
     <a:masterClrMapping/>
   </p:clrMapOvr>
-  <mc:AlternateContent xmlns:mc="http://schemas.openxmlformats.org/markup-compatibility/2006">
-    <mc:Choice xmlns:p159="http://schemas.microsoft.com/office/powerpoint/2015/09/main" Requires="p159">
+  <mc:AlternateContent xmlns:mc="http://schemas.openxmlformats.org/markup-compatibility/2006" xmlns:p159="http://schemas.microsoft.com/office/powerpoint/2015/09/main">
+    <mc:Choice Requires="p159">
       <p:transition xmlns:p14="http://schemas.microsoft.com/office/powerpoint/2010/main" spd="slow" p14:dur="2000">
         <p159:morph option="byObject"/>
       </p:transition>
     </mc:Choice>
-    <mc:Fallback>
+    <mc:Fallback xmlns="">
       <p:transition spd="slow">
         <p:fade/>
       </p:transition>
@@ -15325,7 +15717,7 @@
             <a:fld id="{C2DE1785-620F-4DE8-A7D0-6CC8413DFAC9}" type="datetime1">
               <a:rPr lang="pt-PT" sz="800" b="1" smtClean="0"/>
               <a:pPr/>
-              <a:t>06/11/20</a:t>
+              <a:t>06/11/2020</a:t>
             </a:fld>
             <a:endParaRPr lang="pt-PT" sz="800" b="1" dirty="0"/>
           </a:p>
@@ -15789,6 +16181,73 @@
           </a:prstGeom>
         </p:spPr>
       </p:pic>
+      <p:sp>
+        <p:nvSpPr>
+          <p:cNvPr id="2" name="CaixaDeTexto 1">
+            <a:extLst>
+              <a:ext uri="{FF2B5EF4-FFF2-40B4-BE49-F238E27FC236}">
+                <a16:creationId xmlns:a16="http://schemas.microsoft.com/office/drawing/2014/main" id="{20946C4D-E5AC-4012-8F91-EAB3793249AD}"/>
+              </a:ext>
+            </a:extLst>
+          </p:cNvPr>
+          <p:cNvSpPr txBox="1"/>
+          <p:nvPr/>
+        </p:nvSpPr>
+        <p:spPr>
+          <a:xfrm>
+            <a:off x="8766085" y="4839526"/>
+            <a:ext cx="360040" cy="215444"/>
+          </a:xfrm>
+          <a:prstGeom prst="rect">
+            <a:avLst/>
+          </a:prstGeom>
+          <a:noFill/>
+        </p:spPr>
+        <p:txBody>
+          <a:bodyPr wrap="square" rtlCol="0">
+            <a:spAutoFit/>
+          </a:bodyPr>
+          <a:lstStyle/>
+          <a:p>
+            <a:pPr marL="0" marR="0" lvl="0" indent="0" algn="l" defTabSz="914400" rtl="0" eaLnBrk="1" fontAlgn="auto" latinLnBrk="0" hangingPunct="1">
+              <a:lnSpc>
+                <a:spcPct val="100000"/>
+              </a:lnSpc>
+              <a:spcBef>
+                <a:spcPts val="0"/>
+              </a:spcBef>
+              <a:spcAft>
+                <a:spcPts val="0"/>
+              </a:spcAft>
+              <a:buClrTx/>
+              <a:buSzTx/>
+              <a:buFontTx/>
+              <a:buNone/>
+              <a:tabLst/>
+              <a:defRPr/>
+            </a:pPr>
+            <a:r>
+              <a:rPr kumimoji="0" lang="pt-PT" sz="800" b="1" i="0" u="none" strike="noStrike" kern="1200" cap="none" spc="0" normalizeH="0" baseline="0" noProof="0" dirty="0">
+                <a:ln>
+                  <a:noFill/>
+                </a:ln>
+                <a:solidFill>
+                  <a:schemeClr val="bg1">
+                    <a:lumMod val="50000"/>
+                  </a:schemeClr>
+                </a:solidFill>
+                <a:effectLst/>
+                <a:uLnTx/>
+                <a:uFillTx/>
+                <a:latin typeface="Calibri"/>
+                <a:ea typeface="+mn-ea"/>
+                <a:cs typeface="+mn-cs"/>
+              </a:rPr>
+              <a:t>17</a:t>
+            </a:r>
+          </a:p>
+        </p:txBody>
+      </p:sp>
     </p:spTree>
     <p:extLst>
       <p:ext uri="{BB962C8B-B14F-4D97-AF65-F5344CB8AC3E}">
@@ -15799,13 +16258,13 @@
   <p:clrMapOvr>
     <a:masterClrMapping/>
   </p:clrMapOvr>
-  <mc:AlternateContent xmlns:mc="http://schemas.openxmlformats.org/markup-compatibility/2006">
-    <mc:Choice xmlns:p159="http://schemas.microsoft.com/office/powerpoint/2015/09/main" Requires="p159">
+  <mc:AlternateContent xmlns:mc="http://schemas.openxmlformats.org/markup-compatibility/2006" xmlns:p159="http://schemas.microsoft.com/office/powerpoint/2015/09/main">
+    <mc:Choice Requires="p159">
       <p:transition xmlns:p14="http://schemas.microsoft.com/office/powerpoint/2010/main" spd="slow" p14:dur="2000">
         <p159:morph option="byObject"/>
       </p:transition>
     </mc:Choice>
-    <mc:Fallback>
+    <mc:Fallback xmlns="">
       <p:transition spd="slow">
         <p:fade/>
       </p:transition>
@@ -16328,7 +16787,7 @@
             <a:fld id="{C2DE1785-620F-4DE8-A7D0-6CC8413DFAC9}" type="datetime1">
               <a:rPr lang="pt-PT" sz="800" b="1" smtClean="0"/>
               <a:pPr/>
-              <a:t>06/11/20</a:t>
+              <a:t>06/11/2020</a:t>
             </a:fld>
             <a:endParaRPr lang="pt-PT" sz="800" b="1" dirty="0"/>
           </a:p>
@@ -16495,6 +16954,89 @@
           </a:prstGeom>
         </p:spPr>
       </p:pic>
+      <p:sp>
+        <p:nvSpPr>
+          <p:cNvPr id="3" name="CaixaDeTexto 2">
+            <a:extLst>
+              <a:ext uri="{FF2B5EF4-FFF2-40B4-BE49-F238E27FC236}">
+                <a16:creationId xmlns:a16="http://schemas.microsoft.com/office/drawing/2014/main" id="{ADFDC54F-B9E1-4470-BDD8-3433CCC0E4F5}"/>
+              </a:ext>
+            </a:extLst>
+          </p:cNvPr>
+          <p:cNvSpPr txBox="1"/>
+          <p:nvPr/>
+        </p:nvSpPr>
+        <p:spPr>
+          <a:xfrm>
+            <a:off x="8766085" y="4839526"/>
+            <a:ext cx="360040" cy="215444"/>
+          </a:xfrm>
+          <a:prstGeom prst="rect">
+            <a:avLst/>
+          </a:prstGeom>
+          <a:noFill/>
+        </p:spPr>
+        <p:txBody>
+          <a:bodyPr wrap="square" rtlCol="0">
+            <a:spAutoFit/>
+          </a:bodyPr>
+          <a:lstStyle/>
+          <a:p>
+            <a:pPr marL="0" marR="0" lvl="0" indent="0" algn="l" defTabSz="914400" rtl="0" eaLnBrk="1" fontAlgn="auto" latinLnBrk="0" hangingPunct="1">
+              <a:lnSpc>
+                <a:spcPct val="100000"/>
+              </a:lnSpc>
+              <a:spcBef>
+                <a:spcPts val="0"/>
+              </a:spcBef>
+              <a:spcAft>
+                <a:spcPts val="0"/>
+              </a:spcAft>
+              <a:buClrTx/>
+              <a:buSzTx/>
+              <a:buFontTx/>
+              <a:buNone/>
+              <a:tabLst/>
+              <a:defRPr/>
+            </a:pPr>
+            <a:r>
+              <a:rPr kumimoji="0" lang="pt-PT" sz="800" b="1" i="0" u="none" strike="noStrike" kern="1200" cap="none" spc="0" normalizeH="0" baseline="0" noProof="0">
+                <a:ln>
+                  <a:noFill/>
+                </a:ln>
+                <a:solidFill>
+                  <a:schemeClr val="bg1">
+                    <a:lumMod val="50000"/>
+                  </a:schemeClr>
+                </a:solidFill>
+                <a:effectLst/>
+                <a:uLnTx/>
+                <a:uFillTx/>
+                <a:latin typeface="Calibri"/>
+                <a:ea typeface="+mn-ea"/>
+                <a:cs typeface="+mn-cs"/>
+              </a:rPr>
+              <a:t>18</a:t>
+            </a:r>
+            <a:endParaRPr kumimoji="0" lang="pt-PT" sz="800" b="1" i="0" u="none" strike="noStrike" kern="1200" cap="none" spc="0" normalizeH="0" baseline="0" noProof="0" dirty="0">
+              <a:ln>
+                <a:noFill/>
+              </a:ln>
+              <a:solidFill>
+                <a:schemeClr val="bg1">
+                  <a:lumMod val="50000"/>
+                </a:schemeClr>
+              </a:solidFill>
+              <a:effectLst/>
+              <a:uLnTx/>
+              <a:uFillTx/>
+              <a:latin typeface="Calibri"/>
+              <a:ea typeface="+mn-ea"/>
+              <a:cs typeface="+mn-cs"/>
+            </a:endParaRPr>
+          </a:p>
+        </p:txBody>
+      </p:sp>
     </p:spTree>
     <p:extLst>
       <p:ext uri="{BB962C8B-B14F-4D97-AF65-F5344CB8AC3E}">
@@ -16505,13 +17047,13 @@
   <p:clrMapOvr>
     <a:masterClrMapping/>
   </p:clrMapOvr>
-  <mc:AlternateContent xmlns:mc="http://schemas.openxmlformats.org/markup-compatibility/2006">
-    <mc:Choice xmlns:p159="http://schemas.microsoft.com/office/powerpoint/2015/09/main" Requires="p159">
+  <mc:AlternateContent xmlns:mc="http://schemas.openxmlformats.org/markup-compatibility/2006" xmlns:p159="http://schemas.microsoft.com/office/powerpoint/2015/09/main">
+    <mc:Choice Requires="p159">
       <p:transition xmlns:p14="http://schemas.microsoft.com/office/powerpoint/2010/main" spd="slow" p14:dur="2000">
         <p159:morph option="byChar"/>
       </p:transition>
     </mc:Choice>
-    <mc:Fallback>
+    <mc:Fallback xmlns="">
       <p:transition spd="slow">
         <p:fade/>
       </p:transition>
@@ -17100,7 +17642,7 @@
             <a:fld id="{C2DE1785-620F-4DE8-A7D0-6CC8413DFAC9}" type="datetime1">
               <a:rPr lang="pt-PT" sz="800" b="1" smtClean="0"/>
               <a:pPr/>
-              <a:t>06/11/20</a:t>
+              <a:t>06/11/2020</a:t>
             </a:fld>
             <a:endParaRPr lang="pt-PT" sz="800" b="1" dirty="0"/>
           </a:p>
@@ -17224,10 +17766,9 @@
           </a:lstStyle>
           <a:p>
             <a:r>
-              <a:rPr lang="pt-PT" sz="800" b="1"/>
+              <a:rPr lang="pt-PT" sz="800" b="1" dirty="0"/>
               <a:t>POLITÉCNICO DE LEIRIA</a:t>
             </a:r>
-            <a:endParaRPr lang="pt-PT" sz="800" b="1" dirty="0"/>
           </a:p>
         </p:txBody>
       </p:sp>
@@ -17246,7 +17787,7 @@
           <p:nvPr/>
         </p:nvPicPr>
         <p:blipFill>
-          <a:blip r:embed="rId3">
+          <a:blip r:embed="rId3" cstate="print">
             <a:extLst>
               <a:ext uri="{28A0092B-C50C-407E-A947-70E740481C1C}">
                 <a14:useLocalDpi xmlns:a14="http://schemas.microsoft.com/office/drawing/2010/main" val="0"/>
@@ -17270,6 +17811,73 @@
           </a:prstGeom>
         </p:spPr>
       </p:pic>
+      <p:sp>
+        <p:nvSpPr>
+          <p:cNvPr id="3" name="CaixaDeTexto 2">
+            <a:extLst>
+              <a:ext uri="{FF2B5EF4-FFF2-40B4-BE49-F238E27FC236}">
+                <a16:creationId xmlns:a16="http://schemas.microsoft.com/office/drawing/2014/main" id="{48C2D8AB-3CF6-46DA-99FF-10310079BFE7}"/>
+              </a:ext>
+            </a:extLst>
+          </p:cNvPr>
+          <p:cNvSpPr txBox="1"/>
+          <p:nvPr/>
+        </p:nvSpPr>
+        <p:spPr>
+          <a:xfrm>
+            <a:off x="8766085" y="4839526"/>
+            <a:ext cx="360040" cy="274320"/>
+          </a:xfrm>
+          <a:prstGeom prst="rect">
+            <a:avLst/>
+          </a:prstGeom>
+          <a:noFill/>
+        </p:spPr>
+        <p:txBody>
+          <a:bodyPr wrap="square" rtlCol="0">
+            <a:spAutoFit/>
+          </a:bodyPr>
+          <a:lstStyle/>
+          <a:p>
+            <a:pPr marL="0" marR="0" lvl="0" indent="0" algn="l" defTabSz="914400" rtl="0" eaLnBrk="1" fontAlgn="auto" latinLnBrk="0" hangingPunct="1">
+              <a:lnSpc>
+                <a:spcPct val="100000"/>
+              </a:lnSpc>
+              <a:spcBef>
+                <a:spcPts val="0"/>
+              </a:spcBef>
+              <a:spcAft>
+                <a:spcPts val="0"/>
+              </a:spcAft>
+              <a:buClrTx/>
+              <a:buSzTx/>
+              <a:buFontTx/>
+              <a:buNone/>
+              <a:tabLst/>
+              <a:defRPr/>
+            </a:pPr>
+            <a:r>
+              <a:rPr kumimoji="0" lang="pt-PT" sz="800" b="1" i="0" u="none" strike="noStrike" kern="1200" cap="none" spc="0" normalizeH="0" baseline="0" noProof="0" dirty="0">
+                <a:ln>
+                  <a:noFill/>
+                </a:ln>
+                <a:solidFill>
+                  <a:schemeClr val="bg1">
+                    <a:lumMod val="50000"/>
+                  </a:schemeClr>
+                </a:solidFill>
+                <a:effectLst/>
+                <a:uLnTx/>
+                <a:uFillTx/>
+                <a:latin typeface="Calibri"/>
+                <a:ea typeface="+mn-ea"/>
+                <a:cs typeface="+mn-cs"/>
+              </a:rPr>
+              <a:t>1</a:t>
+            </a:r>
+          </a:p>
+        </p:txBody>
+      </p:sp>
     </p:spTree>
     <p:extLst>
       <p:ext uri="{BB962C8B-B14F-4D97-AF65-F5344CB8AC3E}">
@@ -17280,13 +17888,13 @@
   <p:clrMapOvr>
     <a:masterClrMapping/>
   </p:clrMapOvr>
-  <mc:AlternateContent xmlns:mc="http://schemas.openxmlformats.org/markup-compatibility/2006">
-    <mc:Choice xmlns:p159="http://schemas.microsoft.com/office/powerpoint/2015/09/main" Requires="p159">
+  <mc:AlternateContent xmlns:mc="http://schemas.openxmlformats.org/markup-compatibility/2006" xmlns:p159="http://schemas.microsoft.com/office/powerpoint/2015/09/main">
+    <mc:Choice Requires="p159">
       <p:transition xmlns:p14="http://schemas.microsoft.com/office/powerpoint/2010/main" spd="slow" p14:dur="2000">
         <p159:morph option="byChar"/>
       </p:transition>
     </mc:Choice>
-    <mc:Fallback>
+    <mc:Fallback xmlns="">
       <p:transition spd="slow">
         <p:fade/>
       </p:transition>
@@ -17722,7 +18330,7 @@
             <a:fld id="{C2DE1785-620F-4DE8-A7D0-6CC8413DFAC9}" type="datetime1">
               <a:rPr lang="pt-PT" sz="800" b="1" smtClean="0"/>
               <a:pPr/>
-              <a:t>06/11/20</a:t>
+              <a:t>06/11/2020</a:t>
             </a:fld>
             <a:endParaRPr lang="pt-PT" sz="800" b="1" dirty="0"/>
           </a:p>
@@ -17892,6 +18500,73 @@
           </a:prstGeom>
         </p:spPr>
       </p:pic>
+      <p:sp>
+        <p:nvSpPr>
+          <p:cNvPr id="3" name="CaixaDeTexto 2">
+            <a:extLst>
+              <a:ext uri="{FF2B5EF4-FFF2-40B4-BE49-F238E27FC236}">
+                <a16:creationId xmlns:a16="http://schemas.microsoft.com/office/drawing/2014/main" id="{177E07BF-F41E-4182-AA75-89E4721E00D9}"/>
+              </a:ext>
+            </a:extLst>
+          </p:cNvPr>
+          <p:cNvSpPr txBox="1"/>
+          <p:nvPr/>
+        </p:nvSpPr>
+        <p:spPr>
+          <a:xfrm>
+            <a:off x="8766085" y="4839526"/>
+            <a:ext cx="360040" cy="215444"/>
+          </a:xfrm>
+          <a:prstGeom prst="rect">
+            <a:avLst/>
+          </a:prstGeom>
+          <a:noFill/>
+        </p:spPr>
+        <p:txBody>
+          <a:bodyPr wrap="square" rtlCol="0">
+            <a:spAutoFit/>
+          </a:bodyPr>
+          <a:lstStyle/>
+          <a:p>
+            <a:pPr marL="0" marR="0" lvl="0" indent="0" algn="l" defTabSz="914400" rtl="0" eaLnBrk="1" fontAlgn="auto" latinLnBrk="0" hangingPunct="1">
+              <a:lnSpc>
+                <a:spcPct val="100000"/>
+              </a:lnSpc>
+              <a:spcBef>
+                <a:spcPts val="0"/>
+              </a:spcBef>
+              <a:spcAft>
+                <a:spcPts val="0"/>
+              </a:spcAft>
+              <a:buClrTx/>
+              <a:buSzTx/>
+              <a:buFontTx/>
+              <a:buNone/>
+              <a:tabLst/>
+              <a:defRPr/>
+            </a:pPr>
+            <a:r>
+              <a:rPr kumimoji="0" lang="pt-PT" sz="800" b="1" i="0" u="none" strike="noStrike" kern="1200" cap="none" spc="0" normalizeH="0" baseline="0" noProof="0" dirty="0">
+                <a:ln>
+                  <a:noFill/>
+                </a:ln>
+                <a:solidFill>
+                  <a:schemeClr val="bg1">
+                    <a:lumMod val="50000"/>
+                  </a:schemeClr>
+                </a:solidFill>
+                <a:effectLst/>
+                <a:uLnTx/>
+                <a:uFillTx/>
+                <a:latin typeface="Calibri"/>
+                <a:ea typeface="+mn-ea"/>
+                <a:cs typeface="+mn-cs"/>
+              </a:rPr>
+              <a:t>2</a:t>
+            </a:r>
+          </a:p>
+        </p:txBody>
+      </p:sp>
     </p:spTree>
     <p:extLst>
       <p:ext uri="{BB962C8B-B14F-4D97-AF65-F5344CB8AC3E}">
@@ -17902,13 +18577,13 @@
   <p:clrMapOvr>
     <a:masterClrMapping/>
   </p:clrMapOvr>
-  <mc:AlternateContent xmlns:mc="http://schemas.openxmlformats.org/markup-compatibility/2006">
-    <mc:Choice xmlns:p159="http://schemas.microsoft.com/office/powerpoint/2015/09/main" Requires="p159">
+  <mc:AlternateContent xmlns:mc="http://schemas.openxmlformats.org/markup-compatibility/2006" xmlns:p159="http://schemas.microsoft.com/office/powerpoint/2015/09/main">
+    <mc:Choice Requires="p159">
       <p:transition xmlns:p14="http://schemas.microsoft.com/office/powerpoint/2010/main" spd="slow" p14:dur="2000">
         <p159:morph option="byObject"/>
       </p:transition>
     </mc:Choice>
-    <mc:Fallback>
+    <mc:Fallback xmlns="">
       <p:transition spd="slow">
         <p:fade/>
       </p:transition>
@@ -18365,7 +19040,7 @@
             <a:fld id="{C2DE1785-620F-4DE8-A7D0-6CC8413DFAC9}" type="datetime1">
               <a:rPr lang="pt-PT" sz="800" b="1" smtClean="0"/>
               <a:pPr/>
-              <a:t>06/11/20</a:t>
+              <a:t>06/11/2020</a:t>
             </a:fld>
             <a:endParaRPr lang="pt-PT" sz="800" b="1" dirty="0"/>
           </a:p>
@@ -18511,7 +19186,7 @@
           <p:nvPr/>
         </p:nvPicPr>
         <p:blipFill>
-          <a:blip r:embed="rId3">
+          <a:blip r:embed="rId3" cstate="print">
             <a:extLst>
               <a:ext uri="{28A0092B-C50C-407E-A947-70E740481C1C}">
                 <a14:useLocalDpi xmlns:a14="http://schemas.microsoft.com/office/drawing/2010/main" val="0"/>
@@ -18535,6 +19210,73 @@
           </a:prstGeom>
         </p:spPr>
       </p:pic>
+      <p:sp>
+        <p:nvSpPr>
+          <p:cNvPr id="3" name="CaixaDeTexto 2">
+            <a:extLst>
+              <a:ext uri="{FF2B5EF4-FFF2-40B4-BE49-F238E27FC236}">
+                <a16:creationId xmlns:a16="http://schemas.microsoft.com/office/drawing/2014/main" id="{19C0E4C1-BA50-4E21-9BBC-0AF4A6B10E52}"/>
+              </a:ext>
+            </a:extLst>
+          </p:cNvPr>
+          <p:cNvSpPr txBox="1"/>
+          <p:nvPr/>
+        </p:nvSpPr>
+        <p:spPr>
+          <a:xfrm>
+            <a:off x="8766085" y="4839526"/>
+            <a:ext cx="360040" cy="215444"/>
+          </a:xfrm>
+          <a:prstGeom prst="rect">
+            <a:avLst/>
+          </a:prstGeom>
+          <a:noFill/>
+        </p:spPr>
+        <p:txBody>
+          <a:bodyPr wrap="square" rtlCol="0">
+            <a:spAutoFit/>
+          </a:bodyPr>
+          <a:lstStyle/>
+          <a:p>
+            <a:pPr marL="0" marR="0" lvl="0" indent="0" algn="l" defTabSz="914400" rtl="0" eaLnBrk="1" fontAlgn="auto" latinLnBrk="0" hangingPunct="1">
+              <a:lnSpc>
+                <a:spcPct val="100000"/>
+              </a:lnSpc>
+              <a:spcBef>
+                <a:spcPts val="0"/>
+              </a:spcBef>
+              <a:spcAft>
+                <a:spcPts val="0"/>
+              </a:spcAft>
+              <a:buClrTx/>
+              <a:buSzTx/>
+              <a:buFontTx/>
+              <a:buNone/>
+              <a:tabLst/>
+              <a:defRPr/>
+            </a:pPr>
+            <a:r>
+              <a:rPr kumimoji="0" lang="pt-PT" sz="800" b="1" i="0" u="none" strike="noStrike" kern="1200" cap="none" spc="0" normalizeH="0" baseline="0" noProof="0" dirty="0">
+                <a:ln>
+                  <a:noFill/>
+                </a:ln>
+                <a:solidFill>
+                  <a:schemeClr val="bg1">
+                    <a:lumMod val="50000"/>
+                  </a:schemeClr>
+                </a:solidFill>
+                <a:effectLst/>
+                <a:uLnTx/>
+                <a:uFillTx/>
+                <a:latin typeface="Calibri"/>
+                <a:ea typeface="+mn-ea"/>
+                <a:cs typeface="+mn-cs"/>
+              </a:rPr>
+              <a:t>3</a:t>
+            </a:r>
+          </a:p>
+        </p:txBody>
+      </p:sp>
     </p:spTree>
     <p:extLst>
       <p:ext uri="{BB962C8B-B14F-4D97-AF65-F5344CB8AC3E}">
@@ -18545,13 +19287,13 @@
   <p:clrMapOvr>
     <a:masterClrMapping/>
   </p:clrMapOvr>
-  <mc:AlternateContent xmlns:mc="http://schemas.openxmlformats.org/markup-compatibility/2006">
-    <mc:Choice xmlns:p159="http://schemas.microsoft.com/office/powerpoint/2015/09/main" Requires="p159">
+  <mc:AlternateContent xmlns:mc="http://schemas.openxmlformats.org/markup-compatibility/2006" xmlns:p159="http://schemas.microsoft.com/office/powerpoint/2015/09/main">
+    <mc:Choice Requires="p159">
       <p:transition xmlns:p14="http://schemas.microsoft.com/office/powerpoint/2010/main" spd="slow" p14:dur="2000">
         <p159:morph option="byObject"/>
       </p:transition>
     </mc:Choice>
-    <mc:Fallback>
+    <mc:Fallback xmlns="">
       <p:transition spd="slow">
         <p:fade/>
       </p:transition>
@@ -18990,7 +19732,7 @@
             <a:fld id="{C2DE1785-620F-4DE8-A7D0-6CC8413DFAC9}" type="datetime1">
               <a:rPr lang="pt-PT" sz="800" b="1" smtClean="0"/>
               <a:pPr/>
-              <a:t>06/11/20</a:t>
+              <a:t>06/11/2020</a:t>
             </a:fld>
             <a:endParaRPr lang="pt-PT" sz="800" b="1" dirty="0"/>
           </a:p>
@@ -19156,6 +19898,73 @@
           </a:ln>
         </p:spPr>
       </p:pic>
+      <p:sp>
+        <p:nvSpPr>
+          <p:cNvPr id="3" name="CaixaDeTexto 2">
+            <a:extLst>
+              <a:ext uri="{FF2B5EF4-FFF2-40B4-BE49-F238E27FC236}">
+                <a16:creationId xmlns:a16="http://schemas.microsoft.com/office/drawing/2014/main" id="{20773AC7-E032-4D06-ADFF-33457EE304D1}"/>
+              </a:ext>
+            </a:extLst>
+          </p:cNvPr>
+          <p:cNvSpPr txBox="1"/>
+          <p:nvPr/>
+        </p:nvSpPr>
+        <p:spPr>
+          <a:xfrm>
+            <a:off x="8766085" y="4839526"/>
+            <a:ext cx="360040" cy="215444"/>
+          </a:xfrm>
+          <a:prstGeom prst="rect">
+            <a:avLst/>
+          </a:prstGeom>
+          <a:noFill/>
+        </p:spPr>
+        <p:txBody>
+          <a:bodyPr wrap="square" rtlCol="0">
+            <a:spAutoFit/>
+          </a:bodyPr>
+          <a:lstStyle/>
+          <a:p>
+            <a:pPr marL="0" marR="0" lvl="0" indent="0" algn="l" defTabSz="914400" rtl="0" eaLnBrk="1" fontAlgn="auto" latinLnBrk="0" hangingPunct="1">
+              <a:lnSpc>
+                <a:spcPct val="100000"/>
+              </a:lnSpc>
+              <a:spcBef>
+                <a:spcPts val="0"/>
+              </a:spcBef>
+              <a:spcAft>
+                <a:spcPts val="0"/>
+              </a:spcAft>
+              <a:buClrTx/>
+              <a:buSzTx/>
+              <a:buFontTx/>
+              <a:buNone/>
+              <a:tabLst/>
+              <a:defRPr/>
+            </a:pPr>
+            <a:r>
+              <a:rPr kumimoji="0" lang="pt-PT" sz="800" b="1" i="0" u="none" strike="noStrike" kern="1200" cap="none" spc="0" normalizeH="0" baseline="0" noProof="0" dirty="0">
+                <a:ln>
+                  <a:noFill/>
+                </a:ln>
+                <a:solidFill>
+                  <a:schemeClr val="bg1">
+                    <a:lumMod val="50000"/>
+                  </a:schemeClr>
+                </a:solidFill>
+                <a:effectLst/>
+                <a:uLnTx/>
+                <a:uFillTx/>
+                <a:latin typeface="Calibri"/>
+                <a:ea typeface="+mn-ea"/>
+                <a:cs typeface="+mn-cs"/>
+              </a:rPr>
+              <a:t>4</a:t>
+            </a:r>
+          </a:p>
+        </p:txBody>
+      </p:sp>
     </p:spTree>
     <p:extLst>
       <p:ext uri="{BB962C8B-B14F-4D97-AF65-F5344CB8AC3E}">
@@ -19166,13 +19975,13 @@
   <p:clrMapOvr>
     <a:masterClrMapping/>
   </p:clrMapOvr>
-  <mc:AlternateContent xmlns:mc="http://schemas.openxmlformats.org/markup-compatibility/2006">
-    <mc:Choice xmlns:p159="http://schemas.microsoft.com/office/powerpoint/2015/09/main" Requires="p159">
+  <mc:AlternateContent xmlns:mc="http://schemas.openxmlformats.org/markup-compatibility/2006" xmlns:p159="http://schemas.microsoft.com/office/powerpoint/2015/09/main">
+    <mc:Choice Requires="p159">
       <p:transition xmlns:p14="http://schemas.microsoft.com/office/powerpoint/2010/main" spd="slow" p14:dur="2000">
         <p159:morph option="byObject"/>
       </p:transition>
     </mc:Choice>
-    <mc:Fallback>
+    <mc:Fallback xmlns="">
       <p:transition spd="slow">
         <p:fade/>
       </p:transition>
@@ -19532,7 +20341,7 @@
             <a:fld id="{C2DE1785-620F-4DE8-A7D0-6CC8413DFAC9}" type="datetime1">
               <a:rPr lang="pt-PT" sz="800" b="1" smtClean="0"/>
               <a:pPr/>
-              <a:t>06/11/20</a:t>
+              <a:t>06/11/2020</a:t>
             </a:fld>
             <a:endParaRPr lang="pt-PT" sz="800" b="1" dirty="0"/>
           </a:p>
@@ -19756,6 +20565,73 @@
           </p:spPr>
         </p:pic>
       </p:grpSp>
+      <p:sp>
+        <p:nvSpPr>
+          <p:cNvPr id="3" name="CaixaDeTexto 2">
+            <a:extLst>
+              <a:ext uri="{FF2B5EF4-FFF2-40B4-BE49-F238E27FC236}">
+                <a16:creationId xmlns:a16="http://schemas.microsoft.com/office/drawing/2014/main" id="{7EF52B11-B984-4249-A73D-4C09F00879AE}"/>
+              </a:ext>
+            </a:extLst>
+          </p:cNvPr>
+          <p:cNvSpPr txBox="1"/>
+          <p:nvPr/>
+        </p:nvSpPr>
+        <p:spPr>
+          <a:xfrm>
+            <a:off x="8766085" y="4839526"/>
+            <a:ext cx="360040" cy="215444"/>
+          </a:xfrm>
+          <a:prstGeom prst="rect">
+            <a:avLst/>
+          </a:prstGeom>
+          <a:noFill/>
+        </p:spPr>
+        <p:txBody>
+          <a:bodyPr wrap="square" rtlCol="0">
+            <a:spAutoFit/>
+          </a:bodyPr>
+          <a:lstStyle/>
+          <a:p>
+            <a:pPr marL="0" marR="0" lvl="0" indent="0" algn="l" defTabSz="914400" rtl="0" eaLnBrk="1" fontAlgn="auto" latinLnBrk="0" hangingPunct="1">
+              <a:lnSpc>
+                <a:spcPct val="100000"/>
+              </a:lnSpc>
+              <a:spcBef>
+                <a:spcPts val="0"/>
+              </a:spcBef>
+              <a:spcAft>
+                <a:spcPts val="0"/>
+              </a:spcAft>
+              <a:buClrTx/>
+              <a:buSzTx/>
+              <a:buFontTx/>
+              <a:buNone/>
+              <a:tabLst/>
+              <a:defRPr/>
+            </a:pPr>
+            <a:r>
+              <a:rPr kumimoji="0" lang="pt-PT" sz="800" b="1" i="0" u="none" strike="noStrike" kern="1200" cap="none" spc="0" normalizeH="0" baseline="0" noProof="0" dirty="0">
+                <a:ln>
+                  <a:noFill/>
+                </a:ln>
+                <a:solidFill>
+                  <a:schemeClr val="bg1">
+                    <a:lumMod val="50000"/>
+                  </a:schemeClr>
+                </a:solidFill>
+                <a:effectLst/>
+                <a:uLnTx/>
+                <a:uFillTx/>
+                <a:latin typeface="Calibri"/>
+                <a:ea typeface="+mn-ea"/>
+                <a:cs typeface="+mn-cs"/>
+              </a:rPr>
+              <a:t>5</a:t>
+            </a:r>
+          </a:p>
+        </p:txBody>
+      </p:sp>
     </p:spTree>
     <p:extLst>
       <p:ext uri="{BB962C8B-B14F-4D97-AF65-F5344CB8AC3E}">
@@ -19766,13 +20642,13 @@
   <p:clrMapOvr>
     <a:masterClrMapping/>
   </p:clrMapOvr>
-  <mc:AlternateContent xmlns:mc="http://schemas.openxmlformats.org/markup-compatibility/2006">
-    <mc:Choice xmlns:p159="http://schemas.microsoft.com/office/powerpoint/2015/09/main" Requires="p159">
+  <mc:AlternateContent xmlns:mc="http://schemas.openxmlformats.org/markup-compatibility/2006" xmlns:p159="http://schemas.microsoft.com/office/powerpoint/2015/09/main">
+    <mc:Choice Requires="p159">
       <p:transition xmlns:p14="http://schemas.microsoft.com/office/powerpoint/2010/main" spd="slow" p14:dur="2000">
         <p159:morph option="byObject"/>
       </p:transition>
     </mc:Choice>
-    <mc:Fallback>
+    <mc:Fallback xmlns="">
       <p:transition spd="slow">
         <p:fade/>
       </p:transition>
@@ -20132,7 +21008,7 @@
             <a:fld id="{C2DE1785-620F-4DE8-A7D0-6CC8413DFAC9}" type="datetime1">
               <a:rPr lang="pt-PT" sz="800" b="1" smtClean="0"/>
               <a:pPr/>
-              <a:t>06/11/20</a:t>
+              <a:t>06/11/2020</a:t>
             </a:fld>
             <a:endParaRPr lang="pt-PT" sz="800" b="1" dirty="0"/>
           </a:p>
@@ -20356,6 +21232,73 @@
           </p:spPr>
         </p:pic>
       </p:grpSp>
+      <p:sp>
+        <p:nvSpPr>
+          <p:cNvPr id="2" name="CaixaDeTexto 1">
+            <a:extLst>
+              <a:ext uri="{FF2B5EF4-FFF2-40B4-BE49-F238E27FC236}">
+                <a16:creationId xmlns:a16="http://schemas.microsoft.com/office/drawing/2014/main" id="{91E93B0D-ABF2-4196-A589-3A29054597E8}"/>
+              </a:ext>
+            </a:extLst>
+          </p:cNvPr>
+          <p:cNvSpPr txBox="1"/>
+          <p:nvPr/>
+        </p:nvSpPr>
+        <p:spPr>
+          <a:xfrm>
+            <a:off x="8766085" y="4839526"/>
+            <a:ext cx="360040" cy="215444"/>
+          </a:xfrm>
+          <a:prstGeom prst="rect">
+            <a:avLst/>
+          </a:prstGeom>
+          <a:noFill/>
+        </p:spPr>
+        <p:txBody>
+          <a:bodyPr wrap="square" rtlCol="0">
+            <a:spAutoFit/>
+          </a:bodyPr>
+          <a:lstStyle/>
+          <a:p>
+            <a:pPr marL="0" marR="0" lvl="0" indent="0" algn="l" defTabSz="914400" rtl="0" eaLnBrk="1" fontAlgn="auto" latinLnBrk="0" hangingPunct="1">
+              <a:lnSpc>
+                <a:spcPct val="100000"/>
+              </a:lnSpc>
+              <a:spcBef>
+                <a:spcPts val="0"/>
+              </a:spcBef>
+              <a:spcAft>
+                <a:spcPts val="0"/>
+              </a:spcAft>
+              <a:buClrTx/>
+              <a:buSzTx/>
+              <a:buFontTx/>
+              <a:buNone/>
+              <a:tabLst/>
+              <a:defRPr/>
+            </a:pPr>
+            <a:r>
+              <a:rPr kumimoji="0" lang="pt-PT" sz="800" b="1" i="0" u="none" strike="noStrike" kern="1200" cap="none" spc="0" normalizeH="0" baseline="0" noProof="0" dirty="0">
+                <a:ln>
+                  <a:noFill/>
+                </a:ln>
+                <a:solidFill>
+                  <a:schemeClr val="bg1">
+                    <a:lumMod val="50000"/>
+                  </a:schemeClr>
+                </a:solidFill>
+                <a:effectLst/>
+                <a:uLnTx/>
+                <a:uFillTx/>
+                <a:latin typeface="Calibri"/>
+                <a:ea typeface="+mn-ea"/>
+                <a:cs typeface="+mn-cs"/>
+              </a:rPr>
+              <a:t>6</a:t>
+            </a:r>
+          </a:p>
+        </p:txBody>
+      </p:sp>
     </p:spTree>
     <p:extLst>
       <p:ext uri="{BB962C8B-B14F-4D97-AF65-F5344CB8AC3E}">
@@ -20366,13 +21309,13 @@
   <p:clrMapOvr>
     <a:masterClrMapping/>
   </p:clrMapOvr>
-  <mc:AlternateContent xmlns:mc="http://schemas.openxmlformats.org/markup-compatibility/2006">
-    <mc:Choice xmlns:p159="http://schemas.microsoft.com/office/powerpoint/2015/09/main" Requires="p159">
+  <mc:AlternateContent xmlns:mc="http://schemas.openxmlformats.org/markup-compatibility/2006" xmlns:p159="http://schemas.microsoft.com/office/powerpoint/2015/09/main">
+    <mc:Choice Requires="p159">
       <p:transition xmlns:p14="http://schemas.microsoft.com/office/powerpoint/2010/main" spd="slow" p14:dur="2000">
         <p159:morph option="byObject"/>
       </p:transition>
     </mc:Choice>
-    <mc:Fallback>
+    <mc:Fallback xmlns="">
       <p:transition spd="slow">
         <p:fade/>
       </p:transition>
@@ -20732,7 +21675,7 @@
             <a:fld id="{C2DE1785-620F-4DE8-A7D0-6CC8413DFAC9}" type="datetime1">
               <a:rPr lang="pt-PT" sz="800" b="1" smtClean="0"/>
               <a:pPr/>
-              <a:t>06/11/20</a:t>
+              <a:t>06/11/2020</a:t>
             </a:fld>
             <a:endParaRPr lang="pt-PT" sz="800" b="1" dirty="0"/>
           </a:p>
@@ -20877,7 +21820,7 @@
         </p:nvGrpSpPr>
         <p:grpSpPr>
           <a:xfrm>
-            <a:off x="638513" y="1547925"/>
+            <a:off x="638512" y="1547924"/>
             <a:ext cx="7866975" cy="2047651"/>
             <a:chOff x="502863" y="1740512"/>
             <a:chExt cx="7866975" cy="2047651"/>
@@ -20956,6 +21899,73 @@
           </p:spPr>
         </p:pic>
       </p:grpSp>
+      <p:sp>
+        <p:nvSpPr>
+          <p:cNvPr id="3" name="CaixaDeTexto 2">
+            <a:extLst>
+              <a:ext uri="{FF2B5EF4-FFF2-40B4-BE49-F238E27FC236}">
+                <a16:creationId xmlns:a16="http://schemas.microsoft.com/office/drawing/2014/main" id="{8642029E-470F-4E07-80D1-FB729993FCA8}"/>
+              </a:ext>
+            </a:extLst>
+          </p:cNvPr>
+          <p:cNvSpPr txBox="1"/>
+          <p:nvPr/>
+        </p:nvSpPr>
+        <p:spPr>
+          <a:xfrm>
+            <a:off x="8766085" y="4839526"/>
+            <a:ext cx="360040" cy="215444"/>
+          </a:xfrm>
+          <a:prstGeom prst="rect">
+            <a:avLst/>
+          </a:prstGeom>
+          <a:noFill/>
+        </p:spPr>
+        <p:txBody>
+          <a:bodyPr wrap="square" rtlCol="0">
+            <a:spAutoFit/>
+          </a:bodyPr>
+          <a:lstStyle/>
+          <a:p>
+            <a:pPr marL="0" marR="0" lvl="0" indent="0" algn="l" defTabSz="914400" rtl="0" eaLnBrk="1" fontAlgn="auto" latinLnBrk="0" hangingPunct="1">
+              <a:lnSpc>
+                <a:spcPct val="100000"/>
+              </a:lnSpc>
+              <a:spcBef>
+                <a:spcPts val="0"/>
+              </a:spcBef>
+              <a:spcAft>
+                <a:spcPts val="0"/>
+              </a:spcAft>
+              <a:buClrTx/>
+              <a:buSzTx/>
+              <a:buFontTx/>
+              <a:buNone/>
+              <a:tabLst/>
+              <a:defRPr/>
+            </a:pPr>
+            <a:r>
+              <a:rPr kumimoji="0" lang="pt-PT" sz="800" b="1" i="0" u="none" strike="noStrike" kern="1200" cap="none" spc="0" normalizeH="0" baseline="0" noProof="0" dirty="0">
+                <a:ln>
+                  <a:noFill/>
+                </a:ln>
+                <a:solidFill>
+                  <a:schemeClr val="bg1">
+                    <a:lumMod val="50000"/>
+                  </a:schemeClr>
+                </a:solidFill>
+                <a:effectLst/>
+                <a:uLnTx/>
+                <a:uFillTx/>
+                <a:latin typeface="Calibri"/>
+                <a:ea typeface="+mn-ea"/>
+                <a:cs typeface="+mn-cs"/>
+              </a:rPr>
+              <a:t>7</a:t>
+            </a:r>
+          </a:p>
+        </p:txBody>
+      </p:sp>
     </p:spTree>
     <p:extLst>
       <p:ext uri="{BB962C8B-B14F-4D97-AF65-F5344CB8AC3E}">
@@ -20966,13 +21976,13 @@
   <p:clrMapOvr>
     <a:masterClrMapping/>
   </p:clrMapOvr>
-  <mc:AlternateContent xmlns:mc="http://schemas.openxmlformats.org/markup-compatibility/2006">
-    <mc:Choice xmlns:p159="http://schemas.microsoft.com/office/powerpoint/2015/09/main" Requires="p159">
+  <mc:AlternateContent xmlns:mc="http://schemas.openxmlformats.org/markup-compatibility/2006" xmlns:p159="http://schemas.microsoft.com/office/powerpoint/2015/09/main">
+    <mc:Choice Requires="p159">
       <p:transition xmlns:p14="http://schemas.microsoft.com/office/powerpoint/2010/main" spd="slow" p14:dur="2000">
         <p159:morph option="byObject"/>
       </p:transition>
     </mc:Choice>
-    <mc:Fallback>
+    <mc:Fallback xmlns="">
       <p:transition spd="slow">
         <p:fade/>
       </p:transition>
@@ -21332,7 +22342,7 @@
             <a:fld id="{C2DE1785-620F-4DE8-A7D0-6CC8413DFAC9}" type="datetime1">
               <a:rPr lang="pt-PT" sz="800" b="1" smtClean="0"/>
               <a:pPr/>
-              <a:t>06/11/20</a:t>
+              <a:t>06/11/2020</a:t>
             </a:fld>
             <a:endParaRPr lang="pt-PT" sz="800" b="1" dirty="0"/>
           </a:p>
@@ -21460,6 +22470,109 @@
               <a:t>POLITÉCNICO DE LEIRIA</a:t>
             </a:r>
             <a:endParaRPr lang="pt-PT" sz="800" b="1" dirty="0"/>
+          </a:p>
+        </p:txBody>
+      </p:sp>
+      <p:pic>
+        <p:nvPicPr>
+          <p:cNvPr id="3" name="Imagem 2" descr="Uma imagem com texto&#10;&#10;Descrição gerada automaticamente">
+            <a:extLst>
+              <a:ext uri="{FF2B5EF4-FFF2-40B4-BE49-F238E27FC236}">
+                <a16:creationId xmlns:a16="http://schemas.microsoft.com/office/drawing/2014/main" id="{C0A72845-E77C-4E6E-A4C6-CE693F237447}"/>
+              </a:ext>
+            </a:extLst>
+          </p:cNvPr>
+          <p:cNvPicPr>
+            <a:picLocks noChangeAspect="1"/>
+          </p:cNvPicPr>
+          <p:nvPr/>
+        </p:nvPicPr>
+        <p:blipFill>
+          <a:blip r:embed="rId3">
+            <a:extLst>
+              <a:ext uri="{28A0092B-C50C-407E-A947-70E740481C1C}">
+                <a14:useLocalDpi xmlns:a14="http://schemas.microsoft.com/office/drawing/2010/main" val="0"/>
+              </a:ext>
+            </a:extLst>
+          </a:blip>
+          <a:stretch>
+            <a:fillRect/>
+          </a:stretch>
+        </p:blipFill>
+        <p:spPr>
+          <a:xfrm>
+            <a:off x="642475" y="1827129"/>
+            <a:ext cx="7845552" cy="1489241"/>
+          </a:xfrm>
+          <a:prstGeom prst="rect">
+            <a:avLst/>
+          </a:prstGeom>
+        </p:spPr>
+      </p:pic>
+      <p:sp>
+        <p:nvSpPr>
+          <p:cNvPr id="4" name="CaixaDeTexto 3">
+            <a:extLst>
+              <a:ext uri="{FF2B5EF4-FFF2-40B4-BE49-F238E27FC236}">
+                <a16:creationId xmlns:a16="http://schemas.microsoft.com/office/drawing/2014/main" id="{0350CE2B-3932-4A44-8DA6-F1EE41C11B32}"/>
+              </a:ext>
+            </a:extLst>
+          </p:cNvPr>
+          <p:cNvSpPr txBox="1"/>
+          <p:nvPr/>
+        </p:nvSpPr>
+        <p:spPr>
+          <a:xfrm>
+            <a:off x="8766085" y="4839526"/>
+            <a:ext cx="360040" cy="215444"/>
+          </a:xfrm>
+          <a:prstGeom prst="rect">
+            <a:avLst/>
+          </a:prstGeom>
+          <a:noFill/>
+        </p:spPr>
+        <p:txBody>
+          <a:bodyPr wrap="square" rtlCol="0">
+            <a:spAutoFit/>
+          </a:bodyPr>
+          <a:lstStyle/>
+          <a:p>
+            <a:pPr marL="0" marR="0" lvl="0" indent="0" algn="l" defTabSz="914400" rtl="0" eaLnBrk="1" fontAlgn="auto" latinLnBrk="0" hangingPunct="1">
+              <a:lnSpc>
+                <a:spcPct val="100000"/>
+              </a:lnSpc>
+              <a:spcBef>
+                <a:spcPts val="0"/>
+              </a:spcBef>
+              <a:spcAft>
+                <a:spcPts val="0"/>
+              </a:spcAft>
+              <a:buClrTx/>
+              <a:buSzTx/>
+              <a:buFontTx/>
+              <a:buNone/>
+              <a:tabLst/>
+              <a:defRPr/>
+            </a:pPr>
+            <a:r>
+              <a:rPr kumimoji="0" lang="pt-PT" sz="800" b="1" i="0" u="none" strike="noStrike" kern="1200" cap="none" spc="0" normalizeH="0" baseline="0" noProof="0" dirty="0">
+                <a:ln>
+                  <a:noFill/>
+                </a:ln>
+                <a:solidFill>
+                  <a:schemeClr val="bg1">
+                    <a:lumMod val="50000"/>
+                  </a:schemeClr>
+                </a:solidFill>
+                <a:effectLst/>
+                <a:uLnTx/>
+                <a:uFillTx/>
+                <a:latin typeface="Calibri"/>
+                <a:ea typeface="+mn-ea"/>
+                <a:cs typeface="+mn-cs"/>
+              </a:rPr>
+              <a:t>8</a:t>
+            </a:r>
           </a:p>
         </p:txBody>
       </p:sp>
@@ -21473,13 +22586,13 @@
   <p:clrMapOvr>
     <a:masterClrMapping/>
   </p:clrMapOvr>
-  <mc:AlternateContent xmlns:mc="http://schemas.openxmlformats.org/markup-compatibility/2006">
-    <mc:Choice xmlns:p159="http://schemas.microsoft.com/office/powerpoint/2015/09/main" Requires="p159">
+  <mc:AlternateContent xmlns:mc="http://schemas.openxmlformats.org/markup-compatibility/2006" xmlns:p159="http://schemas.microsoft.com/office/powerpoint/2015/09/main">
+    <mc:Choice Requires="p159">
       <p:transition xmlns:p14="http://schemas.microsoft.com/office/powerpoint/2010/main" spd="slow" p14:dur="2000">
         <p159:morph option="byObject"/>
       </p:transition>
     </mc:Choice>
-    <mc:Fallback>
+    <mc:Fallback xmlns="">
       <p:transition spd="slow">
         <p:fade/>
       </p:transition>

--- a/documentacao/Especificacao_Sistema_Informacao/android/IPL-TeSP-AMSI-SARAMAGO.pptx
+++ b/documentacao/Especificacao_Sistema_Informacao/android/IPL-TeSP-AMSI-SARAMAGO.pptx
@@ -14967,7 +14967,7 @@
           <p:nvPr>
             <p:extLst>
               <p:ext uri="{D42A27DB-BD31-4B8C-83A1-F6EECF244321}">
-                <p14:modId xmlns:p14="http://schemas.microsoft.com/office/powerpoint/2010/main" val="1753077987"/>
+                <p14:modId xmlns:p14="http://schemas.microsoft.com/office/powerpoint/2010/main" val="3934023192"/>
               </p:ext>
             </p:extLst>
           </p:nvPr>
@@ -15218,7 +15218,7 @@
                     <a:p>
                       <a:r>
                         <a:rPr lang="pt-PT" sz="1100" dirty="0"/>
-                        <a:t>05/12</a:t>
+                        <a:t>12/12</a:t>
                       </a:r>
                     </a:p>
                   </a:txBody>
@@ -15238,7 +15238,7 @@
                     <a:p>
                       <a:r>
                         <a:rPr lang="pt-PT" sz="1100" dirty="0"/>
-                        <a:t>06/12</a:t>
+                        <a:t>14/12</a:t>
                       </a:r>
                     </a:p>
                   </a:txBody>
@@ -15258,7 +15258,7 @@
                     <a:p>
                       <a:r>
                         <a:rPr lang="pt-PT" sz="1100" dirty="0"/>
-                        <a:t>08/12</a:t>
+                        <a:t>16/12</a:t>
                       </a:r>
                     </a:p>
                   </a:txBody>
@@ -19572,12 +19572,12 @@
               <a:t>Pretende-se conceber uma aplicação </a:t>
             </a:r>
             <a:r>
-              <a:rPr lang="pt-PT" i="1" dirty="0" err="1"/>
+              <a:rPr lang="pt-PT" i="1" dirty="0"/>
               <a:t>android</a:t>
             </a:r>
             <a:r>
               <a:rPr lang="pt-PT" dirty="0"/>
-              <a:t> complementar para um sistemas integrado de gestão de bibliotecas, onde se faça desde a gestão de documentação aos seus aos empréstimos efetuados pelos seus leitores.</a:t>
+              <a:t> complementar para um sistema integrado de gestão de bibliotecas, onde se faça desde a gestão de documentação aos seus aos empréstimos efetuados pelos seus leitores.</a:t>
             </a:r>
           </a:p>
           <a:p>
